--- a/bishops/cs321/resources/CS321_Lecture_06.pptx
+++ b/bishops/cs321/resources/CS321_Lecture_06.pptx
@@ -145,7 +145,7 @@
   </p:defaultTextStyle>
   <p:extLst>
     <p:ext uri="{EFAFB233-063F-42B5-8137-9DF3F51BA10A}">
-      <p15:sldGuideLst xmlns:p15="http://schemas.microsoft.com/office/powerpoint/2012/main"/>
+      <p15:sldGuideLst xmlns:p15="http://schemas.microsoft.com/office/powerpoint/2012/main" xmlns=""/>
     </p:ext>
   </p:extLst>
 </p:presentation>
@@ -156,7 +156,7 @@
   <p:cmAuthor id="1" name="Gregory" initials="G" lastIdx="1" clrIdx="0">
     <p:extLst>
       <p:ext uri="{19B8F6BF-5375-455C-9EA6-DF929625EA0E}">
-        <p15:presenceInfo xmlns:p15="http://schemas.microsoft.com/office/powerpoint/2012/main" userId="Gregory" providerId="None"/>
+        <p15:presenceInfo xmlns:p15="http://schemas.microsoft.com/office/powerpoint/2012/main" xmlns="" userId="Gregory" providerId="None"/>
       </p:ext>
     </p:extLst>
   </p:cmAuthor>
@@ -245,7 +245,8 @@
           <a:p>
             <a:fld id="{A6583E9D-07AB-4C6D-BFD0-47E805C6B3D4}" type="datetimeFigureOut">
               <a:rPr lang="en-CA" smtClean="0"/>
-              <a:t>2022-01-31</a:t>
+              <a:pPr/>
+              <a:t>2025-01-05</a:t>
             </a:fld>
             <a:endParaRPr lang="en-CA"/>
           </a:p>
@@ -404,6 +405,7 @@
           <a:p>
             <a:fld id="{8F20841C-25C9-4C0C-A7FA-C4A363D14F5A}" type="slidenum">
               <a:rPr lang="en-CA" smtClean="0"/>
+              <a:pPr/>
               <a:t>‹#›</a:t>
             </a:fld>
             <a:endParaRPr lang="en-CA"/>
@@ -413,7 +415,7 @@
     </p:spTree>
     <p:extLst>
       <p:ext uri="{BB962C8B-B14F-4D97-AF65-F5344CB8AC3E}">
-        <p14:creationId xmlns:p14="http://schemas.microsoft.com/office/powerpoint/2010/main" val="4237529172"/>
+        <p14:creationId xmlns:p14="http://schemas.microsoft.com/office/powerpoint/2010/main" xmlns="" val="4237529172"/>
       </p:ext>
     </p:extLst>
   </p:cSld>
@@ -557,14 +559,6 @@
           <a:bodyPr/>
           <a:lstStyle/>
           <a:p>
-            <a:r>
-              <a:rPr lang="en-CA" dirty="0"/>
-              <a:t>Multi-instrument</a:t>
-            </a:r>
-            <a:r>
-              <a:rPr lang="en-CA" baseline="0" dirty="0"/>
-              <a:t> / Multi-instrument Inter-process (minus the)-with Eye Trackers-</a:t>
-            </a:r>
             <a:endParaRPr lang="en-CA" dirty="0"/>
           </a:p>
         </p:txBody>
@@ -586,6 +580,7 @@
           <a:p>
             <a:fld id="{8F20841C-25C9-4C0C-A7FA-C4A363D14F5A}" type="slidenum">
               <a:rPr lang="en-CA" smtClean="0"/>
+              <a:pPr/>
               <a:t>1</a:t>
             </a:fld>
             <a:endParaRPr lang="en-CA"/>
@@ -595,7 +590,7 @@
     </p:spTree>
     <p:extLst>
       <p:ext uri="{BB962C8B-B14F-4D97-AF65-F5344CB8AC3E}">
-        <p14:creationId xmlns:p14="http://schemas.microsoft.com/office/powerpoint/2010/main" val="2340334442"/>
+        <p14:creationId xmlns:p14="http://schemas.microsoft.com/office/powerpoint/2010/main" xmlns="" val="2340334442"/>
       </p:ext>
     </p:extLst>
   </p:cSld>
@@ -670,6 +665,7 @@
           <a:p>
             <a:fld id="{8F20841C-25C9-4C0C-A7FA-C4A363D14F5A}" type="slidenum">
               <a:rPr lang="en-CA" smtClean="0"/>
+              <a:pPr/>
               <a:t>14</a:t>
             </a:fld>
             <a:endParaRPr lang="en-CA"/>
@@ -679,7 +675,7 @@
     </p:spTree>
     <p:extLst>
       <p:ext uri="{BB962C8B-B14F-4D97-AF65-F5344CB8AC3E}">
-        <p14:creationId xmlns:p14="http://schemas.microsoft.com/office/powerpoint/2010/main" val="605109939"/>
+        <p14:creationId xmlns:p14="http://schemas.microsoft.com/office/powerpoint/2010/main" xmlns="" val="605109939"/>
       </p:ext>
     </p:extLst>
   </p:cSld>
@@ -873,6 +869,7 @@
           <a:p>
             <a:fld id="{5174927E-2439-42C0-9720-7BBCA09BF46F}" type="slidenum">
               <a:rPr lang="en-CA" smtClean="0"/>
+              <a:pPr/>
               <a:t>‹#›</a:t>
             </a:fld>
             <a:endParaRPr lang="en-CA"/>
@@ -882,7 +879,7 @@
     </p:spTree>
     <p:extLst>
       <p:ext uri="{BB962C8B-B14F-4D97-AF65-F5344CB8AC3E}">
-        <p14:creationId xmlns:p14="http://schemas.microsoft.com/office/powerpoint/2010/main" val="1900560834"/>
+        <p14:creationId xmlns:p14="http://schemas.microsoft.com/office/powerpoint/2010/main" xmlns="" val="1900560834"/>
       </p:ext>
     </p:extLst>
   </p:cSld>
@@ -1046,6 +1043,7 @@
           <a:p>
             <a:fld id="{5174927E-2439-42C0-9720-7BBCA09BF46F}" type="slidenum">
               <a:rPr lang="en-CA" smtClean="0"/>
+              <a:pPr/>
               <a:t>‹#›</a:t>
             </a:fld>
             <a:endParaRPr lang="en-CA"/>
@@ -1055,7 +1053,7 @@
     </p:spTree>
     <p:extLst>
       <p:ext uri="{BB962C8B-B14F-4D97-AF65-F5344CB8AC3E}">
-        <p14:creationId xmlns:p14="http://schemas.microsoft.com/office/powerpoint/2010/main" val="3722958745"/>
+        <p14:creationId xmlns:p14="http://schemas.microsoft.com/office/powerpoint/2010/main" xmlns="" val="3722958745"/>
       </p:ext>
     </p:extLst>
   </p:cSld>
@@ -1291,7 +1289,7 @@
     </p:spTree>
     <p:extLst>
       <p:ext uri="{BB962C8B-B14F-4D97-AF65-F5344CB8AC3E}">
-        <p14:creationId xmlns:p14="http://schemas.microsoft.com/office/powerpoint/2010/main" val="1822376042"/>
+        <p14:creationId xmlns:p14="http://schemas.microsoft.com/office/powerpoint/2010/main" xmlns="" val="1822376042"/>
       </p:ext>
     </p:extLst>
   </p:cSld>
@@ -1531,6 +1529,7 @@
           <a:p>
             <a:fld id="{5174927E-2439-42C0-9720-7BBCA09BF46F}" type="slidenum">
               <a:rPr lang="en-CA" smtClean="0"/>
+              <a:pPr/>
               <a:t>‹#›</a:t>
             </a:fld>
             <a:endParaRPr lang="en-CA"/>
@@ -1540,7 +1539,7 @@
     </p:spTree>
     <p:extLst>
       <p:ext uri="{BB962C8B-B14F-4D97-AF65-F5344CB8AC3E}">
-        <p14:creationId xmlns:p14="http://schemas.microsoft.com/office/powerpoint/2010/main" val="3411672561"/>
+        <p14:creationId xmlns:p14="http://schemas.microsoft.com/office/powerpoint/2010/main" xmlns="" val="3411672561"/>
       </p:ext>
     </p:extLst>
   </p:cSld>
@@ -1766,6 +1765,7 @@
           <a:p>
             <a:fld id="{5174927E-2439-42C0-9720-7BBCA09BF46F}" type="slidenum">
               <a:rPr lang="en-CA" smtClean="0"/>
+              <a:pPr/>
               <a:t>‹#›</a:t>
             </a:fld>
             <a:endParaRPr lang="en-CA"/>
@@ -1775,7 +1775,7 @@
     </p:spTree>
     <p:extLst>
       <p:ext uri="{BB962C8B-B14F-4D97-AF65-F5344CB8AC3E}">
-        <p14:creationId xmlns:p14="http://schemas.microsoft.com/office/powerpoint/2010/main" val="1093008526"/>
+        <p14:creationId xmlns:p14="http://schemas.microsoft.com/office/powerpoint/2010/main" xmlns="" val="1093008526"/>
       </p:ext>
     </p:extLst>
   </p:cSld>
@@ -2136,6 +2136,7 @@
           <a:p>
             <a:fld id="{5174927E-2439-42C0-9720-7BBCA09BF46F}" type="slidenum">
               <a:rPr lang="en-CA" smtClean="0"/>
+              <a:pPr/>
               <a:t>‹#›</a:t>
             </a:fld>
             <a:endParaRPr lang="en-CA"/>
@@ -2145,7 +2146,7 @@
     </p:spTree>
     <p:extLst>
       <p:ext uri="{BB962C8B-B14F-4D97-AF65-F5344CB8AC3E}">
-        <p14:creationId xmlns:p14="http://schemas.microsoft.com/office/powerpoint/2010/main" val="1087924878"/>
+        <p14:creationId xmlns:p14="http://schemas.microsoft.com/office/powerpoint/2010/main" xmlns="" val="1087924878"/>
       </p:ext>
     </p:extLst>
   </p:cSld>
@@ -2257,6 +2258,7 @@
           <a:p>
             <a:fld id="{5174927E-2439-42C0-9720-7BBCA09BF46F}" type="slidenum">
               <a:rPr lang="en-CA" smtClean="0"/>
+              <a:pPr/>
               <a:t>‹#›</a:t>
             </a:fld>
             <a:endParaRPr lang="en-CA"/>
@@ -2266,7 +2268,7 @@
     </p:spTree>
     <p:extLst>
       <p:ext uri="{BB962C8B-B14F-4D97-AF65-F5344CB8AC3E}">
-        <p14:creationId xmlns:p14="http://schemas.microsoft.com/office/powerpoint/2010/main" val="3802387408"/>
+        <p14:creationId xmlns:p14="http://schemas.microsoft.com/office/powerpoint/2010/main" xmlns="" val="3802387408"/>
       </p:ext>
     </p:extLst>
   </p:cSld>
@@ -2355,6 +2357,7 @@
           <a:p>
             <a:fld id="{5174927E-2439-42C0-9720-7BBCA09BF46F}" type="slidenum">
               <a:rPr lang="en-CA" smtClean="0"/>
+              <a:pPr/>
               <a:t>‹#›</a:t>
             </a:fld>
             <a:endParaRPr lang="en-CA"/>
@@ -2364,7 +2367,7 @@
     </p:spTree>
     <p:extLst>
       <p:ext uri="{BB962C8B-B14F-4D97-AF65-F5344CB8AC3E}">
-        <p14:creationId xmlns:p14="http://schemas.microsoft.com/office/powerpoint/2010/main" val="4234091411"/>
+        <p14:creationId xmlns:p14="http://schemas.microsoft.com/office/powerpoint/2010/main" xmlns="" val="4234091411"/>
       </p:ext>
     </p:extLst>
   </p:cSld>
@@ -2635,6 +2638,7 @@
           <a:p>
             <a:fld id="{5174927E-2439-42C0-9720-7BBCA09BF46F}" type="slidenum">
               <a:rPr lang="en-CA" smtClean="0"/>
+              <a:pPr/>
               <a:t>‹#›</a:t>
             </a:fld>
             <a:endParaRPr lang="en-CA"/>
@@ -2644,7 +2648,7 @@
     </p:spTree>
     <p:extLst>
       <p:ext uri="{BB962C8B-B14F-4D97-AF65-F5344CB8AC3E}">
-        <p14:creationId xmlns:p14="http://schemas.microsoft.com/office/powerpoint/2010/main" val="4189422420"/>
+        <p14:creationId xmlns:p14="http://schemas.microsoft.com/office/powerpoint/2010/main" xmlns="" val="4189422420"/>
       </p:ext>
     </p:extLst>
   </p:cSld>
@@ -2891,6 +2895,7 @@
           <a:p>
             <a:fld id="{5174927E-2439-42C0-9720-7BBCA09BF46F}" type="slidenum">
               <a:rPr lang="en-CA" smtClean="0"/>
+              <a:pPr/>
               <a:t>‹#›</a:t>
             </a:fld>
             <a:endParaRPr lang="en-CA"/>
@@ -2900,7 +2905,7 @@
     </p:spTree>
     <p:extLst>
       <p:ext uri="{BB962C8B-B14F-4D97-AF65-F5344CB8AC3E}">
-        <p14:creationId xmlns:p14="http://schemas.microsoft.com/office/powerpoint/2010/main" val="3252977898"/>
+        <p14:creationId xmlns:p14="http://schemas.microsoft.com/office/powerpoint/2010/main" xmlns="" val="3252977898"/>
       </p:ext>
     </p:extLst>
   </p:cSld>
@@ -3166,10 +3171,10 @@
           <p:nvPr userDrawn="1"/>
         </p:nvPicPr>
         <p:blipFill>
-          <a:blip r:embed="rId13">
+          <a:blip r:embed="rId13" cstate="print">
             <a:extLst>
               <a:ext uri="{28A0092B-C50C-407E-A947-70E740481C1C}">
-                <a14:useLocalDpi xmlns:a14="http://schemas.microsoft.com/office/drawing/2010/main" val="0"/>
+                <a14:useLocalDpi xmlns:a14="http://schemas.microsoft.com/office/drawing/2010/main" xmlns="" val="0"/>
               </a:ext>
             </a:extLst>
           </a:blip>
@@ -3190,7 +3195,7 @@
     </p:spTree>
     <p:extLst>
       <p:ext uri="{BB962C8B-B14F-4D97-AF65-F5344CB8AC3E}">
-        <p14:creationId xmlns:p14="http://schemas.microsoft.com/office/powerpoint/2010/main" val="4230061028"/>
+        <p14:creationId xmlns:p14="http://schemas.microsoft.com/office/powerpoint/2010/main" xmlns="" val="4230061028"/>
       </p:ext>
     </p:extLst>
   </p:cSld>
@@ -3627,17 +3632,12 @@
           <a:p>
             <a:r>
               <a:rPr lang="en-CA" dirty="0"/>
-              <a:t>Prof: Gregory Mierzwinski</a:t>
-            </a:r>
-            <a:endParaRPr lang="en-CA" baseline="30000" dirty="0"/>
-          </a:p>
-          <a:p>
-            <a:r>
-              <a:rPr lang="en-CA" dirty="0"/>
-              <a:t>Date: January 31, 2022</a:t>
-            </a:r>
-          </a:p>
-          <a:p>
+              <a:t>Prof: Gregory </a:t>
+            </a:r>
+            <a:r>
+              <a:rPr lang="en-CA" dirty="0" err="1" smtClean="0"/>
+              <a:t>Mierzwinski</a:t>
+            </a:r>
             <a:endParaRPr lang="en-CA" dirty="0"/>
           </a:p>
         </p:txBody>
@@ -3647,7 +3647,7 @@
           <p:cNvPr id="13" name="Picture 8" descr="http://osiris.ubishops.ca/~alussier/images/transparentlogo_bu.png">
             <a:extLst>
               <a:ext uri="{FF2B5EF4-FFF2-40B4-BE49-F238E27FC236}">
-                <a16:creationId xmlns:a16="http://schemas.microsoft.com/office/drawing/2014/main" id="{CCB9A035-2F1C-4B96-A5DB-70B72D6E4AD8}"/>
+                <a16:creationId xmlns:a16="http://schemas.microsoft.com/office/drawing/2014/main" xmlns="" id="{CCB9A035-2F1C-4B96-A5DB-70B72D6E4AD8}"/>
               </a:ext>
             </a:extLst>
           </p:cNvPr>
@@ -3657,10 +3657,10 @@
           <p:nvPr/>
         </p:nvPicPr>
         <p:blipFill>
-          <a:blip r:embed="rId3">
+          <a:blip r:embed="rId3" cstate="print">
             <a:extLst>
               <a:ext uri="{28A0092B-C50C-407E-A947-70E740481C1C}">
-                <a14:useLocalDpi xmlns:a14="http://schemas.microsoft.com/office/drawing/2010/main" val="0"/>
+                <a14:useLocalDpi xmlns:a14="http://schemas.microsoft.com/office/drawing/2010/main" xmlns="" val="0"/>
               </a:ext>
             </a:extLst>
           </a:blip>
@@ -3680,7 +3680,7 @@
           <a:noFill/>
           <a:extLst>
             <a:ext uri="{909E8E84-426E-40DD-AFC4-6F175D3DCCD1}">
-              <a14:hiddenFill xmlns:a14="http://schemas.microsoft.com/office/drawing/2010/main">
+              <a14:hiddenFill xmlns:a14="http://schemas.microsoft.com/office/drawing/2010/main" xmlns="">
                 <a:solidFill>
                   <a:srgbClr val="FFFFFF"/>
                 </a:solidFill>
@@ -3692,7 +3692,7 @@
     </p:spTree>
     <p:extLst>
       <p:ext uri="{BB962C8B-B14F-4D97-AF65-F5344CB8AC3E}">
-        <p14:creationId xmlns:p14="http://schemas.microsoft.com/office/powerpoint/2010/main" val="4177077622"/>
+        <p14:creationId xmlns:p14="http://schemas.microsoft.com/office/powerpoint/2010/main" xmlns="" val="4177077622"/>
       </p:ext>
     </p:extLst>
   </p:cSld>
@@ -3770,28 +3770,6 @@
       </p:sp>
       <p:sp>
         <p:nvSpPr>
-          <p:cNvPr id="6" name="Date Placeholder 5"/>
-          <p:cNvSpPr>
-            <a:spLocks noGrp="1"/>
-          </p:cNvSpPr>
-          <p:nvPr>
-            <p:ph type="dt" sz="half" idx="2"/>
-          </p:nvPr>
-        </p:nvSpPr>
-        <p:spPr/>
-        <p:txBody>
-          <a:bodyPr/>
-          <a:lstStyle/>
-          <a:p>
-            <a:r>
-              <a:rPr lang="en-CA" dirty="0"/>
-              <a:t>Winter 2022</a:t>
-            </a:r>
-          </a:p>
-        </p:txBody>
-      </p:sp>
-      <p:sp>
-        <p:nvSpPr>
           <p:cNvPr id="10" name="Footer Placeholder 9"/>
           <p:cNvSpPr>
             <a:spLocks noGrp="1"/>
@@ -3844,7 +3822,7 @@
           <p:cNvPr id="8" name="Group 3">
             <a:extLst>
               <a:ext uri="{FF2B5EF4-FFF2-40B4-BE49-F238E27FC236}">
-                <a16:creationId xmlns:a16="http://schemas.microsoft.com/office/drawing/2014/main" id="{F66084D1-3BE9-486A-BA4A-8E0AF75106C5}"/>
+                <a16:creationId xmlns:a16="http://schemas.microsoft.com/office/drawing/2014/main" xmlns="" id="{F66084D1-3BE9-486A-BA4A-8E0AF75106C5}"/>
               </a:ext>
             </a:extLst>
           </p:cNvPr>
@@ -3866,7 +3844,7 @@
             <p:cNvPr id="9" name="AutoShape 4">
               <a:extLst>
                 <a:ext uri="{FF2B5EF4-FFF2-40B4-BE49-F238E27FC236}">
-                  <a16:creationId xmlns:a16="http://schemas.microsoft.com/office/drawing/2014/main" id="{3C82847E-7E0D-49D3-9B87-91EB44D70E2D}"/>
+                  <a16:creationId xmlns:a16="http://schemas.microsoft.com/office/drawing/2014/main" xmlns="" id="{3C82847E-7E0D-49D3-9B87-91EB44D70E2D}"/>
                 </a:ext>
               </a:extLst>
             </p:cNvPr>
@@ -4007,7 +3985,7 @@
             <p:cNvPr id="11" name="Text Box 5">
               <a:extLst>
                 <a:ext uri="{FF2B5EF4-FFF2-40B4-BE49-F238E27FC236}">
-                  <a16:creationId xmlns:a16="http://schemas.microsoft.com/office/drawing/2014/main" id="{3024CD90-EDAD-4319-B0FB-68801EA4DA6B}"/>
+                  <a16:creationId xmlns:a16="http://schemas.microsoft.com/office/drawing/2014/main" xmlns="" id="{3024CD90-EDAD-4319-B0FB-68801EA4DA6B}"/>
                 </a:ext>
               </a:extLst>
             </p:cNvPr>
@@ -4030,14 +4008,14 @@
             </a:ln>
             <a:extLst>
               <a:ext uri="{909E8E84-426E-40DD-AFC4-6F175D3DCCD1}">
-                <a14:hiddenFill xmlns:a14="http://schemas.microsoft.com/office/drawing/2010/main">
+                <a14:hiddenFill xmlns:a14="http://schemas.microsoft.com/office/drawing/2010/main" xmlns="">
                   <a:solidFill>
                     <a:srgbClr val="FFFFFF"/>
                   </a:solidFill>
                 </a14:hiddenFill>
               </a:ext>
               <a:ext uri="{91240B29-F687-4F45-9708-019B960494DF}">
-                <a14:hiddenLine xmlns:a14="http://schemas.microsoft.com/office/drawing/2010/main" w="9525">
+                <a14:hiddenLine xmlns:a14="http://schemas.microsoft.com/office/drawing/2010/main" xmlns="" w="9525">
                   <a:solidFill>
                     <a:srgbClr val="000000"/>
                   </a:solidFill>
@@ -4957,7 +4935,7 @@
     </p:spTree>
     <p:extLst>
       <p:ext uri="{BB962C8B-B14F-4D97-AF65-F5344CB8AC3E}">
-        <p14:creationId xmlns:p14="http://schemas.microsoft.com/office/powerpoint/2010/main" val="3324926567"/>
+        <p14:creationId xmlns:p14="http://schemas.microsoft.com/office/powerpoint/2010/main" xmlns="" val="3324926567"/>
       </p:ext>
     </p:extLst>
   </p:cSld>
@@ -5068,28 +5046,6 @@
       </p:sp>
       <p:sp>
         <p:nvSpPr>
-          <p:cNvPr id="6" name="Date Placeholder 5"/>
-          <p:cNvSpPr>
-            <a:spLocks noGrp="1"/>
-          </p:cNvSpPr>
-          <p:nvPr>
-            <p:ph type="dt" sz="half" idx="2"/>
-          </p:nvPr>
-        </p:nvSpPr>
-        <p:spPr/>
-        <p:txBody>
-          <a:bodyPr/>
-          <a:lstStyle/>
-          <a:p>
-            <a:r>
-              <a:rPr lang="en-CA" dirty="0"/>
-              <a:t>Winter 2022</a:t>
-            </a:r>
-          </a:p>
-        </p:txBody>
-      </p:sp>
-      <p:sp>
-        <p:nvSpPr>
           <p:cNvPr id="10" name="Footer Placeholder 9"/>
           <p:cNvSpPr>
             <a:spLocks noGrp="1"/>
@@ -5140,7 +5096,7 @@
     </p:spTree>
     <p:extLst>
       <p:ext uri="{BB962C8B-B14F-4D97-AF65-F5344CB8AC3E}">
-        <p14:creationId xmlns:p14="http://schemas.microsoft.com/office/powerpoint/2010/main" val="2164119821"/>
+        <p14:creationId xmlns:p14="http://schemas.microsoft.com/office/powerpoint/2010/main" xmlns="" val="2164119821"/>
       </p:ext>
     </p:extLst>
   </p:cSld>
@@ -5218,28 +5174,6 @@
       </p:sp>
       <p:sp>
         <p:nvSpPr>
-          <p:cNvPr id="6" name="Date Placeholder 5"/>
-          <p:cNvSpPr>
-            <a:spLocks noGrp="1"/>
-          </p:cNvSpPr>
-          <p:nvPr>
-            <p:ph type="dt" sz="half" idx="2"/>
-          </p:nvPr>
-        </p:nvSpPr>
-        <p:spPr/>
-        <p:txBody>
-          <a:bodyPr/>
-          <a:lstStyle/>
-          <a:p>
-            <a:r>
-              <a:rPr lang="en-CA" dirty="0"/>
-              <a:t>Winter 2022</a:t>
-            </a:r>
-          </a:p>
-        </p:txBody>
-      </p:sp>
-      <p:sp>
-        <p:nvSpPr>
           <p:cNvPr id="10" name="Footer Placeholder 9"/>
           <p:cNvSpPr>
             <a:spLocks noGrp="1"/>
@@ -5292,7 +5226,7 @@
           <p:cNvPr id="7" name="Group 3">
             <a:extLst>
               <a:ext uri="{FF2B5EF4-FFF2-40B4-BE49-F238E27FC236}">
-                <a16:creationId xmlns:a16="http://schemas.microsoft.com/office/drawing/2014/main" id="{137B6D70-BBF3-4C5D-B5F1-78D5A727899F}"/>
+                <a16:creationId xmlns:a16="http://schemas.microsoft.com/office/drawing/2014/main" xmlns="" id="{137B6D70-BBF3-4C5D-B5F1-78D5A727899F}"/>
               </a:ext>
             </a:extLst>
           </p:cNvPr>
@@ -5314,7 +5248,7 @@
             <p:cNvPr id="8" name="AutoShape 4">
               <a:extLst>
                 <a:ext uri="{FF2B5EF4-FFF2-40B4-BE49-F238E27FC236}">
-                  <a16:creationId xmlns:a16="http://schemas.microsoft.com/office/drawing/2014/main" id="{8185E2CD-E0E0-49A0-AA5C-8A67F7A70ECE}"/>
+                  <a16:creationId xmlns:a16="http://schemas.microsoft.com/office/drawing/2014/main" xmlns="" id="{8185E2CD-E0E0-49A0-AA5C-8A67F7A70ECE}"/>
                 </a:ext>
               </a:extLst>
             </p:cNvPr>
@@ -5455,7 +5389,7 @@
             <p:cNvPr id="9" name="Text Box 5">
               <a:extLst>
                 <a:ext uri="{FF2B5EF4-FFF2-40B4-BE49-F238E27FC236}">
-                  <a16:creationId xmlns:a16="http://schemas.microsoft.com/office/drawing/2014/main" id="{B503E8F1-4E1C-4587-A157-A82B653E4CA5}"/>
+                  <a16:creationId xmlns:a16="http://schemas.microsoft.com/office/drawing/2014/main" xmlns="" id="{B503E8F1-4E1C-4587-A157-A82B653E4CA5}"/>
                 </a:ext>
               </a:extLst>
             </p:cNvPr>
@@ -5478,14 +5412,14 @@
             </a:ln>
             <a:extLst>
               <a:ext uri="{909E8E84-426E-40DD-AFC4-6F175D3DCCD1}">
-                <a14:hiddenFill xmlns:a14="http://schemas.microsoft.com/office/drawing/2010/main">
+                <a14:hiddenFill xmlns:a14="http://schemas.microsoft.com/office/drawing/2010/main" xmlns="">
                   <a:solidFill>
                     <a:srgbClr val="FFFFFF"/>
                   </a:solidFill>
                 </a14:hiddenFill>
               </a:ext>
               <a:ext uri="{91240B29-F687-4F45-9708-019B960494DF}">
-                <a14:hiddenLine xmlns:a14="http://schemas.microsoft.com/office/drawing/2010/main" w="9525">
+                <a14:hiddenLine xmlns:a14="http://schemas.microsoft.com/office/drawing/2010/main" xmlns="" w="9525">
                   <a:solidFill>
                     <a:srgbClr val="000000"/>
                   </a:solidFill>
@@ -6251,7 +6185,7 @@
     </p:spTree>
     <p:extLst>
       <p:ext uri="{BB962C8B-B14F-4D97-AF65-F5344CB8AC3E}">
-        <p14:creationId xmlns:p14="http://schemas.microsoft.com/office/powerpoint/2010/main" val="4042133477"/>
+        <p14:creationId xmlns:p14="http://schemas.microsoft.com/office/powerpoint/2010/main" xmlns="" val="4042133477"/>
       </p:ext>
     </p:extLst>
   </p:cSld>
@@ -6329,28 +6263,6 @@
       </p:sp>
       <p:sp>
         <p:nvSpPr>
-          <p:cNvPr id="6" name="Date Placeholder 5"/>
-          <p:cNvSpPr>
-            <a:spLocks noGrp="1"/>
-          </p:cNvSpPr>
-          <p:nvPr>
-            <p:ph type="dt" sz="half" idx="2"/>
-          </p:nvPr>
-        </p:nvSpPr>
-        <p:spPr/>
-        <p:txBody>
-          <a:bodyPr/>
-          <a:lstStyle/>
-          <a:p>
-            <a:r>
-              <a:rPr lang="en-CA" dirty="0"/>
-              <a:t>Winter 2022</a:t>
-            </a:r>
-          </a:p>
-        </p:txBody>
-      </p:sp>
-      <p:sp>
-        <p:nvSpPr>
           <p:cNvPr id="10" name="Footer Placeholder 9"/>
           <p:cNvSpPr>
             <a:spLocks noGrp="1"/>
@@ -6403,7 +6315,7 @@
           <p:cNvPr id="11" name="AutoShape 3">
             <a:extLst>
               <a:ext uri="{FF2B5EF4-FFF2-40B4-BE49-F238E27FC236}">
-                <a16:creationId xmlns:a16="http://schemas.microsoft.com/office/drawing/2014/main" id="{BBBE85D5-38A5-4422-A965-63ED0908CBA7}"/>
+                <a16:creationId xmlns:a16="http://schemas.microsoft.com/office/drawing/2014/main" xmlns="" id="{BBBE85D5-38A5-4422-A965-63ED0908CBA7}"/>
               </a:ext>
             </a:extLst>
           </p:cNvPr>
@@ -6544,7 +6456,7 @@
           <p:cNvPr id="13" name="Text Box 4">
             <a:extLst>
               <a:ext uri="{FF2B5EF4-FFF2-40B4-BE49-F238E27FC236}">
-                <a16:creationId xmlns:a16="http://schemas.microsoft.com/office/drawing/2014/main" id="{B39FF972-E8C3-48C2-B87A-529AB1CEB94B}"/>
+                <a16:creationId xmlns:a16="http://schemas.microsoft.com/office/drawing/2014/main" xmlns="" id="{B39FF972-E8C3-48C2-B87A-529AB1CEB94B}"/>
               </a:ext>
             </a:extLst>
           </p:cNvPr>
@@ -6567,14 +6479,14 @@
           </a:ln>
           <a:extLst>
             <a:ext uri="{909E8E84-426E-40DD-AFC4-6F175D3DCCD1}">
-              <a14:hiddenFill xmlns:a14="http://schemas.microsoft.com/office/drawing/2010/main">
+              <a14:hiddenFill xmlns:a14="http://schemas.microsoft.com/office/drawing/2010/main" xmlns="">
                 <a:solidFill>
                   <a:srgbClr val="FFFFFF"/>
                 </a:solidFill>
               </a14:hiddenFill>
             </a:ext>
             <a:ext uri="{91240B29-F687-4F45-9708-019B960494DF}">
-              <a14:hiddenLine xmlns:a14="http://schemas.microsoft.com/office/drawing/2010/main" w="9525">
+              <a14:hiddenLine xmlns:a14="http://schemas.microsoft.com/office/drawing/2010/main" xmlns="" w="9525">
                 <a:solidFill>
                   <a:srgbClr val="000000"/>
                 </a:solidFill>
@@ -6994,7 +6906,7 @@
     </p:spTree>
     <p:extLst>
       <p:ext uri="{BB962C8B-B14F-4D97-AF65-F5344CB8AC3E}">
-        <p14:creationId xmlns:p14="http://schemas.microsoft.com/office/powerpoint/2010/main" val="1470913372"/>
+        <p14:creationId xmlns:p14="http://schemas.microsoft.com/office/powerpoint/2010/main" xmlns="" val="1470913372"/>
       </p:ext>
     </p:extLst>
   </p:cSld>
@@ -7108,28 +7020,6 @@
       </p:sp>
       <p:sp>
         <p:nvSpPr>
-          <p:cNvPr id="6" name="Date Placeholder 5"/>
-          <p:cNvSpPr>
-            <a:spLocks noGrp="1"/>
-          </p:cNvSpPr>
-          <p:nvPr>
-            <p:ph type="dt" sz="half" idx="2"/>
-          </p:nvPr>
-        </p:nvSpPr>
-        <p:spPr/>
-        <p:txBody>
-          <a:bodyPr/>
-          <a:lstStyle/>
-          <a:p>
-            <a:r>
-              <a:rPr lang="en-CA" dirty="0"/>
-              <a:t>Winter 2022</a:t>
-            </a:r>
-          </a:p>
-        </p:txBody>
-      </p:sp>
-      <p:sp>
-        <p:nvSpPr>
           <p:cNvPr id="10" name="Footer Placeholder 9"/>
           <p:cNvSpPr>
             <a:spLocks noGrp="1"/>
@@ -7182,7 +7072,7 @@
           <p:cNvPr id="7" name="AutoShape 4">
             <a:extLst>
               <a:ext uri="{FF2B5EF4-FFF2-40B4-BE49-F238E27FC236}">
-                <a16:creationId xmlns:a16="http://schemas.microsoft.com/office/drawing/2014/main" id="{9ED416FE-38EF-4EE4-A8D3-B40B66689BED}"/>
+                <a16:creationId xmlns:a16="http://schemas.microsoft.com/office/drawing/2014/main" xmlns="" id="{9ED416FE-38EF-4EE4-A8D3-B40B66689BED}"/>
               </a:ext>
             </a:extLst>
           </p:cNvPr>
@@ -7323,7 +7213,7 @@
           <p:cNvPr id="8" name="Text Box 5">
             <a:extLst>
               <a:ext uri="{FF2B5EF4-FFF2-40B4-BE49-F238E27FC236}">
-                <a16:creationId xmlns:a16="http://schemas.microsoft.com/office/drawing/2014/main" id="{D520E0D0-C46C-426F-87C6-8867A8D83E30}"/>
+                <a16:creationId xmlns:a16="http://schemas.microsoft.com/office/drawing/2014/main" xmlns="" id="{D520E0D0-C46C-426F-87C6-8867A8D83E30}"/>
               </a:ext>
             </a:extLst>
           </p:cNvPr>
@@ -7346,14 +7236,14 @@
           </a:ln>
           <a:extLst>
             <a:ext uri="{909E8E84-426E-40DD-AFC4-6F175D3DCCD1}">
-              <a14:hiddenFill xmlns:a14="http://schemas.microsoft.com/office/drawing/2010/main">
+              <a14:hiddenFill xmlns:a14="http://schemas.microsoft.com/office/drawing/2010/main" xmlns="">
                 <a:solidFill>
                   <a:srgbClr val="FFFFFF"/>
                 </a:solidFill>
               </a14:hiddenFill>
             </a:ext>
             <a:ext uri="{91240B29-F687-4F45-9708-019B960494DF}">
-              <a14:hiddenLine xmlns:a14="http://schemas.microsoft.com/office/drawing/2010/main" w="9525">
+              <a14:hiddenLine xmlns:a14="http://schemas.microsoft.com/office/drawing/2010/main" xmlns="" w="9525">
                 <a:solidFill>
                   <a:srgbClr val="000000"/>
                 </a:solidFill>
@@ -7626,7 +7516,7 @@
           <p:cNvPr id="9" name="Text Box 6">
             <a:extLst>
               <a:ext uri="{FF2B5EF4-FFF2-40B4-BE49-F238E27FC236}">
-                <a16:creationId xmlns:a16="http://schemas.microsoft.com/office/drawing/2014/main" id="{2921C274-2657-4B5A-85A1-4E7328B13C75}"/>
+                <a16:creationId xmlns:a16="http://schemas.microsoft.com/office/drawing/2014/main" xmlns="" id="{2921C274-2657-4B5A-85A1-4E7328B13C75}"/>
               </a:ext>
             </a:extLst>
           </p:cNvPr>
@@ -7649,14 +7539,14 @@
           </a:ln>
           <a:extLst>
             <a:ext uri="{909E8E84-426E-40DD-AFC4-6F175D3DCCD1}">
-              <a14:hiddenFill xmlns:a14="http://schemas.microsoft.com/office/drawing/2010/main">
+              <a14:hiddenFill xmlns:a14="http://schemas.microsoft.com/office/drawing/2010/main" xmlns="">
                 <a:solidFill>
                   <a:srgbClr val="FFFFFF"/>
                 </a:solidFill>
               </a14:hiddenFill>
             </a:ext>
             <a:ext uri="{91240B29-F687-4F45-9708-019B960494DF}">
-              <a14:hiddenLine xmlns:a14="http://schemas.microsoft.com/office/drawing/2010/main" w="9525">
+              <a14:hiddenLine xmlns:a14="http://schemas.microsoft.com/office/drawing/2010/main" xmlns="" w="9525">
                 <a:solidFill>
                   <a:srgbClr val="000000"/>
                 </a:solidFill>
@@ -7819,7 +7709,7 @@
           <p:cNvPr id="11" name="Text Box 7">
             <a:extLst>
               <a:ext uri="{FF2B5EF4-FFF2-40B4-BE49-F238E27FC236}">
-                <a16:creationId xmlns:a16="http://schemas.microsoft.com/office/drawing/2014/main" id="{69A140C2-A5DF-425E-B95B-C433C7B0AA85}"/>
+                <a16:creationId xmlns:a16="http://schemas.microsoft.com/office/drawing/2014/main" xmlns="" id="{69A140C2-A5DF-425E-B95B-C433C7B0AA85}"/>
               </a:ext>
             </a:extLst>
           </p:cNvPr>
@@ -7842,14 +7732,14 @@
           </a:ln>
           <a:extLst>
             <a:ext uri="{909E8E84-426E-40DD-AFC4-6F175D3DCCD1}">
-              <a14:hiddenFill xmlns:a14="http://schemas.microsoft.com/office/drawing/2010/main">
+              <a14:hiddenFill xmlns:a14="http://schemas.microsoft.com/office/drawing/2010/main" xmlns="">
                 <a:solidFill>
                   <a:srgbClr val="FFFFFF"/>
                 </a:solidFill>
               </a14:hiddenFill>
             </a:ext>
             <a:ext uri="{91240B29-F687-4F45-9708-019B960494DF}">
-              <a14:hiddenLine xmlns:a14="http://schemas.microsoft.com/office/drawing/2010/main" w="9525">
+              <a14:hiddenLine xmlns:a14="http://schemas.microsoft.com/office/drawing/2010/main" xmlns="" w="9525">
                 <a:solidFill>
                   <a:srgbClr val="000000"/>
                 </a:solidFill>
@@ -8012,7 +7902,7 @@
           <p:cNvPr id="13" name="Oval 8">
             <a:extLst>
               <a:ext uri="{FF2B5EF4-FFF2-40B4-BE49-F238E27FC236}">
-                <a16:creationId xmlns:a16="http://schemas.microsoft.com/office/drawing/2014/main" id="{A46A460B-A338-4E5A-9295-6EADBCE3D906}"/>
+                <a16:creationId xmlns:a16="http://schemas.microsoft.com/office/drawing/2014/main" xmlns="" id="{A46A460B-A338-4E5A-9295-6EADBCE3D906}"/>
               </a:ext>
             </a:extLst>
           </p:cNvPr>
@@ -8243,7 +8133,7 @@
           <p:cNvPr id="14" name="Oval 9">
             <a:extLst>
               <a:ext uri="{FF2B5EF4-FFF2-40B4-BE49-F238E27FC236}">
-                <a16:creationId xmlns:a16="http://schemas.microsoft.com/office/drawing/2014/main" id="{AFF21FFC-FB0A-49C2-B173-CDCEE89E3473}"/>
+                <a16:creationId xmlns:a16="http://schemas.microsoft.com/office/drawing/2014/main" xmlns="" id="{AFF21FFC-FB0A-49C2-B173-CDCEE89E3473}"/>
               </a:ext>
             </a:extLst>
           </p:cNvPr>
@@ -8490,7 +8380,7 @@
           <p:cNvPr id="15" name="Line 13">
             <a:extLst>
               <a:ext uri="{FF2B5EF4-FFF2-40B4-BE49-F238E27FC236}">
-                <a16:creationId xmlns:a16="http://schemas.microsoft.com/office/drawing/2014/main" id="{B01B189D-7EE9-4635-95A0-F0AC47FC7685}"/>
+                <a16:creationId xmlns:a16="http://schemas.microsoft.com/office/drawing/2014/main" xmlns="" id="{B01B189D-7EE9-4635-95A0-F0AC47FC7685}"/>
               </a:ext>
             </a:extLst>
           </p:cNvPr>
@@ -8519,12 +8409,12 @@
           <a:effectLst/>
           <a:extLst>
             <a:ext uri="{909E8E84-426E-40DD-AFC4-6F175D3DCCD1}">
-              <a14:hiddenFill xmlns:a14="http://schemas.microsoft.com/office/drawing/2010/main">
+              <a14:hiddenFill xmlns:a14="http://schemas.microsoft.com/office/drawing/2010/main" xmlns="">
                 <a:noFill/>
               </a14:hiddenFill>
             </a:ext>
             <a:ext uri="{AF507438-7753-43E0-B8FC-AC1667EBCBE1}">
-              <a14:hiddenEffects xmlns:a14="http://schemas.microsoft.com/office/drawing/2010/main">
+              <a14:hiddenEffects xmlns:a14="http://schemas.microsoft.com/office/drawing/2010/main" xmlns="">
                 <a:effectLst>
                   <a:outerShdw blurRad="63500" dist="38099" dir="2700000" algn="ctr" rotWithShape="0">
                     <a:schemeClr val="bg2">
@@ -8554,7 +8444,7 @@
           <p:cNvPr id="16" name="Line 14">
             <a:extLst>
               <a:ext uri="{FF2B5EF4-FFF2-40B4-BE49-F238E27FC236}">
-                <a16:creationId xmlns:a16="http://schemas.microsoft.com/office/drawing/2014/main" id="{AAEDF2F3-CB49-4E45-B684-901B0A3782E0}"/>
+                <a16:creationId xmlns:a16="http://schemas.microsoft.com/office/drawing/2014/main" xmlns="" id="{AAEDF2F3-CB49-4E45-B684-901B0A3782E0}"/>
               </a:ext>
             </a:extLst>
           </p:cNvPr>
@@ -8583,12 +8473,12 @@
           <a:effectLst/>
           <a:extLst>
             <a:ext uri="{909E8E84-426E-40DD-AFC4-6F175D3DCCD1}">
-              <a14:hiddenFill xmlns:a14="http://schemas.microsoft.com/office/drawing/2010/main">
+              <a14:hiddenFill xmlns:a14="http://schemas.microsoft.com/office/drawing/2010/main" xmlns="">
                 <a:noFill/>
               </a14:hiddenFill>
             </a:ext>
             <a:ext uri="{AF507438-7753-43E0-B8FC-AC1667EBCBE1}">
-              <a14:hiddenEffects xmlns:a14="http://schemas.microsoft.com/office/drawing/2010/main">
+              <a14:hiddenEffects xmlns:a14="http://schemas.microsoft.com/office/drawing/2010/main" xmlns="">
                 <a:effectLst>
                   <a:outerShdw blurRad="63500" dist="38099" dir="2700000" algn="ctr" rotWithShape="0">
                     <a:schemeClr val="bg2">
@@ -8616,7 +8506,7 @@
     </p:spTree>
     <p:extLst>
       <p:ext uri="{BB962C8B-B14F-4D97-AF65-F5344CB8AC3E}">
-        <p14:creationId xmlns:p14="http://schemas.microsoft.com/office/powerpoint/2010/main" val="701769279"/>
+        <p14:creationId xmlns:p14="http://schemas.microsoft.com/office/powerpoint/2010/main" xmlns="" val="701769279"/>
       </p:ext>
     </p:extLst>
   </p:cSld>
@@ -8694,28 +8584,6 @@
       </p:sp>
       <p:sp>
         <p:nvSpPr>
-          <p:cNvPr id="6" name="Date Placeholder 5"/>
-          <p:cNvSpPr>
-            <a:spLocks noGrp="1"/>
-          </p:cNvSpPr>
-          <p:nvPr>
-            <p:ph type="dt" sz="half" idx="2"/>
-          </p:nvPr>
-        </p:nvSpPr>
-        <p:spPr/>
-        <p:txBody>
-          <a:bodyPr/>
-          <a:lstStyle/>
-          <a:p>
-            <a:r>
-              <a:rPr lang="en-CA" dirty="0"/>
-              <a:t>Winter 2022</a:t>
-            </a:r>
-          </a:p>
-        </p:txBody>
-      </p:sp>
-      <p:sp>
-        <p:nvSpPr>
           <p:cNvPr id="10" name="Footer Placeholder 9"/>
           <p:cNvSpPr>
             <a:spLocks noGrp="1"/>
@@ -8768,7 +8636,7 @@
           <p:cNvPr id="7" name="Text Box 6">
             <a:extLst>
               <a:ext uri="{FF2B5EF4-FFF2-40B4-BE49-F238E27FC236}">
-                <a16:creationId xmlns:a16="http://schemas.microsoft.com/office/drawing/2014/main" id="{D4F146D4-B34A-4FA5-B9EC-188D8034732E}"/>
+                <a16:creationId xmlns:a16="http://schemas.microsoft.com/office/drawing/2014/main" xmlns="" id="{D4F146D4-B34A-4FA5-B9EC-188D8034732E}"/>
               </a:ext>
             </a:extLst>
           </p:cNvPr>
@@ -8799,7 +8667,7 @@
           <a:effectLst/>
           <a:extLst>
             <a:ext uri="{AF507438-7753-43E0-B8FC-AC1667EBCBE1}">
-              <a14:hiddenEffects xmlns:a14="http://schemas.microsoft.com/office/drawing/2010/main">
+              <a14:hiddenEffects xmlns:a14="http://schemas.microsoft.com/office/drawing/2010/main" xmlns="">
                 <a:effectLst>
                   <a:outerShdw blurRad="63500" dist="38099" dir="2700000" algn="ctr" rotWithShape="0">
                     <a:schemeClr val="bg2">
@@ -9088,7 +8956,7 @@
           <p:cNvPr id="8" name="Text Box 7">
             <a:extLst>
               <a:ext uri="{FF2B5EF4-FFF2-40B4-BE49-F238E27FC236}">
-                <a16:creationId xmlns:a16="http://schemas.microsoft.com/office/drawing/2014/main" id="{7A8A6252-199B-4DAC-8701-0D84FC6428E6}"/>
+                <a16:creationId xmlns:a16="http://schemas.microsoft.com/office/drawing/2014/main" xmlns="" id="{7A8A6252-199B-4DAC-8701-0D84FC6428E6}"/>
               </a:ext>
             </a:extLst>
           </p:cNvPr>
@@ -9119,7 +8987,7 @@
           <a:effectLst/>
           <a:extLst>
             <a:ext uri="{AF507438-7753-43E0-B8FC-AC1667EBCBE1}">
-              <a14:hiddenEffects xmlns:a14="http://schemas.microsoft.com/office/drawing/2010/main">
+              <a14:hiddenEffects xmlns:a14="http://schemas.microsoft.com/office/drawing/2010/main" xmlns="">
                 <a:effectLst>
                   <a:outerShdw blurRad="63500" dist="38099" dir="2700000" algn="ctr" rotWithShape="0">
                     <a:schemeClr val="bg2">
@@ -9491,7 +9359,7 @@
     </p:spTree>
     <p:extLst>
       <p:ext uri="{BB962C8B-B14F-4D97-AF65-F5344CB8AC3E}">
-        <p14:creationId xmlns:p14="http://schemas.microsoft.com/office/powerpoint/2010/main" val="2650176656"/>
+        <p14:creationId xmlns:p14="http://schemas.microsoft.com/office/powerpoint/2010/main" xmlns="" val="2650176656"/>
       </p:ext>
     </p:extLst>
   </p:cSld>
@@ -9553,7 +9421,7 @@
         <p:spPr/>
         <p:txBody>
           <a:bodyPr>
-            <a:normAutofit fontScale="92500" lnSpcReduction="20000"/>
+            <a:normAutofit fontScale="92500" lnSpcReduction="10000"/>
           </a:bodyPr>
           <a:lstStyle/>
           <a:p>
@@ -9640,28 +9508,6 @@
             <a:r>
               <a:rPr lang="en-US" dirty="0"/>
               <a:t>Polymorphism is: The method being invoked on an object is determined AT RUNTIME and is based on the type of the object receiving the message.</a:t>
-            </a:r>
-          </a:p>
-        </p:txBody>
-      </p:sp>
-      <p:sp>
-        <p:nvSpPr>
-          <p:cNvPr id="6" name="Date Placeholder 5"/>
-          <p:cNvSpPr>
-            <a:spLocks noGrp="1"/>
-          </p:cNvSpPr>
-          <p:nvPr>
-            <p:ph type="dt" sz="half" idx="2"/>
-          </p:nvPr>
-        </p:nvSpPr>
-        <p:spPr/>
-        <p:txBody>
-          <a:bodyPr/>
-          <a:lstStyle/>
-          <a:p>
-            <a:r>
-              <a:rPr lang="en-CA" dirty="0"/>
-              <a:t>Winter 2022</a:t>
             </a:r>
           </a:p>
         </p:txBody>
@@ -9718,7 +9564,7 @@
     </p:spTree>
     <p:extLst>
       <p:ext uri="{BB962C8B-B14F-4D97-AF65-F5344CB8AC3E}">
-        <p14:creationId xmlns:p14="http://schemas.microsoft.com/office/powerpoint/2010/main" val="3814198654"/>
+        <p14:creationId xmlns:p14="http://schemas.microsoft.com/office/powerpoint/2010/main" xmlns="" val="3814198654"/>
       </p:ext>
     </p:extLst>
   </p:cSld>
@@ -9844,28 +9690,6 @@
       </p:sp>
       <p:sp>
         <p:nvSpPr>
-          <p:cNvPr id="6" name="Date Placeholder 5"/>
-          <p:cNvSpPr>
-            <a:spLocks noGrp="1"/>
-          </p:cNvSpPr>
-          <p:nvPr>
-            <p:ph type="dt" sz="half" idx="2"/>
-          </p:nvPr>
-        </p:nvSpPr>
-        <p:spPr/>
-        <p:txBody>
-          <a:bodyPr/>
-          <a:lstStyle/>
-          <a:p>
-            <a:r>
-              <a:rPr lang="en-CA" dirty="0"/>
-              <a:t>Winter 2022</a:t>
-            </a:r>
-          </a:p>
-        </p:txBody>
-      </p:sp>
-      <p:sp>
-        <p:nvSpPr>
           <p:cNvPr id="10" name="Footer Placeholder 9"/>
           <p:cNvSpPr>
             <a:spLocks noGrp="1"/>
@@ -9918,7 +9742,7 @@
           <p:cNvPr id="7" name="AutoShape 8">
             <a:extLst>
               <a:ext uri="{FF2B5EF4-FFF2-40B4-BE49-F238E27FC236}">
-                <a16:creationId xmlns:a16="http://schemas.microsoft.com/office/drawing/2014/main" id="{C3886160-B49F-4C00-933E-34CBE181C72E}"/>
+                <a16:creationId xmlns:a16="http://schemas.microsoft.com/office/drawing/2014/main" xmlns="" id="{C3886160-B49F-4C00-933E-34CBE181C72E}"/>
               </a:ext>
             </a:extLst>
           </p:cNvPr>
@@ -10059,7 +9883,7 @@
           <p:cNvPr id="8" name="Text Box 9">
             <a:extLst>
               <a:ext uri="{FF2B5EF4-FFF2-40B4-BE49-F238E27FC236}">
-                <a16:creationId xmlns:a16="http://schemas.microsoft.com/office/drawing/2014/main" id="{88652A10-FC89-40AE-A217-35F7E7B59523}"/>
+                <a16:creationId xmlns:a16="http://schemas.microsoft.com/office/drawing/2014/main" xmlns="" id="{88652A10-FC89-40AE-A217-35F7E7B59523}"/>
               </a:ext>
             </a:extLst>
           </p:cNvPr>
@@ -10082,14 +9906,14 @@
           </a:ln>
           <a:extLst>
             <a:ext uri="{909E8E84-426E-40DD-AFC4-6F175D3DCCD1}">
-              <a14:hiddenFill xmlns:a14="http://schemas.microsoft.com/office/drawing/2010/main">
+              <a14:hiddenFill xmlns:a14="http://schemas.microsoft.com/office/drawing/2010/main" xmlns="">
                 <a:solidFill>
                   <a:srgbClr val="FFFFFF"/>
                 </a:solidFill>
               </a14:hiddenFill>
             </a:ext>
             <a:ext uri="{91240B29-F687-4F45-9708-019B960494DF}">
-              <a14:hiddenLine xmlns:a14="http://schemas.microsoft.com/office/drawing/2010/main" w="9525">
+              <a14:hiddenLine xmlns:a14="http://schemas.microsoft.com/office/drawing/2010/main" xmlns="" w="9525">
                 <a:solidFill>
                   <a:srgbClr val="000000"/>
                 </a:solidFill>
@@ -10329,7 +10153,7 @@
           <p:cNvPr id="9" name="AutoShape 5">
             <a:extLst>
               <a:ext uri="{FF2B5EF4-FFF2-40B4-BE49-F238E27FC236}">
-                <a16:creationId xmlns:a16="http://schemas.microsoft.com/office/drawing/2014/main" id="{493B7B25-8D86-4D7F-BFC0-98B50F100589}"/>
+                <a16:creationId xmlns:a16="http://schemas.microsoft.com/office/drawing/2014/main" xmlns="" id="{493B7B25-8D86-4D7F-BFC0-98B50F100589}"/>
               </a:ext>
             </a:extLst>
           </p:cNvPr>
@@ -10470,7 +10294,7 @@
           <p:cNvPr id="11" name="Text Box 6">
             <a:extLst>
               <a:ext uri="{FF2B5EF4-FFF2-40B4-BE49-F238E27FC236}">
-                <a16:creationId xmlns:a16="http://schemas.microsoft.com/office/drawing/2014/main" id="{790AA718-0D3E-4215-B18C-ADF04450A08B}"/>
+                <a16:creationId xmlns:a16="http://schemas.microsoft.com/office/drawing/2014/main" xmlns="" id="{790AA718-0D3E-4215-B18C-ADF04450A08B}"/>
               </a:ext>
             </a:extLst>
           </p:cNvPr>
@@ -10493,14 +10317,14 @@
           </a:ln>
           <a:extLst>
             <a:ext uri="{909E8E84-426E-40DD-AFC4-6F175D3DCCD1}">
-              <a14:hiddenFill xmlns:a14="http://schemas.microsoft.com/office/drawing/2010/main">
+              <a14:hiddenFill xmlns:a14="http://schemas.microsoft.com/office/drawing/2010/main" xmlns="">
                 <a:solidFill>
                   <a:srgbClr val="FFFFFF"/>
                 </a:solidFill>
               </a14:hiddenFill>
             </a:ext>
             <a:ext uri="{91240B29-F687-4F45-9708-019B960494DF}">
-              <a14:hiddenLine xmlns:a14="http://schemas.microsoft.com/office/drawing/2010/main" w="9525">
+              <a14:hiddenLine xmlns:a14="http://schemas.microsoft.com/office/drawing/2010/main" xmlns="" w="9525">
                 <a:solidFill>
                   <a:srgbClr val="000000"/>
                 </a:solidFill>
@@ -10807,7 +10631,7 @@
     </p:spTree>
     <p:extLst>
       <p:ext uri="{BB962C8B-B14F-4D97-AF65-F5344CB8AC3E}">
-        <p14:creationId xmlns:p14="http://schemas.microsoft.com/office/powerpoint/2010/main" val="1160171944"/>
+        <p14:creationId xmlns:p14="http://schemas.microsoft.com/office/powerpoint/2010/main" xmlns="" val="1160171944"/>
       </p:ext>
     </p:extLst>
   </p:cSld>
@@ -10908,28 +10732,6 @@
       </p:sp>
       <p:sp>
         <p:nvSpPr>
-          <p:cNvPr id="6" name="Date Placeholder 5"/>
-          <p:cNvSpPr>
-            <a:spLocks noGrp="1"/>
-          </p:cNvSpPr>
-          <p:nvPr>
-            <p:ph type="dt" sz="half" idx="2"/>
-          </p:nvPr>
-        </p:nvSpPr>
-        <p:spPr/>
-        <p:txBody>
-          <a:bodyPr/>
-          <a:lstStyle/>
-          <a:p>
-            <a:r>
-              <a:rPr lang="en-CA" dirty="0"/>
-              <a:t>Winter 2022</a:t>
-            </a:r>
-          </a:p>
-        </p:txBody>
-      </p:sp>
-      <p:sp>
-        <p:nvSpPr>
           <p:cNvPr id="10" name="Footer Placeholder 9"/>
           <p:cNvSpPr>
             <a:spLocks noGrp="1"/>
@@ -10980,7 +10782,7 @@
     </p:spTree>
     <p:extLst>
       <p:ext uri="{BB962C8B-B14F-4D97-AF65-F5344CB8AC3E}">
-        <p14:creationId xmlns:p14="http://schemas.microsoft.com/office/powerpoint/2010/main" val="221184883"/>
+        <p14:creationId xmlns:p14="http://schemas.microsoft.com/office/powerpoint/2010/main" xmlns="" val="221184883"/>
       </p:ext>
     </p:extLst>
   </p:cSld>
@@ -11071,28 +10873,6 @@
       </p:sp>
       <p:sp>
         <p:nvSpPr>
-          <p:cNvPr id="6" name="Date Placeholder 5"/>
-          <p:cNvSpPr>
-            <a:spLocks noGrp="1"/>
-          </p:cNvSpPr>
-          <p:nvPr>
-            <p:ph type="dt" sz="half" idx="2"/>
-          </p:nvPr>
-        </p:nvSpPr>
-        <p:spPr/>
-        <p:txBody>
-          <a:bodyPr/>
-          <a:lstStyle/>
-          <a:p>
-            <a:r>
-              <a:rPr lang="en-CA" dirty="0"/>
-              <a:t>Winter 2022</a:t>
-            </a:r>
-          </a:p>
-        </p:txBody>
-      </p:sp>
-      <p:sp>
-        <p:nvSpPr>
           <p:cNvPr id="10" name="Footer Placeholder 9"/>
           <p:cNvSpPr>
             <a:spLocks noGrp="1"/>
@@ -11143,7 +10923,7 @@
     </p:spTree>
     <p:extLst>
       <p:ext uri="{BB962C8B-B14F-4D97-AF65-F5344CB8AC3E}">
-        <p14:creationId xmlns:p14="http://schemas.microsoft.com/office/powerpoint/2010/main" val="2066917908"/>
+        <p14:creationId xmlns:p14="http://schemas.microsoft.com/office/powerpoint/2010/main" xmlns="" val="2066917908"/>
       </p:ext>
     </p:extLst>
   </p:cSld>
@@ -11233,28 +11013,6 @@
       </p:sp>
       <p:sp>
         <p:nvSpPr>
-          <p:cNvPr id="6" name="Date Placeholder 5"/>
-          <p:cNvSpPr>
-            <a:spLocks noGrp="1"/>
-          </p:cNvSpPr>
-          <p:nvPr>
-            <p:ph type="dt" sz="half" idx="2"/>
-          </p:nvPr>
-        </p:nvSpPr>
-        <p:spPr/>
-        <p:txBody>
-          <a:bodyPr/>
-          <a:lstStyle/>
-          <a:p>
-            <a:r>
-              <a:rPr lang="en-CA" dirty="0"/>
-              <a:t>Winter 2022</a:t>
-            </a:r>
-          </a:p>
-        </p:txBody>
-      </p:sp>
-      <p:sp>
-        <p:nvSpPr>
           <p:cNvPr id="10" name="Footer Placeholder 9"/>
           <p:cNvSpPr>
             <a:spLocks noGrp="1"/>
@@ -11305,7 +11063,7 @@
     </p:spTree>
     <p:extLst>
       <p:ext uri="{BB962C8B-B14F-4D97-AF65-F5344CB8AC3E}">
-        <p14:creationId xmlns:p14="http://schemas.microsoft.com/office/powerpoint/2010/main" val="5545177"/>
+        <p14:creationId xmlns:p14="http://schemas.microsoft.com/office/powerpoint/2010/main" xmlns="" val="5545177"/>
       </p:ext>
     </p:extLst>
   </p:cSld>
@@ -11421,28 +11179,6 @@
       </p:sp>
       <p:sp>
         <p:nvSpPr>
-          <p:cNvPr id="6" name="Date Placeholder 5"/>
-          <p:cNvSpPr>
-            <a:spLocks noGrp="1"/>
-          </p:cNvSpPr>
-          <p:nvPr>
-            <p:ph type="dt" sz="half" idx="2"/>
-          </p:nvPr>
-        </p:nvSpPr>
-        <p:spPr/>
-        <p:txBody>
-          <a:bodyPr/>
-          <a:lstStyle/>
-          <a:p>
-            <a:r>
-              <a:rPr lang="en-CA" dirty="0"/>
-              <a:t>Winter 2022</a:t>
-            </a:r>
-          </a:p>
-        </p:txBody>
-      </p:sp>
-      <p:sp>
-        <p:nvSpPr>
           <p:cNvPr id="10" name="Footer Placeholder 9"/>
           <p:cNvSpPr>
             <a:spLocks noGrp="1"/>
@@ -11493,7 +11229,7 @@
     </p:spTree>
     <p:extLst>
       <p:ext uri="{BB962C8B-B14F-4D97-AF65-F5344CB8AC3E}">
-        <p14:creationId xmlns:p14="http://schemas.microsoft.com/office/powerpoint/2010/main" val="2256651896"/>
+        <p14:creationId xmlns:p14="http://schemas.microsoft.com/office/powerpoint/2010/main" xmlns="" val="2256651896"/>
       </p:ext>
     </p:extLst>
   </p:cSld>
@@ -11577,28 +11313,6 @@
       </p:sp>
       <p:sp>
         <p:nvSpPr>
-          <p:cNvPr id="6" name="Date Placeholder 5"/>
-          <p:cNvSpPr>
-            <a:spLocks noGrp="1"/>
-          </p:cNvSpPr>
-          <p:nvPr>
-            <p:ph type="dt" sz="half" idx="2"/>
-          </p:nvPr>
-        </p:nvSpPr>
-        <p:spPr/>
-        <p:txBody>
-          <a:bodyPr/>
-          <a:lstStyle/>
-          <a:p>
-            <a:r>
-              <a:rPr lang="en-CA" dirty="0"/>
-              <a:t>Winter 2022</a:t>
-            </a:r>
-          </a:p>
-        </p:txBody>
-      </p:sp>
-      <p:sp>
-        <p:nvSpPr>
           <p:cNvPr id="10" name="Footer Placeholder 9"/>
           <p:cNvSpPr>
             <a:spLocks noGrp="1"/>
@@ -11651,7 +11365,7 @@
           <p:cNvPr id="7" name="Picture 3">
             <a:extLst>
               <a:ext uri="{FF2B5EF4-FFF2-40B4-BE49-F238E27FC236}">
-                <a16:creationId xmlns:a16="http://schemas.microsoft.com/office/drawing/2014/main" id="{0475313F-9E07-47E0-98CC-FCCF6FC19B0F}"/>
+                <a16:creationId xmlns:a16="http://schemas.microsoft.com/office/drawing/2014/main" xmlns="" id="{0475313F-9E07-47E0-98CC-FCCF6FC19B0F}"/>
               </a:ext>
             </a:extLst>
           </p:cNvPr>
@@ -11664,7 +11378,7 @@
           <a:blip r:embed="rId2">
             <a:extLst>
               <a:ext uri="{28A0092B-C50C-407E-A947-70E740481C1C}">
-                <a14:useLocalDpi xmlns:a14="http://schemas.microsoft.com/office/drawing/2010/main" val="0"/>
+                <a14:useLocalDpi xmlns:a14="http://schemas.microsoft.com/office/drawing/2010/main" xmlns="" val="0"/>
               </a:ext>
             </a:extLst>
           </a:blip>
@@ -11688,14 +11402,14 @@
           <a:effectLst/>
           <a:extLst>
             <a:ext uri="{909E8E84-426E-40DD-AFC4-6F175D3DCCD1}">
-              <a14:hiddenFill xmlns:a14="http://schemas.microsoft.com/office/drawing/2010/main">
+              <a14:hiddenFill xmlns:a14="http://schemas.microsoft.com/office/drawing/2010/main" xmlns="">
                 <a:solidFill>
                   <a:schemeClr val="bg1"/>
                 </a:solidFill>
               </a14:hiddenFill>
             </a:ext>
             <a:ext uri="{91240B29-F687-4F45-9708-019B960494DF}">
-              <a14:hiddenLine xmlns:a14="http://schemas.microsoft.com/office/drawing/2010/main" w="12700">
+              <a14:hiddenLine xmlns:a14="http://schemas.microsoft.com/office/drawing/2010/main" xmlns="" w="12700">
                 <a:solidFill>
                   <a:schemeClr val="tx1"/>
                 </a:solidFill>
@@ -11705,7 +11419,7 @@
               </a14:hiddenLine>
             </a:ext>
             <a:ext uri="{AF507438-7753-43E0-B8FC-AC1667EBCBE1}">
-              <a14:hiddenEffects xmlns:a14="http://schemas.microsoft.com/office/drawing/2010/main">
+              <a14:hiddenEffects xmlns:a14="http://schemas.microsoft.com/office/drawing/2010/main" xmlns="">
                 <a:effectLst>
                   <a:outerShdw blurRad="63500" dist="38099" dir="2700000" algn="ctr" rotWithShape="0">
                     <a:schemeClr val="bg2">
@@ -11721,7 +11435,7 @@
     </p:spTree>
     <p:extLst>
       <p:ext uri="{BB962C8B-B14F-4D97-AF65-F5344CB8AC3E}">
-        <p14:creationId xmlns:p14="http://schemas.microsoft.com/office/powerpoint/2010/main" val="2198785222"/>
+        <p14:creationId xmlns:p14="http://schemas.microsoft.com/office/powerpoint/2010/main" xmlns="" val="2198785222"/>
       </p:ext>
     </p:extLst>
   </p:cSld>
@@ -11820,28 +11534,6 @@
       </p:sp>
       <p:sp>
         <p:nvSpPr>
-          <p:cNvPr id="6" name="Date Placeholder 5"/>
-          <p:cNvSpPr>
-            <a:spLocks noGrp="1"/>
-          </p:cNvSpPr>
-          <p:nvPr>
-            <p:ph type="dt" sz="half" idx="2"/>
-          </p:nvPr>
-        </p:nvSpPr>
-        <p:spPr/>
-        <p:txBody>
-          <a:bodyPr/>
-          <a:lstStyle/>
-          <a:p>
-            <a:r>
-              <a:rPr lang="en-CA" dirty="0"/>
-              <a:t>Winter 2022</a:t>
-            </a:r>
-          </a:p>
-        </p:txBody>
-      </p:sp>
-      <p:sp>
-        <p:nvSpPr>
           <p:cNvPr id="10" name="Footer Placeholder 9"/>
           <p:cNvSpPr>
             <a:spLocks noGrp="1"/>
@@ -11892,7 +11584,7 @@
     </p:spTree>
     <p:extLst>
       <p:ext uri="{BB962C8B-B14F-4D97-AF65-F5344CB8AC3E}">
-        <p14:creationId xmlns:p14="http://schemas.microsoft.com/office/powerpoint/2010/main" val="677137260"/>
+        <p14:creationId xmlns:p14="http://schemas.microsoft.com/office/powerpoint/2010/main" xmlns="" val="677137260"/>
       </p:ext>
     </p:extLst>
   </p:cSld>
@@ -11991,28 +11683,6 @@
       </p:sp>
       <p:sp>
         <p:nvSpPr>
-          <p:cNvPr id="6" name="Date Placeholder 5"/>
-          <p:cNvSpPr>
-            <a:spLocks noGrp="1"/>
-          </p:cNvSpPr>
-          <p:nvPr>
-            <p:ph type="dt" sz="half" idx="2"/>
-          </p:nvPr>
-        </p:nvSpPr>
-        <p:spPr/>
-        <p:txBody>
-          <a:bodyPr/>
-          <a:lstStyle/>
-          <a:p>
-            <a:r>
-              <a:rPr lang="en-CA" dirty="0"/>
-              <a:t>Winter 2022</a:t>
-            </a:r>
-          </a:p>
-        </p:txBody>
-      </p:sp>
-      <p:sp>
-        <p:nvSpPr>
           <p:cNvPr id="10" name="Footer Placeholder 9"/>
           <p:cNvSpPr>
             <a:spLocks noGrp="1"/>
@@ -12063,7 +11733,7 @@
     </p:spTree>
     <p:extLst>
       <p:ext uri="{BB962C8B-B14F-4D97-AF65-F5344CB8AC3E}">
-        <p14:creationId xmlns:p14="http://schemas.microsoft.com/office/powerpoint/2010/main" val="2675944652"/>
+        <p14:creationId xmlns:p14="http://schemas.microsoft.com/office/powerpoint/2010/main" xmlns="" val="2675944652"/>
       </p:ext>
     </p:extLst>
   </p:cSld>
@@ -12182,28 +11852,6 @@
       </p:sp>
       <p:sp>
         <p:nvSpPr>
-          <p:cNvPr id="6" name="Date Placeholder 5"/>
-          <p:cNvSpPr>
-            <a:spLocks noGrp="1"/>
-          </p:cNvSpPr>
-          <p:nvPr>
-            <p:ph type="dt" sz="half" idx="2"/>
-          </p:nvPr>
-        </p:nvSpPr>
-        <p:spPr/>
-        <p:txBody>
-          <a:bodyPr/>
-          <a:lstStyle/>
-          <a:p>
-            <a:r>
-              <a:rPr lang="en-CA" dirty="0"/>
-              <a:t>Winter 2022</a:t>
-            </a:r>
-          </a:p>
-        </p:txBody>
-      </p:sp>
-      <p:sp>
-        <p:nvSpPr>
           <p:cNvPr id="10" name="Footer Placeholder 9"/>
           <p:cNvSpPr>
             <a:spLocks noGrp="1"/>
@@ -12254,7 +11902,7 @@
     </p:spTree>
     <p:extLst>
       <p:ext uri="{BB962C8B-B14F-4D97-AF65-F5344CB8AC3E}">
-        <p14:creationId xmlns:p14="http://schemas.microsoft.com/office/powerpoint/2010/main" val="202686773"/>
+        <p14:creationId xmlns:p14="http://schemas.microsoft.com/office/powerpoint/2010/main" xmlns="" val="202686773"/>
       </p:ext>
     </p:extLst>
   </p:cSld>
@@ -12379,28 +12027,6 @@
       </p:sp>
       <p:sp>
         <p:nvSpPr>
-          <p:cNvPr id="6" name="Date Placeholder 5"/>
-          <p:cNvSpPr>
-            <a:spLocks noGrp="1"/>
-          </p:cNvSpPr>
-          <p:nvPr>
-            <p:ph type="dt" sz="half" idx="2"/>
-          </p:nvPr>
-        </p:nvSpPr>
-        <p:spPr/>
-        <p:txBody>
-          <a:bodyPr/>
-          <a:lstStyle/>
-          <a:p>
-            <a:r>
-              <a:rPr lang="en-CA" dirty="0"/>
-              <a:t>Winter 2022</a:t>
-            </a:r>
-          </a:p>
-        </p:txBody>
-      </p:sp>
-      <p:sp>
-        <p:nvSpPr>
           <p:cNvPr id="10" name="Footer Placeholder 9"/>
           <p:cNvSpPr>
             <a:spLocks noGrp="1"/>
@@ -12451,7 +12077,7 @@
     </p:spTree>
     <p:extLst>
       <p:ext uri="{BB962C8B-B14F-4D97-AF65-F5344CB8AC3E}">
-        <p14:creationId xmlns:p14="http://schemas.microsoft.com/office/powerpoint/2010/main" val="1490306992"/>
+        <p14:creationId xmlns:p14="http://schemas.microsoft.com/office/powerpoint/2010/main" xmlns="" val="1490306992"/>
       </p:ext>
     </p:extLst>
   </p:cSld>
@@ -12638,28 +12264,6 @@
       </p:sp>
       <p:sp>
         <p:nvSpPr>
-          <p:cNvPr id="6" name="Date Placeholder 5"/>
-          <p:cNvSpPr>
-            <a:spLocks noGrp="1"/>
-          </p:cNvSpPr>
-          <p:nvPr>
-            <p:ph type="dt" sz="half" idx="2"/>
-          </p:nvPr>
-        </p:nvSpPr>
-        <p:spPr/>
-        <p:txBody>
-          <a:bodyPr/>
-          <a:lstStyle/>
-          <a:p>
-            <a:r>
-              <a:rPr lang="en-CA" dirty="0"/>
-              <a:t>Winter 2022</a:t>
-            </a:r>
-          </a:p>
-        </p:txBody>
-      </p:sp>
-      <p:sp>
-        <p:nvSpPr>
           <p:cNvPr id="10" name="Footer Placeholder 9"/>
           <p:cNvSpPr>
             <a:spLocks noGrp="1"/>
@@ -12710,7 +12314,7 @@
     </p:spTree>
     <p:extLst>
       <p:ext uri="{BB962C8B-B14F-4D97-AF65-F5344CB8AC3E}">
-        <p14:creationId xmlns:p14="http://schemas.microsoft.com/office/powerpoint/2010/main" val="2609893494"/>
+        <p14:creationId xmlns:p14="http://schemas.microsoft.com/office/powerpoint/2010/main" xmlns="" val="2609893494"/>
       </p:ext>
     </p:extLst>
   </p:cSld>
@@ -12836,28 +12440,6 @@
       </p:sp>
       <p:sp>
         <p:nvSpPr>
-          <p:cNvPr id="6" name="Date Placeholder 5"/>
-          <p:cNvSpPr>
-            <a:spLocks noGrp="1"/>
-          </p:cNvSpPr>
-          <p:nvPr>
-            <p:ph type="dt" sz="half" idx="2"/>
-          </p:nvPr>
-        </p:nvSpPr>
-        <p:spPr/>
-        <p:txBody>
-          <a:bodyPr/>
-          <a:lstStyle/>
-          <a:p>
-            <a:r>
-              <a:rPr lang="en-CA" dirty="0"/>
-              <a:t>Winter 2022</a:t>
-            </a:r>
-          </a:p>
-        </p:txBody>
-      </p:sp>
-      <p:sp>
-        <p:nvSpPr>
           <p:cNvPr id="10" name="Footer Placeholder 9"/>
           <p:cNvSpPr>
             <a:spLocks noGrp="1"/>
@@ -12908,7 +12490,7 @@
     </p:spTree>
     <p:extLst>
       <p:ext uri="{BB962C8B-B14F-4D97-AF65-F5344CB8AC3E}">
-        <p14:creationId xmlns:p14="http://schemas.microsoft.com/office/powerpoint/2010/main" val="816485063"/>
+        <p14:creationId xmlns:p14="http://schemas.microsoft.com/office/powerpoint/2010/main" xmlns="" val="816485063"/>
       </p:ext>
     </p:extLst>
   </p:cSld>
@@ -13171,28 +12753,6 @@
       </p:sp>
       <p:sp>
         <p:nvSpPr>
-          <p:cNvPr id="6" name="Date Placeholder 5"/>
-          <p:cNvSpPr>
-            <a:spLocks noGrp="1"/>
-          </p:cNvSpPr>
-          <p:nvPr>
-            <p:ph type="dt" sz="half" idx="2"/>
-          </p:nvPr>
-        </p:nvSpPr>
-        <p:spPr/>
-        <p:txBody>
-          <a:bodyPr/>
-          <a:lstStyle/>
-          <a:p>
-            <a:r>
-              <a:rPr lang="en-CA" dirty="0"/>
-              <a:t>Winter 2022</a:t>
-            </a:r>
-          </a:p>
-        </p:txBody>
-      </p:sp>
-      <p:sp>
-        <p:nvSpPr>
           <p:cNvPr id="10" name="Footer Placeholder 9"/>
           <p:cNvSpPr>
             <a:spLocks noGrp="1"/>
@@ -13243,7 +12803,7 @@
     </p:spTree>
     <p:extLst>
       <p:ext uri="{BB962C8B-B14F-4D97-AF65-F5344CB8AC3E}">
-        <p14:creationId xmlns:p14="http://schemas.microsoft.com/office/powerpoint/2010/main" val="576910275"/>
+        <p14:creationId xmlns:p14="http://schemas.microsoft.com/office/powerpoint/2010/main" xmlns="" val="576910275"/>
       </p:ext>
     </p:extLst>
   </p:cSld>
@@ -13329,28 +12889,6 @@
       </p:sp>
       <p:sp>
         <p:nvSpPr>
-          <p:cNvPr id="6" name="Date Placeholder 5"/>
-          <p:cNvSpPr>
-            <a:spLocks noGrp="1"/>
-          </p:cNvSpPr>
-          <p:nvPr>
-            <p:ph type="dt" sz="half" idx="2"/>
-          </p:nvPr>
-        </p:nvSpPr>
-        <p:spPr/>
-        <p:txBody>
-          <a:bodyPr/>
-          <a:lstStyle/>
-          <a:p>
-            <a:r>
-              <a:rPr lang="en-CA" dirty="0"/>
-              <a:t>Winter 2022</a:t>
-            </a:r>
-          </a:p>
-        </p:txBody>
-      </p:sp>
-      <p:sp>
-        <p:nvSpPr>
           <p:cNvPr id="10" name="Footer Placeholder 9"/>
           <p:cNvSpPr>
             <a:spLocks noGrp="1"/>
@@ -13401,7 +12939,7 @@
     </p:spTree>
     <p:extLst>
       <p:ext uri="{BB962C8B-B14F-4D97-AF65-F5344CB8AC3E}">
-        <p14:creationId xmlns:p14="http://schemas.microsoft.com/office/powerpoint/2010/main" val="2357375762"/>
+        <p14:creationId xmlns:p14="http://schemas.microsoft.com/office/powerpoint/2010/main" xmlns="" val="2357375762"/>
       </p:ext>
     </p:extLst>
   </p:cSld>
@@ -13506,28 +13044,6 @@
       </p:sp>
       <p:sp>
         <p:nvSpPr>
-          <p:cNvPr id="6" name="Date Placeholder 5"/>
-          <p:cNvSpPr>
-            <a:spLocks noGrp="1"/>
-          </p:cNvSpPr>
-          <p:nvPr>
-            <p:ph type="dt" sz="half" idx="2"/>
-          </p:nvPr>
-        </p:nvSpPr>
-        <p:spPr/>
-        <p:txBody>
-          <a:bodyPr/>
-          <a:lstStyle/>
-          <a:p>
-            <a:r>
-              <a:rPr lang="en-CA" dirty="0"/>
-              <a:t>Winter 2022</a:t>
-            </a:r>
-          </a:p>
-        </p:txBody>
-      </p:sp>
-      <p:sp>
-        <p:nvSpPr>
           <p:cNvPr id="10" name="Footer Placeholder 9"/>
           <p:cNvSpPr>
             <a:spLocks noGrp="1"/>
@@ -13578,7 +13094,7 @@
     </p:spTree>
     <p:extLst>
       <p:ext uri="{BB962C8B-B14F-4D97-AF65-F5344CB8AC3E}">
-        <p14:creationId xmlns:p14="http://schemas.microsoft.com/office/powerpoint/2010/main" val="1187175125"/>
+        <p14:creationId xmlns:p14="http://schemas.microsoft.com/office/powerpoint/2010/main" xmlns="" val="1187175125"/>
       </p:ext>
     </p:extLst>
   </p:cSld>
@@ -13816,28 +13332,6 @@
       </p:sp>
       <p:sp>
         <p:nvSpPr>
-          <p:cNvPr id="6" name="Date Placeholder 5"/>
-          <p:cNvSpPr>
-            <a:spLocks noGrp="1"/>
-          </p:cNvSpPr>
-          <p:nvPr>
-            <p:ph type="dt" sz="half" idx="2"/>
-          </p:nvPr>
-        </p:nvSpPr>
-        <p:spPr/>
-        <p:txBody>
-          <a:bodyPr/>
-          <a:lstStyle/>
-          <a:p>
-            <a:r>
-              <a:rPr lang="en-CA" dirty="0"/>
-              <a:t>Winter 2022</a:t>
-            </a:r>
-          </a:p>
-        </p:txBody>
-      </p:sp>
-      <p:sp>
-        <p:nvSpPr>
           <p:cNvPr id="10" name="Footer Placeholder 9"/>
           <p:cNvSpPr>
             <a:spLocks noGrp="1"/>
@@ -13888,7 +13382,7 @@
     </p:spTree>
     <p:extLst>
       <p:ext uri="{BB962C8B-B14F-4D97-AF65-F5344CB8AC3E}">
-        <p14:creationId xmlns:p14="http://schemas.microsoft.com/office/powerpoint/2010/main" val="2478735734"/>
+        <p14:creationId xmlns:p14="http://schemas.microsoft.com/office/powerpoint/2010/main" xmlns="" val="2478735734"/>
       </p:ext>
     </p:extLst>
   </p:cSld>
@@ -14022,28 +13516,6 @@
       </p:sp>
       <p:sp>
         <p:nvSpPr>
-          <p:cNvPr id="6" name="Date Placeholder 5"/>
-          <p:cNvSpPr>
-            <a:spLocks noGrp="1"/>
-          </p:cNvSpPr>
-          <p:nvPr>
-            <p:ph type="dt" sz="half" idx="2"/>
-          </p:nvPr>
-        </p:nvSpPr>
-        <p:spPr/>
-        <p:txBody>
-          <a:bodyPr/>
-          <a:lstStyle/>
-          <a:p>
-            <a:r>
-              <a:rPr lang="en-CA" dirty="0"/>
-              <a:t>Winter 2022</a:t>
-            </a:r>
-          </a:p>
-        </p:txBody>
-      </p:sp>
-      <p:sp>
-        <p:nvSpPr>
           <p:cNvPr id="10" name="Footer Placeholder 9"/>
           <p:cNvSpPr>
             <a:spLocks noGrp="1"/>
@@ -14096,7 +13568,7 @@
           <p:cNvPr id="7" name="Picture 4">
             <a:extLst>
               <a:ext uri="{FF2B5EF4-FFF2-40B4-BE49-F238E27FC236}">
-                <a16:creationId xmlns:a16="http://schemas.microsoft.com/office/drawing/2014/main" id="{A8823BDA-EBC5-4BE3-A193-97ACC8B7E2BE}"/>
+                <a16:creationId xmlns:a16="http://schemas.microsoft.com/office/drawing/2014/main" xmlns="" id="{A8823BDA-EBC5-4BE3-A193-97ACC8B7E2BE}"/>
               </a:ext>
             </a:extLst>
           </p:cNvPr>
@@ -14109,7 +13581,7 @@
           <a:blip r:embed="rId2">
             <a:extLst>
               <a:ext uri="{28A0092B-C50C-407E-A947-70E740481C1C}">
-                <a14:useLocalDpi xmlns:a14="http://schemas.microsoft.com/office/drawing/2010/main" val="0"/>
+                <a14:useLocalDpi xmlns:a14="http://schemas.microsoft.com/office/drawing/2010/main" xmlns="" val="0"/>
               </a:ext>
             </a:extLst>
           </a:blip>
@@ -14133,14 +13605,14 @@
           <a:effectLst/>
           <a:extLst>
             <a:ext uri="{909E8E84-426E-40DD-AFC4-6F175D3DCCD1}">
-              <a14:hiddenFill xmlns:a14="http://schemas.microsoft.com/office/drawing/2010/main">
+              <a14:hiddenFill xmlns:a14="http://schemas.microsoft.com/office/drawing/2010/main" xmlns="">
                 <a:solidFill>
                   <a:schemeClr val="accent1"/>
                 </a:solidFill>
               </a14:hiddenFill>
             </a:ext>
             <a:ext uri="{91240B29-F687-4F45-9708-019B960494DF}">
-              <a14:hiddenLine xmlns:a14="http://schemas.microsoft.com/office/drawing/2010/main" w="9525">
+              <a14:hiddenLine xmlns:a14="http://schemas.microsoft.com/office/drawing/2010/main" xmlns="" w="9525">
                 <a:solidFill>
                   <a:schemeClr val="tx1"/>
                 </a:solidFill>
@@ -14150,7 +13622,7 @@
               </a14:hiddenLine>
             </a:ext>
             <a:ext uri="{AF507438-7753-43E0-B8FC-AC1667EBCBE1}">
-              <a14:hiddenEffects xmlns:a14="http://schemas.microsoft.com/office/drawing/2010/main">
+              <a14:hiddenEffects xmlns:a14="http://schemas.microsoft.com/office/drawing/2010/main" xmlns="">
                 <a:effectLst>
                   <a:outerShdw blurRad="63500" dist="38099" dir="2700000" algn="ctr" rotWithShape="0">
                     <a:schemeClr val="bg2">
@@ -14166,7 +13638,7 @@
     </p:spTree>
     <p:extLst>
       <p:ext uri="{BB962C8B-B14F-4D97-AF65-F5344CB8AC3E}">
-        <p14:creationId xmlns:p14="http://schemas.microsoft.com/office/powerpoint/2010/main" val="1719022256"/>
+        <p14:creationId xmlns:p14="http://schemas.microsoft.com/office/powerpoint/2010/main" xmlns="" val="1719022256"/>
       </p:ext>
     </p:extLst>
   </p:cSld>
@@ -14310,28 +13782,6 @@
       </p:sp>
       <p:sp>
         <p:nvSpPr>
-          <p:cNvPr id="6" name="Date Placeholder 5"/>
-          <p:cNvSpPr>
-            <a:spLocks noGrp="1"/>
-          </p:cNvSpPr>
-          <p:nvPr>
-            <p:ph type="dt" sz="half" idx="2"/>
-          </p:nvPr>
-        </p:nvSpPr>
-        <p:spPr/>
-        <p:txBody>
-          <a:bodyPr/>
-          <a:lstStyle/>
-          <a:p>
-            <a:r>
-              <a:rPr lang="en-CA" dirty="0"/>
-              <a:t>Winter 2022</a:t>
-            </a:r>
-          </a:p>
-        </p:txBody>
-      </p:sp>
-      <p:sp>
-        <p:nvSpPr>
           <p:cNvPr id="10" name="Footer Placeholder 9"/>
           <p:cNvSpPr>
             <a:spLocks noGrp="1"/>
@@ -14382,7 +13832,7 @@
     </p:spTree>
     <p:extLst>
       <p:ext uri="{BB962C8B-B14F-4D97-AF65-F5344CB8AC3E}">
-        <p14:creationId xmlns:p14="http://schemas.microsoft.com/office/powerpoint/2010/main" val="4202837589"/>
+        <p14:creationId xmlns:p14="http://schemas.microsoft.com/office/powerpoint/2010/main" xmlns="" val="4202837589"/>
       </p:ext>
     </p:extLst>
   </p:cSld>
@@ -14489,28 +13939,6 @@
       </p:sp>
       <p:sp>
         <p:nvSpPr>
-          <p:cNvPr id="6" name="Date Placeholder 5"/>
-          <p:cNvSpPr>
-            <a:spLocks noGrp="1"/>
-          </p:cNvSpPr>
-          <p:nvPr>
-            <p:ph type="dt" sz="half" idx="2"/>
-          </p:nvPr>
-        </p:nvSpPr>
-        <p:spPr/>
-        <p:txBody>
-          <a:bodyPr/>
-          <a:lstStyle/>
-          <a:p>
-            <a:r>
-              <a:rPr lang="en-CA" dirty="0"/>
-              <a:t>Winter 2022</a:t>
-            </a:r>
-          </a:p>
-        </p:txBody>
-      </p:sp>
-      <p:sp>
-        <p:nvSpPr>
           <p:cNvPr id="10" name="Footer Placeholder 9"/>
           <p:cNvSpPr>
             <a:spLocks noGrp="1"/>
@@ -14561,7 +13989,7 @@
     </p:spTree>
     <p:extLst>
       <p:ext uri="{BB962C8B-B14F-4D97-AF65-F5344CB8AC3E}">
-        <p14:creationId xmlns:p14="http://schemas.microsoft.com/office/powerpoint/2010/main" val="2361005017"/>
+        <p14:creationId xmlns:p14="http://schemas.microsoft.com/office/powerpoint/2010/main" xmlns="" val="2361005017"/>
       </p:ext>
     </p:extLst>
   </p:cSld>
@@ -14917,28 +14345,6 @@
       </p:sp>
       <p:sp>
         <p:nvSpPr>
-          <p:cNvPr id="6" name="Date Placeholder 5"/>
-          <p:cNvSpPr>
-            <a:spLocks noGrp="1"/>
-          </p:cNvSpPr>
-          <p:nvPr>
-            <p:ph type="dt" sz="half" idx="2"/>
-          </p:nvPr>
-        </p:nvSpPr>
-        <p:spPr/>
-        <p:txBody>
-          <a:bodyPr/>
-          <a:lstStyle/>
-          <a:p>
-            <a:r>
-              <a:rPr lang="en-CA" dirty="0"/>
-              <a:t>Winter 2022</a:t>
-            </a:r>
-          </a:p>
-        </p:txBody>
-      </p:sp>
-      <p:sp>
-        <p:nvSpPr>
           <p:cNvPr id="10" name="Footer Placeholder 9"/>
           <p:cNvSpPr>
             <a:spLocks noGrp="1"/>
@@ -14989,7 +14395,7 @@
     </p:spTree>
     <p:extLst>
       <p:ext uri="{BB962C8B-B14F-4D97-AF65-F5344CB8AC3E}">
-        <p14:creationId xmlns:p14="http://schemas.microsoft.com/office/powerpoint/2010/main" val="314734182"/>
+        <p14:creationId xmlns:p14="http://schemas.microsoft.com/office/powerpoint/2010/main" xmlns="" val="314734182"/>
       </p:ext>
     </p:extLst>
   </p:cSld>
@@ -15125,28 +14531,6 @@
       </p:sp>
       <p:sp>
         <p:nvSpPr>
-          <p:cNvPr id="6" name="Date Placeholder 5"/>
-          <p:cNvSpPr>
-            <a:spLocks noGrp="1"/>
-          </p:cNvSpPr>
-          <p:nvPr>
-            <p:ph type="dt" sz="half" idx="2"/>
-          </p:nvPr>
-        </p:nvSpPr>
-        <p:spPr/>
-        <p:txBody>
-          <a:bodyPr/>
-          <a:lstStyle/>
-          <a:p>
-            <a:r>
-              <a:rPr lang="en-CA" dirty="0"/>
-              <a:t>Winter 2022</a:t>
-            </a:r>
-          </a:p>
-        </p:txBody>
-      </p:sp>
-      <p:sp>
-        <p:nvSpPr>
           <p:cNvPr id="10" name="Footer Placeholder 9"/>
           <p:cNvSpPr>
             <a:spLocks noGrp="1"/>
@@ -15197,7 +14581,7 @@
     </p:spTree>
     <p:extLst>
       <p:ext uri="{BB962C8B-B14F-4D97-AF65-F5344CB8AC3E}">
-        <p14:creationId xmlns:p14="http://schemas.microsoft.com/office/powerpoint/2010/main" val="3430305953"/>
+        <p14:creationId xmlns:p14="http://schemas.microsoft.com/office/powerpoint/2010/main" xmlns="" val="3430305953"/>
       </p:ext>
     </p:extLst>
   </p:cSld>
@@ -15356,28 +14740,6 @@
       </p:sp>
       <p:sp>
         <p:nvSpPr>
-          <p:cNvPr id="6" name="Date Placeholder 5"/>
-          <p:cNvSpPr>
-            <a:spLocks noGrp="1"/>
-          </p:cNvSpPr>
-          <p:nvPr>
-            <p:ph type="dt" sz="half" idx="2"/>
-          </p:nvPr>
-        </p:nvSpPr>
-        <p:spPr/>
-        <p:txBody>
-          <a:bodyPr/>
-          <a:lstStyle/>
-          <a:p>
-            <a:r>
-              <a:rPr lang="en-CA" dirty="0"/>
-              <a:t>Winter 2022</a:t>
-            </a:r>
-          </a:p>
-        </p:txBody>
-      </p:sp>
-      <p:sp>
-        <p:nvSpPr>
           <p:cNvPr id="10" name="Footer Placeholder 9"/>
           <p:cNvSpPr>
             <a:spLocks noGrp="1"/>
@@ -15428,7 +14790,7 @@
     </p:spTree>
     <p:extLst>
       <p:ext uri="{BB962C8B-B14F-4D97-AF65-F5344CB8AC3E}">
-        <p14:creationId xmlns:p14="http://schemas.microsoft.com/office/powerpoint/2010/main" val="3300086517"/>
+        <p14:creationId xmlns:p14="http://schemas.microsoft.com/office/powerpoint/2010/main" xmlns="" val="3300086517"/>
       </p:ext>
     </p:extLst>
   </p:cSld>
@@ -15573,28 +14935,6 @@
       </p:sp>
       <p:sp>
         <p:nvSpPr>
-          <p:cNvPr id="6" name="Date Placeholder 5"/>
-          <p:cNvSpPr>
-            <a:spLocks noGrp="1"/>
-          </p:cNvSpPr>
-          <p:nvPr>
-            <p:ph type="dt" sz="half" idx="2"/>
-          </p:nvPr>
-        </p:nvSpPr>
-        <p:spPr/>
-        <p:txBody>
-          <a:bodyPr/>
-          <a:lstStyle/>
-          <a:p>
-            <a:r>
-              <a:rPr lang="en-CA" dirty="0"/>
-              <a:t>Winter 2022</a:t>
-            </a:r>
-          </a:p>
-        </p:txBody>
-      </p:sp>
-      <p:sp>
-        <p:nvSpPr>
           <p:cNvPr id="10" name="Footer Placeholder 9"/>
           <p:cNvSpPr>
             <a:spLocks noGrp="1"/>
@@ -15645,7 +14985,7 @@
     </p:spTree>
     <p:extLst>
       <p:ext uri="{BB962C8B-B14F-4D97-AF65-F5344CB8AC3E}">
-        <p14:creationId xmlns:p14="http://schemas.microsoft.com/office/powerpoint/2010/main" val="920751980"/>
+        <p14:creationId xmlns:p14="http://schemas.microsoft.com/office/powerpoint/2010/main" xmlns="" val="920751980"/>
       </p:ext>
     </p:extLst>
   </p:cSld>
@@ -15771,28 +15111,6 @@
       </p:sp>
       <p:sp>
         <p:nvSpPr>
-          <p:cNvPr id="6" name="Date Placeholder 5"/>
-          <p:cNvSpPr>
-            <a:spLocks noGrp="1"/>
-          </p:cNvSpPr>
-          <p:nvPr>
-            <p:ph type="dt" sz="half" idx="2"/>
-          </p:nvPr>
-        </p:nvSpPr>
-        <p:spPr/>
-        <p:txBody>
-          <a:bodyPr/>
-          <a:lstStyle/>
-          <a:p>
-            <a:r>
-              <a:rPr lang="en-CA" dirty="0"/>
-              <a:t>Winter 2022</a:t>
-            </a:r>
-          </a:p>
-        </p:txBody>
-      </p:sp>
-      <p:sp>
-        <p:nvSpPr>
           <p:cNvPr id="10" name="Footer Placeholder 9"/>
           <p:cNvSpPr>
             <a:spLocks noGrp="1"/>
@@ -15845,7 +15163,7 @@
           <p:cNvPr id="7" name="AutoShape 5">
             <a:extLst>
               <a:ext uri="{FF2B5EF4-FFF2-40B4-BE49-F238E27FC236}">
-                <a16:creationId xmlns:a16="http://schemas.microsoft.com/office/drawing/2014/main" id="{462D63BB-D44E-4578-A69A-8569D36FB65A}"/>
+                <a16:creationId xmlns:a16="http://schemas.microsoft.com/office/drawing/2014/main" xmlns="" id="{462D63BB-D44E-4578-A69A-8569D36FB65A}"/>
               </a:ext>
             </a:extLst>
           </p:cNvPr>
@@ -16082,7 +15400,7 @@
           <p:cNvPr id="8" name="Line 6">
             <a:extLst>
               <a:ext uri="{FF2B5EF4-FFF2-40B4-BE49-F238E27FC236}">
-                <a16:creationId xmlns:a16="http://schemas.microsoft.com/office/drawing/2014/main" id="{FE552F06-B6B9-43A6-91A8-F67A09CBDD48}"/>
+                <a16:creationId xmlns:a16="http://schemas.microsoft.com/office/drawing/2014/main" xmlns="" id="{FE552F06-B6B9-43A6-91A8-F67A09CBDD48}"/>
               </a:ext>
             </a:extLst>
           </p:cNvPr>
@@ -16110,7 +15428,7 @@
           </a:ln>
           <a:extLst>
             <a:ext uri="{909E8E84-426E-40DD-AFC4-6F175D3DCCD1}">
-              <a14:hiddenFill xmlns:a14="http://schemas.microsoft.com/office/drawing/2010/main">
+              <a14:hiddenFill xmlns:a14="http://schemas.microsoft.com/office/drawing/2010/main" xmlns="">
                 <a:noFill/>
               </a14:hiddenFill>
             </a:ext>
@@ -16129,7 +15447,7 @@
           <p:cNvPr id="9" name="AutoShape 7">
             <a:extLst>
               <a:ext uri="{FF2B5EF4-FFF2-40B4-BE49-F238E27FC236}">
-                <a16:creationId xmlns:a16="http://schemas.microsoft.com/office/drawing/2014/main" id="{D93EC6EF-9446-42DB-9FAD-0D31770A5611}"/>
+                <a16:creationId xmlns:a16="http://schemas.microsoft.com/office/drawing/2014/main" xmlns="" id="{D93EC6EF-9446-42DB-9FAD-0D31770A5611}"/>
               </a:ext>
             </a:extLst>
           </p:cNvPr>
@@ -16369,7 +15687,7 @@
           <p:cNvPr id="11" name="Text Box 8">
             <a:extLst>
               <a:ext uri="{FF2B5EF4-FFF2-40B4-BE49-F238E27FC236}">
-                <a16:creationId xmlns:a16="http://schemas.microsoft.com/office/drawing/2014/main" id="{C6FBC956-5F42-48E0-AAFE-58E1C11E35ED}"/>
+                <a16:creationId xmlns:a16="http://schemas.microsoft.com/office/drawing/2014/main" xmlns="" id="{C6FBC956-5F42-48E0-AAFE-58E1C11E35ED}"/>
               </a:ext>
             </a:extLst>
           </p:cNvPr>
@@ -16392,14 +15710,14 @@
           </a:ln>
           <a:extLst>
             <a:ext uri="{909E8E84-426E-40DD-AFC4-6F175D3DCCD1}">
-              <a14:hiddenFill xmlns:a14="http://schemas.microsoft.com/office/drawing/2010/main">
+              <a14:hiddenFill xmlns:a14="http://schemas.microsoft.com/office/drawing/2010/main" xmlns="">
                 <a:solidFill>
                   <a:srgbClr val="FFFFFF"/>
                 </a:solidFill>
               </a14:hiddenFill>
             </a:ext>
             <a:ext uri="{91240B29-F687-4F45-9708-019B960494DF}">
-              <a14:hiddenLine xmlns:a14="http://schemas.microsoft.com/office/drawing/2010/main" w="9525">
+              <a14:hiddenLine xmlns:a14="http://schemas.microsoft.com/office/drawing/2010/main" xmlns="" w="9525">
                 <a:solidFill>
                   <a:srgbClr val="000000"/>
                 </a:solidFill>
@@ -16562,7 +15880,7 @@
           <p:cNvPr id="13" name="Text Box 9">
             <a:extLst>
               <a:ext uri="{FF2B5EF4-FFF2-40B4-BE49-F238E27FC236}">
-                <a16:creationId xmlns:a16="http://schemas.microsoft.com/office/drawing/2014/main" id="{45EB3E87-C528-46E8-9EAF-044E13AE1A79}"/>
+                <a16:creationId xmlns:a16="http://schemas.microsoft.com/office/drawing/2014/main" xmlns="" id="{45EB3E87-C528-46E8-9EAF-044E13AE1A79}"/>
               </a:ext>
             </a:extLst>
           </p:cNvPr>
@@ -16585,14 +15903,14 @@
           </a:ln>
           <a:extLst>
             <a:ext uri="{909E8E84-426E-40DD-AFC4-6F175D3DCCD1}">
-              <a14:hiddenFill xmlns:a14="http://schemas.microsoft.com/office/drawing/2010/main">
+              <a14:hiddenFill xmlns:a14="http://schemas.microsoft.com/office/drawing/2010/main" xmlns="">
                 <a:solidFill>
                   <a:srgbClr val="FFFFFF"/>
                 </a:solidFill>
               </a14:hiddenFill>
             </a:ext>
             <a:ext uri="{91240B29-F687-4F45-9708-019B960494DF}">
-              <a14:hiddenLine xmlns:a14="http://schemas.microsoft.com/office/drawing/2010/main" w="9525">
+              <a14:hiddenLine xmlns:a14="http://schemas.microsoft.com/office/drawing/2010/main" xmlns="" w="9525">
                 <a:solidFill>
                   <a:srgbClr val="000000"/>
                 </a:solidFill>
@@ -16753,7 +16071,7 @@
     </p:spTree>
     <p:extLst>
       <p:ext uri="{BB962C8B-B14F-4D97-AF65-F5344CB8AC3E}">
-        <p14:creationId xmlns:p14="http://schemas.microsoft.com/office/powerpoint/2010/main" val="3590587903"/>
+        <p14:creationId xmlns:p14="http://schemas.microsoft.com/office/powerpoint/2010/main" xmlns="" val="3590587903"/>
       </p:ext>
     </p:extLst>
   </p:cSld>
@@ -16851,28 +16169,6 @@
       </p:sp>
       <p:sp>
         <p:nvSpPr>
-          <p:cNvPr id="6" name="Date Placeholder 5"/>
-          <p:cNvSpPr>
-            <a:spLocks noGrp="1"/>
-          </p:cNvSpPr>
-          <p:nvPr>
-            <p:ph type="dt" sz="half" idx="2"/>
-          </p:nvPr>
-        </p:nvSpPr>
-        <p:spPr/>
-        <p:txBody>
-          <a:bodyPr/>
-          <a:lstStyle/>
-          <a:p>
-            <a:r>
-              <a:rPr lang="en-CA" dirty="0"/>
-              <a:t>Winter 2022</a:t>
-            </a:r>
-          </a:p>
-        </p:txBody>
-      </p:sp>
-      <p:sp>
-        <p:nvSpPr>
           <p:cNvPr id="10" name="Footer Placeholder 9"/>
           <p:cNvSpPr>
             <a:spLocks noGrp="1"/>
@@ -16925,7 +16221,7 @@
           <p:cNvPr id="7" name="AutoShape 4">
             <a:extLst>
               <a:ext uri="{FF2B5EF4-FFF2-40B4-BE49-F238E27FC236}">
-                <a16:creationId xmlns:a16="http://schemas.microsoft.com/office/drawing/2014/main" id="{3536F5CA-99DF-4F32-BA74-B63F844EE6D4}"/>
+                <a16:creationId xmlns:a16="http://schemas.microsoft.com/office/drawing/2014/main" xmlns="" id="{3536F5CA-99DF-4F32-BA74-B63F844EE6D4}"/>
               </a:ext>
             </a:extLst>
           </p:cNvPr>
@@ -17162,7 +16458,7 @@
           <p:cNvPr id="8" name="Line 5">
             <a:extLst>
               <a:ext uri="{FF2B5EF4-FFF2-40B4-BE49-F238E27FC236}">
-                <a16:creationId xmlns:a16="http://schemas.microsoft.com/office/drawing/2014/main" id="{6B675B69-0B29-48DE-A71E-FA58DD3D46E7}"/>
+                <a16:creationId xmlns:a16="http://schemas.microsoft.com/office/drawing/2014/main" xmlns="" id="{6B675B69-0B29-48DE-A71E-FA58DD3D46E7}"/>
               </a:ext>
             </a:extLst>
           </p:cNvPr>
@@ -17190,7 +16486,7 @@
           </a:ln>
           <a:extLst>
             <a:ext uri="{909E8E84-426E-40DD-AFC4-6F175D3DCCD1}">
-              <a14:hiddenFill xmlns:a14="http://schemas.microsoft.com/office/drawing/2010/main">
+              <a14:hiddenFill xmlns:a14="http://schemas.microsoft.com/office/drawing/2010/main" xmlns="">
                 <a:noFill/>
               </a14:hiddenFill>
             </a:ext>
@@ -17209,7 +16505,7 @@
           <p:cNvPr id="9" name="AutoShape 6">
             <a:extLst>
               <a:ext uri="{FF2B5EF4-FFF2-40B4-BE49-F238E27FC236}">
-                <a16:creationId xmlns:a16="http://schemas.microsoft.com/office/drawing/2014/main" id="{80D8F817-4902-470B-BACE-B92C78B448E6}"/>
+                <a16:creationId xmlns:a16="http://schemas.microsoft.com/office/drawing/2014/main" xmlns="" id="{80D8F817-4902-470B-BACE-B92C78B448E6}"/>
               </a:ext>
             </a:extLst>
           </p:cNvPr>
@@ -17449,7 +16745,7 @@
           <p:cNvPr id="11" name="Oval 7">
             <a:extLst>
               <a:ext uri="{FF2B5EF4-FFF2-40B4-BE49-F238E27FC236}">
-                <a16:creationId xmlns:a16="http://schemas.microsoft.com/office/drawing/2014/main" id="{719E2EC9-3164-4E95-AD4E-436D3A4F9B48}"/>
+                <a16:creationId xmlns:a16="http://schemas.microsoft.com/office/drawing/2014/main" xmlns="" id="{719E2EC9-3164-4E95-AD4E-436D3A4F9B48}"/>
               </a:ext>
             </a:extLst>
           </p:cNvPr>
@@ -17680,7 +16976,7 @@
           <p:cNvPr id="13" name="Oval 8">
             <a:extLst>
               <a:ext uri="{FF2B5EF4-FFF2-40B4-BE49-F238E27FC236}">
-                <a16:creationId xmlns:a16="http://schemas.microsoft.com/office/drawing/2014/main" id="{648872B4-33B5-4777-AA4C-1F5A6FD53701}"/>
+                <a16:creationId xmlns:a16="http://schemas.microsoft.com/office/drawing/2014/main" xmlns="" id="{648872B4-33B5-4777-AA4C-1F5A6FD53701}"/>
               </a:ext>
             </a:extLst>
           </p:cNvPr>
@@ -17971,7 +17267,7 @@
           <p:cNvPr id="14" name="Text Box 9">
             <a:extLst>
               <a:ext uri="{FF2B5EF4-FFF2-40B4-BE49-F238E27FC236}">
-                <a16:creationId xmlns:a16="http://schemas.microsoft.com/office/drawing/2014/main" id="{18FD1E5A-04AD-4533-A5DB-4C7C375F7944}"/>
+                <a16:creationId xmlns:a16="http://schemas.microsoft.com/office/drawing/2014/main" xmlns="" id="{18FD1E5A-04AD-4533-A5DB-4C7C375F7944}"/>
               </a:ext>
             </a:extLst>
           </p:cNvPr>
@@ -17994,14 +17290,14 @@
           </a:ln>
           <a:extLst>
             <a:ext uri="{909E8E84-426E-40DD-AFC4-6F175D3DCCD1}">
-              <a14:hiddenFill xmlns:a14="http://schemas.microsoft.com/office/drawing/2010/main">
+              <a14:hiddenFill xmlns:a14="http://schemas.microsoft.com/office/drawing/2010/main" xmlns="">
                 <a:solidFill>
                   <a:srgbClr val="FFFFFF"/>
                 </a:solidFill>
               </a14:hiddenFill>
             </a:ext>
             <a:ext uri="{91240B29-F687-4F45-9708-019B960494DF}">
-              <a14:hiddenLine xmlns:a14="http://schemas.microsoft.com/office/drawing/2010/main" w="9525">
+              <a14:hiddenLine xmlns:a14="http://schemas.microsoft.com/office/drawing/2010/main" xmlns="" w="9525">
                 <a:solidFill>
                   <a:srgbClr val="000000"/>
                 </a:solidFill>
@@ -18162,7 +17458,7 @@
     </p:spTree>
     <p:extLst>
       <p:ext uri="{BB962C8B-B14F-4D97-AF65-F5344CB8AC3E}">
-        <p14:creationId xmlns:p14="http://schemas.microsoft.com/office/powerpoint/2010/main" val="2721899742"/>
+        <p14:creationId xmlns:p14="http://schemas.microsoft.com/office/powerpoint/2010/main" xmlns="" val="2721899742"/>
       </p:ext>
     </p:extLst>
   </p:cSld>
@@ -18252,28 +17548,6 @@
       </p:sp>
       <p:sp>
         <p:nvSpPr>
-          <p:cNvPr id="6" name="Date Placeholder 5"/>
-          <p:cNvSpPr>
-            <a:spLocks noGrp="1"/>
-          </p:cNvSpPr>
-          <p:nvPr>
-            <p:ph type="dt" sz="half" idx="2"/>
-          </p:nvPr>
-        </p:nvSpPr>
-        <p:spPr/>
-        <p:txBody>
-          <a:bodyPr/>
-          <a:lstStyle/>
-          <a:p>
-            <a:r>
-              <a:rPr lang="en-CA" dirty="0"/>
-              <a:t>Winter 2022</a:t>
-            </a:r>
-          </a:p>
-        </p:txBody>
-      </p:sp>
-      <p:sp>
-        <p:nvSpPr>
           <p:cNvPr id="10" name="Footer Placeholder 9"/>
           <p:cNvSpPr>
             <a:spLocks noGrp="1"/>
@@ -18326,7 +17600,7 @@
           <p:cNvPr id="7" name="AutoShape 4">
             <a:extLst>
               <a:ext uri="{FF2B5EF4-FFF2-40B4-BE49-F238E27FC236}">
-                <a16:creationId xmlns:a16="http://schemas.microsoft.com/office/drawing/2014/main" id="{31F95FDC-EBA9-49D6-90A7-52AA9E49DF53}"/>
+                <a16:creationId xmlns:a16="http://schemas.microsoft.com/office/drawing/2014/main" xmlns="" id="{31F95FDC-EBA9-49D6-90A7-52AA9E49DF53}"/>
               </a:ext>
             </a:extLst>
           </p:cNvPr>
@@ -18563,7 +17837,7 @@
           <p:cNvPr id="8" name="Line 5">
             <a:extLst>
               <a:ext uri="{FF2B5EF4-FFF2-40B4-BE49-F238E27FC236}">
-                <a16:creationId xmlns:a16="http://schemas.microsoft.com/office/drawing/2014/main" id="{AAEA41CD-AF5F-4545-B232-E6157DF4225F}"/>
+                <a16:creationId xmlns:a16="http://schemas.microsoft.com/office/drawing/2014/main" xmlns="" id="{AAEA41CD-AF5F-4545-B232-E6157DF4225F}"/>
               </a:ext>
             </a:extLst>
           </p:cNvPr>
@@ -18591,7 +17865,7 @@
           </a:ln>
           <a:extLst>
             <a:ext uri="{909E8E84-426E-40DD-AFC4-6F175D3DCCD1}">
-              <a14:hiddenFill xmlns:a14="http://schemas.microsoft.com/office/drawing/2010/main">
+              <a14:hiddenFill xmlns:a14="http://schemas.microsoft.com/office/drawing/2010/main" xmlns="">
                 <a:noFill/>
               </a14:hiddenFill>
             </a:ext>
@@ -18610,7 +17884,7 @@
           <p:cNvPr id="9" name="AutoShape 6">
             <a:extLst>
               <a:ext uri="{FF2B5EF4-FFF2-40B4-BE49-F238E27FC236}">
-                <a16:creationId xmlns:a16="http://schemas.microsoft.com/office/drawing/2014/main" id="{1974E535-7EAF-4943-BF20-9A1EA78554DD}"/>
+                <a16:creationId xmlns:a16="http://schemas.microsoft.com/office/drawing/2014/main" xmlns="" id="{1974E535-7EAF-4943-BF20-9A1EA78554DD}"/>
               </a:ext>
             </a:extLst>
           </p:cNvPr>
@@ -18850,7 +18124,7 @@
           <p:cNvPr id="11" name="AutoShape 7">
             <a:extLst>
               <a:ext uri="{FF2B5EF4-FFF2-40B4-BE49-F238E27FC236}">
-                <a16:creationId xmlns:a16="http://schemas.microsoft.com/office/drawing/2014/main" id="{967BBC33-44D5-4511-8CC5-26DF3040B552}"/>
+                <a16:creationId xmlns:a16="http://schemas.microsoft.com/office/drawing/2014/main" xmlns="" id="{967BBC33-44D5-4511-8CC5-26DF3040B552}"/>
               </a:ext>
             </a:extLst>
           </p:cNvPr>
@@ -18991,7 +18265,7 @@
           <p:cNvPr id="13" name="Text Box 8">
             <a:extLst>
               <a:ext uri="{FF2B5EF4-FFF2-40B4-BE49-F238E27FC236}">
-                <a16:creationId xmlns:a16="http://schemas.microsoft.com/office/drawing/2014/main" id="{F2C5DFEB-57E2-4DE2-9070-8A4379E125DF}"/>
+                <a16:creationId xmlns:a16="http://schemas.microsoft.com/office/drawing/2014/main" xmlns="" id="{F2C5DFEB-57E2-4DE2-9070-8A4379E125DF}"/>
               </a:ext>
             </a:extLst>
           </p:cNvPr>
@@ -19014,14 +18288,14 @@
           </a:ln>
           <a:extLst>
             <a:ext uri="{909E8E84-426E-40DD-AFC4-6F175D3DCCD1}">
-              <a14:hiddenFill xmlns:a14="http://schemas.microsoft.com/office/drawing/2010/main">
+              <a14:hiddenFill xmlns:a14="http://schemas.microsoft.com/office/drawing/2010/main" xmlns="">
                 <a:solidFill>
                   <a:srgbClr val="FFFFFF"/>
                 </a:solidFill>
               </a14:hiddenFill>
             </a:ext>
             <a:ext uri="{91240B29-F687-4F45-9708-019B960494DF}">
-              <a14:hiddenLine xmlns:a14="http://schemas.microsoft.com/office/drawing/2010/main" w="9525">
+              <a14:hiddenLine xmlns:a14="http://schemas.microsoft.com/office/drawing/2010/main" xmlns="" w="9525">
                 <a:solidFill>
                   <a:srgbClr val="000000"/>
                 </a:solidFill>
@@ -19290,7 +18564,7 @@
           <p:cNvPr id="14" name="AutoShape 9">
             <a:extLst>
               <a:ext uri="{FF2B5EF4-FFF2-40B4-BE49-F238E27FC236}">
-                <a16:creationId xmlns:a16="http://schemas.microsoft.com/office/drawing/2014/main" id="{F5CF2C22-E7B1-42CE-896E-E3E6FB67E91C}"/>
+                <a16:creationId xmlns:a16="http://schemas.microsoft.com/office/drawing/2014/main" xmlns="" id="{F5CF2C22-E7B1-42CE-896E-E3E6FB67E91C}"/>
               </a:ext>
             </a:extLst>
           </p:cNvPr>
@@ -19431,7 +18705,7 @@
           <p:cNvPr id="15" name="Text Box 10">
             <a:extLst>
               <a:ext uri="{FF2B5EF4-FFF2-40B4-BE49-F238E27FC236}">
-                <a16:creationId xmlns:a16="http://schemas.microsoft.com/office/drawing/2014/main" id="{E5D2B502-A2F4-4775-BE3D-62A4EEA3FC13}"/>
+                <a16:creationId xmlns:a16="http://schemas.microsoft.com/office/drawing/2014/main" xmlns="" id="{E5D2B502-A2F4-4775-BE3D-62A4EEA3FC13}"/>
               </a:ext>
             </a:extLst>
           </p:cNvPr>
@@ -19454,14 +18728,14 @@
           </a:ln>
           <a:extLst>
             <a:ext uri="{909E8E84-426E-40DD-AFC4-6F175D3DCCD1}">
-              <a14:hiddenFill xmlns:a14="http://schemas.microsoft.com/office/drawing/2010/main">
+              <a14:hiddenFill xmlns:a14="http://schemas.microsoft.com/office/drawing/2010/main" xmlns="">
                 <a:solidFill>
                   <a:srgbClr val="FFFFFF"/>
                 </a:solidFill>
               </a14:hiddenFill>
             </a:ext>
             <a:ext uri="{91240B29-F687-4F45-9708-019B960494DF}">
-              <a14:hiddenLine xmlns:a14="http://schemas.microsoft.com/office/drawing/2010/main" w="9525">
+              <a14:hiddenLine xmlns:a14="http://schemas.microsoft.com/office/drawing/2010/main" xmlns="" w="9525">
                 <a:solidFill>
                   <a:srgbClr val="000000"/>
                 </a:solidFill>
@@ -19773,7 +19047,7 @@
           <p:cNvPr id="16" name="Group 11">
             <a:extLst>
               <a:ext uri="{FF2B5EF4-FFF2-40B4-BE49-F238E27FC236}">
-                <a16:creationId xmlns:a16="http://schemas.microsoft.com/office/drawing/2014/main" id="{0F4636B6-36F8-4B7E-9AC9-9A11AA344868}"/>
+                <a16:creationId xmlns:a16="http://schemas.microsoft.com/office/drawing/2014/main" xmlns="" id="{0F4636B6-36F8-4B7E-9AC9-9A11AA344868}"/>
               </a:ext>
             </a:extLst>
           </p:cNvPr>
@@ -19795,7 +19069,7 @@
             <p:cNvPr id="17" name="AutoShape 12">
               <a:extLst>
                 <a:ext uri="{FF2B5EF4-FFF2-40B4-BE49-F238E27FC236}">
-                  <a16:creationId xmlns:a16="http://schemas.microsoft.com/office/drawing/2014/main" id="{EF3B9B05-2B29-45F1-94C5-68A2EF7B9E83}"/>
+                  <a16:creationId xmlns:a16="http://schemas.microsoft.com/office/drawing/2014/main" xmlns="" id="{EF3B9B05-2B29-45F1-94C5-68A2EF7B9E83}"/>
                 </a:ext>
               </a:extLst>
             </p:cNvPr>
@@ -19936,7 +19210,7 @@
             <p:cNvPr id="18" name="Text Box 13">
               <a:extLst>
                 <a:ext uri="{FF2B5EF4-FFF2-40B4-BE49-F238E27FC236}">
-                  <a16:creationId xmlns:a16="http://schemas.microsoft.com/office/drawing/2014/main" id="{8B58F0E3-EDC8-4485-9846-411F055DC503}"/>
+                  <a16:creationId xmlns:a16="http://schemas.microsoft.com/office/drawing/2014/main" xmlns="" id="{8B58F0E3-EDC8-4485-9846-411F055DC503}"/>
                 </a:ext>
               </a:extLst>
             </p:cNvPr>
@@ -19959,14 +19233,14 @@
             </a:ln>
             <a:extLst>
               <a:ext uri="{909E8E84-426E-40DD-AFC4-6F175D3DCCD1}">
-                <a14:hiddenFill xmlns:a14="http://schemas.microsoft.com/office/drawing/2010/main">
+                <a14:hiddenFill xmlns:a14="http://schemas.microsoft.com/office/drawing/2010/main" xmlns="">
                   <a:solidFill>
                     <a:srgbClr val="FFFFFF"/>
                   </a:solidFill>
                 </a14:hiddenFill>
               </a:ext>
               <a:ext uri="{91240B29-F687-4F45-9708-019B960494DF}">
-                <a14:hiddenLine xmlns:a14="http://schemas.microsoft.com/office/drawing/2010/main" w="9525">
+                <a14:hiddenLine xmlns:a14="http://schemas.microsoft.com/office/drawing/2010/main" xmlns="" w="9525">
                   <a:solidFill>
                     <a:srgbClr val="000000"/>
                   </a:solidFill>
@@ -20167,7 +19441,7 @@
     </p:spTree>
     <p:extLst>
       <p:ext uri="{BB962C8B-B14F-4D97-AF65-F5344CB8AC3E}">
-        <p14:creationId xmlns:p14="http://schemas.microsoft.com/office/powerpoint/2010/main" val="51204498"/>
+        <p14:creationId xmlns:p14="http://schemas.microsoft.com/office/powerpoint/2010/main" xmlns="" val="51204498"/>
       </p:ext>
     </p:extLst>
   </p:cSld>
@@ -20301,28 +19575,6 @@
       </p:sp>
       <p:sp>
         <p:nvSpPr>
-          <p:cNvPr id="6" name="Date Placeholder 5"/>
-          <p:cNvSpPr>
-            <a:spLocks noGrp="1"/>
-          </p:cNvSpPr>
-          <p:nvPr>
-            <p:ph type="dt" sz="half" idx="2"/>
-          </p:nvPr>
-        </p:nvSpPr>
-        <p:spPr/>
-        <p:txBody>
-          <a:bodyPr/>
-          <a:lstStyle/>
-          <a:p>
-            <a:r>
-              <a:rPr lang="en-CA" dirty="0"/>
-              <a:t>Winter 2022</a:t>
-            </a:r>
-          </a:p>
-        </p:txBody>
-      </p:sp>
-      <p:sp>
-        <p:nvSpPr>
           <p:cNvPr id="10" name="Footer Placeholder 9"/>
           <p:cNvSpPr>
             <a:spLocks noGrp="1"/>
@@ -20375,7 +19627,7 @@
           <p:cNvPr id="7" name="AutoShape 4">
             <a:extLst>
               <a:ext uri="{FF2B5EF4-FFF2-40B4-BE49-F238E27FC236}">
-                <a16:creationId xmlns:a16="http://schemas.microsoft.com/office/drawing/2014/main" id="{7EFBE907-40F2-47D1-9BD7-B3CEDC2F52A8}"/>
+                <a16:creationId xmlns:a16="http://schemas.microsoft.com/office/drawing/2014/main" xmlns="" id="{7EFBE907-40F2-47D1-9BD7-B3CEDC2F52A8}"/>
               </a:ext>
             </a:extLst>
           </p:cNvPr>
@@ -20558,7 +19810,7 @@
           <p:cNvPr id="8" name="AutoShape 6">
             <a:extLst>
               <a:ext uri="{FF2B5EF4-FFF2-40B4-BE49-F238E27FC236}">
-                <a16:creationId xmlns:a16="http://schemas.microsoft.com/office/drawing/2014/main" id="{023607E6-2F20-401D-9A90-052951B256FE}"/>
+                <a16:creationId xmlns:a16="http://schemas.microsoft.com/office/drawing/2014/main" xmlns="" id="{023607E6-2F20-401D-9A90-052951B256FE}"/>
               </a:ext>
             </a:extLst>
           </p:cNvPr>
@@ -20741,7 +19993,7 @@
           <p:cNvPr id="9" name="AutoShape 7">
             <a:extLst>
               <a:ext uri="{FF2B5EF4-FFF2-40B4-BE49-F238E27FC236}">
-                <a16:creationId xmlns:a16="http://schemas.microsoft.com/office/drawing/2014/main" id="{517483B1-C59D-4049-9C8B-95F08D421C63}"/>
+                <a16:creationId xmlns:a16="http://schemas.microsoft.com/office/drawing/2014/main" xmlns="" id="{517483B1-C59D-4049-9C8B-95F08D421C63}"/>
               </a:ext>
             </a:extLst>
           </p:cNvPr>
@@ -20924,7 +20176,7 @@
           <p:cNvPr id="11" name="AutoShape 8">
             <a:extLst>
               <a:ext uri="{FF2B5EF4-FFF2-40B4-BE49-F238E27FC236}">
-                <a16:creationId xmlns:a16="http://schemas.microsoft.com/office/drawing/2014/main" id="{CD44DFC6-ABD5-4644-A162-76CFAE2BBC34}"/>
+                <a16:creationId xmlns:a16="http://schemas.microsoft.com/office/drawing/2014/main" xmlns="" id="{CD44DFC6-ABD5-4644-A162-76CFAE2BBC34}"/>
               </a:ext>
             </a:extLst>
           </p:cNvPr>
@@ -21107,7 +20359,7 @@
           <p:cNvPr id="13" name="AutoShape 9">
             <a:extLst>
               <a:ext uri="{FF2B5EF4-FFF2-40B4-BE49-F238E27FC236}">
-                <a16:creationId xmlns:a16="http://schemas.microsoft.com/office/drawing/2014/main" id="{9B930C7F-8388-4078-9FEB-6FA93D213CE1}"/>
+                <a16:creationId xmlns:a16="http://schemas.microsoft.com/office/drawing/2014/main" xmlns="" id="{9B930C7F-8388-4078-9FEB-6FA93D213CE1}"/>
               </a:ext>
             </a:extLst>
           </p:cNvPr>
@@ -21290,7 +20542,7 @@
           <p:cNvPr id="14" name="AutoShape 10">
             <a:extLst>
               <a:ext uri="{FF2B5EF4-FFF2-40B4-BE49-F238E27FC236}">
-                <a16:creationId xmlns:a16="http://schemas.microsoft.com/office/drawing/2014/main" id="{85E106EE-9442-439F-88C3-2EC5A4C5731A}"/>
+                <a16:creationId xmlns:a16="http://schemas.microsoft.com/office/drawing/2014/main" xmlns="" id="{85E106EE-9442-439F-88C3-2EC5A4C5731A}"/>
               </a:ext>
             </a:extLst>
           </p:cNvPr>
@@ -21473,7 +20725,7 @@
           <p:cNvPr id="15" name="AutoShape 11">
             <a:extLst>
               <a:ext uri="{FF2B5EF4-FFF2-40B4-BE49-F238E27FC236}">
-                <a16:creationId xmlns:a16="http://schemas.microsoft.com/office/drawing/2014/main" id="{2950A4D3-7AF0-4AD2-A618-95FC624C4D85}"/>
+                <a16:creationId xmlns:a16="http://schemas.microsoft.com/office/drawing/2014/main" xmlns="" id="{2950A4D3-7AF0-4AD2-A618-95FC624C4D85}"/>
               </a:ext>
             </a:extLst>
           </p:cNvPr>
@@ -21656,7 +20908,7 @@
           <p:cNvPr id="16" name="AutoShape 12">
             <a:extLst>
               <a:ext uri="{FF2B5EF4-FFF2-40B4-BE49-F238E27FC236}">
-                <a16:creationId xmlns:a16="http://schemas.microsoft.com/office/drawing/2014/main" id="{A5773D9B-3BF7-4221-9A7F-68EA68F604FE}"/>
+                <a16:creationId xmlns:a16="http://schemas.microsoft.com/office/drawing/2014/main" xmlns="" id="{A5773D9B-3BF7-4221-9A7F-68EA68F604FE}"/>
               </a:ext>
             </a:extLst>
           </p:cNvPr>
@@ -21839,7 +21091,7 @@
           <p:cNvPr id="17" name="Line 13">
             <a:extLst>
               <a:ext uri="{FF2B5EF4-FFF2-40B4-BE49-F238E27FC236}">
-                <a16:creationId xmlns:a16="http://schemas.microsoft.com/office/drawing/2014/main" id="{56C2489B-6392-41B4-8E7C-2CC1C9024E94}"/>
+                <a16:creationId xmlns:a16="http://schemas.microsoft.com/office/drawing/2014/main" xmlns="" id="{56C2489B-6392-41B4-8E7C-2CC1C9024E94}"/>
               </a:ext>
             </a:extLst>
           </p:cNvPr>
@@ -21867,7 +21119,7 @@
           </a:ln>
           <a:extLst>
             <a:ext uri="{909E8E84-426E-40DD-AFC4-6F175D3DCCD1}">
-              <a14:hiddenFill xmlns:a14="http://schemas.microsoft.com/office/drawing/2010/main">
+              <a14:hiddenFill xmlns:a14="http://schemas.microsoft.com/office/drawing/2010/main" xmlns="">
                 <a:noFill/>
               </a14:hiddenFill>
             </a:ext>
@@ -21886,7 +21138,7 @@
           <p:cNvPr id="18" name="Line 14">
             <a:extLst>
               <a:ext uri="{FF2B5EF4-FFF2-40B4-BE49-F238E27FC236}">
-                <a16:creationId xmlns:a16="http://schemas.microsoft.com/office/drawing/2014/main" id="{6E275B3E-799D-4EC9-8B3A-BB17C5C00A25}"/>
+                <a16:creationId xmlns:a16="http://schemas.microsoft.com/office/drawing/2014/main" xmlns="" id="{6E275B3E-799D-4EC9-8B3A-BB17C5C00A25}"/>
               </a:ext>
             </a:extLst>
           </p:cNvPr>
@@ -21914,7 +21166,7 @@
           </a:ln>
           <a:extLst>
             <a:ext uri="{909E8E84-426E-40DD-AFC4-6F175D3DCCD1}">
-              <a14:hiddenFill xmlns:a14="http://schemas.microsoft.com/office/drawing/2010/main">
+              <a14:hiddenFill xmlns:a14="http://schemas.microsoft.com/office/drawing/2010/main" xmlns="">
                 <a:noFill/>
               </a14:hiddenFill>
             </a:ext>
@@ -21933,7 +21185,7 @@
           <p:cNvPr id="19" name="Line 15">
             <a:extLst>
               <a:ext uri="{FF2B5EF4-FFF2-40B4-BE49-F238E27FC236}">
-                <a16:creationId xmlns:a16="http://schemas.microsoft.com/office/drawing/2014/main" id="{E85F42F2-1B21-4CEB-83FF-BFDA78856670}"/>
+                <a16:creationId xmlns:a16="http://schemas.microsoft.com/office/drawing/2014/main" xmlns="" id="{E85F42F2-1B21-4CEB-83FF-BFDA78856670}"/>
               </a:ext>
             </a:extLst>
           </p:cNvPr>
@@ -21961,7 +21213,7 @@
           </a:ln>
           <a:extLst>
             <a:ext uri="{909E8E84-426E-40DD-AFC4-6F175D3DCCD1}">
-              <a14:hiddenFill xmlns:a14="http://schemas.microsoft.com/office/drawing/2010/main">
+              <a14:hiddenFill xmlns:a14="http://schemas.microsoft.com/office/drawing/2010/main" xmlns="">
                 <a:noFill/>
               </a14:hiddenFill>
             </a:ext>
@@ -21980,7 +21232,7 @@
           <p:cNvPr id="20" name="Line 16">
             <a:extLst>
               <a:ext uri="{FF2B5EF4-FFF2-40B4-BE49-F238E27FC236}">
-                <a16:creationId xmlns:a16="http://schemas.microsoft.com/office/drawing/2014/main" id="{78B1EFBE-535F-433F-BFDE-6B3FFD36D5D1}"/>
+                <a16:creationId xmlns:a16="http://schemas.microsoft.com/office/drawing/2014/main" xmlns="" id="{78B1EFBE-535F-433F-BFDE-6B3FFD36D5D1}"/>
               </a:ext>
             </a:extLst>
           </p:cNvPr>
@@ -22008,7 +21260,7 @@
           </a:ln>
           <a:extLst>
             <a:ext uri="{909E8E84-426E-40DD-AFC4-6F175D3DCCD1}">
-              <a14:hiddenFill xmlns:a14="http://schemas.microsoft.com/office/drawing/2010/main">
+              <a14:hiddenFill xmlns:a14="http://schemas.microsoft.com/office/drawing/2010/main" xmlns="">
                 <a:noFill/>
               </a14:hiddenFill>
             </a:ext>
@@ -22027,7 +21279,7 @@
           <p:cNvPr id="21" name="Line 17">
             <a:extLst>
               <a:ext uri="{FF2B5EF4-FFF2-40B4-BE49-F238E27FC236}">
-                <a16:creationId xmlns:a16="http://schemas.microsoft.com/office/drawing/2014/main" id="{078AC76F-5273-4A7F-9B67-BFB9CA47CFE7}"/>
+                <a16:creationId xmlns:a16="http://schemas.microsoft.com/office/drawing/2014/main" xmlns="" id="{078AC76F-5273-4A7F-9B67-BFB9CA47CFE7}"/>
               </a:ext>
             </a:extLst>
           </p:cNvPr>
@@ -22055,7 +21307,7 @@
           </a:ln>
           <a:extLst>
             <a:ext uri="{909E8E84-426E-40DD-AFC4-6F175D3DCCD1}">
-              <a14:hiddenFill xmlns:a14="http://schemas.microsoft.com/office/drawing/2010/main">
+              <a14:hiddenFill xmlns:a14="http://schemas.microsoft.com/office/drawing/2010/main" xmlns="">
                 <a:noFill/>
               </a14:hiddenFill>
             </a:ext>
@@ -22074,7 +21326,7 @@
           <p:cNvPr id="22" name="Line 18">
             <a:extLst>
               <a:ext uri="{FF2B5EF4-FFF2-40B4-BE49-F238E27FC236}">
-                <a16:creationId xmlns:a16="http://schemas.microsoft.com/office/drawing/2014/main" id="{425D6275-453D-42F5-A253-9EB21360F1B7}"/>
+                <a16:creationId xmlns:a16="http://schemas.microsoft.com/office/drawing/2014/main" xmlns="" id="{425D6275-453D-42F5-A253-9EB21360F1B7}"/>
               </a:ext>
             </a:extLst>
           </p:cNvPr>
@@ -22102,7 +21354,7 @@
           </a:ln>
           <a:extLst>
             <a:ext uri="{909E8E84-426E-40DD-AFC4-6F175D3DCCD1}">
-              <a14:hiddenFill xmlns:a14="http://schemas.microsoft.com/office/drawing/2010/main">
+              <a14:hiddenFill xmlns:a14="http://schemas.microsoft.com/office/drawing/2010/main" xmlns="">
                 <a:noFill/>
               </a14:hiddenFill>
             </a:ext>
@@ -22121,7 +21373,7 @@
           <p:cNvPr id="23" name="Line 19">
             <a:extLst>
               <a:ext uri="{FF2B5EF4-FFF2-40B4-BE49-F238E27FC236}">
-                <a16:creationId xmlns:a16="http://schemas.microsoft.com/office/drawing/2014/main" id="{ADB93AE2-5570-4CB0-9A99-DDEF17A92BEB}"/>
+                <a16:creationId xmlns:a16="http://schemas.microsoft.com/office/drawing/2014/main" xmlns="" id="{ADB93AE2-5570-4CB0-9A99-DDEF17A92BEB}"/>
               </a:ext>
             </a:extLst>
           </p:cNvPr>
@@ -22149,7 +21401,7 @@
           </a:ln>
           <a:extLst>
             <a:ext uri="{909E8E84-426E-40DD-AFC4-6F175D3DCCD1}">
-              <a14:hiddenFill xmlns:a14="http://schemas.microsoft.com/office/drawing/2010/main">
+              <a14:hiddenFill xmlns:a14="http://schemas.microsoft.com/office/drawing/2010/main" xmlns="">
                 <a:noFill/>
               </a14:hiddenFill>
             </a:ext>
@@ -22166,7 +21418,7 @@
     </p:spTree>
     <p:extLst>
       <p:ext uri="{BB962C8B-B14F-4D97-AF65-F5344CB8AC3E}">
-        <p14:creationId xmlns:p14="http://schemas.microsoft.com/office/powerpoint/2010/main" val="2028171723"/>
+        <p14:creationId xmlns:p14="http://schemas.microsoft.com/office/powerpoint/2010/main" xmlns="" val="2028171723"/>
       </p:ext>
     </p:extLst>
   </p:cSld>
@@ -22288,28 +21540,6 @@
       </p:sp>
       <p:sp>
         <p:nvSpPr>
-          <p:cNvPr id="6" name="Date Placeholder 5"/>
-          <p:cNvSpPr>
-            <a:spLocks noGrp="1"/>
-          </p:cNvSpPr>
-          <p:nvPr>
-            <p:ph type="dt" sz="half" idx="2"/>
-          </p:nvPr>
-        </p:nvSpPr>
-        <p:spPr/>
-        <p:txBody>
-          <a:bodyPr/>
-          <a:lstStyle/>
-          <a:p>
-            <a:r>
-              <a:rPr lang="en-CA" dirty="0"/>
-              <a:t>Winter 2022</a:t>
-            </a:r>
-          </a:p>
-        </p:txBody>
-      </p:sp>
-      <p:sp>
-        <p:nvSpPr>
           <p:cNvPr id="10" name="Footer Placeholder 9"/>
           <p:cNvSpPr>
             <a:spLocks noGrp="1"/>
@@ -22360,7 +21590,7 @@
     </p:spTree>
     <p:extLst>
       <p:ext uri="{BB962C8B-B14F-4D97-AF65-F5344CB8AC3E}">
-        <p14:creationId xmlns:p14="http://schemas.microsoft.com/office/powerpoint/2010/main" val="497112890"/>
+        <p14:creationId xmlns:p14="http://schemas.microsoft.com/office/powerpoint/2010/main" xmlns="" val="497112890"/>
       </p:ext>
     </p:extLst>
   </p:cSld>
@@ -22422,7 +21652,7 @@
         <p:spPr/>
         <p:txBody>
           <a:bodyPr>
-            <a:normAutofit fontScale="92500" lnSpcReduction="20000"/>
+            <a:normAutofit fontScale="92500" lnSpcReduction="10000"/>
           </a:bodyPr>
           <a:lstStyle/>
           <a:p>
@@ -22468,28 +21698,6 @@
             <a:r>
               <a:rPr lang="en-US" dirty="0"/>
               <a:t>If a call to super is not made, the system will automatically attempt to invoke the no-argument constructor of the superclass.</a:t>
-            </a:r>
-          </a:p>
-        </p:txBody>
-      </p:sp>
-      <p:sp>
-        <p:nvSpPr>
-          <p:cNvPr id="6" name="Date Placeholder 5"/>
-          <p:cNvSpPr>
-            <a:spLocks noGrp="1"/>
-          </p:cNvSpPr>
-          <p:nvPr>
-            <p:ph type="dt" sz="half" idx="2"/>
-          </p:nvPr>
-        </p:nvSpPr>
-        <p:spPr/>
-        <p:txBody>
-          <a:bodyPr/>
-          <a:lstStyle/>
-          <a:p>
-            <a:r>
-              <a:rPr lang="en-CA" dirty="0"/>
-              <a:t>Winter 2022</a:t>
             </a:r>
           </a:p>
         </p:txBody>
@@ -22546,7 +21754,7 @@
     </p:spTree>
     <p:extLst>
       <p:ext uri="{BB962C8B-B14F-4D97-AF65-F5344CB8AC3E}">
-        <p14:creationId xmlns:p14="http://schemas.microsoft.com/office/powerpoint/2010/main" val="831832902"/>
+        <p14:creationId xmlns:p14="http://schemas.microsoft.com/office/powerpoint/2010/main" xmlns="" val="831832902"/>
       </p:ext>
     </p:extLst>
   </p:cSld>
@@ -22599,7 +21807,7 @@
     </a:clrScheme>
     <a:fontScheme name="Office">
       <a:majorFont>
-        <a:latin typeface="Calibri Light" panose="020F0302020204030204"/>
+        <a:latin typeface="Calibri Light"/>
         <a:ea typeface=""/>
         <a:cs typeface=""/>
         <a:font script="Jpan" typeface="游ゴシック Light"/>
@@ -22651,7 +21859,7 @@
         <a:font script="Tfng" typeface="Ebrima"/>
       </a:majorFont>
       <a:minorFont>
-        <a:latin typeface="Calibri" panose="020F0502020204030204"/>
+        <a:latin typeface="Calibri"/>
         <a:ea typeface=""/>
         <a:cs typeface=""/>
         <a:font script="Jpan" typeface="游ゴシック"/>
@@ -22845,7 +22053,7 @@
   <a:extraClrSchemeLst/>
   <a:extLst>
     <a:ext uri="{05A4C25C-085E-4340-85A3-A5531E510DB2}">
-      <thm15:themeFamily xmlns:thm15="http://schemas.microsoft.com/office/thememl/2012/main" name="eye_tracker_presentation" id="{00ED1D97-A04B-46A0-BB71-88655A6B057F}" vid="{F36189FA-3966-4852-951E-5734674D1C7B}"/>
+      <thm15:themeFamily xmlns:thm15="http://schemas.microsoft.com/office/thememl/2012/main" xmlns="" name="eye_tracker_presentation" id="{00ED1D97-A04B-46A0-BB71-88655A6B057F}" vid="{F36189FA-3966-4852-951E-5734674D1C7B}"/>
     </a:ext>
   </a:extLst>
 </a:theme>
@@ -22894,7 +22102,7 @@
     </a:clrScheme>
     <a:fontScheme name="Office">
       <a:majorFont>
-        <a:latin typeface="Calibri Light" panose="020F0302020204030204"/>
+        <a:latin typeface="Calibri Light"/>
         <a:ea typeface=""/>
         <a:cs typeface=""/>
         <a:font script="Jpan" typeface="游ゴシック Light"/>
@@ -22946,7 +22154,7 @@
         <a:font script="Tfng" typeface="Ebrima"/>
       </a:majorFont>
       <a:minorFont>
-        <a:latin typeface="Calibri" panose="020F0502020204030204"/>
+        <a:latin typeface="Calibri"/>
         <a:ea typeface=""/>
         <a:cs typeface=""/>
         <a:font script="Jpan" typeface="游ゴシック"/>
@@ -23140,7 +22348,7 @@
   <a:extraClrSchemeLst/>
   <a:extLst>
     <a:ext uri="{05A4C25C-085E-4340-85A3-A5531E510DB2}">
-      <thm15:themeFamily xmlns:thm15="http://schemas.microsoft.com/office/thememl/2012/main" name="Office Theme" id="{62F939B6-93AF-4DB8-9C6B-D6C7DFDC589F}" vid="{4A3C46E8-61CC-4603-A589-7422A47A8E4A}"/>
+      <thm15:themeFamily xmlns:thm15="http://schemas.microsoft.com/office/thememl/2012/main" xmlns="" name="Office Theme" id="{62F939B6-93AF-4DB8-9C6B-D6C7DFDC589F}" vid="{4A3C46E8-61CC-4603-A589-7422A47A8E4A}"/>
     </a:ext>
   </a:extLst>
 </a:theme>

--- a/bishops/cs321/resources/CS321_Lecture_06.pptx
+++ b/bishops/cs321/resources/CS321_Lecture_06.pptx
@@ -5,7 +5,7 @@
     <p:sldMasterId id="2147483648" r:id="rId1"/>
   </p:sldMasterIdLst>
   <p:notesMasterIdLst>
-    <p:notesMasterId r:id="rId39"/>
+    <p:notesMasterId r:id="rId40"/>
   </p:notesMasterIdLst>
   <p:sldIdLst>
     <p:sldId id="256" r:id="rId2"/>
@@ -23,28 +23,29 @@
     <p:sldId id="270" r:id="rId14"/>
     <p:sldId id="269" r:id="rId15"/>
     <p:sldId id="271" r:id="rId16"/>
-    <p:sldId id="272" r:id="rId17"/>
-    <p:sldId id="273" r:id="rId18"/>
-    <p:sldId id="274" r:id="rId19"/>
-    <p:sldId id="275" r:id="rId20"/>
-    <p:sldId id="276" r:id="rId21"/>
-    <p:sldId id="277" r:id="rId22"/>
-    <p:sldId id="278" r:id="rId23"/>
-    <p:sldId id="279" r:id="rId24"/>
-    <p:sldId id="280" r:id="rId25"/>
-    <p:sldId id="281" r:id="rId26"/>
-    <p:sldId id="282" r:id="rId27"/>
-    <p:sldId id="283" r:id="rId28"/>
-    <p:sldId id="284" r:id="rId29"/>
-    <p:sldId id="285" r:id="rId30"/>
-    <p:sldId id="286" r:id="rId31"/>
-    <p:sldId id="288" r:id="rId32"/>
-    <p:sldId id="289" r:id="rId33"/>
-    <p:sldId id="287" r:id="rId34"/>
-    <p:sldId id="290" r:id="rId35"/>
-    <p:sldId id="291" r:id="rId36"/>
-    <p:sldId id="292" r:id="rId37"/>
-    <p:sldId id="293" r:id="rId38"/>
+    <p:sldId id="294" r:id="rId17"/>
+    <p:sldId id="272" r:id="rId18"/>
+    <p:sldId id="273" r:id="rId19"/>
+    <p:sldId id="274" r:id="rId20"/>
+    <p:sldId id="275" r:id="rId21"/>
+    <p:sldId id="276" r:id="rId22"/>
+    <p:sldId id="277" r:id="rId23"/>
+    <p:sldId id="278" r:id="rId24"/>
+    <p:sldId id="279" r:id="rId25"/>
+    <p:sldId id="280" r:id="rId26"/>
+    <p:sldId id="281" r:id="rId27"/>
+    <p:sldId id="282" r:id="rId28"/>
+    <p:sldId id="283" r:id="rId29"/>
+    <p:sldId id="284" r:id="rId30"/>
+    <p:sldId id="285" r:id="rId31"/>
+    <p:sldId id="286" r:id="rId32"/>
+    <p:sldId id="288" r:id="rId33"/>
+    <p:sldId id="289" r:id="rId34"/>
+    <p:sldId id="287" r:id="rId35"/>
+    <p:sldId id="290" r:id="rId36"/>
+    <p:sldId id="291" r:id="rId37"/>
+    <p:sldId id="292" r:id="rId38"/>
+    <p:sldId id="293" r:id="rId39"/>
   </p:sldIdLst>
   <p:sldSz cx="12192000" cy="6858000"/>
   <p:notesSz cx="6858000" cy="9144000"/>
@@ -145,7 +146,7 @@
   </p:defaultTextStyle>
   <p:extLst>
     <p:ext uri="{EFAFB233-063F-42B5-8137-9DF3F51BA10A}">
-      <p15:sldGuideLst xmlns:p15="http://schemas.microsoft.com/office/powerpoint/2012/main" xmlns=""/>
+      <p15:sldGuideLst xmlns="" xmlns:p15="http://schemas.microsoft.com/office/powerpoint/2012/main"/>
     </p:ext>
   </p:extLst>
 </p:presentation>
@@ -156,7 +157,7 @@
   <p:cmAuthor id="1" name="Gregory" initials="G" lastIdx="1" clrIdx="0">
     <p:extLst>
       <p:ext uri="{19B8F6BF-5375-455C-9EA6-DF929625EA0E}">
-        <p15:presenceInfo xmlns:p15="http://schemas.microsoft.com/office/powerpoint/2012/main" xmlns="" userId="Gregory" providerId="None"/>
+        <p15:presenceInfo xmlns="" xmlns:p15="http://schemas.microsoft.com/office/powerpoint/2012/main" userId="Gregory" providerId="None"/>
       </p:ext>
     </p:extLst>
   </p:cmAuthor>
@@ -246,7 +247,7 @@
             <a:fld id="{A6583E9D-07AB-4C6D-BFD0-47E805C6B3D4}" type="datetimeFigureOut">
               <a:rPr lang="en-CA" smtClean="0"/>
               <a:pPr/>
-              <a:t>2025-01-05</a:t>
+              <a:t>2025-01-29</a:t>
             </a:fld>
             <a:endParaRPr lang="en-CA"/>
           </a:p>
@@ -415,7 +416,7 @@
     </p:spTree>
     <p:extLst>
       <p:ext uri="{BB962C8B-B14F-4D97-AF65-F5344CB8AC3E}">
-        <p14:creationId xmlns:p14="http://schemas.microsoft.com/office/powerpoint/2010/main" xmlns="" val="4237529172"/>
+        <p14:creationId xmlns="" xmlns:p14="http://schemas.microsoft.com/office/powerpoint/2010/main" val="4237529172"/>
       </p:ext>
     </p:extLst>
   </p:cSld>
@@ -590,7 +591,7 @@
     </p:spTree>
     <p:extLst>
       <p:ext uri="{BB962C8B-B14F-4D97-AF65-F5344CB8AC3E}">
-        <p14:creationId xmlns:p14="http://schemas.microsoft.com/office/powerpoint/2010/main" xmlns="" val="2340334442"/>
+        <p14:creationId xmlns="" xmlns:p14="http://schemas.microsoft.com/office/powerpoint/2010/main" val="2340334442"/>
       </p:ext>
     </p:extLst>
   </p:cSld>
@@ -675,7 +676,7 @@
     </p:spTree>
     <p:extLst>
       <p:ext uri="{BB962C8B-B14F-4D97-AF65-F5344CB8AC3E}">
-        <p14:creationId xmlns:p14="http://schemas.microsoft.com/office/powerpoint/2010/main" xmlns="" val="605109939"/>
+        <p14:creationId xmlns="" xmlns:p14="http://schemas.microsoft.com/office/powerpoint/2010/main" val="605109939"/>
       </p:ext>
     </p:extLst>
   </p:cSld>
@@ -879,7 +880,7 @@
     </p:spTree>
     <p:extLst>
       <p:ext uri="{BB962C8B-B14F-4D97-AF65-F5344CB8AC3E}">
-        <p14:creationId xmlns:p14="http://schemas.microsoft.com/office/powerpoint/2010/main" xmlns="" val="1900560834"/>
+        <p14:creationId xmlns="" xmlns:p14="http://schemas.microsoft.com/office/powerpoint/2010/main" val="1900560834"/>
       </p:ext>
     </p:extLst>
   </p:cSld>
@@ -1053,7 +1054,7 @@
     </p:spTree>
     <p:extLst>
       <p:ext uri="{BB962C8B-B14F-4D97-AF65-F5344CB8AC3E}">
-        <p14:creationId xmlns:p14="http://schemas.microsoft.com/office/powerpoint/2010/main" xmlns="" val="3722958745"/>
+        <p14:creationId xmlns="" xmlns:p14="http://schemas.microsoft.com/office/powerpoint/2010/main" val="3722958745"/>
       </p:ext>
     </p:extLst>
   </p:cSld>
@@ -1289,7 +1290,7 @@
     </p:spTree>
     <p:extLst>
       <p:ext uri="{BB962C8B-B14F-4D97-AF65-F5344CB8AC3E}">
-        <p14:creationId xmlns:p14="http://schemas.microsoft.com/office/powerpoint/2010/main" xmlns="" val="1822376042"/>
+        <p14:creationId xmlns="" xmlns:p14="http://schemas.microsoft.com/office/powerpoint/2010/main" val="1822376042"/>
       </p:ext>
     </p:extLst>
   </p:cSld>
@@ -1539,7 +1540,7 @@
     </p:spTree>
     <p:extLst>
       <p:ext uri="{BB962C8B-B14F-4D97-AF65-F5344CB8AC3E}">
-        <p14:creationId xmlns:p14="http://schemas.microsoft.com/office/powerpoint/2010/main" xmlns="" val="3411672561"/>
+        <p14:creationId xmlns="" xmlns:p14="http://schemas.microsoft.com/office/powerpoint/2010/main" val="3411672561"/>
       </p:ext>
     </p:extLst>
   </p:cSld>
@@ -1775,7 +1776,7 @@
     </p:spTree>
     <p:extLst>
       <p:ext uri="{BB962C8B-B14F-4D97-AF65-F5344CB8AC3E}">
-        <p14:creationId xmlns:p14="http://schemas.microsoft.com/office/powerpoint/2010/main" xmlns="" val="1093008526"/>
+        <p14:creationId xmlns="" xmlns:p14="http://schemas.microsoft.com/office/powerpoint/2010/main" val="1093008526"/>
       </p:ext>
     </p:extLst>
   </p:cSld>
@@ -2146,7 +2147,7 @@
     </p:spTree>
     <p:extLst>
       <p:ext uri="{BB962C8B-B14F-4D97-AF65-F5344CB8AC3E}">
-        <p14:creationId xmlns:p14="http://schemas.microsoft.com/office/powerpoint/2010/main" xmlns="" val="1087924878"/>
+        <p14:creationId xmlns="" xmlns:p14="http://schemas.microsoft.com/office/powerpoint/2010/main" val="1087924878"/>
       </p:ext>
     </p:extLst>
   </p:cSld>
@@ -2268,7 +2269,7 @@
     </p:spTree>
     <p:extLst>
       <p:ext uri="{BB962C8B-B14F-4D97-AF65-F5344CB8AC3E}">
-        <p14:creationId xmlns:p14="http://schemas.microsoft.com/office/powerpoint/2010/main" xmlns="" val="3802387408"/>
+        <p14:creationId xmlns="" xmlns:p14="http://schemas.microsoft.com/office/powerpoint/2010/main" val="3802387408"/>
       </p:ext>
     </p:extLst>
   </p:cSld>
@@ -2367,7 +2368,7 @@
     </p:spTree>
     <p:extLst>
       <p:ext uri="{BB962C8B-B14F-4D97-AF65-F5344CB8AC3E}">
-        <p14:creationId xmlns:p14="http://schemas.microsoft.com/office/powerpoint/2010/main" xmlns="" val="4234091411"/>
+        <p14:creationId xmlns="" xmlns:p14="http://schemas.microsoft.com/office/powerpoint/2010/main" val="4234091411"/>
       </p:ext>
     </p:extLst>
   </p:cSld>
@@ -2648,7 +2649,7 @@
     </p:spTree>
     <p:extLst>
       <p:ext uri="{BB962C8B-B14F-4D97-AF65-F5344CB8AC3E}">
-        <p14:creationId xmlns:p14="http://schemas.microsoft.com/office/powerpoint/2010/main" xmlns="" val="4189422420"/>
+        <p14:creationId xmlns="" xmlns:p14="http://schemas.microsoft.com/office/powerpoint/2010/main" val="4189422420"/>
       </p:ext>
     </p:extLst>
   </p:cSld>
@@ -2905,7 +2906,7 @@
     </p:spTree>
     <p:extLst>
       <p:ext uri="{BB962C8B-B14F-4D97-AF65-F5344CB8AC3E}">
-        <p14:creationId xmlns:p14="http://schemas.microsoft.com/office/powerpoint/2010/main" xmlns="" val="3252977898"/>
+        <p14:creationId xmlns="" xmlns:p14="http://schemas.microsoft.com/office/powerpoint/2010/main" val="3252977898"/>
       </p:ext>
     </p:extLst>
   </p:cSld>
@@ -3174,7 +3175,7 @@
           <a:blip r:embed="rId13" cstate="print">
             <a:extLst>
               <a:ext uri="{28A0092B-C50C-407E-A947-70E740481C1C}">
-                <a14:useLocalDpi xmlns:a14="http://schemas.microsoft.com/office/drawing/2010/main" xmlns="" val="0"/>
+                <a14:useLocalDpi xmlns="" xmlns:a14="http://schemas.microsoft.com/office/drawing/2010/main" val="0"/>
               </a:ext>
             </a:extLst>
           </a:blip>
@@ -3195,7 +3196,7 @@
     </p:spTree>
     <p:extLst>
       <p:ext uri="{BB962C8B-B14F-4D97-AF65-F5344CB8AC3E}">
-        <p14:creationId xmlns:p14="http://schemas.microsoft.com/office/powerpoint/2010/main" xmlns="" val="4230061028"/>
+        <p14:creationId xmlns="" xmlns:p14="http://schemas.microsoft.com/office/powerpoint/2010/main" val="4230061028"/>
       </p:ext>
     </p:extLst>
   </p:cSld>
@@ -3647,7 +3648,7 @@
           <p:cNvPr id="13" name="Picture 8" descr="http://osiris.ubishops.ca/~alussier/images/transparentlogo_bu.png">
             <a:extLst>
               <a:ext uri="{FF2B5EF4-FFF2-40B4-BE49-F238E27FC236}">
-                <a16:creationId xmlns:a16="http://schemas.microsoft.com/office/drawing/2014/main" xmlns="" id="{CCB9A035-2F1C-4B96-A5DB-70B72D6E4AD8}"/>
+                <a16:creationId xmlns="" xmlns:a16="http://schemas.microsoft.com/office/drawing/2014/main" id="{CCB9A035-2F1C-4B96-A5DB-70B72D6E4AD8}"/>
               </a:ext>
             </a:extLst>
           </p:cNvPr>
@@ -3660,7 +3661,7 @@
           <a:blip r:embed="rId3" cstate="print">
             <a:extLst>
               <a:ext uri="{28A0092B-C50C-407E-A947-70E740481C1C}">
-                <a14:useLocalDpi xmlns:a14="http://schemas.microsoft.com/office/drawing/2010/main" xmlns="" val="0"/>
+                <a14:useLocalDpi xmlns="" xmlns:a14="http://schemas.microsoft.com/office/drawing/2010/main" val="0"/>
               </a:ext>
             </a:extLst>
           </a:blip>
@@ -3680,7 +3681,7 @@
           <a:noFill/>
           <a:extLst>
             <a:ext uri="{909E8E84-426E-40DD-AFC4-6F175D3DCCD1}">
-              <a14:hiddenFill xmlns:a14="http://schemas.microsoft.com/office/drawing/2010/main" xmlns="">
+              <a14:hiddenFill xmlns="" xmlns:a14="http://schemas.microsoft.com/office/drawing/2010/main">
                 <a:solidFill>
                   <a:srgbClr val="FFFFFF"/>
                 </a:solidFill>
@@ -3692,7 +3693,7 @@
     </p:spTree>
     <p:extLst>
       <p:ext uri="{BB962C8B-B14F-4D97-AF65-F5344CB8AC3E}">
-        <p14:creationId xmlns:p14="http://schemas.microsoft.com/office/powerpoint/2010/main" xmlns="" val="4177077622"/>
+        <p14:creationId xmlns="" xmlns:p14="http://schemas.microsoft.com/office/powerpoint/2010/main" val="4177077622"/>
       </p:ext>
     </p:extLst>
   </p:cSld>
@@ -3822,7 +3823,7 @@
           <p:cNvPr id="8" name="Group 3">
             <a:extLst>
               <a:ext uri="{FF2B5EF4-FFF2-40B4-BE49-F238E27FC236}">
-                <a16:creationId xmlns:a16="http://schemas.microsoft.com/office/drawing/2014/main" xmlns="" id="{F66084D1-3BE9-486A-BA4A-8E0AF75106C5}"/>
+                <a16:creationId xmlns="" xmlns:a16="http://schemas.microsoft.com/office/drawing/2014/main" id="{F66084D1-3BE9-486A-BA4A-8E0AF75106C5}"/>
               </a:ext>
             </a:extLst>
           </p:cNvPr>
@@ -3844,7 +3845,7 @@
             <p:cNvPr id="9" name="AutoShape 4">
               <a:extLst>
                 <a:ext uri="{FF2B5EF4-FFF2-40B4-BE49-F238E27FC236}">
-                  <a16:creationId xmlns:a16="http://schemas.microsoft.com/office/drawing/2014/main" xmlns="" id="{3C82847E-7E0D-49D3-9B87-91EB44D70E2D}"/>
+                  <a16:creationId xmlns="" xmlns:a16="http://schemas.microsoft.com/office/drawing/2014/main" id="{3C82847E-7E0D-49D3-9B87-91EB44D70E2D}"/>
                 </a:ext>
               </a:extLst>
             </p:cNvPr>
@@ -3985,7 +3986,7 @@
             <p:cNvPr id="11" name="Text Box 5">
               <a:extLst>
                 <a:ext uri="{FF2B5EF4-FFF2-40B4-BE49-F238E27FC236}">
-                  <a16:creationId xmlns:a16="http://schemas.microsoft.com/office/drawing/2014/main" xmlns="" id="{3024CD90-EDAD-4319-B0FB-68801EA4DA6B}"/>
+                  <a16:creationId xmlns="" xmlns:a16="http://schemas.microsoft.com/office/drawing/2014/main" id="{3024CD90-EDAD-4319-B0FB-68801EA4DA6B}"/>
                 </a:ext>
               </a:extLst>
             </p:cNvPr>
@@ -4008,14 +4009,14 @@
             </a:ln>
             <a:extLst>
               <a:ext uri="{909E8E84-426E-40DD-AFC4-6F175D3DCCD1}">
-                <a14:hiddenFill xmlns:a14="http://schemas.microsoft.com/office/drawing/2010/main" xmlns="">
+                <a14:hiddenFill xmlns="" xmlns:a14="http://schemas.microsoft.com/office/drawing/2010/main">
                   <a:solidFill>
                     <a:srgbClr val="FFFFFF"/>
                   </a:solidFill>
                 </a14:hiddenFill>
               </a:ext>
               <a:ext uri="{91240B29-F687-4F45-9708-019B960494DF}">
-                <a14:hiddenLine xmlns:a14="http://schemas.microsoft.com/office/drawing/2010/main" xmlns="" w="9525">
+                <a14:hiddenLine xmlns="" xmlns:a14="http://schemas.microsoft.com/office/drawing/2010/main" w="9525">
                   <a:solidFill>
                     <a:srgbClr val="000000"/>
                   </a:solidFill>
@@ -4935,7 +4936,7 @@
     </p:spTree>
     <p:extLst>
       <p:ext uri="{BB962C8B-B14F-4D97-AF65-F5344CB8AC3E}">
-        <p14:creationId xmlns:p14="http://schemas.microsoft.com/office/powerpoint/2010/main" xmlns="" val="3324926567"/>
+        <p14:creationId xmlns="" xmlns:p14="http://schemas.microsoft.com/office/powerpoint/2010/main" val="3324926567"/>
       </p:ext>
     </p:extLst>
   </p:cSld>
@@ -5096,7 +5097,7 @@
     </p:spTree>
     <p:extLst>
       <p:ext uri="{BB962C8B-B14F-4D97-AF65-F5344CB8AC3E}">
-        <p14:creationId xmlns:p14="http://schemas.microsoft.com/office/powerpoint/2010/main" xmlns="" val="2164119821"/>
+        <p14:creationId xmlns="" xmlns:p14="http://schemas.microsoft.com/office/powerpoint/2010/main" val="2164119821"/>
       </p:ext>
     </p:extLst>
   </p:cSld>
@@ -5226,7 +5227,7 @@
           <p:cNvPr id="7" name="Group 3">
             <a:extLst>
               <a:ext uri="{FF2B5EF4-FFF2-40B4-BE49-F238E27FC236}">
-                <a16:creationId xmlns:a16="http://schemas.microsoft.com/office/drawing/2014/main" xmlns="" id="{137B6D70-BBF3-4C5D-B5F1-78D5A727899F}"/>
+                <a16:creationId xmlns="" xmlns:a16="http://schemas.microsoft.com/office/drawing/2014/main" id="{137B6D70-BBF3-4C5D-B5F1-78D5A727899F}"/>
               </a:ext>
             </a:extLst>
           </p:cNvPr>
@@ -5248,7 +5249,7 @@
             <p:cNvPr id="8" name="AutoShape 4">
               <a:extLst>
                 <a:ext uri="{FF2B5EF4-FFF2-40B4-BE49-F238E27FC236}">
-                  <a16:creationId xmlns:a16="http://schemas.microsoft.com/office/drawing/2014/main" xmlns="" id="{8185E2CD-E0E0-49A0-AA5C-8A67F7A70ECE}"/>
+                  <a16:creationId xmlns="" xmlns:a16="http://schemas.microsoft.com/office/drawing/2014/main" id="{8185E2CD-E0E0-49A0-AA5C-8A67F7A70ECE}"/>
                 </a:ext>
               </a:extLst>
             </p:cNvPr>
@@ -5389,7 +5390,7 @@
             <p:cNvPr id="9" name="Text Box 5">
               <a:extLst>
                 <a:ext uri="{FF2B5EF4-FFF2-40B4-BE49-F238E27FC236}">
-                  <a16:creationId xmlns:a16="http://schemas.microsoft.com/office/drawing/2014/main" xmlns="" id="{B503E8F1-4E1C-4587-A157-A82B653E4CA5}"/>
+                  <a16:creationId xmlns="" xmlns:a16="http://schemas.microsoft.com/office/drawing/2014/main" id="{B503E8F1-4E1C-4587-A157-A82B653E4CA5}"/>
                 </a:ext>
               </a:extLst>
             </p:cNvPr>
@@ -5412,14 +5413,14 @@
             </a:ln>
             <a:extLst>
               <a:ext uri="{909E8E84-426E-40DD-AFC4-6F175D3DCCD1}">
-                <a14:hiddenFill xmlns:a14="http://schemas.microsoft.com/office/drawing/2010/main" xmlns="">
+                <a14:hiddenFill xmlns="" xmlns:a14="http://schemas.microsoft.com/office/drawing/2010/main">
                   <a:solidFill>
                     <a:srgbClr val="FFFFFF"/>
                   </a:solidFill>
                 </a14:hiddenFill>
               </a:ext>
               <a:ext uri="{91240B29-F687-4F45-9708-019B960494DF}">
-                <a14:hiddenLine xmlns:a14="http://schemas.microsoft.com/office/drawing/2010/main" xmlns="" w="9525">
+                <a14:hiddenLine xmlns="" xmlns:a14="http://schemas.microsoft.com/office/drawing/2010/main" w="9525">
                   <a:solidFill>
                     <a:srgbClr val="000000"/>
                   </a:solidFill>
@@ -6185,7 +6186,7 @@
     </p:spTree>
     <p:extLst>
       <p:ext uri="{BB962C8B-B14F-4D97-AF65-F5344CB8AC3E}">
-        <p14:creationId xmlns:p14="http://schemas.microsoft.com/office/powerpoint/2010/main" xmlns="" val="4042133477"/>
+        <p14:creationId xmlns="" xmlns:p14="http://schemas.microsoft.com/office/powerpoint/2010/main" val="4042133477"/>
       </p:ext>
     </p:extLst>
   </p:cSld>
@@ -6315,7 +6316,7 @@
           <p:cNvPr id="11" name="AutoShape 3">
             <a:extLst>
               <a:ext uri="{FF2B5EF4-FFF2-40B4-BE49-F238E27FC236}">
-                <a16:creationId xmlns:a16="http://schemas.microsoft.com/office/drawing/2014/main" xmlns="" id="{BBBE85D5-38A5-4422-A965-63ED0908CBA7}"/>
+                <a16:creationId xmlns="" xmlns:a16="http://schemas.microsoft.com/office/drawing/2014/main" id="{BBBE85D5-38A5-4422-A965-63ED0908CBA7}"/>
               </a:ext>
             </a:extLst>
           </p:cNvPr>
@@ -6456,7 +6457,7 @@
           <p:cNvPr id="13" name="Text Box 4">
             <a:extLst>
               <a:ext uri="{FF2B5EF4-FFF2-40B4-BE49-F238E27FC236}">
-                <a16:creationId xmlns:a16="http://schemas.microsoft.com/office/drawing/2014/main" xmlns="" id="{B39FF972-E8C3-48C2-B87A-529AB1CEB94B}"/>
+                <a16:creationId xmlns="" xmlns:a16="http://schemas.microsoft.com/office/drawing/2014/main" id="{B39FF972-E8C3-48C2-B87A-529AB1CEB94B}"/>
               </a:ext>
             </a:extLst>
           </p:cNvPr>
@@ -6479,14 +6480,14 @@
           </a:ln>
           <a:extLst>
             <a:ext uri="{909E8E84-426E-40DD-AFC4-6F175D3DCCD1}">
-              <a14:hiddenFill xmlns:a14="http://schemas.microsoft.com/office/drawing/2010/main" xmlns="">
+              <a14:hiddenFill xmlns="" xmlns:a14="http://schemas.microsoft.com/office/drawing/2010/main">
                 <a:solidFill>
                   <a:srgbClr val="FFFFFF"/>
                 </a:solidFill>
               </a14:hiddenFill>
             </a:ext>
             <a:ext uri="{91240B29-F687-4F45-9708-019B960494DF}">
-              <a14:hiddenLine xmlns:a14="http://schemas.microsoft.com/office/drawing/2010/main" xmlns="" w="9525">
+              <a14:hiddenLine xmlns="" xmlns:a14="http://schemas.microsoft.com/office/drawing/2010/main" w="9525">
                 <a:solidFill>
                   <a:srgbClr val="000000"/>
                 </a:solidFill>
@@ -6906,7 +6907,7 @@
     </p:spTree>
     <p:extLst>
       <p:ext uri="{BB962C8B-B14F-4D97-AF65-F5344CB8AC3E}">
-        <p14:creationId xmlns:p14="http://schemas.microsoft.com/office/powerpoint/2010/main" xmlns="" val="1470913372"/>
+        <p14:creationId xmlns="" xmlns:p14="http://schemas.microsoft.com/office/powerpoint/2010/main" val="1470913372"/>
       </p:ext>
     </p:extLst>
   </p:cSld>
@@ -7072,7 +7073,7 @@
           <p:cNvPr id="7" name="AutoShape 4">
             <a:extLst>
               <a:ext uri="{FF2B5EF4-FFF2-40B4-BE49-F238E27FC236}">
-                <a16:creationId xmlns:a16="http://schemas.microsoft.com/office/drawing/2014/main" xmlns="" id="{9ED416FE-38EF-4EE4-A8D3-B40B66689BED}"/>
+                <a16:creationId xmlns="" xmlns:a16="http://schemas.microsoft.com/office/drawing/2014/main" id="{9ED416FE-38EF-4EE4-A8D3-B40B66689BED}"/>
               </a:ext>
             </a:extLst>
           </p:cNvPr>
@@ -7213,7 +7214,7 @@
           <p:cNvPr id="8" name="Text Box 5">
             <a:extLst>
               <a:ext uri="{FF2B5EF4-FFF2-40B4-BE49-F238E27FC236}">
-                <a16:creationId xmlns:a16="http://schemas.microsoft.com/office/drawing/2014/main" xmlns="" id="{D520E0D0-C46C-426F-87C6-8867A8D83E30}"/>
+                <a16:creationId xmlns="" xmlns:a16="http://schemas.microsoft.com/office/drawing/2014/main" id="{D520E0D0-C46C-426F-87C6-8867A8D83E30}"/>
               </a:ext>
             </a:extLst>
           </p:cNvPr>
@@ -7236,14 +7237,14 @@
           </a:ln>
           <a:extLst>
             <a:ext uri="{909E8E84-426E-40DD-AFC4-6F175D3DCCD1}">
-              <a14:hiddenFill xmlns:a14="http://schemas.microsoft.com/office/drawing/2010/main" xmlns="">
+              <a14:hiddenFill xmlns="" xmlns:a14="http://schemas.microsoft.com/office/drawing/2010/main">
                 <a:solidFill>
                   <a:srgbClr val="FFFFFF"/>
                 </a:solidFill>
               </a14:hiddenFill>
             </a:ext>
             <a:ext uri="{91240B29-F687-4F45-9708-019B960494DF}">
-              <a14:hiddenLine xmlns:a14="http://schemas.microsoft.com/office/drawing/2010/main" xmlns="" w="9525">
+              <a14:hiddenLine xmlns="" xmlns:a14="http://schemas.microsoft.com/office/drawing/2010/main" w="9525">
                 <a:solidFill>
                   <a:srgbClr val="000000"/>
                 </a:solidFill>
@@ -7516,7 +7517,7 @@
           <p:cNvPr id="9" name="Text Box 6">
             <a:extLst>
               <a:ext uri="{FF2B5EF4-FFF2-40B4-BE49-F238E27FC236}">
-                <a16:creationId xmlns:a16="http://schemas.microsoft.com/office/drawing/2014/main" xmlns="" id="{2921C274-2657-4B5A-85A1-4E7328B13C75}"/>
+                <a16:creationId xmlns="" xmlns:a16="http://schemas.microsoft.com/office/drawing/2014/main" id="{2921C274-2657-4B5A-85A1-4E7328B13C75}"/>
               </a:ext>
             </a:extLst>
           </p:cNvPr>
@@ -7539,14 +7540,14 @@
           </a:ln>
           <a:extLst>
             <a:ext uri="{909E8E84-426E-40DD-AFC4-6F175D3DCCD1}">
-              <a14:hiddenFill xmlns:a14="http://schemas.microsoft.com/office/drawing/2010/main" xmlns="">
+              <a14:hiddenFill xmlns="" xmlns:a14="http://schemas.microsoft.com/office/drawing/2010/main">
                 <a:solidFill>
                   <a:srgbClr val="FFFFFF"/>
                 </a:solidFill>
               </a14:hiddenFill>
             </a:ext>
             <a:ext uri="{91240B29-F687-4F45-9708-019B960494DF}">
-              <a14:hiddenLine xmlns:a14="http://schemas.microsoft.com/office/drawing/2010/main" xmlns="" w="9525">
+              <a14:hiddenLine xmlns="" xmlns:a14="http://schemas.microsoft.com/office/drawing/2010/main" w="9525">
                 <a:solidFill>
                   <a:srgbClr val="000000"/>
                 </a:solidFill>
@@ -7709,7 +7710,7 @@
           <p:cNvPr id="11" name="Text Box 7">
             <a:extLst>
               <a:ext uri="{FF2B5EF4-FFF2-40B4-BE49-F238E27FC236}">
-                <a16:creationId xmlns:a16="http://schemas.microsoft.com/office/drawing/2014/main" xmlns="" id="{69A140C2-A5DF-425E-B95B-C433C7B0AA85}"/>
+                <a16:creationId xmlns="" xmlns:a16="http://schemas.microsoft.com/office/drawing/2014/main" id="{69A140C2-A5DF-425E-B95B-C433C7B0AA85}"/>
               </a:ext>
             </a:extLst>
           </p:cNvPr>
@@ -7732,14 +7733,14 @@
           </a:ln>
           <a:extLst>
             <a:ext uri="{909E8E84-426E-40DD-AFC4-6F175D3DCCD1}">
-              <a14:hiddenFill xmlns:a14="http://schemas.microsoft.com/office/drawing/2010/main" xmlns="">
+              <a14:hiddenFill xmlns="" xmlns:a14="http://schemas.microsoft.com/office/drawing/2010/main">
                 <a:solidFill>
                   <a:srgbClr val="FFFFFF"/>
                 </a:solidFill>
               </a14:hiddenFill>
             </a:ext>
             <a:ext uri="{91240B29-F687-4F45-9708-019B960494DF}">
-              <a14:hiddenLine xmlns:a14="http://schemas.microsoft.com/office/drawing/2010/main" xmlns="" w="9525">
+              <a14:hiddenLine xmlns="" xmlns:a14="http://schemas.microsoft.com/office/drawing/2010/main" w="9525">
                 <a:solidFill>
                   <a:srgbClr val="000000"/>
                 </a:solidFill>
@@ -7902,7 +7903,7 @@
           <p:cNvPr id="13" name="Oval 8">
             <a:extLst>
               <a:ext uri="{FF2B5EF4-FFF2-40B4-BE49-F238E27FC236}">
-                <a16:creationId xmlns:a16="http://schemas.microsoft.com/office/drawing/2014/main" xmlns="" id="{A46A460B-A338-4E5A-9295-6EADBCE3D906}"/>
+                <a16:creationId xmlns="" xmlns:a16="http://schemas.microsoft.com/office/drawing/2014/main" id="{A46A460B-A338-4E5A-9295-6EADBCE3D906}"/>
               </a:ext>
             </a:extLst>
           </p:cNvPr>
@@ -8133,7 +8134,7 @@
           <p:cNvPr id="14" name="Oval 9">
             <a:extLst>
               <a:ext uri="{FF2B5EF4-FFF2-40B4-BE49-F238E27FC236}">
-                <a16:creationId xmlns:a16="http://schemas.microsoft.com/office/drawing/2014/main" xmlns="" id="{AFF21FFC-FB0A-49C2-B173-CDCEE89E3473}"/>
+                <a16:creationId xmlns="" xmlns:a16="http://schemas.microsoft.com/office/drawing/2014/main" id="{AFF21FFC-FB0A-49C2-B173-CDCEE89E3473}"/>
               </a:ext>
             </a:extLst>
           </p:cNvPr>
@@ -8380,7 +8381,7 @@
           <p:cNvPr id="15" name="Line 13">
             <a:extLst>
               <a:ext uri="{FF2B5EF4-FFF2-40B4-BE49-F238E27FC236}">
-                <a16:creationId xmlns:a16="http://schemas.microsoft.com/office/drawing/2014/main" xmlns="" id="{B01B189D-7EE9-4635-95A0-F0AC47FC7685}"/>
+                <a16:creationId xmlns="" xmlns:a16="http://schemas.microsoft.com/office/drawing/2014/main" id="{B01B189D-7EE9-4635-95A0-F0AC47FC7685}"/>
               </a:ext>
             </a:extLst>
           </p:cNvPr>
@@ -8409,12 +8410,12 @@
           <a:effectLst/>
           <a:extLst>
             <a:ext uri="{909E8E84-426E-40DD-AFC4-6F175D3DCCD1}">
-              <a14:hiddenFill xmlns:a14="http://schemas.microsoft.com/office/drawing/2010/main" xmlns="">
+              <a14:hiddenFill xmlns="" xmlns:a14="http://schemas.microsoft.com/office/drawing/2010/main">
                 <a:noFill/>
               </a14:hiddenFill>
             </a:ext>
             <a:ext uri="{AF507438-7753-43E0-B8FC-AC1667EBCBE1}">
-              <a14:hiddenEffects xmlns:a14="http://schemas.microsoft.com/office/drawing/2010/main" xmlns="">
+              <a14:hiddenEffects xmlns="" xmlns:a14="http://schemas.microsoft.com/office/drawing/2010/main">
                 <a:effectLst>
                   <a:outerShdw blurRad="63500" dist="38099" dir="2700000" algn="ctr" rotWithShape="0">
                     <a:schemeClr val="bg2">
@@ -8444,7 +8445,7 @@
           <p:cNvPr id="16" name="Line 14">
             <a:extLst>
               <a:ext uri="{FF2B5EF4-FFF2-40B4-BE49-F238E27FC236}">
-                <a16:creationId xmlns:a16="http://schemas.microsoft.com/office/drawing/2014/main" xmlns="" id="{AAEDF2F3-CB49-4E45-B684-901B0A3782E0}"/>
+                <a16:creationId xmlns="" xmlns:a16="http://schemas.microsoft.com/office/drawing/2014/main" id="{AAEDF2F3-CB49-4E45-B684-901B0A3782E0}"/>
               </a:ext>
             </a:extLst>
           </p:cNvPr>
@@ -8473,12 +8474,12 @@
           <a:effectLst/>
           <a:extLst>
             <a:ext uri="{909E8E84-426E-40DD-AFC4-6F175D3DCCD1}">
-              <a14:hiddenFill xmlns:a14="http://schemas.microsoft.com/office/drawing/2010/main" xmlns="">
+              <a14:hiddenFill xmlns="" xmlns:a14="http://schemas.microsoft.com/office/drawing/2010/main">
                 <a:noFill/>
               </a14:hiddenFill>
             </a:ext>
             <a:ext uri="{AF507438-7753-43E0-B8FC-AC1667EBCBE1}">
-              <a14:hiddenEffects xmlns:a14="http://schemas.microsoft.com/office/drawing/2010/main" xmlns="">
+              <a14:hiddenEffects xmlns="" xmlns:a14="http://schemas.microsoft.com/office/drawing/2010/main">
                 <a:effectLst>
                   <a:outerShdw blurRad="63500" dist="38099" dir="2700000" algn="ctr" rotWithShape="0">
                     <a:schemeClr val="bg2">
@@ -8506,7 +8507,7 @@
     </p:spTree>
     <p:extLst>
       <p:ext uri="{BB962C8B-B14F-4D97-AF65-F5344CB8AC3E}">
-        <p14:creationId xmlns:p14="http://schemas.microsoft.com/office/powerpoint/2010/main" xmlns="" val="701769279"/>
+        <p14:creationId xmlns="" xmlns:p14="http://schemas.microsoft.com/office/powerpoint/2010/main" val="701769279"/>
       </p:ext>
     </p:extLst>
   </p:cSld>
@@ -8636,7 +8637,7 @@
           <p:cNvPr id="7" name="Text Box 6">
             <a:extLst>
               <a:ext uri="{FF2B5EF4-FFF2-40B4-BE49-F238E27FC236}">
-                <a16:creationId xmlns:a16="http://schemas.microsoft.com/office/drawing/2014/main" xmlns="" id="{D4F146D4-B34A-4FA5-B9EC-188D8034732E}"/>
+                <a16:creationId xmlns="" xmlns:a16="http://schemas.microsoft.com/office/drawing/2014/main" id="{D4F146D4-B34A-4FA5-B9EC-188D8034732E}"/>
               </a:ext>
             </a:extLst>
           </p:cNvPr>
@@ -8667,7 +8668,7 @@
           <a:effectLst/>
           <a:extLst>
             <a:ext uri="{AF507438-7753-43E0-B8FC-AC1667EBCBE1}">
-              <a14:hiddenEffects xmlns:a14="http://schemas.microsoft.com/office/drawing/2010/main" xmlns="">
+              <a14:hiddenEffects xmlns="" xmlns:a14="http://schemas.microsoft.com/office/drawing/2010/main">
                 <a:effectLst>
                   <a:outerShdw blurRad="63500" dist="38099" dir="2700000" algn="ctr" rotWithShape="0">
                     <a:schemeClr val="bg2">
@@ -8951,415 +8952,10 @@
           </a:p>
         </p:txBody>
       </p:sp>
-      <p:sp>
-        <p:nvSpPr>
-          <p:cNvPr id="8" name="Text Box 7">
-            <a:extLst>
-              <a:ext uri="{FF2B5EF4-FFF2-40B4-BE49-F238E27FC236}">
-                <a16:creationId xmlns:a16="http://schemas.microsoft.com/office/drawing/2014/main" xmlns="" id="{7A8A6252-199B-4DAC-8701-0D84FC6428E6}"/>
-              </a:ext>
-            </a:extLst>
-          </p:cNvPr>
-          <p:cNvSpPr txBox="1">
-            <a:spLocks noChangeArrowheads="1"/>
-          </p:cNvSpPr>
-          <p:nvPr/>
-        </p:nvSpPr>
-        <p:spPr bwMode="auto">
-          <a:xfrm>
-            <a:off x="6312309" y="2493964"/>
-            <a:ext cx="3787775" cy="3683000"/>
-          </a:xfrm>
-          <a:prstGeom prst="rect">
-            <a:avLst/>
-          </a:prstGeom>
-          <a:solidFill>
-            <a:srgbClr val="FFFF99"/>
-          </a:solidFill>
-          <a:ln w="9525">
-            <a:solidFill>
-              <a:schemeClr val="tx1"/>
-            </a:solidFill>
-            <a:miter lim="800000"/>
-            <a:headEnd/>
-            <a:tailEnd/>
-          </a:ln>
-          <a:effectLst/>
-          <a:extLst>
-            <a:ext uri="{AF507438-7753-43E0-B8FC-AC1667EBCBE1}">
-              <a14:hiddenEffects xmlns:a14="http://schemas.microsoft.com/office/drawing/2010/main" xmlns="">
-                <a:effectLst>
-                  <a:outerShdw blurRad="63500" dist="38099" dir="2700000" algn="ctr" rotWithShape="0">
-                    <a:schemeClr val="bg2">
-                      <a:alpha val="74998"/>
-                    </a:schemeClr>
-                  </a:outerShdw>
-                </a:effectLst>
-              </a14:hiddenEffects>
-            </a:ext>
-          </a:extLst>
-        </p:spPr>
-        <p:txBody>
-          <a:bodyPr>
-            <a:spAutoFit/>
-          </a:bodyPr>
-          <a:lstStyle/>
-          <a:p>
-            <a:pPr>
-              <a:spcBef>
-                <a:spcPct val="50000"/>
-              </a:spcBef>
-              <a:defRPr/>
-            </a:pPr>
-            <a:r>
-              <a:rPr lang="en-US" altLang="en-US" sz="1000" dirty="0">
-                <a:latin typeface="Courier" charset="0"/>
-              </a:rPr>
-              <a:t>A </a:t>
-            </a:r>
-            <a:r>
-              <a:rPr lang="en-US" altLang="en-US" sz="1000" dirty="0" err="1">
-                <a:latin typeface="Courier" charset="0"/>
-              </a:rPr>
-              <a:t>myA</a:t>
-            </a:r>
-            <a:r>
-              <a:rPr lang="en-US" altLang="en-US" sz="1000" dirty="0">
-                <a:latin typeface="Courier" charset="0"/>
-              </a:rPr>
-              <a:t> ;</a:t>
-            </a:r>
-          </a:p>
-          <a:p>
-            <a:pPr>
-              <a:spcBef>
-                <a:spcPct val="50000"/>
-              </a:spcBef>
-              <a:defRPr/>
-            </a:pPr>
-            <a:r>
-              <a:rPr lang="en-US" altLang="en-US" sz="1000" dirty="0">
-                <a:latin typeface="Courier" charset="0"/>
-              </a:rPr>
-              <a:t>B </a:t>
-            </a:r>
-            <a:r>
-              <a:rPr lang="en-US" altLang="en-US" sz="1000" dirty="0" err="1">
-                <a:latin typeface="Courier" charset="0"/>
-              </a:rPr>
-              <a:t>myB</a:t>
-            </a:r>
-            <a:r>
-              <a:rPr lang="en-US" altLang="en-US" sz="1000" dirty="0">
-                <a:latin typeface="Courier" charset="0"/>
-              </a:rPr>
-              <a:t> ;</a:t>
-            </a:r>
-          </a:p>
-          <a:p>
-            <a:pPr>
-              <a:spcBef>
-                <a:spcPct val="50000"/>
-              </a:spcBef>
-              <a:defRPr/>
-            </a:pPr>
-            <a:r>
-              <a:rPr lang="en-US" altLang="en-US" sz="1000" dirty="0">
-                <a:latin typeface="Courier" charset="0"/>
-              </a:rPr>
-              <a:t>C </a:t>
-            </a:r>
-            <a:r>
-              <a:rPr lang="en-US" altLang="en-US" sz="1000" dirty="0" err="1">
-                <a:latin typeface="Courier" charset="0"/>
-              </a:rPr>
-              <a:t>myC</a:t>
-            </a:r>
-            <a:r>
-              <a:rPr lang="en-US" altLang="en-US" sz="1000" dirty="0">
-                <a:latin typeface="Courier" charset="0"/>
-              </a:rPr>
-              <a:t> ;</a:t>
-            </a:r>
-          </a:p>
-          <a:p>
-            <a:pPr>
-              <a:spcBef>
-                <a:spcPct val="50000"/>
-              </a:spcBef>
-              <a:defRPr/>
-            </a:pPr>
-            <a:r>
-              <a:rPr lang="en-US" altLang="en-US" sz="1000" dirty="0">
-                <a:latin typeface="Courier" charset="0"/>
-              </a:rPr>
-              <a:t>D </a:t>
-            </a:r>
-            <a:r>
-              <a:rPr lang="en-US" altLang="en-US" sz="1000" dirty="0" err="1">
-                <a:latin typeface="Courier" charset="0"/>
-              </a:rPr>
-              <a:t>myD</a:t>
-            </a:r>
-            <a:r>
-              <a:rPr lang="en-US" altLang="en-US" sz="1000" dirty="0">
-                <a:latin typeface="Courier" charset="0"/>
-              </a:rPr>
-              <a:t> ;</a:t>
-            </a:r>
-          </a:p>
-          <a:p>
-            <a:pPr>
-              <a:spcBef>
-                <a:spcPct val="50000"/>
-              </a:spcBef>
-              <a:defRPr/>
-            </a:pPr>
-            <a:r>
-              <a:rPr lang="en-US" altLang="en-US" sz="1000" dirty="0" err="1">
-                <a:latin typeface="Courier" charset="0"/>
-              </a:rPr>
-              <a:t>myA</a:t>
-            </a:r>
-            <a:r>
-              <a:rPr lang="en-US" altLang="en-US" sz="1000" dirty="0">
-                <a:latin typeface="Courier" charset="0"/>
-              </a:rPr>
-              <a:t> = new A();  // OK</a:t>
-            </a:r>
-          </a:p>
-          <a:p>
-            <a:pPr>
-              <a:spcBef>
-                <a:spcPct val="50000"/>
-              </a:spcBef>
-              <a:defRPr/>
-            </a:pPr>
-            <a:r>
-              <a:rPr lang="en-US" altLang="en-US" sz="1000" dirty="0" err="1">
-                <a:latin typeface="Courier" charset="0"/>
-              </a:rPr>
-              <a:t>myA</a:t>
-            </a:r>
-            <a:r>
-              <a:rPr lang="en-US" altLang="en-US" sz="1000" dirty="0">
-                <a:latin typeface="Courier" charset="0"/>
-              </a:rPr>
-              <a:t> = new B();  // OK</a:t>
-            </a:r>
-          </a:p>
-          <a:p>
-            <a:pPr>
-              <a:spcBef>
-                <a:spcPct val="50000"/>
-              </a:spcBef>
-              <a:defRPr/>
-            </a:pPr>
-            <a:r>
-              <a:rPr lang="en-US" altLang="en-US" sz="1000" dirty="0" err="1">
-                <a:latin typeface="Courier" charset="0"/>
-              </a:rPr>
-              <a:t>myB</a:t>
-            </a:r>
-            <a:r>
-              <a:rPr lang="en-US" altLang="en-US" sz="1000" dirty="0">
-                <a:latin typeface="Courier" charset="0"/>
-              </a:rPr>
-              <a:t> = new C();  // OK</a:t>
-            </a:r>
-          </a:p>
-          <a:p>
-            <a:pPr>
-              <a:spcBef>
-                <a:spcPct val="50000"/>
-              </a:spcBef>
-              <a:defRPr/>
-            </a:pPr>
-            <a:r>
-              <a:rPr lang="en-US" altLang="en-US" sz="1000" dirty="0" err="1">
-                <a:latin typeface="Courier" charset="0"/>
-              </a:rPr>
-              <a:t>myB</a:t>
-            </a:r>
-            <a:r>
-              <a:rPr lang="en-US" altLang="en-US" sz="1000" dirty="0">
-                <a:latin typeface="Courier" charset="0"/>
-              </a:rPr>
-              <a:t> = new D();  // NOT OK</a:t>
-            </a:r>
-          </a:p>
-          <a:p>
-            <a:pPr>
-              <a:spcBef>
-                <a:spcPct val="50000"/>
-              </a:spcBef>
-              <a:defRPr/>
-            </a:pPr>
-            <a:r>
-              <a:rPr lang="en-US" altLang="en-US" sz="1000" dirty="0" err="1">
-                <a:latin typeface="Courier" charset="0"/>
-              </a:rPr>
-              <a:t>myC</a:t>
-            </a:r>
-            <a:r>
-              <a:rPr lang="en-US" altLang="en-US" sz="1000" dirty="0">
-                <a:latin typeface="Courier" charset="0"/>
-              </a:rPr>
-              <a:t> = new A();  // NOT OK</a:t>
-            </a:r>
-          </a:p>
-          <a:p>
-            <a:pPr>
-              <a:spcBef>
-                <a:spcPct val="50000"/>
-              </a:spcBef>
-              <a:defRPr/>
-            </a:pPr>
-            <a:r>
-              <a:rPr lang="en-US" altLang="en-US" sz="1000" dirty="0" err="1">
-                <a:latin typeface="Courier" charset="0"/>
-              </a:rPr>
-              <a:t>myD</a:t>
-            </a:r>
-            <a:r>
-              <a:rPr lang="en-US" altLang="en-US" sz="1000" dirty="0">
-                <a:latin typeface="Courier" charset="0"/>
-              </a:rPr>
-              <a:t> = new A();  // NOT OK</a:t>
-            </a:r>
-          </a:p>
-          <a:p>
-            <a:pPr>
-              <a:spcBef>
-                <a:spcPct val="50000"/>
-              </a:spcBef>
-              <a:defRPr/>
-            </a:pPr>
-            <a:r>
-              <a:rPr lang="en-US" altLang="en-US" sz="1000" dirty="0" err="1">
-                <a:latin typeface="Courier" charset="0"/>
-              </a:rPr>
-              <a:t>myC</a:t>
-            </a:r>
-            <a:r>
-              <a:rPr lang="en-US" altLang="en-US" sz="1000" dirty="0">
-                <a:latin typeface="Courier" charset="0"/>
-              </a:rPr>
-              <a:t> = new D();  // NOT OK</a:t>
-            </a:r>
-          </a:p>
-          <a:p>
-            <a:pPr>
-              <a:spcBef>
-                <a:spcPct val="50000"/>
-              </a:spcBef>
-              <a:defRPr/>
-            </a:pPr>
-            <a:r>
-              <a:rPr lang="en-US" altLang="en-US" sz="1000" dirty="0" err="1">
-                <a:latin typeface="Courier" charset="0"/>
-              </a:rPr>
-              <a:t>myA</a:t>
-            </a:r>
-            <a:r>
-              <a:rPr lang="en-US" altLang="en-US" sz="1000" dirty="0">
-                <a:latin typeface="Courier" charset="0"/>
-              </a:rPr>
-              <a:t> = new C();  //  OK</a:t>
-            </a:r>
-          </a:p>
-          <a:p>
-            <a:pPr>
-              <a:spcBef>
-                <a:spcPct val="50000"/>
-              </a:spcBef>
-              <a:defRPr/>
-            </a:pPr>
-            <a:r>
-              <a:rPr lang="en-US" altLang="en-US" sz="1000" dirty="0" err="1">
-                <a:latin typeface="Courier" charset="0"/>
-              </a:rPr>
-              <a:t>myA.speak</a:t>
-            </a:r>
-            <a:r>
-              <a:rPr lang="en-US" altLang="en-US" sz="1000" dirty="0">
-                <a:latin typeface="Courier" charset="0"/>
-              </a:rPr>
-              <a:t>();    // what would be called ??</a:t>
-            </a:r>
-          </a:p>
-          <a:p>
-            <a:pPr>
-              <a:spcBef>
-                <a:spcPct val="50000"/>
-              </a:spcBef>
-              <a:defRPr/>
-            </a:pPr>
-            <a:r>
-              <a:rPr lang="en-US" altLang="en-US" sz="1000" dirty="0" err="1">
-                <a:latin typeface="Courier" charset="0"/>
-              </a:rPr>
-              <a:t>myB.speak</a:t>
-            </a:r>
-            <a:r>
-              <a:rPr lang="en-US" altLang="en-US" sz="1000" dirty="0">
-                <a:latin typeface="Courier" charset="0"/>
-              </a:rPr>
-              <a:t>();   //  what ??</a:t>
-            </a:r>
-          </a:p>
-          <a:p>
-            <a:pPr>
-              <a:spcBef>
-                <a:spcPct val="50000"/>
-              </a:spcBef>
-              <a:defRPr/>
-            </a:pPr>
-            <a:r>
-              <a:rPr lang="en-US" altLang="en-US" sz="1000" dirty="0" err="1">
-                <a:latin typeface="Courier" charset="0"/>
-              </a:rPr>
-              <a:t>myA.shout</a:t>
-            </a:r>
-            <a:r>
-              <a:rPr lang="en-US" altLang="en-US" sz="1000" dirty="0">
-                <a:latin typeface="Courier" charset="0"/>
-              </a:rPr>
-              <a:t>();   // ??</a:t>
-            </a:r>
-          </a:p>
-          <a:p>
-            <a:pPr>
-              <a:spcBef>
-                <a:spcPct val="50000"/>
-              </a:spcBef>
-              <a:defRPr/>
-            </a:pPr>
-            <a:r>
-              <a:rPr lang="en-US" altLang="en-US" sz="1000" dirty="0">
-                <a:latin typeface="Courier" charset="0"/>
-              </a:rPr>
-              <a:t>(( C ) </a:t>
-            </a:r>
-            <a:r>
-              <a:rPr lang="en-US" altLang="en-US" sz="1000" dirty="0" err="1">
-                <a:latin typeface="Courier" charset="0"/>
-              </a:rPr>
-              <a:t>myA</a:t>
-            </a:r>
-            <a:r>
-              <a:rPr lang="en-US" altLang="en-US" sz="1000" dirty="0">
-                <a:latin typeface="Courier" charset="0"/>
-              </a:rPr>
-              <a:t> ).shout();  // casting</a:t>
-            </a:r>
-          </a:p>
-        </p:txBody>
-      </p:sp>
     </p:spTree>
     <p:extLst>
       <p:ext uri="{BB962C8B-B14F-4D97-AF65-F5344CB8AC3E}">
-        <p14:creationId xmlns:p14="http://schemas.microsoft.com/office/powerpoint/2010/main" xmlns="" val="2650176656"/>
+        <p14:creationId xmlns="" xmlns:p14="http://schemas.microsoft.com/office/powerpoint/2010/main" val="2650176656"/>
       </p:ext>
     </p:extLst>
   </p:cSld>
@@ -9421,94 +9017,17 @@
         <p:spPr/>
         <p:txBody>
           <a:bodyPr>
-            <a:normAutofit fontScale="92500" lnSpcReduction="10000"/>
+            <a:normAutofit/>
           </a:bodyPr>
           <a:lstStyle/>
           <a:p>
             <a:r>
               <a:rPr lang="en-US" dirty="0"/>
-              <a:t>In the previous slide, the two variables are defined to have the same type at compile time: </a:t>
-            </a:r>
-            <a:r>
-              <a:rPr lang="en-US" dirty="0" err="1"/>
-              <a:t>BankAccount</a:t>
-            </a:r>
+              <a:t>The typing rules allow a reference variable to be assigned an object of it’s static type ( the type that it has been declared with) or any type that inherits from that type </a:t>
+            </a:r>
+          </a:p>
+          <a:p>
             <a:endParaRPr lang="en-US" dirty="0"/>
-          </a:p>
-          <a:p>
-            <a:pPr lvl="1"/>
-            <a:r>
-              <a:rPr lang="en-US" dirty="0"/>
-              <a:t>However, the types of objects they are referring to at runtime are different</a:t>
-            </a:r>
-          </a:p>
-          <a:p>
-            <a:endParaRPr lang="en-US" dirty="0"/>
-          </a:p>
-          <a:p>
-            <a:r>
-              <a:rPr lang="en-US" dirty="0"/>
-              <a:t>What happens when the withdraw method is invoked on each object?</a:t>
-            </a:r>
-          </a:p>
-          <a:p>
-            <a:pPr lvl="1"/>
-            <a:r>
-              <a:rPr lang="en-US" dirty="0" err="1"/>
-              <a:t>anAccount</a:t>
-            </a:r>
-            <a:r>
-              <a:rPr lang="en-US" dirty="0"/>
-              <a:t> refers to an instance of </a:t>
-            </a:r>
-            <a:r>
-              <a:rPr lang="en-US" dirty="0" err="1"/>
-              <a:t>BankAccount</a:t>
-            </a:r>
-            <a:r>
-              <a:rPr lang="en-US" dirty="0"/>
-              <a:t>.  Therefore, the withdraw method defined in </a:t>
-            </a:r>
-            <a:r>
-              <a:rPr lang="en-US" dirty="0" err="1"/>
-              <a:t>BankAccount</a:t>
-            </a:r>
-            <a:r>
-              <a:rPr lang="en-US" dirty="0"/>
-              <a:t> is invoked.</a:t>
-            </a:r>
-          </a:p>
-          <a:p>
-            <a:pPr lvl="1"/>
-            <a:r>
-              <a:rPr lang="en-US" dirty="0"/>
-              <a:t>account1 refers to an instance of </a:t>
-            </a:r>
-            <a:r>
-              <a:rPr lang="en-US" dirty="0" err="1"/>
-              <a:t>OverdraftAccount</a:t>
-            </a:r>
-            <a:r>
-              <a:rPr lang="en-US" dirty="0"/>
-              <a:t>.  Therefore, the withdraw method defined in </a:t>
-            </a:r>
-            <a:r>
-              <a:rPr lang="en-US" dirty="0" err="1"/>
-              <a:t>OverdraftAccount</a:t>
-            </a:r>
-            <a:r>
-              <a:rPr lang="en-US" dirty="0"/>
-              <a:t> is invoked.</a:t>
-            </a:r>
-          </a:p>
-          <a:p>
-            <a:endParaRPr lang="en-US" dirty="0"/>
-          </a:p>
-          <a:p>
-            <a:r>
-              <a:rPr lang="en-US" dirty="0"/>
-              <a:t>Polymorphism is: The method being invoked on an object is determined AT RUNTIME and is based on the type of the object receiving the message.</a:t>
-            </a:r>
           </a:p>
         </p:txBody>
       </p:sp>
@@ -9561,10 +9080,735 @@
           </a:p>
         </p:txBody>
       </p:sp>
+      <p:sp>
+        <p:nvSpPr>
+          <p:cNvPr id="7" name="Text Box 6">
+            <a:extLst>
+              <a:ext uri="{FF2B5EF4-FFF2-40B4-BE49-F238E27FC236}">
+                <a16:creationId xmlns="" xmlns:a16="http://schemas.microsoft.com/office/drawing/2014/main" id="{D4F146D4-B34A-4FA5-B9EC-188D8034732E}"/>
+              </a:ext>
+            </a:extLst>
+          </p:cNvPr>
+          <p:cNvSpPr txBox="1">
+            <a:spLocks noChangeArrowheads="1"/>
+          </p:cNvSpPr>
+          <p:nvPr/>
+        </p:nvSpPr>
+        <p:spPr bwMode="auto">
+          <a:xfrm>
+            <a:off x="1283109" y="2570164"/>
+            <a:ext cx="4724400" cy="3225800"/>
+          </a:xfrm>
+          <a:prstGeom prst="rect">
+            <a:avLst/>
+          </a:prstGeom>
+          <a:solidFill>
+            <a:srgbClr val="FFFF99"/>
+          </a:solidFill>
+          <a:ln w="9525">
+            <a:solidFill>
+              <a:schemeClr val="tx1"/>
+            </a:solidFill>
+            <a:miter lim="800000"/>
+            <a:headEnd/>
+            <a:tailEnd/>
+          </a:ln>
+          <a:effectLst/>
+          <a:extLst>
+            <a:ext uri="{AF507438-7753-43E0-B8FC-AC1667EBCBE1}">
+              <a14:hiddenEffects xmlns="" xmlns:a14="http://schemas.microsoft.com/office/drawing/2010/main">
+                <a:effectLst>
+                  <a:outerShdw blurRad="63500" dist="38099" dir="2700000" algn="ctr" rotWithShape="0">
+                    <a:schemeClr val="bg2">
+                      <a:alpha val="74998"/>
+                    </a:schemeClr>
+                  </a:outerShdw>
+                </a:effectLst>
+              </a14:hiddenEffects>
+            </a:ext>
+          </a:extLst>
+        </p:spPr>
+        <p:txBody>
+          <a:bodyPr>
+            <a:spAutoFit/>
+          </a:bodyPr>
+          <a:lstStyle/>
+          <a:p>
+            <a:pPr>
+              <a:spcBef>
+                <a:spcPct val="50000"/>
+              </a:spcBef>
+              <a:defRPr/>
+            </a:pPr>
+            <a:r>
+              <a:rPr lang="en-US" altLang="en-US" sz="1000" dirty="0">
+                <a:latin typeface="Courier" charset="0"/>
+              </a:rPr>
+              <a:t>class A {</a:t>
+            </a:r>
+          </a:p>
+          <a:p>
+            <a:pPr>
+              <a:spcBef>
+                <a:spcPct val="50000"/>
+              </a:spcBef>
+              <a:defRPr/>
+            </a:pPr>
+            <a:r>
+              <a:rPr lang="en-US" altLang="en-US" sz="1000" dirty="0">
+                <a:latin typeface="Courier" charset="0"/>
+              </a:rPr>
+              <a:t> public void speak () { </a:t>
+            </a:r>
+            <a:r>
+              <a:rPr lang="en-US" altLang="en-US" sz="1000" dirty="0" err="1">
+                <a:latin typeface="Courier" charset="0"/>
+              </a:rPr>
+              <a:t>System.out.println</a:t>
+            </a:r>
+            <a:r>
+              <a:rPr lang="en-US" altLang="en-US" sz="1000" dirty="0">
+                <a:latin typeface="Courier" charset="0"/>
+              </a:rPr>
+              <a:t>(“I’m A”); }</a:t>
+            </a:r>
+          </a:p>
+          <a:p>
+            <a:pPr>
+              <a:spcBef>
+                <a:spcPct val="50000"/>
+              </a:spcBef>
+              <a:defRPr/>
+            </a:pPr>
+            <a:r>
+              <a:rPr lang="en-US" altLang="en-US" sz="1000" dirty="0">
+                <a:latin typeface="Courier" charset="0"/>
+              </a:rPr>
+              <a:t>}</a:t>
+            </a:r>
+          </a:p>
+          <a:p>
+            <a:pPr>
+              <a:spcBef>
+                <a:spcPct val="50000"/>
+              </a:spcBef>
+              <a:defRPr/>
+            </a:pPr>
+            <a:r>
+              <a:rPr lang="en-US" altLang="en-US" sz="1000" dirty="0">
+                <a:latin typeface="Courier" charset="0"/>
+              </a:rPr>
+              <a:t>class B extends A {</a:t>
+            </a:r>
+          </a:p>
+          <a:p>
+            <a:pPr>
+              <a:spcBef>
+                <a:spcPct val="50000"/>
+              </a:spcBef>
+              <a:defRPr/>
+            </a:pPr>
+            <a:r>
+              <a:rPr lang="en-US" altLang="en-US" sz="1000" dirty="0">
+                <a:latin typeface="Courier" charset="0"/>
+              </a:rPr>
+              <a:t>public void speak () { </a:t>
+            </a:r>
+            <a:r>
+              <a:rPr lang="en-US" altLang="en-US" sz="1000" dirty="0" err="1">
+                <a:latin typeface="Courier" charset="0"/>
+              </a:rPr>
+              <a:t>System.out.println</a:t>
+            </a:r>
+            <a:r>
+              <a:rPr lang="en-US" altLang="en-US" sz="1000" dirty="0">
+                <a:latin typeface="Courier" charset="0"/>
+              </a:rPr>
+              <a:t>(“I’m B”); }</a:t>
+            </a:r>
+          </a:p>
+          <a:p>
+            <a:pPr>
+              <a:spcBef>
+                <a:spcPct val="50000"/>
+              </a:spcBef>
+              <a:defRPr/>
+            </a:pPr>
+            <a:r>
+              <a:rPr lang="en-US" altLang="en-US" sz="1000" dirty="0">
+                <a:latin typeface="Courier" charset="0"/>
+              </a:rPr>
+              <a:t>}</a:t>
+            </a:r>
+          </a:p>
+          <a:p>
+            <a:pPr>
+              <a:spcBef>
+                <a:spcPct val="50000"/>
+              </a:spcBef>
+              <a:defRPr/>
+            </a:pPr>
+            <a:r>
+              <a:rPr lang="en-US" altLang="en-US" sz="1000" dirty="0">
+                <a:latin typeface="Courier" charset="0"/>
+              </a:rPr>
+              <a:t>class C extends B {</a:t>
+            </a:r>
+          </a:p>
+          <a:p>
+            <a:pPr>
+              <a:spcBef>
+                <a:spcPct val="50000"/>
+              </a:spcBef>
+              <a:defRPr/>
+            </a:pPr>
+            <a:r>
+              <a:rPr lang="en-US" altLang="en-US" sz="1000" dirty="0">
+                <a:latin typeface="Courier" charset="0"/>
+              </a:rPr>
+              <a:t>public void speak () { </a:t>
+            </a:r>
+            <a:r>
+              <a:rPr lang="en-US" altLang="en-US" sz="1000" dirty="0" err="1">
+                <a:latin typeface="Courier" charset="0"/>
+              </a:rPr>
+              <a:t>System.out.println</a:t>
+            </a:r>
+            <a:r>
+              <a:rPr lang="en-US" altLang="en-US" sz="1000" dirty="0">
+                <a:latin typeface="Courier" charset="0"/>
+              </a:rPr>
+              <a:t>(“I’m a C”); }</a:t>
+            </a:r>
+          </a:p>
+          <a:p>
+            <a:pPr>
+              <a:spcBef>
+                <a:spcPct val="50000"/>
+              </a:spcBef>
+              <a:defRPr/>
+            </a:pPr>
+            <a:r>
+              <a:rPr lang="en-US" altLang="en-US" sz="1000" dirty="0">
+                <a:latin typeface="Courier" charset="0"/>
+              </a:rPr>
+              <a:t>public void shout () { </a:t>
+            </a:r>
+            <a:r>
+              <a:rPr lang="en-US" altLang="en-US" sz="1000" dirty="0" err="1">
+                <a:latin typeface="Courier" charset="0"/>
+              </a:rPr>
+              <a:t>System.out.println</a:t>
+            </a:r>
+            <a:r>
+              <a:rPr lang="en-US" altLang="en-US" sz="1000" dirty="0">
+                <a:latin typeface="Courier" charset="0"/>
+              </a:rPr>
+              <a:t>(“I’m </a:t>
+            </a:r>
+            <a:r>
+              <a:rPr lang="en-US" altLang="en-US" sz="1000" dirty="0" err="1">
+                <a:latin typeface="Courier" charset="0"/>
+              </a:rPr>
+              <a:t>shoutin</a:t>
+            </a:r>
+            <a:r>
+              <a:rPr lang="en-US" altLang="en-US" sz="1000" dirty="0">
+                <a:latin typeface="Courier" charset="0"/>
+              </a:rPr>
+              <a:t>”); }</a:t>
+            </a:r>
+          </a:p>
+          <a:p>
+            <a:pPr>
+              <a:spcBef>
+                <a:spcPct val="50000"/>
+              </a:spcBef>
+              <a:defRPr/>
+            </a:pPr>
+            <a:r>
+              <a:rPr lang="en-US" altLang="en-US" sz="1000" dirty="0">
+                <a:latin typeface="Courier" charset="0"/>
+              </a:rPr>
+              <a:t>}</a:t>
+            </a:r>
+          </a:p>
+          <a:p>
+            <a:pPr>
+              <a:spcBef>
+                <a:spcPct val="50000"/>
+              </a:spcBef>
+              <a:defRPr/>
+            </a:pPr>
+            <a:r>
+              <a:rPr lang="en-US" altLang="en-US" sz="1000" dirty="0">
+                <a:latin typeface="Courier" charset="0"/>
+              </a:rPr>
+              <a:t>class D extends A {</a:t>
+            </a:r>
+          </a:p>
+          <a:p>
+            <a:pPr>
+              <a:spcBef>
+                <a:spcPct val="50000"/>
+              </a:spcBef>
+              <a:defRPr/>
+            </a:pPr>
+            <a:r>
+              <a:rPr lang="en-US" altLang="en-US" sz="1000" dirty="0">
+                <a:latin typeface="Courier" charset="0"/>
+              </a:rPr>
+              <a:t>public void speak () { </a:t>
+            </a:r>
+            <a:r>
+              <a:rPr lang="en-US" altLang="en-US" sz="1000" dirty="0" err="1">
+                <a:latin typeface="Courier" charset="0"/>
+              </a:rPr>
+              <a:t>System.out.println</a:t>
+            </a:r>
+            <a:r>
+              <a:rPr lang="en-US" altLang="en-US" sz="1000" dirty="0">
+                <a:latin typeface="Courier" charset="0"/>
+              </a:rPr>
+              <a:t>(“I’m a D”); }</a:t>
+            </a:r>
+          </a:p>
+          <a:p>
+            <a:pPr>
+              <a:spcBef>
+                <a:spcPct val="50000"/>
+              </a:spcBef>
+              <a:defRPr/>
+            </a:pPr>
+            <a:r>
+              <a:rPr lang="en-US" altLang="en-US" sz="1000" dirty="0">
+                <a:latin typeface="Courier" charset="0"/>
+              </a:rPr>
+              <a:t>}</a:t>
+            </a:r>
+          </a:p>
+          <a:p>
+            <a:pPr>
+              <a:spcBef>
+                <a:spcPct val="50000"/>
+              </a:spcBef>
+              <a:defRPr/>
+            </a:pPr>
+            <a:endParaRPr lang="en-US" altLang="en-US" sz="1000" dirty="0">
+              <a:latin typeface="Courier" charset="0"/>
+            </a:endParaRPr>
+          </a:p>
+        </p:txBody>
+      </p:sp>
+      <p:sp>
+        <p:nvSpPr>
+          <p:cNvPr id="8" name="Text Box 7">
+            <a:extLst>
+              <a:ext uri="{FF2B5EF4-FFF2-40B4-BE49-F238E27FC236}">
+                <a16:creationId xmlns="" xmlns:a16="http://schemas.microsoft.com/office/drawing/2014/main" id="{7A8A6252-199B-4DAC-8701-0D84FC6428E6}"/>
+              </a:ext>
+            </a:extLst>
+          </p:cNvPr>
+          <p:cNvSpPr txBox="1">
+            <a:spLocks noChangeArrowheads="1"/>
+          </p:cNvSpPr>
+          <p:nvPr/>
+        </p:nvSpPr>
+        <p:spPr bwMode="auto">
+          <a:xfrm>
+            <a:off x="6312309" y="2493964"/>
+            <a:ext cx="3787775" cy="3683000"/>
+          </a:xfrm>
+          <a:prstGeom prst="rect">
+            <a:avLst/>
+          </a:prstGeom>
+          <a:solidFill>
+            <a:srgbClr val="FFFF99"/>
+          </a:solidFill>
+          <a:ln w="9525">
+            <a:solidFill>
+              <a:schemeClr val="tx1"/>
+            </a:solidFill>
+            <a:miter lim="800000"/>
+            <a:headEnd/>
+            <a:tailEnd/>
+          </a:ln>
+          <a:effectLst/>
+          <a:extLst>
+            <a:ext uri="{AF507438-7753-43E0-B8FC-AC1667EBCBE1}">
+              <a14:hiddenEffects xmlns="" xmlns:a14="http://schemas.microsoft.com/office/drawing/2010/main">
+                <a:effectLst>
+                  <a:outerShdw blurRad="63500" dist="38099" dir="2700000" algn="ctr" rotWithShape="0">
+                    <a:schemeClr val="bg2">
+                      <a:alpha val="74998"/>
+                    </a:schemeClr>
+                  </a:outerShdw>
+                </a:effectLst>
+              </a14:hiddenEffects>
+            </a:ext>
+          </a:extLst>
+        </p:spPr>
+        <p:txBody>
+          <a:bodyPr>
+            <a:spAutoFit/>
+          </a:bodyPr>
+          <a:lstStyle/>
+          <a:p>
+            <a:pPr>
+              <a:spcBef>
+                <a:spcPct val="50000"/>
+              </a:spcBef>
+              <a:defRPr/>
+            </a:pPr>
+            <a:r>
+              <a:rPr lang="en-US" altLang="en-US" sz="1000" dirty="0">
+                <a:latin typeface="Courier" charset="0"/>
+              </a:rPr>
+              <a:t>A </a:t>
+            </a:r>
+            <a:r>
+              <a:rPr lang="en-US" altLang="en-US" sz="1000" dirty="0" err="1">
+                <a:latin typeface="Courier" charset="0"/>
+              </a:rPr>
+              <a:t>myA</a:t>
+            </a:r>
+            <a:r>
+              <a:rPr lang="en-US" altLang="en-US" sz="1000" dirty="0">
+                <a:latin typeface="Courier" charset="0"/>
+              </a:rPr>
+              <a:t> ;</a:t>
+            </a:r>
+          </a:p>
+          <a:p>
+            <a:pPr>
+              <a:spcBef>
+                <a:spcPct val="50000"/>
+              </a:spcBef>
+              <a:defRPr/>
+            </a:pPr>
+            <a:r>
+              <a:rPr lang="en-US" altLang="en-US" sz="1000" dirty="0">
+                <a:latin typeface="Courier" charset="0"/>
+              </a:rPr>
+              <a:t>B </a:t>
+            </a:r>
+            <a:r>
+              <a:rPr lang="en-US" altLang="en-US" sz="1000" dirty="0" err="1">
+                <a:latin typeface="Courier" charset="0"/>
+              </a:rPr>
+              <a:t>myB</a:t>
+            </a:r>
+            <a:r>
+              <a:rPr lang="en-US" altLang="en-US" sz="1000" dirty="0">
+                <a:latin typeface="Courier" charset="0"/>
+              </a:rPr>
+              <a:t> ;</a:t>
+            </a:r>
+          </a:p>
+          <a:p>
+            <a:pPr>
+              <a:spcBef>
+                <a:spcPct val="50000"/>
+              </a:spcBef>
+              <a:defRPr/>
+            </a:pPr>
+            <a:r>
+              <a:rPr lang="en-US" altLang="en-US" sz="1000" dirty="0">
+                <a:latin typeface="Courier" charset="0"/>
+              </a:rPr>
+              <a:t>C </a:t>
+            </a:r>
+            <a:r>
+              <a:rPr lang="en-US" altLang="en-US" sz="1000" dirty="0" err="1">
+                <a:latin typeface="Courier" charset="0"/>
+              </a:rPr>
+              <a:t>myC</a:t>
+            </a:r>
+            <a:r>
+              <a:rPr lang="en-US" altLang="en-US" sz="1000" dirty="0">
+                <a:latin typeface="Courier" charset="0"/>
+              </a:rPr>
+              <a:t> ;</a:t>
+            </a:r>
+          </a:p>
+          <a:p>
+            <a:pPr>
+              <a:spcBef>
+                <a:spcPct val="50000"/>
+              </a:spcBef>
+              <a:defRPr/>
+            </a:pPr>
+            <a:r>
+              <a:rPr lang="en-US" altLang="en-US" sz="1000" dirty="0">
+                <a:latin typeface="Courier" charset="0"/>
+              </a:rPr>
+              <a:t>D </a:t>
+            </a:r>
+            <a:r>
+              <a:rPr lang="en-US" altLang="en-US" sz="1000" dirty="0" err="1">
+                <a:latin typeface="Courier" charset="0"/>
+              </a:rPr>
+              <a:t>myD</a:t>
+            </a:r>
+            <a:r>
+              <a:rPr lang="en-US" altLang="en-US" sz="1000" dirty="0">
+                <a:latin typeface="Courier" charset="0"/>
+              </a:rPr>
+              <a:t> ;</a:t>
+            </a:r>
+          </a:p>
+          <a:p>
+            <a:pPr>
+              <a:spcBef>
+                <a:spcPct val="50000"/>
+              </a:spcBef>
+              <a:defRPr/>
+            </a:pPr>
+            <a:r>
+              <a:rPr lang="en-US" altLang="en-US" sz="1000" dirty="0" err="1">
+                <a:latin typeface="Courier" charset="0"/>
+              </a:rPr>
+              <a:t>myA</a:t>
+            </a:r>
+            <a:r>
+              <a:rPr lang="en-US" altLang="en-US" sz="1000" dirty="0">
+                <a:latin typeface="Courier" charset="0"/>
+              </a:rPr>
+              <a:t> = new A();  // OK</a:t>
+            </a:r>
+          </a:p>
+          <a:p>
+            <a:pPr>
+              <a:spcBef>
+                <a:spcPct val="50000"/>
+              </a:spcBef>
+              <a:defRPr/>
+            </a:pPr>
+            <a:r>
+              <a:rPr lang="en-US" altLang="en-US" sz="1000" dirty="0" err="1">
+                <a:latin typeface="Courier" charset="0"/>
+              </a:rPr>
+              <a:t>myA</a:t>
+            </a:r>
+            <a:r>
+              <a:rPr lang="en-US" altLang="en-US" sz="1000" dirty="0">
+                <a:latin typeface="Courier" charset="0"/>
+              </a:rPr>
+              <a:t> = new B();  // OK</a:t>
+            </a:r>
+          </a:p>
+          <a:p>
+            <a:pPr>
+              <a:spcBef>
+                <a:spcPct val="50000"/>
+              </a:spcBef>
+              <a:defRPr/>
+            </a:pPr>
+            <a:r>
+              <a:rPr lang="en-US" altLang="en-US" sz="1000" dirty="0" err="1">
+                <a:latin typeface="Courier" charset="0"/>
+              </a:rPr>
+              <a:t>myB</a:t>
+            </a:r>
+            <a:r>
+              <a:rPr lang="en-US" altLang="en-US" sz="1000" dirty="0">
+                <a:latin typeface="Courier" charset="0"/>
+              </a:rPr>
+              <a:t> = new C();  // OK</a:t>
+            </a:r>
+          </a:p>
+          <a:p>
+            <a:pPr>
+              <a:spcBef>
+                <a:spcPct val="50000"/>
+              </a:spcBef>
+              <a:defRPr/>
+            </a:pPr>
+            <a:r>
+              <a:rPr lang="en-US" altLang="en-US" sz="1000" dirty="0" err="1">
+                <a:latin typeface="Courier" charset="0"/>
+              </a:rPr>
+              <a:t>myB</a:t>
+            </a:r>
+            <a:r>
+              <a:rPr lang="en-US" altLang="en-US" sz="1000" dirty="0">
+                <a:latin typeface="Courier" charset="0"/>
+              </a:rPr>
+              <a:t> = new D();  // NOT OK</a:t>
+            </a:r>
+          </a:p>
+          <a:p>
+            <a:pPr>
+              <a:spcBef>
+                <a:spcPct val="50000"/>
+              </a:spcBef>
+              <a:defRPr/>
+            </a:pPr>
+            <a:r>
+              <a:rPr lang="en-US" altLang="en-US" sz="1000" dirty="0" err="1">
+                <a:latin typeface="Courier" charset="0"/>
+              </a:rPr>
+              <a:t>myC</a:t>
+            </a:r>
+            <a:r>
+              <a:rPr lang="en-US" altLang="en-US" sz="1000" dirty="0">
+                <a:latin typeface="Courier" charset="0"/>
+              </a:rPr>
+              <a:t> = new A();  // NOT OK</a:t>
+            </a:r>
+          </a:p>
+          <a:p>
+            <a:pPr>
+              <a:spcBef>
+                <a:spcPct val="50000"/>
+              </a:spcBef>
+              <a:defRPr/>
+            </a:pPr>
+            <a:r>
+              <a:rPr lang="en-US" altLang="en-US" sz="1000" dirty="0" err="1">
+                <a:latin typeface="Courier" charset="0"/>
+              </a:rPr>
+              <a:t>myD</a:t>
+            </a:r>
+            <a:r>
+              <a:rPr lang="en-US" altLang="en-US" sz="1000" dirty="0">
+                <a:latin typeface="Courier" charset="0"/>
+              </a:rPr>
+              <a:t> = new A();  // NOT OK</a:t>
+            </a:r>
+          </a:p>
+          <a:p>
+            <a:pPr>
+              <a:spcBef>
+                <a:spcPct val="50000"/>
+              </a:spcBef>
+              <a:defRPr/>
+            </a:pPr>
+            <a:r>
+              <a:rPr lang="en-US" altLang="en-US" sz="1000" dirty="0" err="1">
+                <a:latin typeface="Courier" charset="0"/>
+              </a:rPr>
+              <a:t>myC</a:t>
+            </a:r>
+            <a:r>
+              <a:rPr lang="en-US" altLang="en-US" sz="1000" dirty="0">
+                <a:latin typeface="Courier" charset="0"/>
+              </a:rPr>
+              <a:t> = new D();  // NOT OK</a:t>
+            </a:r>
+          </a:p>
+          <a:p>
+            <a:pPr>
+              <a:spcBef>
+                <a:spcPct val="50000"/>
+              </a:spcBef>
+              <a:defRPr/>
+            </a:pPr>
+            <a:r>
+              <a:rPr lang="en-US" altLang="en-US" sz="1000" dirty="0" err="1">
+                <a:latin typeface="Courier" charset="0"/>
+              </a:rPr>
+              <a:t>myA</a:t>
+            </a:r>
+            <a:r>
+              <a:rPr lang="en-US" altLang="en-US" sz="1000" dirty="0">
+                <a:latin typeface="Courier" charset="0"/>
+              </a:rPr>
+              <a:t> = new C();  //  OK</a:t>
+            </a:r>
+          </a:p>
+          <a:p>
+            <a:pPr>
+              <a:spcBef>
+                <a:spcPct val="50000"/>
+              </a:spcBef>
+              <a:defRPr/>
+            </a:pPr>
+            <a:r>
+              <a:rPr lang="en-US" altLang="en-US" sz="1000" dirty="0" err="1">
+                <a:latin typeface="Courier" charset="0"/>
+              </a:rPr>
+              <a:t>myA.speak</a:t>
+            </a:r>
+            <a:r>
+              <a:rPr lang="en-US" altLang="en-US" sz="1000" dirty="0">
+                <a:latin typeface="Courier" charset="0"/>
+              </a:rPr>
+              <a:t>();    // what would be called ??</a:t>
+            </a:r>
+          </a:p>
+          <a:p>
+            <a:pPr>
+              <a:spcBef>
+                <a:spcPct val="50000"/>
+              </a:spcBef>
+              <a:defRPr/>
+            </a:pPr>
+            <a:r>
+              <a:rPr lang="en-US" altLang="en-US" sz="1000" dirty="0" err="1">
+                <a:latin typeface="Courier" charset="0"/>
+              </a:rPr>
+              <a:t>myB.speak</a:t>
+            </a:r>
+            <a:r>
+              <a:rPr lang="en-US" altLang="en-US" sz="1000" dirty="0">
+                <a:latin typeface="Courier" charset="0"/>
+              </a:rPr>
+              <a:t>();   //  what ??</a:t>
+            </a:r>
+          </a:p>
+          <a:p>
+            <a:pPr>
+              <a:spcBef>
+                <a:spcPct val="50000"/>
+              </a:spcBef>
+              <a:defRPr/>
+            </a:pPr>
+            <a:r>
+              <a:rPr lang="en-US" altLang="en-US" sz="1000" dirty="0" err="1">
+                <a:latin typeface="Courier" charset="0"/>
+              </a:rPr>
+              <a:t>myA.shout</a:t>
+            </a:r>
+            <a:r>
+              <a:rPr lang="en-US" altLang="en-US" sz="1000" dirty="0">
+                <a:latin typeface="Courier" charset="0"/>
+              </a:rPr>
+              <a:t>();   // ??</a:t>
+            </a:r>
+          </a:p>
+          <a:p>
+            <a:pPr>
+              <a:spcBef>
+                <a:spcPct val="50000"/>
+              </a:spcBef>
+              <a:defRPr/>
+            </a:pPr>
+            <a:r>
+              <a:rPr lang="en-US" altLang="en-US" sz="1000" dirty="0">
+                <a:latin typeface="Courier" charset="0"/>
+              </a:rPr>
+              <a:t>(( C ) </a:t>
+            </a:r>
+            <a:r>
+              <a:rPr lang="en-US" altLang="en-US" sz="1000" dirty="0" err="1">
+                <a:latin typeface="Courier" charset="0"/>
+              </a:rPr>
+              <a:t>myA</a:t>
+            </a:r>
+            <a:r>
+              <a:rPr lang="en-US" altLang="en-US" sz="1000" dirty="0">
+                <a:latin typeface="Courier" charset="0"/>
+              </a:rPr>
+              <a:t> ).shout();  // casting</a:t>
+            </a:r>
+          </a:p>
+        </p:txBody>
+      </p:sp>
     </p:spTree>
     <p:extLst>
       <p:ext uri="{BB962C8B-B14F-4D97-AF65-F5344CB8AC3E}">
-        <p14:creationId xmlns:p14="http://schemas.microsoft.com/office/powerpoint/2010/main" xmlns="" val="3814198654"/>
+        <p14:creationId xmlns="" xmlns:p14="http://schemas.microsoft.com/office/powerpoint/2010/main" val="2650176656"/>
       </p:ext>
     </p:extLst>
   </p:cSld>
@@ -9607,8 +9851,8 @@
           <a:lstStyle/>
           <a:p>
             <a:r>
-              <a:rPr lang="en-US" dirty="0"/>
-              <a:t>Final Methods and Final Classes</a:t>
+              <a:rPr lang="en-CA" dirty="0"/>
+              <a:t>Polymorphism</a:t>
             </a:r>
           </a:p>
         </p:txBody>
@@ -9626,65 +9870,94 @@
         <p:spPr/>
         <p:txBody>
           <a:bodyPr>
-            <a:normAutofit/>
+            <a:normAutofit fontScale="92500" lnSpcReduction="10000"/>
           </a:bodyPr>
           <a:lstStyle/>
           <a:p>
             <a:r>
               <a:rPr lang="en-US" dirty="0"/>
-              <a:t>Methods can be qualified with the final modifier</a:t>
-            </a:r>
+              <a:t>In the previous slide, the two variables are defined to have the same type at compile time: </a:t>
+            </a:r>
+            <a:r>
+              <a:rPr lang="en-US" dirty="0" err="1"/>
+              <a:t>BankAccount</a:t>
+            </a:r>
+            <a:endParaRPr lang="en-US" dirty="0"/>
           </a:p>
           <a:p>
             <a:pPr lvl="1"/>
             <a:r>
               <a:rPr lang="en-US" dirty="0"/>
-              <a:t>Final methods cannot be overridden.</a:t>
+              <a:t>However, the types of objects they are referring to at runtime are different</a:t>
+            </a:r>
+          </a:p>
+          <a:p>
+            <a:endParaRPr lang="en-US" dirty="0"/>
+          </a:p>
+          <a:p>
+            <a:r>
+              <a:rPr lang="en-US" dirty="0"/>
+              <a:t>What happens when the withdraw method is invoked on each object?</a:t>
             </a:r>
           </a:p>
           <a:p>
             <a:pPr lvl="1"/>
             <a:r>
-              <a:rPr lang="en-US" dirty="0"/>
-              <a:t>This can be useful for security purposes.</a:t>
+              <a:rPr lang="en-US" dirty="0" err="1"/>
+              <a:t>anAccount</a:t>
+            </a:r>
+            <a:r>
+              <a:rPr lang="en-US" dirty="0"/>
+              <a:t> refers to an instance of </a:t>
+            </a:r>
+            <a:r>
+              <a:rPr lang="en-US" dirty="0" err="1"/>
+              <a:t>BankAccount</a:t>
+            </a:r>
+            <a:r>
+              <a:rPr lang="en-US" dirty="0"/>
+              <a:t>.  Therefore, the withdraw method defined in </a:t>
+            </a:r>
+            <a:r>
+              <a:rPr lang="en-US" dirty="0" err="1"/>
+              <a:t>BankAccount</a:t>
+            </a:r>
+            <a:r>
+              <a:rPr lang="en-US" dirty="0"/>
+              <a:t> is invoked.</a:t>
             </a:r>
           </a:p>
           <a:p>
             <a:pPr lvl="1"/>
+            <a:r>
+              <a:rPr lang="en-US" dirty="0"/>
+              <a:t>account1 refers to an instance of </a:t>
+            </a:r>
+            <a:r>
+              <a:rPr lang="en-US" dirty="0" err="1"/>
+              <a:t>OverdraftAccount</a:t>
+            </a:r>
+            <a:r>
+              <a:rPr lang="en-US" dirty="0"/>
+              <a:t>.  Therefore, the withdraw method defined in </a:t>
+            </a:r>
+            <a:r>
+              <a:rPr lang="en-US" dirty="0" err="1"/>
+              <a:t>OverdraftAccount</a:t>
+            </a:r>
+            <a:r>
+              <a:rPr lang="en-US" dirty="0"/>
+              <a:t> is invoked.</a:t>
+            </a:r>
+          </a:p>
+          <a:p>
             <a:endParaRPr lang="en-US" dirty="0"/>
           </a:p>
           <a:p>
-            <a:pPr lvl="1"/>
-            <a:endParaRPr lang="en-US" dirty="0"/>
-          </a:p>
-          <a:p>
-            <a:pPr marL="457200" lvl="1" indent="0">
-              <a:buNone/>
-            </a:pPr>
-            <a:endParaRPr lang="en-US" dirty="0"/>
-          </a:p>
-          <a:p>
-            <a:r>
-              <a:rPr lang="en-US" dirty="0"/>
-              <a:t>Classes can be qualified with the final modifier</a:t>
-            </a:r>
-          </a:p>
-          <a:p>
-            <a:pPr lvl="1"/>
-            <a:r>
-              <a:rPr lang="en-US" dirty="0"/>
-              <a:t>The class cannot be extended</a:t>
-            </a:r>
-          </a:p>
-          <a:p>
-            <a:pPr lvl="1"/>
-            <a:r>
-              <a:rPr lang="en-US" dirty="0"/>
-              <a:t>This can be used to improve performance.  Because there can be no subclasses, there will be no polymorphic overhead at runtime.</a:t>
-            </a:r>
-          </a:p>
-          <a:p>
-            <a:endParaRPr lang="en-US" dirty="0"/>
+            <a:r>
+              <a:rPr lang="en-US" dirty="0"/>
+              <a:t>Polymorphism is: The method being invoked on an object is determined AT RUNTIME and is based on the type of the object receiving the message.</a:t>
+            </a:r>
           </a:p>
         </p:txBody>
       </p:sp>
@@ -9737,901 +10010,10 @@
           </a:p>
         </p:txBody>
       </p:sp>
-      <p:sp>
-        <p:nvSpPr>
-          <p:cNvPr id="7" name="AutoShape 8">
-            <a:extLst>
-              <a:ext uri="{FF2B5EF4-FFF2-40B4-BE49-F238E27FC236}">
-                <a16:creationId xmlns:a16="http://schemas.microsoft.com/office/drawing/2014/main" xmlns="" id="{C3886160-B49F-4C00-933E-34CBE181C72E}"/>
-              </a:ext>
-            </a:extLst>
-          </p:cNvPr>
-          <p:cNvSpPr>
-            <a:spLocks noChangeArrowheads="1"/>
-          </p:cNvSpPr>
-          <p:nvPr/>
-        </p:nvSpPr>
-        <p:spPr bwMode="auto">
-          <a:xfrm>
-            <a:off x="4129446" y="5284788"/>
-            <a:ext cx="3502025" cy="977900"/>
-          </a:xfrm>
-          <a:prstGeom prst="roundRect">
-            <a:avLst>
-              <a:gd name="adj" fmla="val 162"/>
-            </a:avLst>
-          </a:prstGeom>
-          <a:solidFill>
-            <a:srgbClr val="FFFFCC"/>
-          </a:solidFill>
-          <a:ln w="9525">
-            <a:solidFill>
-              <a:srgbClr val="000000"/>
-            </a:solidFill>
-            <a:round/>
-            <a:headEnd/>
-            <a:tailEnd/>
-          </a:ln>
-        </p:spPr>
-        <p:txBody>
-          <a:bodyPr wrap="none" anchor="ctr"/>
-          <a:lstStyle>
-            <a:lvl1pPr>
-              <a:defRPr sz="2400">
-                <a:solidFill>
-                  <a:schemeClr val="tx1"/>
-                </a:solidFill>
-                <a:latin typeface="Times New Roman" panose="02020603050405020304" pitchFamily="18" charset="0"/>
-              </a:defRPr>
-            </a:lvl1pPr>
-            <a:lvl2pPr marL="742950" indent="-285750">
-              <a:defRPr sz="2400">
-                <a:solidFill>
-                  <a:schemeClr val="tx1"/>
-                </a:solidFill>
-                <a:latin typeface="Times New Roman" panose="02020603050405020304" pitchFamily="18" charset="0"/>
-              </a:defRPr>
-            </a:lvl2pPr>
-            <a:lvl3pPr marL="1143000" indent="-228600">
-              <a:defRPr sz="2400">
-                <a:solidFill>
-                  <a:schemeClr val="tx1"/>
-                </a:solidFill>
-                <a:latin typeface="Times New Roman" panose="02020603050405020304" pitchFamily="18" charset="0"/>
-              </a:defRPr>
-            </a:lvl3pPr>
-            <a:lvl4pPr marL="1600200" indent="-228600">
-              <a:defRPr sz="2400">
-                <a:solidFill>
-                  <a:schemeClr val="tx1"/>
-                </a:solidFill>
-                <a:latin typeface="Times New Roman" panose="02020603050405020304" pitchFamily="18" charset="0"/>
-              </a:defRPr>
-            </a:lvl4pPr>
-            <a:lvl5pPr marL="2057400" indent="-228600">
-              <a:defRPr sz="2400">
-                <a:solidFill>
-                  <a:schemeClr val="tx1"/>
-                </a:solidFill>
-                <a:latin typeface="Times New Roman" panose="02020603050405020304" pitchFamily="18" charset="0"/>
-              </a:defRPr>
-            </a:lvl5pPr>
-            <a:lvl6pPr marL="2514600" indent="-228600" eaLnBrk="0" fontAlgn="base" hangingPunct="0">
-              <a:spcBef>
-                <a:spcPct val="0"/>
-              </a:spcBef>
-              <a:spcAft>
-                <a:spcPct val="0"/>
-              </a:spcAft>
-              <a:defRPr sz="2400">
-                <a:solidFill>
-                  <a:schemeClr val="tx1"/>
-                </a:solidFill>
-                <a:latin typeface="Times New Roman" panose="02020603050405020304" pitchFamily="18" charset="0"/>
-              </a:defRPr>
-            </a:lvl6pPr>
-            <a:lvl7pPr marL="2971800" indent="-228600" eaLnBrk="0" fontAlgn="base" hangingPunct="0">
-              <a:spcBef>
-                <a:spcPct val="0"/>
-              </a:spcBef>
-              <a:spcAft>
-                <a:spcPct val="0"/>
-              </a:spcAft>
-              <a:defRPr sz="2400">
-                <a:solidFill>
-                  <a:schemeClr val="tx1"/>
-                </a:solidFill>
-                <a:latin typeface="Times New Roman" panose="02020603050405020304" pitchFamily="18" charset="0"/>
-              </a:defRPr>
-            </a:lvl7pPr>
-            <a:lvl8pPr marL="3429000" indent="-228600" eaLnBrk="0" fontAlgn="base" hangingPunct="0">
-              <a:spcBef>
-                <a:spcPct val="0"/>
-              </a:spcBef>
-              <a:spcAft>
-                <a:spcPct val="0"/>
-              </a:spcAft>
-              <a:defRPr sz="2400">
-                <a:solidFill>
-                  <a:schemeClr val="tx1"/>
-                </a:solidFill>
-                <a:latin typeface="Times New Roman" panose="02020603050405020304" pitchFamily="18" charset="0"/>
-              </a:defRPr>
-            </a:lvl8pPr>
-            <a:lvl9pPr marL="3886200" indent="-228600" eaLnBrk="0" fontAlgn="base" hangingPunct="0">
-              <a:spcBef>
-                <a:spcPct val="0"/>
-              </a:spcBef>
-              <a:spcAft>
-                <a:spcPct val="0"/>
-              </a:spcAft>
-              <a:defRPr sz="2400">
-                <a:solidFill>
-                  <a:schemeClr val="tx1"/>
-                </a:solidFill>
-                <a:latin typeface="Times New Roman" panose="02020603050405020304" pitchFamily="18" charset="0"/>
-              </a:defRPr>
-            </a:lvl9pPr>
-          </a:lstStyle>
-          <a:p>
-            <a:endParaRPr lang="en-US" altLang="en-US"/>
-          </a:p>
-        </p:txBody>
-      </p:sp>
-      <p:sp>
-        <p:nvSpPr>
-          <p:cNvPr id="8" name="Text Box 9">
-            <a:extLst>
-              <a:ext uri="{FF2B5EF4-FFF2-40B4-BE49-F238E27FC236}">
-                <a16:creationId xmlns:a16="http://schemas.microsoft.com/office/drawing/2014/main" xmlns="" id="{88652A10-FC89-40AE-A217-35F7E7B59523}"/>
-              </a:ext>
-            </a:extLst>
-          </p:cNvPr>
-          <p:cNvSpPr txBox="1">
-            <a:spLocks noChangeArrowheads="1"/>
-          </p:cNvSpPr>
-          <p:nvPr/>
-        </p:nvSpPr>
-        <p:spPr bwMode="auto">
-          <a:xfrm>
-            <a:off x="4346934" y="5440363"/>
-            <a:ext cx="2911475" cy="708025"/>
-          </a:xfrm>
-          <a:prstGeom prst="rect">
-            <a:avLst/>
-          </a:prstGeom>
-          <a:noFill/>
-          <a:ln>
-            <a:noFill/>
-          </a:ln>
-          <a:extLst>
-            <a:ext uri="{909E8E84-426E-40DD-AFC4-6F175D3DCCD1}">
-              <a14:hiddenFill xmlns:a14="http://schemas.microsoft.com/office/drawing/2010/main" xmlns="">
-                <a:solidFill>
-                  <a:srgbClr val="FFFFFF"/>
-                </a:solidFill>
-              </a14:hiddenFill>
-            </a:ext>
-            <a:ext uri="{91240B29-F687-4F45-9708-019B960494DF}">
-              <a14:hiddenLine xmlns:a14="http://schemas.microsoft.com/office/drawing/2010/main" xmlns="" w="9525">
-                <a:solidFill>
-                  <a:srgbClr val="000000"/>
-                </a:solidFill>
-                <a:miter lim="800000"/>
-                <a:headEnd/>
-                <a:tailEnd/>
-              </a14:hiddenLine>
-            </a:ext>
-          </a:extLst>
-        </p:spPr>
-        <p:txBody>
-          <a:bodyPr lIns="0" tIns="0" rIns="0" bIns="0">
-            <a:spAutoFit/>
-          </a:bodyPr>
-          <a:lstStyle>
-            <a:lvl1pPr marL="211138" indent="-211138">
-              <a:tabLst>
-                <a:tab pos="723900" algn="l"/>
-                <a:tab pos="1447800" algn="l"/>
-                <a:tab pos="2171700" algn="l"/>
-                <a:tab pos="2895600" algn="l"/>
-              </a:tabLst>
-              <a:defRPr sz="2400">
-                <a:solidFill>
-                  <a:schemeClr val="tx1"/>
-                </a:solidFill>
-                <a:latin typeface="Times New Roman" panose="02020603050405020304" pitchFamily="18" charset="0"/>
-              </a:defRPr>
-            </a:lvl1pPr>
-            <a:lvl2pPr marL="742950" indent="-285750">
-              <a:tabLst>
-                <a:tab pos="723900" algn="l"/>
-                <a:tab pos="1447800" algn="l"/>
-                <a:tab pos="2171700" algn="l"/>
-                <a:tab pos="2895600" algn="l"/>
-              </a:tabLst>
-              <a:defRPr sz="2400">
-                <a:solidFill>
-                  <a:schemeClr val="tx1"/>
-                </a:solidFill>
-                <a:latin typeface="Times New Roman" panose="02020603050405020304" pitchFamily="18" charset="0"/>
-              </a:defRPr>
-            </a:lvl2pPr>
-            <a:lvl3pPr marL="1143000" indent="-228600">
-              <a:tabLst>
-                <a:tab pos="723900" algn="l"/>
-                <a:tab pos="1447800" algn="l"/>
-                <a:tab pos="2171700" algn="l"/>
-                <a:tab pos="2895600" algn="l"/>
-              </a:tabLst>
-              <a:defRPr sz="2400">
-                <a:solidFill>
-                  <a:schemeClr val="tx1"/>
-                </a:solidFill>
-                <a:latin typeface="Times New Roman" panose="02020603050405020304" pitchFamily="18" charset="0"/>
-              </a:defRPr>
-            </a:lvl3pPr>
-            <a:lvl4pPr marL="1600200" indent="-228600">
-              <a:tabLst>
-                <a:tab pos="723900" algn="l"/>
-                <a:tab pos="1447800" algn="l"/>
-                <a:tab pos="2171700" algn="l"/>
-                <a:tab pos="2895600" algn="l"/>
-              </a:tabLst>
-              <a:defRPr sz="2400">
-                <a:solidFill>
-                  <a:schemeClr val="tx1"/>
-                </a:solidFill>
-                <a:latin typeface="Times New Roman" panose="02020603050405020304" pitchFamily="18" charset="0"/>
-              </a:defRPr>
-            </a:lvl4pPr>
-            <a:lvl5pPr marL="2057400" indent="-228600">
-              <a:tabLst>
-                <a:tab pos="723900" algn="l"/>
-                <a:tab pos="1447800" algn="l"/>
-                <a:tab pos="2171700" algn="l"/>
-                <a:tab pos="2895600" algn="l"/>
-              </a:tabLst>
-              <a:defRPr sz="2400">
-                <a:solidFill>
-                  <a:schemeClr val="tx1"/>
-                </a:solidFill>
-                <a:latin typeface="Times New Roman" panose="02020603050405020304" pitchFamily="18" charset="0"/>
-              </a:defRPr>
-            </a:lvl5pPr>
-            <a:lvl6pPr marL="2514600" indent="-228600" eaLnBrk="0" fontAlgn="base" hangingPunct="0">
-              <a:spcBef>
-                <a:spcPct val="0"/>
-              </a:spcBef>
-              <a:spcAft>
-                <a:spcPct val="0"/>
-              </a:spcAft>
-              <a:tabLst>
-                <a:tab pos="723900" algn="l"/>
-                <a:tab pos="1447800" algn="l"/>
-                <a:tab pos="2171700" algn="l"/>
-                <a:tab pos="2895600" algn="l"/>
-              </a:tabLst>
-              <a:defRPr sz="2400">
-                <a:solidFill>
-                  <a:schemeClr val="tx1"/>
-                </a:solidFill>
-                <a:latin typeface="Times New Roman" panose="02020603050405020304" pitchFamily="18" charset="0"/>
-              </a:defRPr>
-            </a:lvl6pPr>
-            <a:lvl7pPr marL="2971800" indent="-228600" eaLnBrk="0" fontAlgn="base" hangingPunct="0">
-              <a:spcBef>
-                <a:spcPct val="0"/>
-              </a:spcBef>
-              <a:spcAft>
-                <a:spcPct val="0"/>
-              </a:spcAft>
-              <a:tabLst>
-                <a:tab pos="723900" algn="l"/>
-                <a:tab pos="1447800" algn="l"/>
-                <a:tab pos="2171700" algn="l"/>
-                <a:tab pos="2895600" algn="l"/>
-              </a:tabLst>
-              <a:defRPr sz="2400">
-                <a:solidFill>
-                  <a:schemeClr val="tx1"/>
-                </a:solidFill>
-                <a:latin typeface="Times New Roman" panose="02020603050405020304" pitchFamily="18" charset="0"/>
-              </a:defRPr>
-            </a:lvl7pPr>
-            <a:lvl8pPr marL="3429000" indent="-228600" eaLnBrk="0" fontAlgn="base" hangingPunct="0">
-              <a:spcBef>
-                <a:spcPct val="0"/>
-              </a:spcBef>
-              <a:spcAft>
-                <a:spcPct val="0"/>
-              </a:spcAft>
-              <a:tabLst>
-                <a:tab pos="723900" algn="l"/>
-                <a:tab pos="1447800" algn="l"/>
-                <a:tab pos="2171700" algn="l"/>
-                <a:tab pos="2895600" algn="l"/>
-              </a:tabLst>
-              <a:defRPr sz="2400">
-                <a:solidFill>
-                  <a:schemeClr val="tx1"/>
-                </a:solidFill>
-                <a:latin typeface="Times New Roman" panose="02020603050405020304" pitchFamily="18" charset="0"/>
-              </a:defRPr>
-            </a:lvl8pPr>
-            <a:lvl9pPr marL="3886200" indent="-228600" eaLnBrk="0" fontAlgn="base" hangingPunct="0">
-              <a:spcBef>
-                <a:spcPct val="0"/>
-              </a:spcBef>
-              <a:spcAft>
-                <a:spcPct val="0"/>
-              </a:spcAft>
-              <a:tabLst>
-                <a:tab pos="723900" algn="l"/>
-                <a:tab pos="1447800" algn="l"/>
-                <a:tab pos="2171700" algn="l"/>
-                <a:tab pos="2895600" algn="l"/>
-              </a:tabLst>
-              <a:defRPr sz="2400">
-                <a:solidFill>
-                  <a:schemeClr val="tx1"/>
-                </a:solidFill>
-                <a:latin typeface="Times New Roman" panose="02020603050405020304" pitchFamily="18" charset="0"/>
-              </a:defRPr>
-            </a:lvl9pPr>
-          </a:lstStyle>
-          <a:p>
-            <a:pPr>
-              <a:spcBef>
-                <a:spcPts val="275"/>
-              </a:spcBef>
-              <a:buClr>
-                <a:srgbClr val="000000"/>
-              </a:buClr>
-              <a:buSzPct val="174000"/>
-              <a:buFont typeface="Times New Roman" panose="02020603050405020304" pitchFamily="18" charset="0"/>
-              <a:buNone/>
-            </a:pPr>
-            <a:r>
-              <a:rPr lang="en-GB" altLang="en-US" sz="1400" dirty="0">
-                <a:latin typeface="Courier" pitchFamily="-64" charset="0"/>
-              </a:rPr>
-              <a:t>public final class </a:t>
-            </a:r>
-            <a:r>
-              <a:rPr lang="en-GB" altLang="en-US" sz="1400" dirty="0" err="1">
-                <a:latin typeface="Courier" pitchFamily="-64" charset="0"/>
-              </a:rPr>
-              <a:t>Color</a:t>
-            </a:r>
-            <a:endParaRPr lang="en-GB" altLang="en-US" sz="1400" dirty="0">
-              <a:latin typeface="Courier" pitchFamily="-64" charset="0"/>
-            </a:endParaRPr>
-          </a:p>
-          <a:p>
-            <a:pPr>
-              <a:spcBef>
-                <a:spcPts val="275"/>
-              </a:spcBef>
-              <a:buClr>
-                <a:srgbClr val="000000"/>
-              </a:buClr>
-              <a:buSzPct val="174000"/>
-              <a:buFont typeface="Times New Roman" panose="02020603050405020304" pitchFamily="18" charset="0"/>
-              <a:buNone/>
-            </a:pPr>
-            <a:r>
-              <a:rPr lang="en-GB" altLang="en-US" sz="1400" dirty="0">
-                <a:latin typeface="Courier" pitchFamily="-64" charset="0"/>
-              </a:rPr>
-              <a:t>{</a:t>
-            </a:r>
-          </a:p>
-          <a:p>
-            <a:pPr>
-              <a:spcBef>
-                <a:spcPts val="275"/>
-              </a:spcBef>
-              <a:buClr>
-                <a:srgbClr val="000000"/>
-              </a:buClr>
-              <a:buSzPct val="174000"/>
-              <a:buFont typeface="Times New Roman" panose="02020603050405020304" pitchFamily="18" charset="0"/>
-              <a:buNone/>
-            </a:pPr>
-            <a:r>
-              <a:rPr lang="en-GB" altLang="en-US" sz="1400" dirty="0">
-                <a:latin typeface="Courier" pitchFamily="-64" charset="0"/>
-              </a:rPr>
-              <a:t>	[...]</a:t>
-            </a:r>
-          </a:p>
-        </p:txBody>
-      </p:sp>
-      <p:sp>
-        <p:nvSpPr>
-          <p:cNvPr id="9" name="AutoShape 5">
-            <a:extLst>
-              <a:ext uri="{FF2B5EF4-FFF2-40B4-BE49-F238E27FC236}">
-                <a16:creationId xmlns:a16="http://schemas.microsoft.com/office/drawing/2014/main" xmlns="" id="{493B7B25-8D86-4D7F-BFC0-98B50F100589}"/>
-              </a:ext>
-            </a:extLst>
-          </p:cNvPr>
-          <p:cNvSpPr>
-            <a:spLocks noChangeArrowheads="1"/>
-          </p:cNvSpPr>
-          <p:nvPr/>
-        </p:nvSpPr>
-        <p:spPr bwMode="auto">
-          <a:xfrm>
-            <a:off x="1969217" y="2587011"/>
-            <a:ext cx="7893050" cy="977900"/>
-          </a:xfrm>
-          <a:prstGeom prst="roundRect">
-            <a:avLst>
-              <a:gd name="adj" fmla="val 162"/>
-            </a:avLst>
-          </a:prstGeom>
-          <a:solidFill>
-            <a:srgbClr val="FFFFCC"/>
-          </a:solidFill>
-          <a:ln w="9525">
-            <a:solidFill>
-              <a:srgbClr val="000000"/>
-            </a:solidFill>
-            <a:round/>
-            <a:headEnd/>
-            <a:tailEnd/>
-          </a:ln>
-        </p:spPr>
-        <p:txBody>
-          <a:bodyPr wrap="none" anchor="ctr"/>
-          <a:lstStyle>
-            <a:lvl1pPr>
-              <a:defRPr sz="2400">
-                <a:solidFill>
-                  <a:schemeClr val="tx1"/>
-                </a:solidFill>
-                <a:latin typeface="Times New Roman" panose="02020603050405020304" pitchFamily="18" charset="0"/>
-              </a:defRPr>
-            </a:lvl1pPr>
-            <a:lvl2pPr marL="742950" indent="-285750">
-              <a:defRPr sz="2400">
-                <a:solidFill>
-                  <a:schemeClr val="tx1"/>
-                </a:solidFill>
-                <a:latin typeface="Times New Roman" panose="02020603050405020304" pitchFamily="18" charset="0"/>
-              </a:defRPr>
-            </a:lvl2pPr>
-            <a:lvl3pPr marL="1143000" indent="-228600">
-              <a:defRPr sz="2400">
-                <a:solidFill>
-                  <a:schemeClr val="tx1"/>
-                </a:solidFill>
-                <a:latin typeface="Times New Roman" panose="02020603050405020304" pitchFamily="18" charset="0"/>
-              </a:defRPr>
-            </a:lvl3pPr>
-            <a:lvl4pPr marL="1600200" indent="-228600">
-              <a:defRPr sz="2400">
-                <a:solidFill>
-                  <a:schemeClr val="tx1"/>
-                </a:solidFill>
-                <a:latin typeface="Times New Roman" panose="02020603050405020304" pitchFamily="18" charset="0"/>
-              </a:defRPr>
-            </a:lvl4pPr>
-            <a:lvl5pPr marL="2057400" indent="-228600">
-              <a:defRPr sz="2400">
-                <a:solidFill>
-                  <a:schemeClr val="tx1"/>
-                </a:solidFill>
-                <a:latin typeface="Times New Roman" panose="02020603050405020304" pitchFamily="18" charset="0"/>
-              </a:defRPr>
-            </a:lvl5pPr>
-            <a:lvl6pPr marL="2514600" indent="-228600" eaLnBrk="0" fontAlgn="base" hangingPunct="0">
-              <a:spcBef>
-                <a:spcPct val="0"/>
-              </a:spcBef>
-              <a:spcAft>
-                <a:spcPct val="0"/>
-              </a:spcAft>
-              <a:defRPr sz="2400">
-                <a:solidFill>
-                  <a:schemeClr val="tx1"/>
-                </a:solidFill>
-                <a:latin typeface="Times New Roman" panose="02020603050405020304" pitchFamily="18" charset="0"/>
-              </a:defRPr>
-            </a:lvl6pPr>
-            <a:lvl7pPr marL="2971800" indent="-228600" eaLnBrk="0" fontAlgn="base" hangingPunct="0">
-              <a:spcBef>
-                <a:spcPct val="0"/>
-              </a:spcBef>
-              <a:spcAft>
-                <a:spcPct val="0"/>
-              </a:spcAft>
-              <a:defRPr sz="2400">
-                <a:solidFill>
-                  <a:schemeClr val="tx1"/>
-                </a:solidFill>
-                <a:latin typeface="Times New Roman" panose="02020603050405020304" pitchFamily="18" charset="0"/>
-              </a:defRPr>
-            </a:lvl7pPr>
-            <a:lvl8pPr marL="3429000" indent="-228600" eaLnBrk="0" fontAlgn="base" hangingPunct="0">
-              <a:spcBef>
-                <a:spcPct val="0"/>
-              </a:spcBef>
-              <a:spcAft>
-                <a:spcPct val="0"/>
-              </a:spcAft>
-              <a:defRPr sz="2400">
-                <a:solidFill>
-                  <a:schemeClr val="tx1"/>
-                </a:solidFill>
-                <a:latin typeface="Times New Roman" panose="02020603050405020304" pitchFamily="18" charset="0"/>
-              </a:defRPr>
-            </a:lvl8pPr>
-            <a:lvl9pPr marL="3886200" indent="-228600" eaLnBrk="0" fontAlgn="base" hangingPunct="0">
-              <a:spcBef>
-                <a:spcPct val="0"/>
-              </a:spcBef>
-              <a:spcAft>
-                <a:spcPct val="0"/>
-              </a:spcAft>
-              <a:defRPr sz="2400">
-                <a:solidFill>
-                  <a:schemeClr val="tx1"/>
-                </a:solidFill>
-                <a:latin typeface="Times New Roman" panose="02020603050405020304" pitchFamily="18" charset="0"/>
-              </a:defRPr>
-            </a:lvl9pPr>
-          </a:lstStyle>
-          <a:p>
-            <a:endParaRPr lang="en-US" altLang="en-US"/>
-          </a:p>
-        </p:txBody>
-      </p:sp>
-      <p:sp>
-        <p:nvSpPr>
-          <p:cNvPr id="11" name="Text Box 6">
-            <a:extLst>
-              <a:ext uri="{FF2B5EF4-FFF2-40B4-BE49-F238E27FC236}">
-                <a16:creationId xmlns:a16="http://schemas.microsoft.com/office/drawing/2014/main" xmlns="" id="{790AA718-0D3E-4215-B18C-ADF04450A08B}"/>
-              </a:ext>
-            </a:extLst>
-          </p:cNvPr>
-          <p:cNvSpPr txBox="1">
-            <a:spLocks noChangeArrowheads="1"/>
-          </p:cNvSpPr>
-          <p:nvPr/>
-        </p:nvSpPr>
-        <p:spPr bwMode="auto">
-          <a:xfrm>
-            <a:off x="2132730" y="2767986"/>
-            <a:ext cx="7739063" cy="708025"/>
-          </a:xfrm>
-          <a:prstGeom prst="rect">
-            <a:avLst/>
-          </a:prstGeom>
-          <a:noFill/>
-          <a:ln>
-            <a:noFill/>
-          </a:ln>
-          <a:extLst>
-            <a:ext uri="{909E8E84-426E-40DD-AFC4-6F175D3DCCD1}">
-              <a14:hiddenFill xmlns:a14="http://schemas.microsoft.com/office/drawing/2010/main" xmlns="">
-                <a:solidFill>
-                  <a:srgbClr val="FFFFFF"/>
-                </a:solidFill>
-              </a14:hiddenFill>
-            </a:ext>
-            <a:ext uri="{91240B29-F687-4F45-9708-019B960494DF}">
-              <a14:hiddenLine xmlns:a14="http://schemas.microsoft.com/office/drawing/2010/main" xmlns="" w="9525">
-                <a:solidFill>
-                  <a:srgbClr val="000000"/>
-                </a:solidFill>
-                <a:miter lim="800000"/>
-                <a:headEnd/>
-                <a:tailEnd/>
-              </a14:hiddenLine>
-            </a:ext>
-          </a:extLst>
-        </p:spPr>
-        <p:txBody>
-          <a:bodyPr lIns="0" tIns="0" rIns="0" bIns="0">
-            <a:spAutoFit/>
-          </a:bodyPr>
-          <a:lstStyle>
-            <a:lvl1pPr marL="211138" indent="-211138">
-              <a:tabLst>
-                <a:tab pos="723900" algn="l"/>
-                <a:tab pos="1447800" algn="l"/>
-                <a:tab pos="2171700" algn="l"/>
-                <a:tab pos="2895600" algn="l"/>
-                <a:tab pos="3619500" algn="l"/>
-                <a:tab pos="4343400" algn="l"/>
-                <a:tab pos="5067300" algn="l"/>
-                <a:tab pos="5791200" algn="l"/>
-                <a:tab pos="6515100" algn="l"/>
-                <a:tab pos="7239000" algn="l"/>
-              </a:tabLst>
-              <a:defRPr sz="2400">
-                <a:solidFill>
-                  <a:schemeClr val="tx1"/>
-                </a:solidFill>
-                <a:latin typeface="Times New Roman" panose="02020603050405020304" pitchFamily="18" charset="0"/>
-              </a:defRPr>
-            </a:lvl1pPr>
-            <a:lvl2pPr marL="742950" indent="-285750">
-              <a:tabLst>
-                <a:tab pos="723900" algn="l"/>
-                <a:tab pos="1447800" algn="l"/>
-                <a:tab pos="2171700" algn="l"/>
-                <a:tab pos="2895600" algn="l"/>
-                <a:tab pos="3619500" algn="l"/>
-                <a:tab pos="4343400" algn="l"/>
-                <a:tab pos="5067300" algn="l"/>
-                <a:tab pos="5791200" algn="l"/>
-                <a:tab pos="6515100" algn="l"/>
-                <a:tab pos="7239000" algn="l"/>
-              </a:tabLst>
-              <a:defRPr sz="2400">
-                <a:solidFill>
-                  <a:schemeClr val="tx1"/>
-                </a:solidFill>
-                <a:latin typeface="Times New Roman" panose="02020603050405020304" pitchFamily="18" charset="0"/>
-              </a:defRPr>
-            </a:lvl2pPr>
-            <a:lvl3pPr marL="1143000" indent="-228600">
-              <a:tabLst>
-                <a:tab pos="723900" algn="l"/>
-                <a:tab pos="1447800" algn="l"/>
-                <a:tab pos="2171700" algn="l"/>
-                <a:tab pos="2895600" algn="l"/>
-                <a:tab pos="3619500" algn="l"/>
-                <a:tab pos="4343400" algn="l"/>
-                <a:tab pos="5067300" algn="l"/>
-                <a:tab pos="5791200" algn="l"/>
-                <a:tab pos="6515100" algn="l"/>
-                <a:tab pos="7239000" algn="l"/>
-              </a:tabLst>
-              <a:defRPr sz="2400">
-                <a:solidFill>
-                  <a:schemeClr val="tx1"/>
-                </a:solidFill>
-                <a:latin typeface="Times New Roman" panose="02020603050405020304" pitchFamily="18" charset="0"/>
-              </a:defRPr>
-            </a:lvl3pPr>
-            <a:lvl4pPr marL="1600200" indent="-228600">
-              <a:tabLst>
-                <a:tab pos="723900" algn="l"/>
-                <a:tab pos="1447800" algn="l"/>
-                <a:tab pos="2171700" algn="l"/>
-                <a:tab pos="2895600" algn="l"/>
-                <a:tab pos="3619500" algn="l"/>
-                <a:tab pos="4343400" algn="l"/>
-                <a:tab pos="5067300" algn="l"/>
-                <a:tab pos="5791200" algn="l"/>
-                <a:tab pos="6515100" algn="l"/>
-                <a:tab pos="7239000" algn="l"/>
-              </a:tabLst>
-              <a:defRPr sz="2400">
-                <a:solidFill>
-                  <a:schemeClr val="tx1"/>
-                </a:solidFill>
-                <a:latin typeface="Times New Roman" panose="02020603050405020304" pitchFamily="18" charset="0"/>
-              </a:defRPr>
-            </a:lvl4pPr>
-            <a:lvl5pPr marL="2057400" indent="-228600">
-              <a:tabLst>
-                <a:tab pos="723900" algn="l"/>
-                <a:tab pos="1447800" algn="l"/>
-                <a:tab pos="2171700" algn="l"/>
-                <a:tab pos="2895600" algn="l"/>
-                <a:tab pos="3619500" algn="l"/>
-                <a:tab pos="4343400" algn="l"/>
-                <a:tab pos="5067300" algn="l"/>
-                <a:tab pos="5791200" algn="l"/>
-                <a:tab pos="6515100" algn="l"/>
-                <a:tab pos="7239000" algn="l"/>
-              </a:tabLst>
-              <a:defRPr sz="2400">
-                <a:solidFill>
-                  <a:schemeClr val="tx1"/>
-                </a:solidFill>
-                <a:latin typeface="Times New Roman" panose="02020603050405020304" pitchFamily="18" charset="0"/>
-              </a:defRPr>
-            </a:lvl5pPr>
-            <a:lvl6pPr marL="2514600" indent="-228600" eaLnBrk="0" fontAlgn="base" hangingPunct="0">
-              <a:spcBef>
-                <a:spcPct val="0"/>
-              </a:spcBef>
-              <a:spcAft>
-                <a:spcPct val="0"/>
-              </a:spcAft>
-              <a:tabLst>
-                <a:tab pos="723900" algn="l"/>
-                <a:tab pos="1447800" algn="l"/>
-                <a:tab pos="2171700" algn="l"/>
-                <a:tab pos="2895600" algn="l"/>
-                <a:tab pos="3619500" algn="l"/>
-                <a:tab pos="4343400" algn="l"/>
-                <a:tab pos="5067300" algn="l"/>
-                <a:tab pos="5791200" algn="l"/>
-                <a:tab pos="6515100" algn="l"/>
-                <a:tab pos="7239000" algn="l"/>
-              </a:tabLst>
-              <a:defRPr sz="2400">
-                <a:solidFill>
-                  <a:schemeClr val="tx1"/>
-                </a:solidFill>
-                <a:latin typeface="Times New Roman" panose="02020603050405020304" pitchFamily="18" charset="0"/>
-              </a:defRPr>
-            </a:lvl6pPr>
-            <a:lvl7pPr marL="2971800" indent="-228600" eaLnBrk="0" fontAlgn="base" hangingPunct="0">
-              <a:spcBef>
-                <a:spcPct val="0"/>
-              </a:spcBef>
-              <a:spcAft>
-                <a:spcPct val="0"/>
-              </a:spcAft>
-              <a:tabLst>
-                <a:tab pos="723900" algn="l"/>
-                <a:tab pos="1447800" algn="l"/>
-                <a:tab pos="2171700" algn="l"/>
-                <a:tab pos="2895600" algn="l"/>
-                <a:tab pos="3619500" algn="l"/>
-                <a:tab pos="4343400" algn="l"/>
-                <a:tab pos="5067300" algn="l"/>
-                <a:tab pos="5791200" algn="l"/>
-                <a:tab pos="6515100" algn="l"/>
-                <a:tab pos="7239000" algn="l"/>
-              </a:tabLst>
-              <a:defRPr sz="2400">
-                <a:solidFill>
-                  <a:schemeClr val="tx1"/>
-                </a:solidFill>
-                <a:latin typeface="Times New Roman" panose="02020603050405020304" pitchFamily="18" charset="0"/>
-              </a:defRPr>
-            </a:lvl7pPr>
-            <a:lvl8pPr marL="3429000" indent="-228600" eaLnBrk="0" fontAlgn="base" hangingPunct="0">
-              <a:spcBef>
-                <a:spcPct val="0"/>
-              </a:spcBef>
-              <a:spcAft>
-                <a:spcPct val="0"/>
-              </a:spcAft>
-              <a:tabLst>
-                <a:tab pos="723900" algn="l"/>
-                <a:tab pos="1447800" algn="l"/>
-                <a:tab pos="2171700" algn="l"/>
-                <a:tab pos="2895600" algn="l"/>
-                <a:tab pos="3619500" algn="l"/>
-                <a:tab pos="4343400" algn="l"/>
-                <a:tab pos="5067300" algn="l"/>
-                <a:tab pos="5791200" algn="l"/>
-                <a:tab pos="6515100" algn="l"/>
-                <a:tab pos="7239000" algn="l"/>
-              </a:tabLst>
-              <a:defRPr sz="2400">
-                <a:solidFill>
-                  <a:schemeClr val="tx1"/>
-                </a:solidFill>
-                <a:latin typeface="Times New Roman" panose="02020603050405020304" pitchFamily="18" charset="0"/>
-              </a:defRPr>
-            </a:lvl8pPr>
-            <a:lvl9pPr marL="3886200" indent="-228600" eaLnBrk="0" fontAlgn="base" hangingPunct="0">
-              <a:spcBef>
-                <a:spcPct val="0"/>
-              </a:spcBef>
-              <a:spcAft>
-                <a:spcPct val="0"/>
-              </a:spcAft>
-              <a:tabLst>
-                <a:tab pos="723900" algn="l"/>
-                <a:tab pos="1447800" algn="l"/>
-                <a:tab pos="2171700" algn="l"/>
-                <a:tab pos="2895600" algn="l"/>
-                <a:tab pos="3619500" algn="l"/>
-                <a:tab pos="4343400" algn="l"/>
-                <a:tab pos="5067300" algn="l"/>
-                <a:tab pos="5791200" algn="l"/>
-                <a:tab pos="6515100" algn="l"/>
-                <a:tab pos="7239000" algn="l"/>
-              </a:tabLst>
-              <a:defRPr sz="2400">
-                <a:solidFill>
-                  <a:schemeClr val="tx1"/>
-                </a:solidFill>
-                <a:latin typeface="Times New Roman" panose="02020603050405020304" pitchFamily="18" charset="0"/>
-              </a:defRPr>
-            </a:lvl9pPr>
-          </a:lstStyle>
-          <a:p>
-            <a:pPr>
-              <a:spcBef>
-                <a:spcPts val="275"/>
-              </a:spcBef>
-              <a:buClr>
-                <a:srgbClr val="000000"/>
-              </a:buClr>
-              <a:buSzPct val="174000"/>
-              <a:buFont typeface="Times New Roman" panose="02020603050405020304" pitchFamily="18" charset="0"/>
-              <a:buNone/>
-            </a:pPr>
-            <a:r>
-              <a:rPr lang="en-GB" altLang="en-US" sz="1400" dirty="0">
-                <a:latin typeface="Courier" pitchFamily="-64" charset="0"/>
-              </a:rPr>
-              <a:t>public final </a:t>
-            </a:r>
-            <a:r>
-              <a:rPr lang="en-GB" altLang="en-US" sz="1400" dirty="0" err="1">
-                <a:latin typeface="Courier" pitchFamily="-64" charset="0"/>
-              </a:rPr>
-              <a:t>boolean</a:t>
-            </a:r>
-            <a:r>
-              <a:rPr lang="en-GB" altLang="en-US" sz="1400" dirty="0">
-                <a:latin typeface="Courier" pitchFamily="-64" charset="0"/>
-              </a:rPr>
-              <a:t> </a:t>
-            </a:r>
-            <a:r>
-              <a:rPr lang="en-GB" altLang="en-US" sz="1400" dirty="0" err="1">
-                <a:latin typeface="Courier" pitchFamily="-64" charset="0"/>
-              </a:rPr>
-              <a:t>validatePassword</a:t>
-            </a:r>
-            <a:r>
-              <a:rPr lang="en-GB" altLang="en-US" sz="1400" dirty="0">
-                <a:latin typeface="Courier" pitchFamily="-64" charset="0"/>
-              </a:rPr>
-              <a:t>(String username, String Password)</a:t>
-            </a:r>
-          </a:p>
-          <a:p>
-            <a:pPr>
-              <a:spcBef>
-                <a:spcPts val="275"/>
-              </a:spcBef>
-              <a:buClr>
-                <a:srgbClr val="000000"/>
-              </a:buClr>
-              <a:buSzPct val="174000"/>
-              <a:buFont typeface="Times New Roman" panose="02020603050405020304" pitchFamily="18" charset="0"/>
-              <a:buNone/>
-            </a:pPr>
-            <a:r>
-              <a:rPr lang="en-GB" altLang="en-US" sz="1400" dirty="0">
-                <a:latin typeface="Courier" pitchFamily="-64" charset="0"/>
-              </a:rPr>
-              <a:t>{</a:t>
-            </a:r>
-          </a:p>
-          <a:p>
-            <a:pPr>
-              <a:spcBef>
-                <a:spcPts val="275"/>
-              </a:spcBef>
-              <a:buClr>
-                <a:srgbClr val="000000"/>
-              </a:buClr>
-              <a:buSzPct val="174000"/>
-              <a:buFont typeface="Times New Roman" panose="02020603050405020304" pitchFamily="18" charset="0"/>
-              <a:buNone/>
-            </a:pPr>
-            <a:r>
-              <a:rPr lang="en-GB" altLang="en-US" sz="1400" dirty="0">
-                <a:latin typeface="Courier" pitchFamily="-64" charset="0"/>
-              </a:rPr>
-              <a:t>	[...]</a:t>
-            </a:r>
-          </a:p>
-        </p:txBody>
-      </p:sp>
     </p:spTree>
     <p:extLst>
       <p:ext uri="{BB962C8B-B14F-4D97-AF65-F5344CB8AC3E}">
-        <p14:creationId xmlns:p14="http://schemas.microsoft.com/office/powerpoint/2010/main" xmlns="" val="1160171944"/>
+        <p14:creationId xmlns="" xmlns:p14="http://schemas.microsoft.com/office/powerpoint/2010/main" val="3814198654"/>
       </p:ext>
     </p:extLst>
   </p:cSld>
@@ -10674,8 +10056,8 @@
           <a:lstStyle/>
           <a:p>
             <a:r>
-              <a:rPr lang="en-CA" dirty="0"/>
-              <a:t>Motivation for Inheritance</a:t>
+              <a:rPr lang="en-US" dirty="0"/>
+              <a:t>Final Methods and Final Classes</a:t>
             </a:r>
           </a:p>
         </p:txBody>
@@ -10699,11 +10081,33 @@
           <a:p>
             <a:r>
               <a:rPr lang="en-US" dirty="0"/>
-              <a:t>The basic reason for wanting to make use of inheritance is to leverage the creation of new software structures from existing software units.</a:t>
-            </a:r>
-          </a:p>
-          <a:p>
-            <a:pPr marL="0" indent="0">
+              <a:t>Methods can be qualified with the final modifier</a:t>
+            </a:r>
+          </a:p>
+          <a:p>
+            <a:pPr lvl="1"/>
+            <a:r>
+              <a:rPr lang="en-US" dirty="0"/>
+              <a:t>Final methods cannot be overridden.</a:t>
+            </a:r>
+          </a:p>
+          <a:p>
+            <a:pPr lvl="1"/>
+            <a:r>
+              <a:rPr lang="en-US" dirty="0"/>
+              <a:t>This can be useful for security purposes.</a:t>
+            </a:r>
+          </a:p>
+          <a:p>
+            <a:pPr lvl="1"/>
+            <a:endParaRPr lang="en-US" dirty="0"/>
+          </a:p>
+          <a:p>
+            <a:pPr lvl="1"/>
+            <a:endParaRPr lang="en-US" dirty="0"/>
+          </a:p>
+          <a:p>
+            <a:pPr marL="457200" lvl="1" indent="0">
               <a:buNone/>
             </a:pPr>
             <a:endParaRPr lang="en-US" dirty="0"/>
@@ -10711,22 +10115,25 @@
           <a:p>
             <a:r>
               <a:rPr lang="en-US" dirty="0"/>
-              <a:t>Productivity</a:t>
+              <a:t>Classes can be qualified with the final modifier</a:t>
             </a:r>
           </a:p>
           <a:p>
             <a:pPr lvl="1"/>
             <a:r>
-              <a:rPr lang="en-US" sz="2600" dirty="0"/>
-              <a:t>why create a “Scrollable Window” from scratch when you can simply modify a “Window” class from a library</a:t>
+              <a:rPr lang="en-US" dirty="0"/>
+              <a:t>The class cannot be extended</a:t>
             </a:r>
           </a:p>
           <a:p>
             <a:pPr lvl="1"/>
             <a:r>
-              <a:rPr lang="en-US" sz="2600" dirty="0"/>
-              <a:t>for a simulation program you want an “aircraft” class to run as an independent thread. It can inherit thread functionality from a class “Thread”</a:t>
-            </a:r>
+              <a:rPr lang="en-US" dirty="0"/>
+              <a:t>This can be used to improve performance.  Because there can be no subclasses, there will be no polymorphic overhead at runtime.</a:t>
+            </a:r>
+          </a:p>
+          <a:p>
+            <a:endParaRPr lang="en-US" dirty="0"/>
           </a:p>
         </p:txBody>
       </p:sp>
@@ -10779,10 +10186,901 @@
           </a:p>
         </p:txBody>
       </p:sp>
+      <p:sp>
+        <p:nvSpPr>
+          <p:cNvPr id="7" name="AutoShape 8">
+            <a:extLst>
+              <a:ext uri="{FF2B5EF4-FFF2-40B4-BE49-F238E27FC236}">
+                <a16:creationId xmlns="" xmlns:a16="http://schemas.microsoft.com/office/drawing/2014/main" id="{C3886160-B49F-4C00-933E-34CBE181C72E}"/>
+              </a:ext>
+            </a:extLst>
+          </p:cNvPr>
+          <p:cNvSpPr>
+            <a:spLocks noChangeArrowheads="1"/>
+          </p:cNvSpPr>
+          <p:nvPr/>
+        </p:nvSpPr>
+        <p:spPr bwMode="auto">
+          <a:xfrm>
+            <a:off x="4129446" y="5284788"/>
+            <a:ext cx="3502025" cy="977900"/>
+          </a:xfrm>
+          <a:prstGeom prst="roundRect">
+            <a:avLst>
+              <a:gd name="adj" fmla="val 162"/>
+            </a:avLst>
+          </a:prstGeom>
+          <a:solidFill>
+            <a:srgbClr val="FFFFCC"/>
+          </a:solidFill>
+          <a:ln w="9525">
+            <a:solidFill>
+              <a:srgbClr val="000000"/>
+            </a:solidFill>
+            <a:round/>
+            <a:headEnd/>
+            <a:tailEnd/>
+          </a:ln>
+        </p:spPr>
+        <p:txBody>
+          <a:bodyPr wrap="none" anchor="ctr"/>
+          <a:lstStyle>
+            <a:lvl1pPr>
+              <a:defRPr sz="2400">
+                <a:solidFill>
+                  <a:schemeClr val="tx1"/>
+                </a:solidFill>
+                <a:latin typeface="Times New Roman" panose="02020603050405020304" pitchFamily="18" charset="0"/>
+              </a:defRPr>
+            </a:lvl1pPr>
+            <a:lvl2pPr marL="742950" indent="-285750">
+              <a:defRPr sz="2400">
+                <a:solidFill>
+                  <a:schemeClr val="tx1"/>
+                </a:solidFill>
+                <a:latin typeface="Times New Roman" panose="02020603050405020304" pitchFamily="18" charset="0"/>
+              </a:defRPr>
+            </a:lvl2pPr>
+            <a:lvl3pPr marL="1143000" indent="-228600">
+              <a:defRPr sz="2400">
+                <a:solidFill>
+                  <a:schemeClr val="tx1"/>
+                </a:solidFill>
+                <a:latin typeface="Times New Roman" panose="02020603050405020304" pitchFamily="18" charset="0"/>
+              </a:defRPr>
+            </a:lvl3pPr>
+            <a:lvl4pPr marL="1600200" indent="-228600">
+              <a:defRPr sz="2400">
+                <a:solidFill>
+                  <a:schemeClr val="tx1"/>
+                </a:solidFill>
+                <a:latin typeface="Times New Roman" panose="02020603050405020304" pitchFamily="18" charset="0"/>
+              </a:defRPr>
+            </a:lvl4pPr>
+            <a:lvl5pPr marL="2057400" indent="-228600">
+              <a:defRPr sz="2400">
+                <a:solidFill>
+                  <a:schemeClr val="tx1"/>
+                </a:solidFill>
+                <a:latin typeface="Times New Roman" panose="02020603050405020304" pitchFamily="18" charset="0"/>
+              </a:defRPr>
+            </a:lvl5pPr>
+            <a:lvl6pPr marL="2514600" indent="-228600" eaLnBrk="0" fontAlgn="base" hangingPunct="0">
+              <a:spcBef>
+                <a:spcPct val="0"/>
+              </a:spcBef>
+              <a:spcAft>
+                <a:spcPct val="0"/>
+              </a:spcAft>
+              <a:defRPr sz="2400">
+                <a:solidFill>
+                  <a:schemeClr val="tx1"/>
+                </a:solidFill>
+                <a:latin typeface="Times New Roman" panose="02020603050405020304" pitchFamily="18" charset="0"/>
+              </a:defRPr>
+            </a:lvl6pPr>
+            <a:lvl7pPr marL="2971800" indent="-228600" eaLnBrk="0" fontAlgn="base" hangingPunct="0">
+              <a:spcBef>
+                <a:spcPct val="0"/>
+              </a:spcBef>
+              <a:spcAft>
+                <a:spcPct val="0"/>
+              </a:spcAft>
+              <a:defRPr sz="2400">
+                <a:solidFill>
+                  <a:schemeClr val="tx1"/>
+                </a:solidFill>
+                <a:latin typeface="Times New Roman" panose="02020603050405020304" pitchFamily="18" charset="0"/>
+              </a:defRPr>
+            </a:lvl7pPr>
+            <a:lvl8pPr marL="3429000" indent="-228600" eaLnBrk="0" fontAlgn="base" hangingPunct="0">
+              <a:spcBef>
+                <a:spcPct val="0"/>
+              </a:spcBef>
+              <a:spcAft>
+                <a:spcPct val="0"/>
+              </a:spcAft>
+              <a:defRPr sz="2400">
+                <a:solidFill>
+                  <a:schemeClr val="tx1"/>
+                </a:solidFill>
+                <a:latin typeface="Times New Roman" panose="02020603050405020304" pitchFamily="18" charset="0"/>
+              </a:defRPr>
+            </a:lvl8pPr>
+            <a:lvl9pPr marL="3886200" indent="-228600" eaLnBrk="0" fontAlgn="base" hangingPunct="0">
+              <a:spcBef>
+                <a:spcPct val="0"/>
+              </a:spcBef>
+              <a:spcAft>
+                <a:spcPct val="0"/>
+              </a:spcAft>
+              <a:defRPr sz="2400">
+                <a:solidFill>
+                  <a:schemeClr val="tx1"/>
+                </a:solidFill>
+                <a:latin typeface="Times New Roman" panose="02020603050405020304" pitchFamily="18" charset="0"/>
+              </a:defRPr>
+            </a:lvl9pPr>
+          </a:lstStyle>
+          <a:p>
+            <a:endParaRPr lang="en-US" altLang="en-US"/>
+          </a:p>
+        </p:txBody>
+      </p:sp>
+      <p:sp>
+        <p:nvSpPr>
+          <p:cNvPr id="8" name="Text Box 9">
+            <a:extLst>
+              <a:ext uri="{FF2B5EF4-FFF2-40B4-BE49-F238E27FC236}">
+                <a16:creationId xmlns="" xmlns:a16="http://schemas.microsoft.com/office/drawing/2014/main" id="{88652A10-FC89-40AE-A217-35F7E7B59523}"/>
+              </a:ext>
+            </a:extLst>
+          </p:cNvPr>
+          <p:cNvSpPr txBox="1">
+            <a:spLocks noChangeArrowheads="1"/>
+          </p:cNvSpPr>
+          <p:nvPr/>
+        </p:nvSpPr>
+        <p:spPr bwMode="auto">
+          <a:xfrm>
+            <a:off x="4346934" y="5440363"/>
+            <a:ext cx="2911475" cy="708025"/>
+          </a:xfrm>
+          <a:prstGeom prst="rect">
+            <a:avLst/>
+          </a:prstGeom>
+          <a:noFill/>
+          <a:ln>
+            <a:noFill/>
+          </a:ln>
+          <a:extLst>
+            <a:ext uri="{909E8E84-426E-40DD-AFC4-6F175D3DCCD1}">
+              <a14:hiddenFill xmlns="" xmlns:a14="http://schemas.microsoft.com/office/drawing/2010/main">
+                <a:solidFill>
+                  <a:srgbClr val="FFFFFF"/>
+                </a:solidFill>
+              </a14:hiddenFill>
+            </a:ext>
+            <a:ext uri="{91240B29-F687-4F45-9708-019B960494DF}">
+              <a14:hiddenLine xmlns="" xmlns:a14="http://schemas.microsoft.com/office/drawing/2010/main" w="9525">
+                <a:solidFill>
+                  <a:srgbClr val="000000"/>
+                </a:solidFill>
+                <a:miter lim="800000"/>
+                <a:headEnd/>
+                <a:tailEnd/>
+              </a14:hiddenLine>
+            </a:ext>
+          </a:extLst>
+        </p:spPr>
+        <p:txBody>
+          <a:bodyPr lIns="0" tIns="0" rIns="0" bIns="0">
+            <a:spAutoFit/>
+          </a:bodyPr>
+          <a:lstStyle>
+            <a:lvl1pPr marL="211138" indent="-211138">
+              <a:tabLst>
+                <a:tab pos="723900" algn="l"/>
+                <a:tab pos="1447800" algn="l"/>
+                <a:tab pos="2171700" algn="l"/>
+                <a:tab pos="2895600" algn="l"/>
+              </a:tabLst>
+              <a:defRPr sz="2400">
+                <a:solidFill>
+                  <a:schemeClr val="tx1"/>
+                </a:solidFill>
+                <a:latin typeface="Times New Roman" panose="02020603050405020304" pitchFamily="18" charset="0"/>
+              </a:defRPr>
+            </a:lvl1pPr>
+            <a:lvl2pPr marL="742950" indent="-285750">
+              <a:tabLst>
+                <a:tab pos="723900" algn="l"/>
+                <a:tab pos="1447800" algn="l"/>
+                <a:tab pos="2171700" algn="l"/>
+                <a:tab pos="2895600" algn="l"/>
+              </a:tabLst>
+              <a:defRPr sz="2400">
+                <a:solidFill>
+                  <a:schemeClr val="tx1"/>
+                </a:solidFill>
+                <a:latin typeface="Times New Roman" panose="02020603050405020304" pitchFamily="18" charset="0"/>
+              </a:defRPr>
+            </a:lvl2pPr>
+            <a:lvl3pPr marL="1143000" indent="-228600">
+              <a:tabLst>
+                <a:tab pos="723900" algn="l"/>
+                <a:tab pos="1447800" algn="l"/>
+                <a:tab pos="2171700" algn="l"/>
+                <a:tab pos="2895600" algn="l"/>
+              </a:tabLst>
+              <a:defRPr sz="2400">
+                <a:solidFill>
+                  <a:schemeClr val="tx1"/>
+                </a:solidFill>
+                <a:latin typeface="Times New Roman" panose="02020603050405020304" pitchFamily="18" charset="0"/>
+              </a:defRPr>
+            </a:lvl3pPr>
+            <a:lvl4pPr marL="1600200" indent="-228600">
+              <a:tabLst>
+                <a:tab pos="723900" algn="l"/>
+                <a:tab pos="1447800" algn="l"/>
+                <a:tab pos="2171700" algn="l"/>
+                <a:tab pos="2895600" algn="l"/>
+              </a:tabLst>
+              <a:defRPr sz="2400">
+                <a:solidFill>
+                  <a:schemeClr val="tx1"/>
+                </a:solidFill>
+                <a:latin typeface="Times New Roman" panose="02020603050405020304" pitchFamily="18" charset="0"/>
+              </a:defRPr>
+            </a:lvl4pPr>
+            <a:lvl5pPr marL="2057400" indent="-228600">
+              <a:tabLst>
+                <a:tab pos="723900" algn="l"/>
+                <a:tab pos="1447800" algn="l"/>
+                <a:tab pos="2171700" algn="l"/>
+                <a:tab pos="2895600" algn="l"/>
+              </a:tabLst>
+              <a:defRPr sz="2400">
+                <a:solidFill>
+                  <a:schemeClr val="tx1"/>
+                </a:solidFill>
+                <a:latin typeface="Times New Roman" panose="02020603050405020304" pitchFamily="18" charset="0"/>
+              </a:defRPr>
+            </a:lvl5pPr>
+            <a:lvl6pPr marL="2514600" indent="-228600" eaLnBrk="0" fontAlgn="base" hangingPunct="0">
+              <a:spcBef>
+                <a:spcPct val="0"/>
+              </a:spcBef>
+              <a:spcAft>
+                <a:spcPct val="0"/>
+              </a:spcAft>
+              <a:tabLst>
+                <a:tab pos="723900" algn="l"/>
+                <a:tab pos="1447800" algn="l"/>
+                <a:tab pos="2171700" algn="l"/>
+                <a:tab pos="2895600" algn="l"/>
+              </a:tabLst>
+              <a:defRPr sz="2400">
+                <a:solidFill>
+                  <a:schemeClr val="tx1"/>
+                </a:solidFill>
+                <a:latin typeface="Times New Roman" panose="02020603050405020304" pitchFamily="18" charset="0"/>
+              </a:defRPr>
+            </a:lvl6pPr>
+            <a:lvl7pPr marL="2971800" indent="-228600" eaLnBrk="0" fontAlgn="base" hangingPunct="0">
+              <a:spcBef>
+                <a:spcPct val="0"/>
+              </a:spcBef>
+              <a:spcAft>
+                <a:spcPct val="0"/>
+              </a:spcAft>
+              <a:tabLst>
+                <a:tab pos="723900" algn="l"/>
+                <a:tab pos="1447800" algn="l"/>
+                <a:tab pos="2171700" algn="l"/>
+                <a:tab pos="2895600" algn="l"/>
+              </a:tabLst>
+              <a:defRPr sz="2400">
+                <a:solidFill>
+                  <a:schemeClr val="tx1"/>
+                </a:solidFill>
+                <a:latin typeface="Times New Roman" panose="02020603050405020304" pitchFamily="18" charset="0"/>
+              </a:defRPr>
+            </a:lvl7pPr>
+            <a:lvl8pPr marL="3429000" indent="-228600" eaLnBrk="0" fontAlgn="base" hangingPunct="0">
+              <a:spcBef>
+                <a:spcPct val="0"/>
+              </a:spcBef>
+              <a:spcAft>
+                <a:spcPct val="0"/>
+              </a:spcAft>
+              <a:tabLst>
+                <a:tab pos="723900" algn="l"/>
+                <a:tab pos="1447800" algn="l"/>
+                <a:tab pos="2171700" algn="l"/>
+                <a:tab pos="2895600" algn="l"/>
+              </a:tabLst>
+              <a:defRPr sz="2400">
+                <a:solidFill>
+                  <a:schemeClr val="tx1"/>
+                </a:solidFill>
+                <a:latin typeface="Times New Roman" panose="02020603050405020304" pitchFamily="18" charset="0"/>
+              </a:defRPr>
+            </a:lvl8pPr>
+            <a:lvl9pPr marL="3886200" indent="-228600" eaLnBrk="0" fontAlgn="base" hangingPunct="0">
+              <a:spcBef>
+                <a:spcPct val="0"/>
+              </a:spcBef>
+              <a:spcAft>
+                <a:spcPct val="0"/>
+              </a:spcAft>
+              <a:tabLst>
+                <a:tab pos="723900" algn="l"/>
+                <a:tab pos="1447800" algn="l"/>
+                <a:tab pos="2171700" algn="l"/>
+                <a:tab pos="2895600" algn="l"/>
+              </a:tabLst>
+              <a:defRPr sz="2400">
+                <a:solidFill>
+                  <a:schemeClr val="tx1"/>
+                </a:solidFill>
+                <a:latin typeface="Times New Roman" panose="02020603050405020304" pitchFamily="18" charset="0"/>
+              </a:defRPr>
+            </a:lvl9pPr>
+          </a:lstStyle>
+          <a:p>
+            <a:pPr>
+              <a:spcBef>
+                <a:spcPts val="275"/>
+              </a:spcBef>
+              <a:buClr>
+                <a:srgbClr val="000000"/>
+              </a:buClr>
+              <a:buSzPct val="174000"/>
+              <a:buFont typeface="Times New Roman" panose="02020603050405020304" pitchFamily="18" charset="0"/>
+              <a:buNone/>
+            </a:pPr>
+            <a:r>
+              <a:rPr lang="en-GB" altLang="en-US" sz="1400" dirty="0">
+                <a:latin typeface="Courier" pitchFamily="-64" charset="0"/>
+              </a:rPr>
+              <a:t>public final class </a:t>
+            </a:r>
+            <a:r>
+              <a:rPr lang="en-GB" altLang="en-US" sz="1400" dirty="0" err="1">
+                <a:latin typeface="Courier" pitchFamily="-64" charset="0"/>
+              </a:rPr>
+              <a:t>Color</a:t>
+            </a:r>
+            <a:endParaRPr lang="en-GB" altLang="en-US" sz="1400" dirty="0">
+              <a:latin typeface="Courier" pitchFamily="-64" charset="0"/>
+            </a:endParaRPr>
+          </a:p>
+          <a:p>
+            <a:pPr>
+              <a:spcBef>
+                <a:spcPts val="275"/>
+              </a:spcBef>
+              <a:buClr>
+                <a:srgbClr val="000000"/>
+              </a:buClr>
+              <a:buSzPct val="174000"/>
+              <a:buFont typeface="Times New Roman" panose="02020603050405020304" pitchFamily="18" charset="0"/>
+              <a:buNone/>
+            </a:pPr>
+            <a:r>
+              <a:rPr lang="en-GB" altLang="en-US" sz="1400" dirty="0">
+                <a:latin typeface="Courier" pitchFamily="-64" charset="0"/>
+              </a:rPr>
+              <a:t>{</a:t>
+            </a:r>
+          </a:p>
+          <a:p>
+            <a:pPr>
+              <a:spcBef>
+                <a:spcPts val="275"/>
+              </a:spcBef>
+              <a:buClr>
+                <a:srgbClr val="000000"/>
+              </a:buClr>
+              <a:buSzPct val="174000"/>
+              <a:buFont typeface="Times New Roman" panose="02020603050405020304" pitchFamily="18" charset="0"/>
+              <a:buNone/>
+            </a:pPr>
+            <a:r>
+              <a:rPr lang="en-GB" altLang="en-US" sz="1400" dirty="0">
+                <a:latin typeface="Courier" pitchFamily="-64" charset="0"/>
+              </a:rPr>
+              <a:t>	[...]</a:t>
+            </a:r>
+          </a:p>
+        </p:txBody>
+      </p:sp>
+      <p:sp>
+        <p:nvSpPr>
+          <p:cNvPr id="9" name="AutoShape 5">
+            <a:extLst>
+              <a:ext uri="{FF2B5EF4-FFF2-40B4-BE49-F238E27FC236}">
+                <a16:creationId xmlns="" xmlns:a16="http://schemas.microsoft.com/office/drawing/2014/main" id="{493B7B25-8D86-4D7F-BFC0-98B50F100589}"/>
+              </a:ext>
+            </a:extLst>
+          </p:cNvPr>
+          <p:cNvSpPr>
+            <a:spLocks noChangeArrowheads="1"/>
+          </p:cNvSpPr>
+          <p:nvPr/>
+        </p:nvSpPr>
+        <p:spPr bwMode="auto">
+          <a:xfrm>
+            <a:off x="1969217" y="2587011"/>
+            <a:ext cx="7893050" cy="977900"/>
+          </a:xfrm>
+          <a:prstGeom prst="roundRect">
+            <a:avLst>
+              <a:gd name="adj" fmla="val 162"/>
+            </a:avLst>
+          </a:prstGeom>
+          <a:solidFill>
+            <a:srgbClr val="FFFFCC"/>
+          </a:solidFill>
+          <a:ln w="9525">
+            <a:solidFill>
+              <a:srgbClr val="000000"/>
+            </a:solidFill>
+            <a:round/>
+            <a:headEnd/>
+            <a:tailEnd/>
+          </a:ln>
+        </p:spPr>
+        <p:txBody>
+          <a:bodyPr wrap="none" anchor="ctr"/>
+          <a:lstStyle>
+            <a:lvl1pPr>
+              <a:defRPr sz="2400">
+                <a:solidFill>
+                  <a:schemeClr val="tx1"/>
+                </a:solidFill>
+                <a:latin typeface="Times New Roman" panose="02020603050405020304" pitchFamily="18" charset="0"/>
+              </a:defRPr>
+            </a:lvl1pPr>
+            <a:lvl2pPr marL="742950" indent="-285750">
+              <a:defRPr sz="2400">
+                <a:solidFill>
+                  <a:schemeClr val="tx1"/>
+                </a:solidFill>
+                <a:latin typeface="Times New Roman" panose="02020603050405020304" pitchFamily="18" charset="0"/>
+              </a:defRPr>
+            </a:lvl2pPr>
+            <a:lvl3pPr marL="1143000" indent="-228600">
+              <a:defRPr sz="2400">
+                <a:solidFill>
+                  <a:schemeClr val="tx1"/>
+                </a:solidFill>
+                <a:latin typeface="Times New Roman" panose="02020603050405020304" pitchFamily="18" charset="0"/>
+              </a:defRPr>
+            </a:lvl3pPr>
+            <a:lvl4pPr marL="1600200" indent="-228600">
+              <a:defRPr sz="2400">
+                <a:solidFill>
+                  <a:schemeClr val="tx1"/>
+                </a:solidFill>
+                <a:latin typeface="Times New Roman" panose="02020603050405020304" pitchFamily="18" charset="0"/>
+              </a:defRPr>
+            </a:lvl4pPr>
+            <a:lvl5pPr marL="2057400" indent="-228600">
+              <a:defRPr sz="2400">
+                <a:solidFill>
+                  <a:schemeClr val="tx1"/>
+                </a:solidFill>
+                <a:latin typeface="Times New Roman" panose="02020603050405020304" pitchFamily="18" charset="0"/>
+              </a:defRPr>
+            </a:lvl5pPr>
+            <a:lvl6pPr marL="2514600" indent="-228600" eaLnBrk="0" fontAlgn="base" hangingPunct="0">
+              <a:spcBef>
+                <a:spcPct val="0"/>
+              </a:spcBef>
+              <a:spcAft>
+                <a:spcPct val="0"/>
+              </a:spcAft>
+              <a:defRPr sz="2400">
+                <a:solidFill>
+                  <a:schemeClr val="tx1"/>
+                </a:solidFill>
+                <a:latin typeface="Times New Roman" panose="02020603050405020304" pitchFamily="18" charset="0"/>
+              </a:defRPr>
+            </a:lvl6pPr>
+            <a:lvl7pPr marL="2971800" indent="-228600" eaLnBrk="0" fontAlgn="base" hangingPunct="0">
+              <a:spcBef>
+                <a:spcPct val="0"/>
+              </a:spcBef>
+              <a:spcAft>
+                <a:spcPct val="0"/>
+              </a:spcAft>
+              <a:defRPr sz="2400">
+                <a:solidFill>
+                  <a:schemeClr val="tx1"/>
+                </a:solidFill>
+                <a:latin typeface="Times New Roman" panose="02020603050405020304" pitchFamily="18" charset="0"/>
+              </a:defRPr>
+            </a:lvl7pPr>
+            <a:lvl8pPr marL="3429000" indent="-228600" eaLnBrk="0" fontAlgn="base" hangingPunct="0">
+              <a:spcBef>
+                <a:spcPct val="0"/>
+              </a:spcBef>
+              <a:spcAft>
+                <a:spcPct val="0"/>
+              </a:spcAft>
+              <a:defRPr sz="2400">
+                <a:solidFill>
+                  <a:schemeClr val="tx1"/>
+                </a:solidFill>
+                <a:latin typeface="Times New Roman" panose="02020603050405020304" pitchFamily="18" charset="0"/>
+              </a:defRPr>
+            </a:lvl8pPr>
+            <a:lvl9pPr marL="3886200" indent="-228600" eaLnBrk="0" fontAlgn="base" hangingPunct="0">
+              <a:spcBef>
+                <a:spcPct val="0"/>
+              </a:spcBef>
+              <a:spcAft>
+                <a:spcPct val="0"/>
+              </a:spcAft>
+              <a:defRPr sz="2400">
+                <a:solidFill>
+                  <a:schemeClr val="tx1"/>
+                </a:solidFill>
+                <a:latin typeface="Times New Roman" panose="02020603050405020304" pitchFamily="18" charset="0"/>
+              </a:defRPr>
+            </a:lvl9pPr>
+          </a:lstStyle>
+          <a:p>
+            <a:endParaRPr lang="en-US" altLang="en-US"/>
+          </a:p>
+        </p:txBody>
+      </p:sp>
+      <p:sp>
+        <p:nvSpPr>
+          <p:cNvPr id="11" name="Text Box 6">
+            <a:extLst>
+              <a:ext uri="{FF2B5EF4-FFF2-40B4-BE49-F238E27FC236}">
+                <a16:creationId xmlns="" xmlns:a16="http://schemas.microsoft.com/office/drawing/2014/main" id="{790AA718-0D3E-4215-B18C-ADF04450A08B}"/>
+              </a:ext>
+            </a:extLst>
+          </p:cNvPr>
+          <p:cNvSpPr txBox="1">
+            <a:spLocks noChangeArrowheads="1"/>
+          </p:cNvSpPr>
+          <p:nvPr/>
+        </p:nvSpPr>
+        <p:spPr bwMode="auto">
+          <a:xfrm>
+            <a:off x="2132730" y="2767986"/>
+            <a:ext cx="7739063" cy="708025"/>
+          </a:xfrm>
+          <a:prstGeom prst="rect">
+            <a:avLst/>
+          </a:prstGeom>
+          <a:noFill/>
+          <a:ln>
+            <a:noFill/>
+          </a:ln>
+          <a:extLst>
+            <a:ext uri="{909E8E84-426E-40DD-AFC4-6F175D3DCCD1}">
+              <a14:hiddenFill xmlns="" xmlns:a14="http://schemas.microsoft.com/office/drawing/2010/main">
+                <a:solidFill>
+                  <a:srgbClr val="FFFFFF"/>
+                </a:solidFill>
+              </a14:hiddenFill>
+            </a:ext>
+            <a:ext uri="{91240B29-F687-4F45-9708-019B960494DF}">
+              <a14:hiddenLine xmlns="" xmlns:a14="http://schemas.microsoft.com/office/drawing/2010/main" w="9525">
+                <a:solidFill>
+                  <a:srgbClr val="000000"/>
+                </a:solidFill>
+                <a:miter lim="800000"/>
+                <a:headEnd/>
+                <a:tailEnd/>
+              </a14:hiddenLine>
+            </a:ext>
+          </a:extLst>
+        </p:spPr>
+        <p:txBody>
+          <a:bodyPr lIns="0" tIns="0" rIns="0" bIns="0">
+            <a:spAutoFit/>
+          </a:bodyPr>
+          <a:lstStyle>
+            <a:lvl1pPr marL="211138" indent="-211138">
+              <a:tabLst>
+                <a:tab pos="723900" algn="l"/>
+                <a:tab pos="1447800" algn="l"/>
+                <a:tab pos="2171700" algn="l"/>
+                <a:tab pos="2895600" algn="l"/>
+                <a:tab pos="3619500" algn="l"/>
+                <a:tab pos="4343400" algn="l"/>
+                <a:tab pos="5067300" algn="l"/>
+                <a:tab pos="5791200" algn="l"/>
+                <a:tab pos="6515100" algn="l"/>
+                <a:tab pos="7239000" algn="l"/>
+              </a:tabLst>
+              <a:defRPr sz="2400">
+                <a:solidFill>
+                  <a:schemeClr val="tx1"/>
+                </a:solidFill>
+                <a:latin typeface="Times New Roman" panose="02020603050405020304" pitchFamily="18" charset="0"/>
+              </a:defRPr>
+            </a:lvl1pPr>
+            <a:lvl2pPr marL="742950" indent="-285750">
+              <a:tabLst>
+                <a:tab pos="723900" algn="l"/>
+                <a:tab pos="1447800" algn="l"/>
+                <a:tab pos="2171700" algn="l"/>
+                <a:tab pos="2895600" algn="l"/>
+                <a:tab pos="3619500" algn="l"/>
+                <a:tab pos="4343400" algn="l"/>
+                <a:tab pos="5067300" algn="l"/>
+                <a:tab pos="5791200" algn="l"/>
+                <a:tab pos="6515100" algn="l"/>
+                <a:tab pos="7239000" algn="l"/>
+              </a:tabLst>
+              <a:defRPr sz="2400">
+                <a:solidFill>
+                  <a:schemeClr val="tx1"/>
+                </a:solidFill>
+                <a:latin typeface="Times New Roman" panose="02020603050405020304" pitchFamily="18" charset="0"/>
+              </a:defRPr>
+            </a:lvl2pPr>
+            <a:lvl3pPr marL="1143000" indent="-228600">
+              <a:tabLst>
+                <a:tab pos="723900" algn="l"/>
+                <a:tab pos="1447800" algn="l"/>
+                <a:tab pos="2171700" algn="l"/>
+                <a:tab pos="2895600" algn="l"/>
+                <a:tab pos="3619500" algn="l"/>
+                <a:tab pos="4343400" algn="l"/>
+                <a:tab pos="5067300" algn="l"/>
+                <a:tab pos="5791200" algn="l"/>
+                <a:tab pos="6515100" algn="l"/>
+                <a:tab pos="7239000" algn="l"/>
+              </a:tabLst>
+              <a:defRPr sz="2400">
+                <a:solidFill>
+                  <a:schemeClr val="tx1"/>
+                </a:solidFill>
+                <a:latin typeface="Times New Roman" panose="02020603050405020304" pitchFamily="18" charset="0"/>
+              </a:defRPr>
+            </a:lvl3pPr>
+            <a:lvl4pPr marL="1600200" indent="-228600">
+              <a:tabLst>
+                <a:tab pos="723900" algn="l"/>
+                <a:tab pos="1447800" algn="l"/>
+                <a:tab pos="2171700" algn="l"/>
+                <a:tab pos="2895600" algn="l"/>
+                <a:tab pos="3619500" algn="l"/>
+                <a:tab pos="4343400" algn="l"/>
+                <a:tab pos="5067300" algn="l"/>
+                <a:tab pos="5791200" algn="l"/>
+                <a:tab pos="6515100" algn="l"/>
+                <a:tab pos="7239000" algn="l"/>
+              </a:tabLst>
+              <a:defRPr sz="2400">
+                <a:solidFill>
+                  <a:schemeClr val="tx1"/>
+                </a:solidFill>
+                <a:latin typeface="Times New Roman" panose="02020603050405020304" pitchFamily="18" charset="0"/>
+              </a:defRPr>
+            </a:lvl4pPr>
+            <a:lvl5pPr marL="2057400" indent="-228600">
+              <a:tabLst>
+                <a:tab pos="723900" algn="l"/>
+                <a:tab pos="1447800" algn="l"/>
+                <a:tab pos="2171700" algn="l"/>
+                <a:tab pos="2895600" algn="l"/>
+                <a:tab pos="3619500" algn="l"/>
+                <a:tab pos="4343400" algn="l"/>
+                <a:tab pos="5067300" algn="l"/>
+                <a:tab pos="5791200" algn="l"/>
+                <a:tab pos="6515100" algn="l"/>
+                <a:tab pos="7239000" algn="l"/>
+              </a:tabLst>
+              <a:defRPr sz="2400">
+                <a:solidFill>
+                  <a:schemeClr val="tx1"/>
+                </a:solidFill>
+                <a:latin typeface="Times New Roman" panose="02020603050405020304" pitchFamily="18" charset="0"/>
+              </a:defRPr>
+            </a:lvl5pPr>
+            <a:lvl6pPr marL="2514600" indent="-228600" eaLnBrk="0" fontAlgn="base" hangingPunct="0">
+              <a:spcBef>
+                <a:spcPct val="0"/>
+              </a:spcBef>
+              <a:spcAft>
+                <a:spcPct val="0"/>
+              </a:spcAft>
+              <a:tabLst>
+                <a:tab pos="723900" algn="l"/>
+                <a:tab pos="1447800" algn="l"/>
+                <a:tab pos="2171700" algn="l"/>
+                <a:tab pos="2895600" algn="l"/>
+                <a:tab pos="3619500" algn="l"/>
+                <a:tab pos="4343400" algn="l"/>
+                <a:tab pos="5067300" algn="l"/>
+                <a:tab pos="5791200" algn="l"/>
+                <a:tab pos="6515100" algn="l"/>
+                <a:tab pos="7239000" algn="l"/>
+              </a:tabLst>
+              <a:defRPr sz="2400">
+                <a:solidFill>
+                  <a:schemeClr val="tx1"/>
+                </a:solidFill>
+                <a:latin typeface="Times New Roman" panose="02020603050405020304" pitchFamily="18" charset="0"/>
+              </a:defRPr>
+            </a:lvl6pPr>
+            <a:lvl7pPr marL="2971800" indent="-228600" eaLnBrk="0" fontAlgn="base" hangingPunct="0">
+              <a:spcBef>
+                <a:spcPct val="0"/>
+              </a:spcBef>
+              <a:spcAft>
+                <a:spcPct val="0"/>
+              </a:spcAft>
+              <a:tabLst>
+                <a:tab pos="723900" algn="l"/>
+                <a:tab pos="1447800" algn="l"/>
+                <a:tab pos="2171700" algn="l"/>
+                <a:tab pos="2895600" algn="l"/>
+                <a:tab pos="3619500" algn="l"/>
+                <a:tab pos="4343400" algn="l"/>
+                <a:tab pos="5067300" algn="l"/>
+                <a:tab pos="5791200" algn="l"/>
+                <a:tab pos="6515100" algn="l"/>
+                <a:tab pos="7239000" algn="l"/>
+              </a:tabLst>
+              <a:defRPr sz="2400">
+                <a:solidFill>
+                  <a:schemeClr val="tx1"/>
+                </a:solidFill>
+                <a:latin typeface="Times New Roman" panose="02020603050405020304" pitchFamily="18" charset="0"/>
+              </a:defRPr>
+            </a:lvl7pPr>
+            <a:lvl8pPr marL="3429000" indent="-228600" eaLnBrk="0" fontAlgn="base" hangingPunct="0">
+              <a:spcBef>
+                <a:spcPct val="0"/>
+              </a:spcBef>
+              <a:spcAft>
+                <a:spcPct val="0"/>
+              </a:spcAft>
+              <a:tabLst>
+                <a:tab pos="723900" algn="l"/>
+                <a:tab pos="1447800" algn="l"/>
+                <a:tab pos="2171700" algn="l"/>
+                <a:tab pos="2895600" algn="l"/>
+                <a:tab pos="3619500" algn="l"/>
+                <a:tab pos="4343400" algn="l"/>
+                <a:tab pos="5067300" algn="l"/>
+                <a:tab pos="5791200" algn="l"/>
+                <a:tab pos="6515100" algn="l"/>
+                <a:tab pos="7239000" algn="l"/>
+              </a:tabLst>
+              <a:defRPr sz="2400">
+                <a:solidFill>
+                  <a:schemeClr val="tx1"/>
+                </a:solidFill>
+                <a:latin typeface="Times New Roman" panose="02020603050405020304" pitchFamily="18" charset="0"/>
+              </a:defRPr>
+            </a:lvl8pPr>
+            <a:lvl9pPr marL="3886200" indent="-228600" eaLnBrk="0" fontAlgn="base" hangingPunct="0">
+              <a:spcBef>
+                <a:spcPct val="0"/>
+              </a:spcBef>
+              <a:spcAft>
+                <a:spcPct val="0"/>
+              </a:spcAft>
+              <a:tabLst>
+                <a:tab pos="723900" algn="l"/>
+                <a:tab pos="1447800" algn="l"/>
+                <a:tab pos="2171700" algn="l"/>
+                <a:tab pos="2895600" algn="l"/>
+                <a:tab pos="3619500" algn="l"/>
+                <a:tab pos="4343400" algn="l"/>
+                <a:tab pos="5067300" algn="l"/>
+                <a:tab pos="5791200" algn="l"/>
+                <a:tab pos="6515100" algn="l"/>
+                <a:tab pos="7239000" algn="l"/>
+              </a:tabLst>
+              <a:defRPr sz="2400">
+                <a:solidFill>
+                  <a:schemeClr val="tx1"/>
+                </a:solidFill>
+                <a:latin typeface="Times New Roman" panose="02020603050405020304" pitchFamily="18" charset="0"/>
+              </a:defRPr>
+            </a:lvl9pPr>
+          </a:lstStyle>
+          <a:p>
+            <a:pPr>
+              <a:spcBef>
+                <a:spcPts val="275"/>
+              </a:spcBef>
+              <a:buClr>
+                <a:srgbClr val="000000"/>
+              </a:buClr>
+              <a:buSzPct val="174000"/>
+              <a:buFont typeface="Times New Roman" panose="02020603050405020304" pitchFamily="18" charset="0"/>
+              <a:buNone/>
+            </a:pPr>
+            <a:r>
+              <a:rPr lang="en-GB" altLang="en-US" sz="1400" dirty="0">
+                <a:latin typeface="Courier" pitchFamily="-64" charset="0"/>
+              </a:rPr>
+              <a:t>public final </a:t>
+            </a:r>
+            <a:r>
+              <a:rPr lang="en-GB" altLang="en-US" sz="1400" dirty="0" err="1">
+                <a:latin typeface="Courier" pitchFamily="-64" charset="0"/>
+              </a:rPr>
+              <a:t>boolean</a:t>
+            </a:r>
+            <a:r>
+              <a:rPr lang="en-GB" altLang="en-US" sz="1400" dirty="0">
+                <a:latin typeface="Courier" pitchFamily="-64" charset="0"/>
+              </a:rPr>
+              <a:t> </a:t>
+            </a:r>
+            <a:r>
+              <a:rPr lang="en-GB" altLang="en-US" sz="1400" dirty="0" err="1">
+                <a:latin typeface="Courier" pitchFamily="-64" charset="0"/>
+              </a:rPr>
+              <a:t>validatePassword</a:t>
+            </a:r>
+            <a:r>
+              <a:rPr lang="en-GB" altLang="en-US" sz="1400" dirty="0">
+                <a:latin typeface="Courier" pitchFamily="-64" charset="0"/>
+              </a:rPr>
+              <a:t>(String username, String Password)</a:t>
+            </a:r>
+          </a:p>
+          <a:p>
+            <a:pPr>
+              <a:spcBef>
+                <a:spcPts val="275"/>
+              </a:spcBef>
+              <a:buClr>
+                <a:srgbClr val="000000"/>
+              </a:buClr>
+              <a:buSzPct val="174000"/>
+              <a:buFont typeface="Times New Roman" panose="02020603050405020304" pitchFamily="18" charset="0"/>
+              <a:buNone/>
+            </a:pPr>
+            <a:r>
+              <a:rPr lang="en-GB" altLang="en-US" sz="1400" dirty="0">
+                <a:latin typeface="Courier" pitchFamily="-64" charset="0"/>
+              </a:rPr>
+              <a:t>{</a:t>
+            </a:r>
+          </a:p>
+          <a:p>
+            <a:pPr>
+              <a:spcBef>
+                <a:spcPts val="275"/>
+              </a:spcBef>
+              <a:buClr>
+                <a:srgbClr val="000000"/>
+              </a:buClr>
+              <a:buSzPct val="174000"/>
+              <a:buFont typeface="Times New Roman" panose="02020603050405020304" pitchFamily="18" charset="0"/>
+              <a:buNone/>
+            </a:pPr>
+            <a:r>
+              <a:rPr lang="en-GB" altLang="en-US" sz="1400" dirty="0">
+                <a:latin typeface="Courier" pitchFamily="-64" charset="0"/>
+              </a:rPr>
+              <a:t>	[...]</a:t>
+            </a:r>
+          </a:p>
+        </p:txBody>
+      </p:sp>
     </p:spTree>
     <p:extLst>
       <p:ext uri="{BB962C8B-B14F-4D97-AF65-F5344CB8AC3E}">
-        <p14:creationId xmlns:p14="http://schemas.microsoft.com/office/powerpoint/2010/main" xmlns="" val="221184883"/>
+        <p14:creationId xmlns="" xmlns:p14="http://schemas.microsoft.com/office/powerpoint/2010/main" val="1160171944"/>
       </p:ext>
     </p:extLst>
   </p:cSld>
@@ -10848,25 +11146,35 @@
           </a:bodyPr>
           <a:lstStyle/>
           <a:p>
+            <a:r>
+              <a:rPr lang="en-US" dirty="0"/>
+              <a:t>The basic reason for wanting to make use of inheritance is to leverage the creation of new software structures from existing software units.</a:t>
+            </a:r>
+          </a:p>
+          <a:p>
+            <a:pPr marL="0" indent="0">
+              <a:buNone/>
+            </a:pPr>
             <a:endParaRPr lang="en-US" dirty="0"/>
           </a:p>
           <a:p>
-            <a:endParaRPr lang="en-US" dirty="0"/>
-          </a:p>
-          <a:p>
-            <a:endParaRPr lang="en-US" dirty="0"/>
-          </a:p>
-          <a:p>
-            <a:r>
-              <a:rPr lang="en-US" dirty="0"/>
-              <a:t>Quality</a:t>
+            <a:r>
+              <a:rPr lang="en-US" dirty="0"/>
+              <a:t>Productivity</a:t>
             </a:r>
           </a:p>
           <a:p>
             <a:pPr lvl="1"/>
             <a:r>
               <a:rPr lang="en-US" sz="2600" dirty="0"/>
-              <a:t>The “Window” and “Thread” classes have been created, tested, debugged by the makers of the Operating System. Chances are that they will be of higher quality than if they were developed from scratch by a user</a:t>
+              <a:t>why create a “Scrollable Window” from scratch when you can simply modify a “Window” class from a library</a:t>
+            </a:r>
+          </a:p>
+          <a:p>
+            <a:pPr lvl="1"/>
+            <a:r>
+              <a:rPr lang="en-US" sz="2600" dirty="0"/>
+              <a:t>for a simulation program you want an “aircraft” class to run as an independent thread. It can inherit thread functionality from a class “Thread”</a:t>
             </a:r>
           </a:p>
         </p:txBody>
@@ -10923,7 +11231,7 @@
     </p:spTree>
     <p:extLst>
       <p:ext uri="{BB962C8B-B14F-4D97-AF65-F5344CB8AC3E}">
-        <p14:creationId xmlns:p14="http://schemas.microsoft.com/office/powerpoint/2010/main" xmlns="" val="2066917908"/>
+        <p14:creationId xmlns="" xmlns:p14="http://schemas.microsoft.com/office/powerpoint/2010/main" val="221184883"/>
       </p:ext>
     </p:extLst>
   </p:cSld>
@@ -11063,7 +11371,7 @@
     </p:spTree>
     <p:extLst>
       <p:ext uri="{BB962C8B-B14F-4D97-AF65-F5344CB8AC3E}">
-        <p14:creationId xmlns:p14="http://schemas.microsoft.com/office/powerpoint/2010/main" xmlns="" val="5545177"/>
+        <p14:creationId xmlns="" xmlns:p14="http://schemas.microsoft.com/office/powerpoint/2010/main" val="5545177"/>
       </p:ext>
     </p:extLst>
   </p:cSld>
@@ -11100,21 +11408,15 @@
             <p:ph type="title"/>
           </p:nvPr>
         </p:nvSpPr>
-        <p:spPr>
-          <a:xfrm>
-            <a:off x="-1" y="-157162"/>
-            <a:ext cx="10795819" cy="1325563"/>
-          </a:xfrm>
-        </p:spPr>
+        <p:spPr/>
         <p:txBody>
           <a:bodyPr/>
           <a:lstStyle/>
           <a:p>
             <a:r>
-              <a:rPr lang="en-US" dirty="0"/>
-              <a:t>Tension between Generality and Specialization</a:t>
-            </a:r>
-            <a:endParaRPr lang="en-CA" dirty="0"/>
+              <a:rPr lang="en-CA" dirty="0"/>
+              <a:t>Motivation for Inheritance</a:t>
+            </a:r>
           </a:p>
         </p:txBody>
       </p:sp>
@@ -11131,48 +11433,29 @@
         <p:spPr/>
         <p:txBody>
           <a:bodyPr>
-            <a:normAutofit fontScale="92500" lnSpcReduction="20000"/>
+            <a:normAutofit/>
           </a:bodyPr>
           <a:lstStyle/>
           <a:p>
             <a:endParaRPr lang="en-US" dirty="0"/>
           </a:p>
           <a:p>
-            <a:r>
-              <a:rPr lang="en-US" dirty="0"/>
-              <a:t>A software system designed for a specific project must usually be very specialized.</a:t>
+            <a:endParaRPr lang="en-US" dirty="0"/>
+          </a:p>
+          <a:p>
+            <a:endParaRPr lang="en-US" dirty="0"/>
+          </a:p>
+          <a:p>
+            <a:r>
+              <a:rPr lang="en-US" dirty="0"/>
+              <a:t>Quality</a:t>
             </a:r>
           </a:p>
           <a:p>
             <a:pPr lvl="1"/>
             <a:r>
-              <a:rPr lang="en-US" dirty="0"/>
-              <a:t>A banking system developed by and for CIBC will provide the specific account types that CIBC offers</a:t>
-            </a:r>
-          </a:p>
-          <a:p>
-            <a:endParaRPr lang="en-US" dirty="0"/>
-          </a:p>
-          <a:p>
-            <a:r>
-              <a:rPr lang="en-US" dirty="0"/>
-              <a:t>A software system designed as a reusable tool must usually be very general.</a:t>
-            </a:r>
-          </a:p>
-          <a:p>
-            <a:pPr lvl="1"/>
-            <a:r>
-              <a:rPr lang="en-US" dirty="0"/>
-              <a:t>A software company that develops banking applications would create very general account types</a:t>
-            </a:r>
-          </a:p>
-          <a:p>
-            <a:endParaRPr lang="en-US" dirty="0"/>
-          </a:p>
-          <a:p>
-            <a:r>
-              <a:rPr lang="en-US" dirty="0"/>
-              <a:t>Inheritance allows one to take a very general software component and specialize it for use in a specific project.</a:t>
+              <a:rPr lang="en-US" sz="2600" dirty="0"/>
+              <a:t>The “Window” and “Thread” classes have been created, tested, debugged by the makers of the Operating System. Chances are that they will be of higher quality than if they were developed from scratch by a user</a:t>
             </a:r>
           </a:p>
         </p:txBody>
@@ -11229,7 +11512,7 @@
     </p:spTree>
     <p:extLst>
       <p:ext uri="{BB962C8B-B14F-4D97-AF65-F5344CB8AC3E}">
-        <p14:creationId xmlns:p14="http://schemas.microsoft.com/office/powerpoint/2010/main" xmlns="" val="2256651896"/>
+        <p14:creationId xmlns="" xmlns:p14="http://schemas.microsoft.com/office/powerpoint/2010/main" val="2066917908"/>
       </p:ext>
     </p:extLst>
   </p:cSld>
@@ -11278,7 +11561,7 @@
           <a:p>
             <a:r>
               <a:rPr lang="en-US" dirty="0"/>
-              <a:t>Abstract idea of Inheritance</a:t>
+              <a:t>Tension between Generality and Specialization</a:t>
             </a:r>
             <a:endParaRPr lang="en-CA" dirty="0"/>
           </a:p>
@@ -11297,16 +11580,48 @@
         <p:spPr/>
         <p:txBody>
           <a:bodyPr>
-            <a:normAutofit/>
+            <a:normAutofit fontScale="92500" lnSpcReduction="20000"/>
           </a:bodyPr>
           <a:lstStyle/>
           <a:p>
-            <a:pPr marL="0" indent="0">
-              <a:buNone/>
-            </a:pPr>
-            <a:r>
-              <a:rPr lang="en-US" dirty="0"/>
-              <a:t> </a:t>
+            <a:endParaRPr lang="en-US" dirty="0"/>
+          </a:p>
+          <a:p>
+            <a:r>
+              <a:rPr lang="en-US" dirty="0"/>
+              <a:t>A software system designed for a specific project must usually be very specialized.</a:t>
+            </a:r>
+          </a:p>
+          <a:p>
+            <a:pPr lvl="1"/>
+            <a:r>
+              <a:rPr lang="en-US" dirty="0"/>
+              <a:t>A banking system developed by and for CIBC will provide the specific account types that CIBC offers</a:t>
+            </a:r>
+          </a:p>
+          <a:p>
+            <a:endParaRPr lang="en-US" dirty="0"/>
+          </a:p>
+          <a:p>
+            <a:r>
+              <a:rPr lang="en-US" dirty="0"/>
+              <a:t>A software system designed as a reusable tool must usually be very general.</a:t>
+            </a:r>
+          </a:p>
+          <a:p>
+            <a:pPr lvl="1"/>
+            <a:r>
+              <a:rPr lang="en-US" dirty="0"/>
+              <a:t>A software company that develops banking applications would create very general account types</a:t>
+            </a:r>
+          </a:p>
+          <a:p>
+            <a:endParaRPr lang="en-US" dirty="0"/>
+          </a:p>
+          <a:p>
+            <a:r>
+              <a:rPr lang="en-US" dirty="0"/>
+              <a:t>Inheritance allows one to take a very general software component and specialize it for use in a specific project.</a:t>
             </a:r>
           </a:p>
         </p:txBody>
@@ -11360,82 +11675,10 @@
           </a:p>
         </p:txBody>
       </p:sp>
-      <p:pic>
-        <p:nvPicPr>
-          <p:cNvPr id="7" name="Picture 3">
-            <a:extLst>
-              <a:ext uri="{FF2B5EF4-FFF2-40B4-BE49-F238E27FC236}">
-                <a16:creationId xmlns:a16="http://schemas.microsoft.com/office/drawing/2014/main" xmlns="" id="{0475313F-9E07-47E0-98CC-FCCF6FC19B0F}"/>
-              </a:ext>
-            </a:extLst>
-          </p:cNvPr>
-          <p:cNvPicPr>
-            <a:picLocks noChangeAspect="1" noChangeArrowheads="1"/>
-          </p:cNvPicPr>
-          <p:nvPr/>
-        </p:nvPicPr>
-        <p:blipFill>
-          <a:blip r:embed="rId2">
-            <a:extLst>
-              <a:ext uri="{28A0092B-C50C-407E-A947-70E740481C1C}">
-                <a14:useLocalDpi xmlns:a14="http://schemas.microsoft.com/office/drawing/2010/main" xmlns="" val="0"/>
-              </a:ext>
-            </a:extLst>
-          </a:blip>
-          <a:srcRect/>
-          <a:stretch>
-            <a:fillRect/>
-          </a:stretch>
-        </p:blipFill>
-        <p:spPr bwMode="auto">
-          <a:xfrm>
-            <a:off x="2025445" y="1168401"/>
-            <a:ext cx="7162800" cy="5132388"/>
-          </a:xfrm>
-          <a:prstGeom prst="rect">
-            <a:avLst/>
-          </a:prstGeom>
-          <a:noFill/>
-          <a:ln>
-            <a:noFill/>
-          </a:ln>
-          <a:effectLst/>
-          <a:extLst>
-            <a:ext uri="{909E8E84-426E-40DD-AFC4-6F175D3DCCD1}">
-              <a14:hiddenFill xmlns:a14="http://schemas.microsoft.com/office/drawing/2010/main" xmlns="">
-                <a:solidFill>
-                  <a:schemeClr val="bg1"/>
-                </a:solidFill>
-              </a14:hiddenFill>
-            </a:ext>
-            <a:ext uri="{91240B29-F687-4F45-9708-019B960494DF}">
-              <a14:hiddenLine xmlns:a14="http://schemas.microsoft.com/office/drawing/2010/main" xmlns="" w="12700">
-                <a:solidFill>
-                  <a:schemeClr val="tx1"/>
-                </a:solidFill>
-                <a:miter lim="800000"/>
-                <a:headEnd/>
-                <a:tailEnd/>
-              </a14:hiddenLine>
-            </a:ext>
-            <a:ext uri="{AF507438-7753-43E0-B8FC-AC1667EBCBE1}">
-              <a14:hiddenEffects xmlns:a14="http://schemas.microsoft.com/office/drawing/2010/main" xmlns="">
-                <a:effectLst>
-                  <a:outerShdw blurRad="63500" dist="38099" dir="2700000" algn="ctr" rotWithShape="0">
-                    <a:schemeClr val="bg2">
-                      <a:alpha val="74998"/>
-                    </a:schemeClr>
-                  </a:outerShdw>
-                </a:effectLst>
-              </a14:hiddenEffects>
-            </a:ext>
-          </a:extLst>
-        </p:spPr>
-      </p:pic>
     </p:spTree>
     <p:extLst>
       <p:ext uri="{BB962C8B-B14F-4D97-AF65-F5344CB8AC3E}">
-        <p14:creationId xmlns:p14="http://schemas.microsoft.com/office/powerpoint/2010/main" xmlns="" val="2198785222"/>
+        <p14:creationId xmlns="" xmlns:p14="http://schemas.microsoft.com/office/powerpoint/2010/main" val="2256651896"/>
       </p:ext>
     </p:extLst>
   </p:cSld>
@@ -11484,7 +11727,7 @@
           <a:p>
             <a:r>
               <a:rPr lang="en-US" dirty="0"/>
-              <a:t>Practical Meaning of Inheritance</a:t>
+              <a:t>Abstract idea of Inheritance</a:t>
             </a:r>
             <a:endParaRPr lang="en-CA" dirty="0"/>
           </a:p>
@@ -11507,27 +11750,12 @@
           </a:bodyPr>
           <a:lstStyle/>
           <a:p>
-            <a:r>
-              <a:rPr lang="en-US" dirty="0"/>
-              <a:t>Data areas and behavior defined in a parent class are accessible from within a child class.</a:t>
-            </a:r>
-          </a:p>
-          <a:p>
-            <a:endParaRPr lang="en-US" dirty="0"/>
-          </a:p>
-          <a:p>
-            <a:r>
-              <a:rPr lang="en-US" dirty="0"/>
-              <a:t>Data areas and behavior of a child class are an extension (strictly larger) than the data areas and behavior of parent classes.</a:t>
-            </a:r>
-          </a:p>
-          <a:p>
-            <a:endParaRPr lang="en-US" dirty="0"/>
-          </a:p>
-          <a:p>
-            <a:r>
-              <a:rPr lang="en-US" dirty="0"/>
-              <a:t>A child class is in a certain sense both an extension and a restriction of the parent class.</a:t>
+            <a:pPr marL="0" indent="0">
+              <a:buNone/>
+            </a:pPr>
+            <a:r>
+              <a:rPr lang="en-US" dirty="0"/>
+              <a:t> </a:t>
             </a:r>
           </a:p>
         </p:txBody>
@@ -11581,10 +11809,82 @@
           </a:p>
         </p:txBody>
       </p:sp>
+      <p:pic>
+        <p:nvPicPr>
+          <p:cNvPr id="7" name="Picture 3">
+            <a:extLst>
+              <a:ext uri="{FF2B5EF4-FFF2-40B4-BE49-F238E27FC236}">
+                <a16:creationId xmlns="" xmlns:a16="http://schemas.microsoft.com/office/drawing/2014/main" id="{0475313F-9E07-47E0-98CC-FCCF6FC19B0F}"/>
+              </a:ext>
+            </a:extLst>
+          </p:cNvPr>
+          <p:cNvPicPr>
+            <a:picLocks noChangeAspect="1" noChangeArrowheads="1"/>
+          </p:cNvPicPr>
+          <p:nvPr/>
+        </p:nvPicPr>
+        <p:blipFill>
+          <a:blip r:embed="rId2">
+            <a:extLst>
+              <a:ext uri="{28A0092B-C50C-407E-A947-70E740481C1C}">
+                <a14:useLocalDpi xmlns="" xmlns:a14="http://schemas.microsoft.com/office/drawing/2010/main" val="0"/>
+              </a:ext>
+            </a:extLst>
+          </a:blip>
+          <a:srcRect/>
+          <a:stretch>
+            <a:fillRect/>
+          </a:stretch>
+        </p:blipFill>
+        <p:spPr bwMode="auto">
+          <a:xfrm>
+            <a:off x="2025445" y="1168401"/>
+            <a:ext cx="7162800" cy="5132388"/>
+          </a:xfrm>
+          <a:prstGeom prst="rect">
+            <a:avLst/>
+          </a:prstGeom>
+          <a:noFill/>
+          <a:ln>
+            <a:noFill/>
+          </a:ln>
+          <a:effectLst/>
+          <a:extLst>
+            <a:ext uri="{909E8E84-426E-40DD-AFC4-6F175D3DCCD1}">
+              <a14:hiddenFill xmlns="" xmlns:a14="http://schemas.microsoft.com/office/drawing/2010/main">
+                <a:solidFill>
+                  <a:schemeClr val="bg1"/>
+                </a:solidFill>
+              </a14:hiddenFill>
+            </a:ext>
+            <a:ext uri="{91240B29-F687-4F45-9708-019B960494DF}">
+              <a14:hiddenLine xmlns="" xmlns:a14="http://schemas.microsoft.com/office/drawing/2010/main" w="12700">
+                <a:solidFill>
+                  <a:schemeClr val="tx1"/>
+                </a:solidFill>
+                <a:miter lim="800000"/>
+                <a:headEnd/>
+                <a:tailEnd/>
+              </a14:hiddenLine>
+            </a:ext>
+            <a:ext uri="{AF507438-7753-43E0-B8FC-AC1667EBCBE1}">
+              <a14:hiddenEffects xmlns="" xmlns:a14="http://schemas.microsoft.com/office/drawing/2010/main">
+                <a:effectLst>
+                  <a:outerShdw blurRad="63500" dist="38099" dir="2700000" algn="ctr" rotWithShape="0">
+                    <a:schemeClr val="bg2">
+                      <a:alpha val="74998"/>
+                    </a:schemeClr>
+                  </a:outerShdw>
+                </a:effectLst>
+              </a14:hiddenEffects>
+            </a:ext>
+          </a:extLst>
+        </p:spPr>
+      </p:pic>
     </p:spTree>
     <p:extLst>
       <p:ext uri="{BB962C8B-B14F-4D97-AF65-F5344CB8AC3E}">
-        <p14:creationId xmlns:p14="http://schemas.microsoft.com/office/powerpoint/2010/main" xmlns="" val="677137260"/>
+        <p14:creationId xmlns="" xmlns:p14="http://schemas.microsoft.com/office/powerpoint/2010/main" val="2198785222"/>
       </p:ext>
     </p:extLst>
   </p:cSld>
@@ -11733,7 +12033,7 @@
     </p:spTree>
     <p:extLst>
       <p:ext uri="{BB962C8B-B14F-4D97-AF65-F5344CB8AC3E}">
-        <p14:creationId xmlns:p14="http://schemas.microsoft.com/office/powerpoint/2010/main" xmlns="" val="2675944652"/>
+        <p14:creationId xmlns="" xmlns:p14="http://schemas.microsoft.com/office/powerpoint/2010/main" val="677137260"/>
       </p:ext>
     </p:extLst>
   </p:cSld>
@@ -11782,7 +12082,7 @@
           <a:p>
             <a:r>
               <a:rPr lang="en-US" dirty="0"/>
-              <a:t> Is-a is NOT Has-a </a:t>
+              <a:t>Practical Meaning of Inheritance</a:t>
             </a:r>
             <a:endParaRPr lang="en-CA" dirty="0"/>
           </a:p>
@@ -11798,12 +12098,7 @@
             <p:ph idx="1"/>
           </p:nvPr>
         </p:nvSpPr>
-        <p:spPr>
-          <a:xfrm>
-            <a:off x="640874" y="1168401"/>
-            <a:ext cx="10515600" cy="5330722"/>
-          </a:xfrm>
-        </p:spPr>
+        <p:spPr/>
         <p:txBody>
           <a:bodyPr>
             <a:normAutofit/>
@@ -11812,7 +12107,7 @@
           <a:p>
             <a:r>
               <a:rPr lang="en-US" dirty="0"/>
-              <a:t>Our idealization of inheritance is captured in a simple rule-of-thumb. </a:t>
+              <a:t>Data areas and behavior defined in a parent class are accessible from within a child class.</a:t>
             </a:r>
           </a:p>
           <a:p>
@@ -11821,7 +12116,7 @@
           <a:p>
             <a:r>
               <a:rPr lang="en-US" dirty="0"/>
-              <a:t>Try forming the English sentences ``An A is-a-kind-of  B''.  If it ``sounds right'' to your ear, then A can be made a subclass of B. </a:t>
+              <a:t>Data areas and behavior of a child class are an extension (strictly larger) than the data areas and behavior of parent classes.</a:t>
             </a:r>
           </a:p>
           <a:p>
@@ -11830,22 +12125,7 @@
           <a:p>
             <a:r>
               <a:rPr lang="en-US" dirty="0"/>
-              <a:t>A Student is-a-kind-of human so student inherits from human</a:t>
-            </a:r>
-          </a:p>
-          <a:p>
-            <a:r>
-              <a:rPr lang="en-US" dirty="0"/>
-              <a:t>A dog is-a-kind-of mammal, and therefore a dog inherits from mammal </a:t>
-            </a:r>
-          </a:p>
-          <a:p>
-            <a:endParaRPr lang="en-US" dirty="0"/>
-          </a:p>
-          <a:p>
-            <a:r>
-              <a:rPr lang="en-US" dirty="0"/>
-              <a:t>A car is-a-kind-of engine sounds wrong, and therefore inheritance is not natural. but a car has-a engine. </a:t>
+              <a:t>A child class is in a certain sense both an extension and a restriction of the parent class.</a:t>
             </a:r>
           </a:p>
         </p:txBody>
@@ -11902,7 +12182,7 @@
     </p:spTree>
     <p:extLst>
       <p:ext uri="{BB962C8B-B14F-4D97-AF65-F5344CB8AC3E}">
-        <p14:creationId xmlns:p14="http://schemas.microsoft.com/office/powerpoint/2010/main" xmlns="" val="202686773"/>
+        <p14:creationId xmlns="" xmlns:p14="http://schemas.microsoft.com/office/powerpoint/2010/main" val="2675944652"/>
       </p:ext>
     </p:extLst>
   </p:cSld>
@@ -11951,7 +12231,7 @@
           <a:p>
             <a:r>
               <a:rPr lang="en-US" dirty="0"/>
-              <a:t> is-a-kind-of  is NOT  is-a  either</a:t>
+              <a:t> Is-a is NOT Has-a </a:t>
             </a:r>
             <a:endParaRPr lang="en-CA" dirty="0"/>
           </a:p>
@@ -11981,28 +12261,7 @@
           <a:p>
             <a:r>
               <a:rPr lang="en-US" dirty="0"/>
-              <a:t>Try this:  </a:t>
-            </a:r>
-          </a:p>
-          <a:p>
-            <a:pPr lvl="1"/>
-            <a:r>
-              <a:rPr lang="en-US" dirty="0"/>
-              <a:t>George is a professor.   </a:t>
-            </a:r>
-          </a:p>
-          <a:p>
-            <a:pPr lvl="1"/>
-            <a:r>
-              <a:rPr lang="en-US" dirty="0"/>
-              <a:t>The class Professor is a profession..  </a:t>
-            </a:r>
-          </a:p>
-          <a:p>
-            <a:pPr lvl="1"/>
-            <a:r>
-              <a:rPr lang="en-US" dirty="0"/>
-              <a:t>Therefore George is a Profession !!</a:t>
+              <a:t>Our idealization of inheritance is captured in a simple rule-of-thumb. </a:t>
             </a:r>
           </a:p>
           <a:p>
@@ -12011,7 +12270,7 @@
           <a:p>
             <a:r>
               <a:rPr lang="en-US" dirty="0"/>
-              <a:t>The problem comes up when we mix up is-an-instance-of  and is-a-kind-of</a:t>
+              <a:t>Try forming the English sentences ``An A is-a-kind-of  B''.  If it ``sounds right'' to your ear, then A can be made a subclass of B. </a:t>
             </a:r>
           </a:p>
           <a:p>
@@ -12020,7 +12279,22 @@
           <a:p>
             <a:r>
               <a:rPr lang="en-US" dirty="0"/>
-              <a:t>Some authors refer to is-a-kind-of as generalization  and is-an-instance-of as classification</a:t>
+              <a:t>A Student is-a-kind-of human so student inherits from human</a:t>
+            </a:r>
+          </a:p>
+          <a:p>
+            <a:r>
+              <a:rPr lang="en-US" dirty="0"/>
+              <a:t>A dog is-a-kind-of mammal, and therefore a dog inherits from mammal </a:t>
+            </a:r>
+          </a:p>
+          <a:p>
+            <a:endParaRPr lang="en-US" dirty="0"/>
+          </a:p>
+          <a:p>
+            <a:r>
+              <a:rPr lang="en-US" dirty="0"/>
+              <a:t>A car is-a-kind-of engine sounds wrong, and therefore inheritance is not natural. but a car has-a engine. </a:t>
             </a:r>
           </a:p>
         </p:txBody>
@@ -12077,7 +12351,7 @@
     </p:spTree>
     <p:extLst>
       <p:ext uri="{BB962C8B-B14F-4D97-AF65-F5344CB8AC3E}">
-        <p14:creationId xmlns:p14="http://schemas.microsoft.com/office/powerpoint/2010/main" xmlns="" val="1490306992"/>
+        <p14:creationId xmlns="" xmlns:p14="http://schemas.microsoft.com/office/powerpoint/2010/main" val="202686773"/>
       </p:ext>
     </p:extLst>
   </p:cSld>
@@ -12126,7 +12400,7 @@
           <a:p>
             <a:r>
               <a:rPr lang="en-US" dirty="0"/>
-              <a:t>Generalization VS  Classification </a:t>
+              <a:t> is-a-kind-of  is NOT  is-a  either</a:t>
             </a:r>
             <a:endParaRPr lang="en-CA" dirty="0"/>
           </a:p>
@@ -12150,45 +12424,34 @@
         </p:spPr>
         <p:txBody>
           <a:bodyPr>
-            <a:normAutofit fontScale="92500" lnSpcReduction="20000"/>
+            <a:normAutofit/>
           </a:bodyPr>
           <a:lstStyle/>
           <a:p>
             <a:r>
               <a:rPr lang="en-US" dirty="0"/>
-              <a:t>1. </a:t>
-            </a:r>
-            <a:r>
-              <a:rPr lang="en-US" dirty="0" err="1"/>
-              <a:t>Shep</a:t>
-            </a:r>
-            <a:r>
-              <a:rPr lang="en-US" dirty="0"/>
-              <a:t> is a Border Collie.</a:t>
-            </a:r>
-          </a:p>
-          <a:p>
-            <a:r>
-              <a:rPr lang="en-US" dirty="0"/>
-              <a:t>2. A Border Collie is a Dog.</a:t>
-            </a:r>
-          </a:p>
-          <a:p>
-            <a:r>
-              <a:rPr lang="en-US" dirty="0"/>
-              <a:t>3. Dogs are Animals</a:t>
-            </a:r>
-          </a:p>
-          <a:p>
-            <a:r>
-              <a:rPr lang="en-US" dirty="0"/>
-              <a:t>4. A Border Collie is a Breed.</a:t>
-            </a:r>
-          </a:p>
-          <a:p>
-            <a:r>
-              <a:rPr lang="en-US" dirty="0"/>
-              <a:t>5. Dog is a Species</a:t>
+              <a:t>Try this:  </a:t>
+            </a:r>
+          </a:p>
+          <a:p>
+            <a:pPr lvl="1"/>
+            <a:r>
+              <a:rPr lang="en-US" dirty="0"/>
+              <a:t>George is a professor.   </a:t>
+            </a:r>
+          </a:p>
+          <a:p>
+            <a:pPr lvl="1"/>
+            <a:r>
+              <a:rPr lang="en-US" dirty="0"/>
+              <a:t>The class Professor is a profession..  </a:t>
+            </a:r>
+          </a:p>
+          <a:p>
+            <a:pPr lvl="1"/>
+            <a:r>
+              <a:rPr lang="en-US" dirty="0"/>
+              <a:t>Therefore George is a Profession !!</a:t>
             </a:r>
           </a:p>
           <a:p>
@@ -12197,49 +12460,7 @@
           <a:p>
             <a:r>
               <a:rPr lang="en-US" dirty="0"/>
-              <a:t>1+2: </a:t>
-            </a:r>
-            <a:r>
-              <a:rPr lang="en-US" dirty="0" err="1"/>
-              <a:t>Shep</a:t>
-            </a:r>
-            <a:r>
-              <a:rPr lang="en-US" dirty="0"/>
-              <a:t> is a Dog</a:t>
-            </a:r>
-          </a:p>
-          <a:p>
-            <a:r>
-              <a:rPr lang="en-US" dirty="0"/>
-              <a:t>1+2+3: </a:t>
-            </a:r>
-            <a:r>
-              <a:rPr lang="en-US" dirty="0" err="1"/>
-              <a:t>Shep</a:t>
-            </a:r>
-            <a:r>
-              <a:rPr lang="en-US" dirty="0"/>
-              <a:t> is a animal</a:t>
-            </a:r>
-          </a:p>
-          <a:p>
-            <a:r>
-              <a:rPr lang="en-US" dirty="0"/>
-              <a:t>1+4: </a:t>
-            </a:r>
-            <a:r>
-              <a:rPr lang="en-US" dirty="0" err="1"/>
-              <a:t>Shep</a:t>
-            </a:r>
-            <a:r>
-              <a:rPr lang="en-US" dirty="0"/>
-              <a:t> is a breed     ?????</a:t>
-            </a:r>
-          </a:p>
-          <a:p>
-            <a:r>
-              <a:rPr lang="en-US" dirty="0"/>
-              <a:t>2+5: A Border Collie is a Species   ?????</a:t>
+              <a:t>The problem comes up when we mix up is-an-instance-of  and is-a-kind-of</a:t>
             </a:r>
           </a:p>
           <a:p>
@@ -12248,17 +12469,8 @@
           <a:p>
             <a:r>
               <a:rPr lang="en-US" dirty="0"/>
-              <a:t>Generalization (is kind of)  is transitive	</a:t>
-            </a:r>
-          </a:p>
-          <a:p>
-            <a:r>
-              <a:rPr lang="en-US" dirty="0"/>
-              <a:t>Classification (is instance of) is not		</a:t>
-            </a:r>
-          </a:p>
-          <a:p>
-            <a:endParaRPr lang="en-US" dirty="0"/>
+              <a:t>Some authors refer to is-a-kind-of as generalization  and is-an-instance-of as classification</a:t>
+            </a:r>
           </a:p>
         </p:txBody>
       </p:sp>
@@ -12314,7 +12526,7 @@
     </p:spTree>
     <p:extLst>
       <p:ext uri="{BB962C8B-B14F-4D97-AF65-F5344CB8AC3E}">
-        <p14:creationId xmlns:p14="http://schemas.microsoft.com/office/powerpoint/2010/main" xmlns="" val="2609893494"/>
+        <p14:creationId xmlns="" xmlns:p14="http://schemas.microsoft.com/office/powerpoint/2010/main" val="1490306992"/>
       </p:ext>
     </p:extLst>
   </p:cSld>
@@ -12363,7 +12575,7 @@
           <a:p>
             <a:r>
               <a:rPr lang="en-US" dirty="0"/>
-              <a:t>Idealized Image of Inheritance</a:t>
+              <a:t>Generalization VS  Classification </a:t>
             </a:r>
             <a:endParaRPr lang="en-CA" dirty="0"/>
           </a:p>
@@ -12382,25 +12594,50 @@
         <p:spPr>
           <a:xfrm>
             <a:off x="640874" y="1168401"/>
-            <a:ext cx="10515600" cy="5566696"/>
+            <a:ext cx="10515600" cy="5330722"/>
           </a:xfrm>
         </p:spPr>
         <p:txBody>
           <a:bodyPr>
-            <a:normAutofit fontScale="92500" lnSpcReduction="10000"/>
+            <a:normAutofit fontScale="92500" lnSpcReduction="20000"/>
           </a:bodyPr>
           <a:lstStyle/>
           <a:p>
             <a:r>
               <a:rPr lang="en-US" dirty="0"/>
-              <a:t>Consider the following argument:</a:t>
-            </a:r>
-          </a:p>
-          <a:p>
-            <a:pPr lvl="1"/>
-            <a:r>
-              <a:rPr lang="en-US" sz="2800" dirty="0"/>
-              <a:t>Instances of the subclass must possess all data areas associated with the parent class.</a:t>
+              <a:t>1. </a:t>
+            </a:r>
+            <a:r>
+              <a:rPr lang="en-US" dirty="0" err="1"/>
+              <a:t>Shep</a:t>
+            </a:r>
+            <a:r>
+              <a:rPr lang="en-US" dirty="0"/>
+              <a:t> is a Border Collie.</a:t>
+            </a:r>
+          </a:p>
+          <a:p>
+            <a:r>
+              <a:rPr lang="en-US" dirty="0"/>
+              <a:t>2. A Border Collie is a Dog.</a:t>
+            </a:r>
+          </a:p>
+          <a:p>
+            <a:r>
+              <a:rPr lang="en-US" dirty="0"/>
+              <a:t>3. Dogs are Animals</a:t>
+            </a:r>
+          </a:p>
+          <a:p>
+            <a:r>
+              <a:rPr lang="en-US" dirty="0"/>
+              <a:t>4. A Border Collie is a Breed.</a:t>
+            </a:r>
+          </a:p>
+          <a:p>
+            <a:r>
+              <a:rPr lang="en-US" dirty="0"/>
+              <a:t>5. Dog is a Species</a:t>
             </a:r>
           </a:p>
           <a:p>
@@ -12409,7 +12646,49 @@
           <a:p>
             <a:r>
               <a:rPr lang="en-US" dirty="0"/>
-              <a:t>Instances of the subclass must implement, through inheritance at least (if not explicitly overridden) all functionality defined for the parent class. (They can also define new functionality, but that is unimportant for the present argument).</a:t>
+              <a:t>1+2: </a:t>
+            </a:r>
+            <a:r>
+              <a:rPr lang="en-US" dirty="0" err="1"/>
+              <a:t>Shep</a:t>
+            </a:r>
+            <a:r>
+              <a:rPr lang="en-US" dirty="0"/>
+              <a:t> is a Dog</a:t>
+            </a:r>
+          </a:p>
+          <a:p>
+            <a:r>
+              <a:rPr lang="en-US" dirty="0"/>
+              <a:t>1+2+3: </a:t>
+            </a:r>
+            <a:r>
+              <a:rPr lang="en-US" dirty="0" err="1"/>
+              <a:t>Shep</a:t>
+            </a:r>
+            <a:r>
+              <a:rPr lang="en-US" dirty="0"/>
+              <a:t> is a animal</a:t>
+            </a:r>
+          </a:p>
+          <a:p>
+            <a:r>
+              <a:rPr lang="en-US" dirty="0"/>
+              <a:t>1+4: </a:t>
+            </a:r>
+            <a:r>
+              <a:rPr lang="en-US" dirty="0" err="1"/>
+              <a:t>Shep</a:t>
+            </a:r>
+            <a:r>
+              <a:rPr lang="en-US" dirty="0"/>
+              <a:t> is a breed     ?????</a:t>
+            </a:r>
+          </a:p>
+          <a:p>
+            <a:r>
+              <a:rPr lang="en-US" dirty="0"/>
+              <a:t>2+5: A Border Collie is a Species   ?????</a:t>
             </a:r>
           </a:p>
           <a:p>
@@ -12418,19 +12697,13 @@
           <a:p>
             <a:r>
               <a:rPr lang="en-US" dirty="0"/>
-              <a:t>Thus, an instance of a child class can mimic the behavior of the parent class and should be indistinguishable from an instance of the parent class if substituted in a similar situation.</a:t>
-            </a:r>
-          </a:p>
-          <a:p>
-            <a:r>
-              <a:rPr lang="en-US" dirty="0"/>
-              <a:t>This constitutes the LISKOV PRINCIPLE of SUBSTITUTABILITY</a:t>
-            </a:r>
-          </a:p>
-          <a:p>
-            <a:r>
-              <a:rPr lang="en-US" dirty="0"/>
-              <a:t>This is also what the type system assumes ( ?? )</a:t>
+              <a:t>Generalization (is kind of)  is transitive	</a:t>
+            </a:r>
+          </a:p>
+          <a:p>
+            <a:r>
+              <a:rPr lang="en-US" dirty="0"/>
+              <a:t>Classification (is instance of) is not		</a:t>
             </a:r>
           </a:p>
           <a:p>
@@ -12490,7 +12763,7 @@
     </p:spTree>
     <p:extLst>
       <p:ext uri="{BB962C8B-B14F-4D97-AF65-F5344CB8AC3E}">
-        <p14:creationId xmlns:p14="http://schemas.microsoft.com/office/powerpoint/2010/main" xmlns="" val="816485063"/>
+        <p14:creationId xmlns="" xmlns:p14="http://schemas.microsoft.com/office/powerpoint/2010/main" val="2609893494"/>
       </p:ext>
     </p:extLst>
   </p:cSld>
@@ -12539,7 +12812,7 @@
           <a:p>
             <a:r>
               <a:rPr lang="en-US" dirty="0"/>
-              <a:t>Subclass, Subtype and Substitutability</a:t>
+              <a:t>Idealized Image of Inheritance</a:t>
             </a:r>
             <a:endParaRPr lang="en-CA" dirty="0"/>
           </a:p>
@@ -12557,197 +12830,60 @@
         </p:nvSpPr>
         <p:spPr>
           <a:xfrm>
-            <a:off x="640874" y="1168400"/>
-            <a:ext cx="10515600" cy="5689599"/>
+            <a:off x="640874" y="1168401"/>
+            <a:ext cx="10515600" cy="5566696"/>
           </a:xfrm>
         </p:spPr>
         <p:txBody>
           <a:bodyPr>
-            <a:normAutofit fontScale="85000" lnSpcReduction="20000"/>
+            <a:normAutofit fontScale="92500" lnSpcReduction="10000"/>
           </a:bodyPr>
           <a:lstStyle/>
           <a:p>
             <a:r>
               <a:rPr lang="en-US" dirty="0"/>
-              <a:t>A subtype is a class that satisfies the principle of substitutability.</a:t>
-            </a:r>
-          </a:p>
-          <a:p>
-            <a:r>
-              <a:rPr lang="en-US" dirty="0" err="1"/>
-              <a:t>f.e</a:t>
-            </a:r>
-            <a:r>
-              <a:rPr lang="en-US" dirty="0"/>
-              <a:t>. an odd integer can always be substituted for an integer</a:t>
-            </a:r>
-          </a:p>
-          <a:p>
-            <a:r>
-              <a:rPr lang="en-US" dirty="0"/>
-              <a:t>A subclass is something constructed using the inheritance mechanism of the language, whether or not it satisfies the principle of </a:t>
-            </a:r>
-            <a:r>
-              <a:rPr lang="en-US" dirty="0" err="1"/>
-              <a:t>substitutability.f.e</a:t>
-            </a:r>
-            <a:r>
-              <a:rPr lang="en-US" dirty="0"/>
-              <a:t>.</a:t>
-            </a:r>
-          </a:p>
-          <a:p>
-            <a:pPr>
-              <a:lnSpc>
-                <a:spcPct val="90000"/>
-              </a:lnSpc>
-              <a:buFontTx/>
-              <a:buNone/>
-              <a:defRPr/>
-            </a:pPr>
-            <a:r>
-              <a:rPr lang="en-US" altLang="en-US" sz="4000" i="1" dirty="0"/>
-              <a:t> </a:t>
-            </a:r>
-            <a:r>
-              <a:rPr lang="en-US" altLang="en-US" sz="2800" i="1" dirty="0">
-                <a:latin typeface="Courier New" charset="0"/>
-              </a:rPr>
-              <a:t>class </a:t>
-            </a:r>
-            <a:r>
-              <a:rPr lang="en-US" altLang="en-US" sz="2800" i="1" dirty="0" err="1">
-                <a:latin typeface="Courier New" charset="0"/>
-              </a:rPr>
-              <a:t>OddInteger</a:t>
-            </a:r>
-            <a:r>
-              <a:rPr lang="en-US" altLang="en-US" sz="2800" i="1" dirty="0">
-                <a:latin typeface="Courier New" charset="0"/>
-              </a:rPr>
-              <a:t> extends Integer{</a:t>
-            </a:r>
-          </a:p>
-          <a:p>
-            <a:pPr>
-              <a:lnSpc>
-                <a:spcPct val="90000"/>
-              </a:lnSpc>
-              <a:buFontTx/>
-              <a:buNone/>
-              <a:defRPr/>
-            </a:pPr>
-            <a:r>
-              <a:rPr lang="en-US" altLang="en-US" sz="2800" i="1" dirty="0">
-                <a:latin typeface="Courier New" charset="0"/>
-              </a:rPr>
-              <a:t>        // But… what if we changed the definition</a:t>
-            </a:r>
-          </a:p>
-          <a:p>
-            <a:pPr>
-              <a:lnSpc>
-                <a:spcPct val="90000"/>
-              </a:lnSpc>
-              <a:buFontTx/>
-              <a:buNone/>
-              <a:defRPr/>
-            </a:pPr>
-            <a:r>
-              <a:rPr lang="en-US" altLang="en-US" sz="2800" i="1" dirty="0">
-                <a:latin typeface="Courier New" charset="0"/>
-              </a:rPr>
-              <a:t>        // of “+” for </a:t>
-            </a:r>
-            <a:r>
-              <a:rPr lang="en-US" altLang="en-US" sz="2800" i="1" dirty="0" err="1">
-                <a:latin typeface="Courier New" charset="0"/>
-              </a:rPr>
-              <a:t>oddInteger</a:t>
-            </a:r>
-            <a:r>
-              <a:rPr lang="en-US" altLang="en-US" sz="2800" i="1" dirty="0">
-                <a:latin typeface="Courier New" charset="0"/>
-              </a:rPr>
-              <a:t>, then we could </a:t>
-            </a:r>
-          </a:p>
-          <a:p>
-            <a:pPr>
-              <a:lnSpc>
-                <a:spcPct val="90000"/>
-              </a:lnSpc>
-              <a:buFontTx/>
-              <a:buNone/>
-              <a:defRPr/>
-            </a:pPr>
-            <a:r>
-              <a:rPr lang="en-US" altLang="en-US" sz="2800" i="1" dirty="0">
-                <a:latin typeface="Courier New" charset="0"/>
-              </a:rPr>
-              <a:t>        //  not substitute it for Integer</a:t>
-            </a:r>
-          </a:p>
-          <a:p>
-            <a:pPr>
-              <a:lnSpc>
-                <a:spcPct val="90000"/>
-              </a:lnSpc>
-              <a:buFontTx/>
-              <a:buNone/>
-              <a:defRPr/>
-            </a:pPr>
-            <a:r>
-              <a:rPr lang="en-US" altLang="en-US" sz="2800" i="1" dirty="0">
-                <a:latin typeface="Courier New" charset="0"/>
-              </a:rPr>
-              <a:t>        //  in this case it is a subclass </a:t>
-            </a:r>
-          </a:p>
-          <a:p>
-            <a:pPr>
-              <a:lnSpc>
-                <a:spcPct val="90000"/>
-              </a:lnSpc>
-              <a:buFontTx/>
-              <a:buNone/>
-              <a:defRPr/>
-            </a:pPr>
-            <a:r>
-              <a:rPr lang="en-US" altLang="en-US" sz="2800" i="1" dirty="0">
-                <a:latin typeface="Courier New" charset="0"/>
-              </a:rPr>
-              <a:t>        // but not a subtype</a:t>
-            </a:r>
-          </a:p>
-          <a:p>
-            <a:pPr>
-              <a:lnSpc>
-                <a:spcPct val="90000"/>
-              </a:lnSpc>
-              <a:buFontTx/>
-              <a:buNone/>
-              <a:defRPr/>
-            </a:pPr>
-            <a:r>
-              <a:rPr lang="en-US" altLang="en-US" sz="2800" i="1" dirty="0">
-                <a:latin typeface="Courier New" charset="0"/>
-              </a:rPr>
-              <a:t>}</a:t>
-            </a:r>
+              <a:t>Consider the following argument:</a:t>
+            </a:r>
+          </a:p>
+          <a:p>
+            <a:pPr lvl="1"/>
+            <a:r>
+              <a:rPr lang="en-US" sz="2800" dirty="0"/>
+              <a:t>Instances of the subclass must possess all data areas associated with the parent class.</a:t>
+            </a:r>
+          </a:p>
+          <a:p>
             <a:endParaRPr lang="en-US" dirty="0"/>
           </a:p>
           <a:p>
             <a:r>
               <a:rPr lang="en-US" dirty="0"/>
-              <a:t>The two concepts are independent.</a:t>
-            </a:r>
-          </a:p>
-          <a:p>
-            <a:r>
-              <a:rPr lang="en-US" dirty="0"/>
-              <a:t>Not all subclasses are subtypes, and (at least in some languages) you can construct subtypes that are not subclasses.</a:t>
-            </a:r>
+              <a:t>Instances of the subclass must implement, through inheritance at least (if not explicitly overridden) all functionality defined for the parent class. (They can also define new functionality, but that is unimportant for the present argument).</a:t>
+            </a:r>
+          </a:p>
+          <a:p>
+            <a:endParaRPr lang="en-US" dirty="0"/>
+          </a:p>
+          <a:p>
+            <a:r>
+              <a:rPr lang="en-US" dirty="0"/>
+              <a:t>Thus, an instance of a child class can mimic the behavior of the parent class and should be indistinguishable from an instance of the parent class if substituted in a similar situation.</a:t>
+            </a:r>
+          </a:p>
+          <a:p>
+            <a:r>
+              <a:rPr lang="en-US" dirty="0"/>
+              <a:t>This constitutes the LISKOV PRINCIPLE of SUBSTITUTABILITY</a:t>
+            </a:r>
+          </a:p>
+          <a:p>
+            <a:r>
+              <a:rPr lang="en-US" dirty="0"/>
+              <a:t>This is also what the type system assumes ( ?? )</a:t>
+            </a:r>
+          </a:p>
+          <a:p>
+            <a:endParaRPr lang="en-US" dirty="0"/>
           </a:p>
         </p:txBody>
       </p:sp>
@@ -12803,7 +12939,7 @@
     </p:spTree>
     <p:extLst>
       <p:ext uri="{BB962C8B-B14F-4D97-AF65-F5344CB8AC3E}">
-        <p14:creationId xmlns:p14="http://schemas.microsoft.com/office/powerpoint/2010/main" xmlns="" val="576910275"/>
+        <p14:creationId xmlns="" xmlns:p14="http://schemas.microsoft.com/office/powerpoint/2010/main" val="816485063"/>
       </p:ext>
     </p:extLst>
   </p:cSld>
@@ -12852,7 +12988,7 @@
           <a:p>
             <a:r>
               <a:rPr lang="en-US" dirty="0"/>
-              <a:t>Forms of Inheritance</a:t>
+              <a:t>Subclass, Subtype and Substitutability</a:t>
             </a:r>
             <a:endParaRPr lang="en-CA" dirty="0"/>
           </a:p>
@@ -12870,19 +13006,196 @@
         </p:nvSpPr>
         <p:spPr>
           <a:xfrm>
-            <a:off x="640874" y="1168401"/>
-            <a:ext cx="10515600" cy="5566696"/>
+            <a:off x="640874" y="1168400"/>
+            <a:ext cx="10515600" cy="5689599"/>
           </a:xfrm>
         </p:spPr>
         <p:txBody>
           <a:bodyPr>
-            <a:normAutofit/>
+            <a:normAutofit fontScale="85000" lnSpcReduction="20000"/>
           </a:bodyPr>
           <a:lstStyle/>
           <a:p>
             <a:r>
               <a:rPr lang="en-US" dirty="0"/>
-              <a:t>Inheritance is used for a variety of different purposes and in a variety of different ways.</a:t>
+              <a:t>A subtype is a class that satisfies the principle of substitutability.</a:t>
+            </a:r>
+          </a:p>
+          <a:p>
+            <a:r>
+              <a:rPr lang="en-US" dirty="0" err="1"/>
+              <a:t>f.e</a:t>
+            </a:r>
+            <a:r>
+              <a:rPr lang="en-US" dirty="0"/>
+              <a:t>. an odd integer can always be substituted for an integer</a:t>
+            </a:r>
+          </a:p>
+          <a:p>
+            <a:r>
+              <a:rPr lang="en-US" dirty="0"/>
+              <a:t>A subclass is something constructed using the inheritance mechanism of the language, whether or not it satisfies the principle of </a:t>
+            </a:r>
+            <a:r>
+              <a:rPr lang="en-US" dirty="0" err="1"/>
+              <a:t>substitutability.f.e</a:t>
+            </a:r>
+            <a:r>
+              <a:rPr lang="en-US" dirty="0"/>
+              <a:t>.</a:t>
+            </a:r>
+          </a:p>
+          <a:p>
+            <a:pPr>
+              <a:lnSpc>
+                <a:spcPct val="90000"/>
+              </a:lnSpc>
+              <a:buFontTx/>
+              <a:buNone/>
+              <a:defRPr/>
+            </a:pPr>
+            <a:r>
+              <a:rPr lang="en-US" altLang="en-US" sz="4000" i="1" dirty="0"/>
+              <a:t> </a:t>
+            </a:r>
+            <a:r>
+              <a:rPr lang="en-US" altLang="en-US" sz="2800" i="1" dirty="0">
+                <a:latin typeface="Courier New" charset="0"/>
+              </a:rPr>
+              <a:t>class </a:t>
+            </a:r>
+            <a:r>
+              <a:rPr lang="en-US" altLang="en-US" sz="2800" i="1" dirty="0" err="1">
+                <a:latin typeface="Courier New" charset="0"/>
+              </a:rPr>
+              <a:t>OddInteger</a:t>
+            </a:r>
+            <a:r>
+              <a:rPr lang="en-US" altLang="en-US" sz="2800" i="1" dirty="0">
+                <a:latin typeface="Courier New" charset="0"/>
+              </a:rPr>
+              <a:t> extends Integer{</a:t>
+            </a:r>
+          </a:p>
+          <a:p>
+            <a:pPr>
+              <a:lnSpc>
+                <a:spcPct val="90000"/>
+              </a:lnSpc>
+              <a:buFontTx/>
+              <a:buNone/>
+              <a:defRPr/>
+            </a:pPr>
+            <a:r>
+              <a:rPr lang="en-US" altLang="en-US" sz="2800" i="1" dirty="0">
+                <a:latin typeface="Courier New" charset="0"/>
+              </a:rPr>
+              <a:t>        // But… what if we changed the definition</a:t>
+            </a:r>
+          </a:p>
+          <a:p>
+            <a:pPr>
+              <a:lnSpc>
+                <a:spcPct val="90000"/>
+              </a:lnSpc>
+              <a:buFontTx/>
+              <a:buNone/>
+              <a:defRPr/>
+            </a:pPr>
+            <a:r>
+              <a:rPr lang="en-US" altLang="en-US" sz="2800" i="1" dirty="0">
+                <a:latin typeface="Courier New" charset="0"/>
+              </a:rPr>
+              <a:t>        // of “+” for </a:t>
+            </a:r>
+            <a:r>
+              <a:rPr lang="en-US" altLang="en-US" sz="2800" i="1" dirty="0" err="1">
+                <a:latin typeface="Courier New" charset="0"/>
+              </a:rPr>
+              <a:t>oddInteger</a:t>
+            </a:r>
+            <a:r>
+              <a:rPr lang="en-US" altLang="en-US" sz="2800" i="1" dirty="0">
+                <a:latin typeface="Courier New" charset="0"/>
+              </a:rPr>
+              <a:t>, then we could </a:t>
+            </a:r>
+          </a:p>
+          <a:p>
+            <a:pPr>
+              <a:lnSpc>
+                <a:spcPct val="90000"/>
+              </a:lnSpc>
+              <a:buFontTx/>
+              <a:buNone/>
+              <a:defRPr/>
+            </a:pPr>
+            <a:r>
+              <a:rPr lang="en-US" altLang="en-US" sz="2800" i="1" dirty="0">
+                <a:latin typeface="Courier New" charset="0"/>
+              </a:rPr>
+              <a:t>        //  not substitute it for Integer</a:t>
+            </a:r>
+          </a:p>
+          <a:p>
+            <a:pPr>
+              <a:lnSpc>
+                <a:spcPct val="90000"/>
+              </a:lnSpc>
+              <a:buFontTx/>
+              <a:buNone/>
+              <a:defRPr/>
+            </a:pPr>
+            <a:r>
+              <a:rPr lang="en-US" altLang="en-US" sz="2800" i="1" dirty="0">
+                <a:latin typeface="Courier New" charset="0"/>
+              </a:rPr>
+              <a:t>        //  in this case it is a subclass </a:t>
+            </a:r>
+          </a:p>
+          <a:p>
+            <a:pPr>
+              <a:lnSpc>
+                <a:spcPct val="90000"/>
+              </a:lnSpc>
+              <a:buFontTx/>
+              <a:buNone/>
+              <a:defRPr/>
+            </a:pPr>
+            <a:r>
+              <a:rPr lang="en-US" altLang="en-US" sz="2800" i="1" dirty="0">
+                <a:latin typeface="Courier New" charset="0"/>
+              </a:rPr>
+              <a:t>        // but not a subtype</a:t>
+            </a:r>
+          </a:p>
+          <a:p>
+            <a:pPr>
+              <a:lnSpc>
+                <a:spcPct val="90000"/>
+              </a:lnSpc>
+              <a:buFontTx/>
+              <a:buNone/>
+              <a:defRPr/>
+            </a:pPr>
+            <a:r>
+              <a:rPr lang="en-US" altLang="en-US" sz="2800" i="1" dirty="0">
+                <a:latin typeface="Courier New" charset="0"/>
+              </a:rPr>
+              <a:t>}</a:t>
+            </a:r>
+            <a:endParaRPr lang="en-US" dirty="0"/>
+          </a:p>
+          <a:p>
+            <a:r>
+              <a:rPr lang="en-US" dirty="0"/>
+              <a:t>The two concepts are independent.</a:t>
+            </a:r>
+          </a:p>
+          <a:p>
+            <a:r>
+              <a:rPr lang="en-US" dirty="0"/>
+              <a:t>Not all subclasses are subtypes, and (at least in some languages) you can construct subtypes that are not subclasses.</a:t>
             </a:r>
           </a:p>
         </p:txBody>
@@ -12939,7 +13252,7 @@
     </p:spTree>
     <p:extLst>
       <p:ext uri="{BB962C8B-B14F-4D97-AF65-F5344CB8AC3E}">
-        <p14:creationId xmlns:p14="http://schemas.microsoft.com/office/powerpoint/2010/main" xmlns="" val="2357375762"/>
+        <p14:creationId xmlns="" xmlns:p14="http://schemas.microsoft.com/office/powerpoint/2010/main" val="576910275"/>
       </p:ext>
     </p:extLst>
   </p:cSld>
@@ -13094,7 +13407,7 @@
     </p:spTree>
     <p:extLst>
       <p:ext uri="{BB962C8B-B14F-4D97-AF65-F5344CB8AC3E}">
-        <p14:creationId xmlns:p14="http://schemas.microsoft.com/office/powerpoint/2010/main" xmlns="" val="1187175125"/>
+        <p14:creationId xmlns="" xmlns:p14="http://schemas.microsoft.com/office/powerpoint/2010/main" val="1187175125"/>
       </p:ext>
     </p:extLst>
   </p:cSld>
@@ -13143,7 +13456,7 @@
           <a:p>
             <a:r>
               <a:rPr lang="en-US" dirty="0"/>
-              <a:t>Specialization</a:t>
+              <a:t>Forms of Inheritance</a:t>
             </a:r>
             <a:endParaRPr lang="en-CA" dirty="0"/>
           </a:p>
@@ -13167,165 +13480,13 @@
         </p:spPr>
         <p:txBody>
           <a:bodyPr>
-            <a:normAutofit fontScale="92500" lnSpcReduction="10000"/>
+            <a:normAutofit/>
           </a:bodyPr>
           <a:lstStyle/>
           <a:p>
             <a:r>
               <a:rPr lang="en-US" dirty="0"/>
-              <a:t>By far the most common form of inheritance is for specialization.</a:t>
-            </a:r>
-          </a:p>
-          <a:p>
-            <a:pPr lvl="1"/>
-            <a:r>
-              <a:rPr lang="en-US" dirty="0"/>
-              <a:t>“Scrollable-Window”   specializes “Window”</a:t>
-            </a:r>
-          </a:p>
-          <a:p>
-            <a:pPr lvl="1"/>
-            <a:r>
-              <a:rPr lang="en-US" dirty="0"/>
-              <a:t>“Savings Account”  specializes  “Account” </a:t>
-            </a:r>
-          </a:p>
-          <a:p>
-            <a:pPr lvl="1"/>
-            <a:r>
-              <a:rPr lang="en-US" dirty="0"/>
-              <a:t>A good example is the Java hierarchy of Graphical components in the AWT: </a:t>
-            </a:r>
-          </a:p>
-          <a:p>
-            <a:pPr lvl="1"/>
-            <a:r>
-              <a:rPr lang="en-US" dirty="0"/>
-              <a:t> Component      ( in Java AWT)</a:t>
-            </a:r>
-          </a:p>
-          <a:p>
-            <a:pPr lvl="1"/>
-            <a:r>
-              <a:rPr lang="en-US" dirty="0"/>
-              <a:t>          Label </a:t>
-            </a:r>
-          </a:p>
-          <a:p>
-            <a:pPr lvl="1"/>
-            <a:r>
-              <a:rPr lang="en-US" dirty="0"/>
-              <a:t>          Button </a:t>
-            </a:r>
-          </a:p>
-          <a:p>
-            <a:pPr lvl="1"/>
-            <a:r>
-              <a:rPr lang="en-US" dirty="0"/>
-              <a:t>          </a:t>
-            </a:r>
-            <a:r>
-              <a:rPr lang="en-US" dirty="0" err="1"/>
-              <a:t>TextComponent</a:t>
-            </a:r>
-            <a:r>
-              <a:rPr lang="en-US" dirty="0"/>
-              <a:t> </a:t>
-            </a:r>
-          </a:p>
-          <a:p>
-            <a:pPr lvl="1"/>
-            <a:r>
-              <a:rPr lang="en-US" dirty="0"/>
-              <a:t>               </a:t>
-            </a:r>
-            <a:r>
-              <a:rPr lang="en-US" dirty="0" err="1"/>
-              <a:t>TextArea</a:t>
-            </a:r>
-            <a:r>
-              <a:rPr lang="en-US" dirty="0"/>
-              <a:t> </a:t>
-            </a:r>
-          </a:p>
-          <a:p>
-            <a:pPr lvl="1"/>
-            <a:r>
-              <a:rPr lang="en-US" dirty="0"/>
-              <a:t>               </a:t>
-            </a:r>
-            <a:r>
-              <a:rPr lang="en-US" dirty="0" err="1"/>
-              <a:t>TextField</a:t>
-            </a:r>
-            <a:r>
-              <a:rPr lang="en-US" dirty="0"/>
-              <a:t> </a:t>
-            </a:r>
-          </a:p>
-          <a:p>
-            <a:pPr lvl="1"/>
-            <a:r>
-              <a:rPr lang="en-US" dirty="0"/>
-              <a:t>          </a:t>
-            </a:r>
-            <a:r>
-              <a:rPr lang="en-US" dirty="0" err="1"/>
-              <a:t>CheckBox</a:t>
-            </a:r>
-            <a:r>
-              <a:rPr lang="en-US" dirty="0"/>
-              <a:t> </a:t>
-            </a:r>
-          </a:p>
-          <a:p>
-            <a:pPr lvl="1"/>
-            <a:r>
-              <a:rPr lang="en-US" dirty="0"/>
-              <a:t>          </a:t>
-            </a:r>
-            <a:r>
-              <a:rPr lang="en-US" dirty="0" err="1"/>
-              <a:t>ScrollBar</a:t>
-            </a:r>
-            <a:r>
-              <a:rPr lang="en-US" dirty="0"/>
-              <a:t> </a:t>
-            </a:r>
-          </a:p>
-          <a:p>
-            <a:r>
-              <a:rPr lang="en-US" dirty="0"/>
-              <a:t>a Java application</a:t>
-            </a:r>
-          </a:p>
-          <a:p>
-            <a:pPr lvl="1"/>
-            <a:r>
-              <a:rPr lang="en-US" dirty="0"/>
-              <a:t>public class </a:t>
-            </a:r>
-            <a:r>
-              <a:rPr lang="en-US" dirty="0" err="1"/>
-              <a:t>PinBallGame</a:t>
-            </a:r>
-            <a:r>
-              <a:rPr lang="en-US" dirty="0"/>
-              <a:t> extends Frame {</a:t>
-            </a:r>
-          </a:p>
-          <a:p>
-            <a:pPr lvl="1"/>
-            <a:r>
-              <a:rPr lang="en-US" dirty="0"/>
-              <a:t>...</a:t>
-            </a:r>
-          </a:p>
-          <a:p>
-            <a:pPr lvl="1"/>
-            <a:r>
-              <a:rPr lang="en-US" dirty="0"/>
-              <a:t>}</a:t>
+              <a:t>Inheritance is used for a variety of different purposes and in a variety of different ways.</a:t>
             </a:r>
           </a:p>
         </p:txBody>
@@ -13382,7 +13543,7 @@
     </p:spTree>
     <p:extLst>
       <p:ext uri="{BB962C8B-B14F-4D97-AF65-F5344CB8AC3E}">
-        <p14:creationId xmlns:p14="http://schemas.microsoft.com/office/powerpoint/2010/main" xmlns="" val="2478735734"/>
+        <p14:creationId xmlns="" xmlns:p14="http://schemas.microsoft.com/office/powerpoint/2010/main" val="2357375762"/>
       </p:ext>
     </p:extLst>
   </p:cSld>
@@ -13431,7 +13592,7 @@
           <a:p>
             <a:r>
               <a:rPr lang="en-US" dirty="0"/>
-              <a:t>Construction</a:t>
+              <a:t>Specialization</a:t>
             </a:r>
             <a:endParaRPr lang="en-CA" dirty="0"/>
           </a:p>
@@ -13455,61 +13616,165 @@
         </p:spPr>
         <p:txBody>
           <a:bodyPr>
-            <a:normAutofit fontScale="92500" lnSpcReduction="20000"/>
+            <a:normAutofit fontScale="92500" lnSpcReduction="10000"/>
           </a:bodyPr>
           <a:lstStyle/>
           <a:p>
             <a:r>
               <a:rPr lang="en-US" dirty="0"/>
-              <a:t>The parent class is used only for its behavior, </a:t>
-            </a:r>
-          </a:p>
-          <a:p>
-            <a:r>
-              <a:rPr lang="en-US" dirty="0"/>
-              <a:t>the child class has no is-a relationship to the parent.</a:t>
-            </a:r>
-          </a:p>
-          <a:p>
-            <a:r>
-              <a:rPr lang="en-US" dirty="0"/>
-              <a:t>An example might be subclassing the idea of a Set from an existing List class. </a:t>
-            </a:r>
-          </a:p>
-          <a:p>
-            <a:r>
-              <a:rPr lang="en-US" dirty="0"/>
-              <a:t>Generally not a good idea, since it can break the principle of substitutability. </a:t>
-            </a:r>
-          </a:p>
-          <a:p>
-            <a:endParaRPr lang="en-US" dirty="0"/>
-          </a:p>
-          <a:p>
-            <a:endParaRPr lang="en-US" dirty="0"/>
-          </a:p>
-          <a:p>
-            <a:endParaRPr lang="en-US" dirty="0"/>
-          </a:p>
-          <a:p>
-            <a:endParaRPr lang="en-US" dirty="0"/>
-          </a:p>
-          <a:p>
-            <a:endParaRPr lang="en-US" dirty="0"/>
-          </a:p>
-          <a:p>
-            <a:endParaRPr lang="en-US" dirty="0"/>
-          </a:p>
-          <a:p>
-            <a:r>
-              <a:rPr lang="en-US" dirty="0"/>
-              <a:t>Does this Car inherit from Speaker ?</a:t>
-            </a:r>
-          </a:p>
-          <a:p>
-            <a:r>
-              <a:rPr lang="en-US" dirty="0"/>
-              <a:t>If it does it should be able to be used anywhere a “speaker” is required !!</a:t>
+              <a:t>By far the most common form of inheritance is for specialization.</a:t>
+            </a:r>
+          </a:p>
+          <a:p>
+            <a:pPr lvl="1"/>
+            <a:r>
+              <a:rPr lang="en-US" dirty="0"/>
+              <a:t>“Scrollable-Window”   specializes “Window”</a:t>
+            </a:r>
+          </a:p>
+          <a:p>
+            <a:pPr lvl="1"/>
+            <a:r>
+              <a:rPr lang="en-US" dirty="0"/>
+              <a:t>“Savings Account”  specializes  “Account” </a:t>
+            </a:r>
+          </a:p>
+          <a:p>
+            <a:pPr lvl="1"/>
+            <a:r>
+              <a:rPr lang="en-US" dirty="0"/>
+              <a:t>A good example is the Java hierarchy of Graphical components in the AWT: </a:t>
+            </a:r>
+          </a:p>
+          <a:p>
+            <a:pPr lvl="1"/>
+            <a:r>
+              <a:rPr lang="en-US" dirty="0"/>
+              <a:t> Component      ( in Java AWT)</a:t>
+            </a:r>
+          </a:p>
+          <a:p>
+            <a:pPr lvl="1"/>
+            <a:r>
+              <a:rPr lang="en-US" dirty="0"/>
+              <a:t>          Label </a:t>
+            </a:r>
+          </a:p>
+          <a:p>
+            <a:pPr lvl="1"/>
+            <a:r>
+              <a:rPr lang="en-US" dirty="0"/>
+              <a:t>          Button </a:t>
+            </a:r>
+          </a:p>
+          <a:p>
+            <a:pPr lvl="1"/>
+            <a:r>
+              <a:rPr lang="en-US" dirty="0"/>
+              <a:t>          </a:t>
+            </a:r>
+            <a:r>
+              <a:rPr lang="en-US" dirty="0" err="1"/>
+              <a:t>TextComponent</a:t>
+            </a:r>
+            <a:r>
+              <a:rPr lang="en-US" dirty="0"/>
+              <a:t> </a:t>
+            </a:r>
+          </a:p>
+          <a:p>
+            <a:pPr lvl="1"/>
+            <a:r>
+              <a:rPr lang="en-US" dirty="0"/>
+              <a:t>               </a:t>
+            </a:r>
+            <a:r>
+              <a:rPr lang="en-US" dirty="0" err="1"/>
+              <a:t>TextArea</a:t>
+            </a:r>
+            <a:r>
+              <a:rPr lang="en-US" dirty="0"/>
+              <a:t> </a:t>
+            </a:r>
+          </a:p>
+          <a:p>
+            <a:pPr lvl="1"/>
+            <a:r>
+              <a:rPr lang="en-US" dirty="0"/>
+              <a:t>               </a:t>
+            </a:r>
+            <a:r>
+              <a:rPr lang="en-US" dirty="0" err="1"/>
+              <a:t>TextField</a:t>
+            </a:r>
+            <a:r>
+              <a:rPr lang="en-US" dirty="0"/>
+              <a:t> </a:t>
+            </a:r>
+          </a:p>
+          <a:p>
+            <a:pPr lvl="1"/>
+            <a:r>
+              <a:rPr lang="en-US" dirty="0"/>
+              <a:t>          </a:t>
+            </a:r>
+            <a:r>
+              <a:rPr lang="en-US" dirty="0" err="1"/>
+              <a:t>CheckBox</a:t>
+            </a:r>
+            <a:r>
+              <a:rPr lang="en-US" dirty="0"/>
+              <a:t> </a:t>
+            </a:r>
+          </a:p>
+          <a:p>
+            <a:pPr lvl="1"/>
+            <a:r>
+              <a:rPr lang="en-US" dirty="0"/>
+              <a:t>          </a:t>
+            </a:r>
+            <a:r>
+              <a:rPr lang="en-US" dirty="0" err="1"/>
+              <a:t>ScrollBar</a:t>
+            </a:r>
+            <a:r>
+              <a:rPr lang="en-US" dirty="0"/>
+              <a:t> </a:t>
+            </a:r>
+          </a:p>
+          <a:p>
+            <a:r>
+              <a:rPr lang="en-US" dirty="0"/>
+              <a:t>a Java application</a:t>
+            </a:r>
+          </a:p>
+          <a:p>
+            <a:pPr lvl="1"/>
+            <a:r>
+              <a:rPr lang="en-US" dirty="0"/>
+              <a:t>public class </a:t>
+            </a:r>
+            <a:r>
+              <a:rPr lang="en-US" dirty="0" err="1"/>
+              <a:t>PinBallGame</a:t>
+            </a:r>
+            <a:r>
+              <a:rPr lang="en-US" dirty="0"/>
+              <a:t> extends Frame {</a:t>
+            </a:r>
+          </a:p>
+          <a:p>
+            <a:pPr lvl="1"/>
+            <a:r>
+              <a:rPr lang="en-US" dirty="0"/>
+              <a:t>...</a:t>
+            </a:r>
+          </a:p>
+          <a:p>
+            <a:pPr lvl="1"/>
+            <a:r>
+              <a:rPr lang="en-US" dirty="0"/>
+              <a:t>}</a:t>
             </a:r>
           </a:p>
         </p:txBody>
@@ -13563,82 +13828,10 @@
           </a:p>
         </p:txBody>
       </p:sp>
-      <p:pic>
-        <p:nvPicPr>
-          <p:cNvPr id="7" name="Picture 4">
-            <a:extLst>
-              <a:ext uri="{FF2B5EF4-FFF2-40B4-BE49-F238E27FC236}">
-                <a16:creationId xmlns:a16="http://schemas.microsoft.com/office/drawing/2014/main" xmlns="" id="{A8823BDA-EBC5-4BE3-A193-97ACC8B7E2BE}"/>
-              </a:ext>
-            </a:extLst>
-          </p:cNvPr>
-          <p:cNvPicPr>
-            <a:picLocks noChangeAspect="1" noChangeArrowheads="1"/>
-          </p:cNvPicPr>
-          <p:nvPr/>
-        </p:nvPicPr>
-        <p:blipFill>
-          <a:blip r:embed="rId2">
-            <a:extLst>
-              <a:ext uri="{28A0092B-C50C-407E-A947-70E740481C1C}">
-                <a14:useLocalDpi xmlns:a14="http://schemas.microsoft.com/office/drawing/2010/main" xmlns="" val="0"/>
-              </a:ext>
-            </a:extLst>
-          </a:blip>
-          <a:srcRect/>
-          <a:stretch>
-            <a:fillRect/>
-          </a:stretch>
-        </p:blipFill>
-        <p:spPr bwMode="auto">
-          <a:xfrm>
-            <a:off x="4082574" y="3429000"/>
-            <a:ext cx="3632200" cy="2032000"/>
-          </a:xfrm>
-          <a:prstGeom prst="rect">
-            <a:avLst/>
-          </a:prstGeom>
-          <a:noFill/>
-          <a:ln>
-            <a:noFill/>
-          </a:ln>
-          <a:effectLst/>
-          <a:extLst>
-            <a:ext uri="{909E8E84-426E-40DD-AFC4-6F175D3DCCD1}">
-              <a14:hiddenFill xmlns:a14="http://schemas.microsoft.com/office/drawing/2010/main" xmlns="">
-                <a:solidFill>
-                  <a:schemeClr val="accent1"/>
-                </a:solidFill>
-              </a14:hiddenFill>
-            </a:ext>
-            <a:ext uri="{91240B29-F687-4F45-9708-019B960494DF}">
-              <a14:hiddenLine xmlns:a14="http://schemas.microsoft.com/office/drawing/2010/main" xmlns="" w="9525">
-                <a:solidFill>
-                  <a:schemeClr val="tx1"/>
-                </a:solidFill>
-                <a:miter lim="800000"/>
-                <a:headEnd/>
-                <a:tailEnd/>
-              </a14:hiddenLine>
-            </a:ext>
-            <a:ext uri="{AF507438-7753-43E0-B8FC-AC1667EBCBE1}">
-              <a14:hiddenEffects xmlns:a14="http://schemas.microsoft.com/office/drawing/2010/main" xmlns="">
-                <a:effectLst>
-                  <a:outerShdw blurRad="63500" dist="38099" dir="2700000" algn="ctr" rotWithShape="0">
-                    <a:schemeClr val="bg2">
-                      <a:alpha val="74998"/>
-                    </a:schemeClr>
-                  </a:outerShdw>
-                </a:effectLst>
-              </a14:hiddenEffects>
-            </a:ext>
-          </a:extLst>
-        </p:spPr>
-      </p:pic>
     </p:spTree>
     <p:extLst>
       <p:ext uri="{BB962C8B-B14F-4D97-AF65-F5344CB8AC3E}">
-        <p14:creationId xmlns:p14="http://schemas.microsoft.com/office/powerpoint/2010/main" xmlns="" val="1719022256"/>
+        <p14:creationId xmlns="" xmlns:p14="http://schemas.microsoft.com/office/powerpoint/2010/main" val="2478735734"/>
       </p:ext>
     </p:extLst>
   </p:cSld>
@@ -13687,7 +13880,7 @@
           <a:p>
             <a:r>
               <a:rPr lang="en-US" dirty="0"/>
-              <a:t>Extension</a:t>
+              <a:t>Construction</a:t>
             </a:r>
             <a:endParaRPr lang="en-CA" dirty="0"/>
           </a:p>
@@ -13711,71 +13904,61 @@
         </p:spPr>
         <p:txBody>
           <a:bodyPr>
-            <a:normAutofit/>
+            <a:normAutofit fontScale="92500" lnSpcReduction="20000"/>
           </a:bodyPr>
           <a:lstStyle/>
           <a:p>
             <a:r>
               <a:rPr lang="en-US" dirty="0"/>
-              <a:t>The child class extends the parent class by providing more functionality. </a:t>
-            </a:r>
-          </a:p>
-          <a:p>
-            <a:r>
-              <a:rPr lang="en-US" dirty="0"/>
-              <a:t>The child doesn't change anything inherited from the parent, it simply adds new features. </a:t>
-            </a:r>
-          </a:p>
-          <a:p>
-            <a:r>
-              <a:rPr lang="en-US" dirty="0"/>
-              <a:t>Example, Java Properties inheriting from </a:t>
-            </a:r>
-            <a:r>
-              <a:rPr lang="en-US" dirty="0" err="1"/>
-              <a:t>Hashtable</a:t>
-            </a:r>
-            <a:r>
-              <a:rPr lang="en-US" dirty="0"/>
-              <a:t>. </a:t>
-            </a:r>
-          </a:p>
-          <a:p>
-            <a:pPr lvl="1"/>
-            <a:r>
-              <a:rPr lang="en-US" dirty="0"/>
-              <a:t>A </a:t>
-            </a:r>
-            <a:r>
-              <a:rPr lang="en-US" dirty="0" err="1"/>
-              <a:t>Hashtable</a:t>
-            </a:r>
-            <a:r>
-              <a:rPr lang="en-US" dirty="0"/>
-              <a:t> is a perfectly fine data structure on its own. Properties represent information </a:t>
-            </a:r>
-            <a:r>
-              <a:rPr lang="en-US" dirty="0" err="1"/>
-              <a:t>concerni</a:t>
-            </a:r>
-            <a:r>
-              <a:rPr lang="en-US" dirty="0"/>
-              <a:t>	ng the current execution environment. Examples of properties are the name of the user running a program, the version of the Java interpreter, the name of the operating system, and so on. </a:t>
-            </a:r>
-          </a:p>
-          <a:p>
-            <a:pPr lvl="1"/>
-            <a:r>
-              <a:rPr lang="en-US" dirty="0"/>
-              <a:t>The properties class adds new methods that will load and store the property list, but uses the inherited </a:t>
-            </a:r>
-            <a:r>
-              <a:rPr lang="en-US" dirty="0" err="1"/>
-              <a:t>hashtable</a:t>
-            </a:r>
-            <a:r>
-              <a:rPr lang="en-US" dirty="0"/>
-              <a:t> routines for the actual data representation. </a:t>
+              <a:t>The parent class is used only for its behavior, </a:t>
+            </a:r>
+          </a:p>
+          <a:p>
+            <a:r>
+              <a:rPr lang="en-US" dirty="0"/>
+              <a:t>the child class has no is-a relationship to the parent.</a:t>
+            </a:r>
+          </a:p>
+          <a:p>
+            <a:r>
+              <a:rPr lang="en-US" dirty="0"/>
+              <a:t>An example might be subclassing the idea of a Set from an existing List class. </a:t>
+            </a:r>
+          </a:p>
+          <a:p>
+            <a:r>
+              <a:rPr lang="en-US" dirty="0"/>
+              <a:t>Generally not a good idea, since it can break the principle of substitutability. </a:t>
+            </a:r>
+          </a:p>
+          <a:p>
+            <a:endParaRPr lang="en-US" dirty="0"/>
+          </a:p>
+          <a:p>
+            <a:endParaRPr lang="en-US" dirty="0"/>
+          </a:p>
+          <a:p>
+            <a:endParaRPr lang="en-US" dirty="0"/>
+          </a:p>
+          <a:p>
+            <a:endParaRPr lang="en-US" dirty="0"/>
+          </a:p>
+          <a:p>
+            <a:endParaRPr lang="en-US" dirty="0"/>
+          </a:p>
+          <a:p>
+            <a:endParaRPr lang="en-US" dirty="0"/>
+          </a:p>
+          <a:p>
+            <a:r>
+              <a:rPr lang="en-US" dirty="0"/>
+              <a:t>Does this Car inherit from Speaker ?</a:t>
+            </a:r>
+          </a:p>
+          <a:p>
+            <a:r>
+              <a:rPr lang="en-US" dirty="0"/>
+              <a:t>If it does it should be able to be used anywhere a “speaker” is required !!</a:t>
             </a:r>
           </a:p>
         </p:txBody>
@@ -13829,10 +14012,82 @@
           </a:p>
         </p:txBody>
       </p:sp>
+      <p:pic>
+        <p:nvPicPr>
+          <p:cNvPr id="7" name="Picture 4">
+            <a:extLst>
+              <a:ext uri="{FF2B5EF4-FFF2-40B4-BE49-F238E27FC236}">
+                <a16:creationId xmlns="" xmlns:a16="http://schemas.microsoft.com/office/drawing/2014/main" id="{A8823BDA-EBC5-4BE3-A193-97ACC8B7E2BE}"/>
+              </a:ext>
+            </a:extLst>
+          </p:cNvPr>
+          <p:cNvPicPr>
+            <a:picLocks noChangeAspect="1" noChangeArrowheads="1"/>
+          </p:cNvPicPr>
+          <p:nvPr/>
+        </p:nvPicPr>
+        <p:blipFill>
+          <a:blip r:embed="rId2">
+            <a:extLst>
+              <a:ext uri="{28A0092B-C50C-407E-A947-70E740481C1C}">
+                <a14:useLocalDpi xmlns="" xmlns:a14="http://schemas.microsoft.com/office/drawing/2010/main" val="0"/>
+              </a:ext>
+            </a:extLst>
+          </a:blip>
+          <a:srcRect/>
+          <a:stretch>
+            <a:fillRect/>
+          </a:stretch>
+        </p:blipFill>
+        <p:spPr bwMode="auto">
+          <a:xfrm>
+            <a:off x="4082574" y="3429000"/>
+            <a:ext cx="3632200" cy="2032000"/>
+          </a:xfrm>
+          <a:prstGeom prst="rect">
+            <a:avLst/>
+          </a:prstGeom>
+          <a:noFill/>
+          <a:ln>
+            <a:noFill/>
+          </a:ln>
+          <a:effectLst/>
+          <a:extLst>
+            <a:ext uri="{909E8E84-426E-40DD-AFC4-6F175D3DCCD1}">
+              <a14:hiddenFill xmlns="" xmlns:a14="http://schemas.microsoft.com/office/drawing/2010/main">
+                <a:solidFill>
+                  <a:schemeClr val="accent1"/>
+                </a:solidFill>
+              </a14:hiddenFill>
+            </a:ext>
+            <a:ext uri="{91240B29-F687-4F45-9708-019B960494DF}">
+              <a14:hiddenLine xmlns="" xmlns:a14="http://schemas.microsoft.com/office/drawing/2010/main" w="9525">
+                <a:solidFill>
+                  <a:schemeClr val="tx1"/>
+                </a:solidFill>
+                <a:miter lim="800000"/>
+                <a:headEnd/>
+                <a:tailEnd/>
+              </a14:hiddenLine>
+            </a:ext>
+            <a:ext uri="{AF507438-7753-43E0-B8FC-AC1667EBCBE1}">
+              <a14:hiddenEffects xmlns="" xmlns:a14="http://schemas.microsoft.com/office/drawing/2010/main">
+                <a:effectLst>
+                  <a:outerShdw blurRad="63500" dist="38099" dir="2700000" algn="ctr" rotWithShape="0">
+                    <a:schemeClr val="bg2">
+                      <a:alpha val="74998"/>
+                    </a:schemeClr>
+                  </a:outerShdw>
+                </a:effectLst>
+              </a14:hiddenEffects>
+            </a:ext>
+          </a:extLst>
+        </p:spPr>
+      </p:pic>
     </p:spTree>
     <p:extLst>
       <p:ext uri="{BB962C8B-B14F-4D97-AF65-F5344CB8AC3E}">
-        <p14:creationId xmlns:p14="http://schemas.microsoft.com/office/powerpoint/2010/main" xmlns="" val="4202837589"/>
+        <p14:creationId xmlns="" xmlns:p14="http://schemas.microsoft.com/office/powerpoint/2010/main" val="1719022256"/>
       </p:ext>
     </p:extLst>
   </p:cSld>
@@ -13881,7 +14136,7 @@
           <a:p>
             <a:r>
               <a:rPr lang="en-US" dirty="0"/>
-              <a:t>Limitation</a:t>
+              <a:t>Extension</a:t>
             </a:r>
             <a:endParaRPr lang="en-CA" dirty="0"/>
           </a:p>
@@ -13911,28 +14166,65 @@
           <a:p>
             <a:r>
               <a:rPr lang="en-US" dirty="0"/>
-              <a:t>The child class limits some of the behavior of the parent class. </a:t>
-            </a:r>
-          </a:p>
-          <a:p>
-            <a:endParaRPr lang="en-US" dirty="0"/>
+              <a:t>The child class extends the parent class by providing more functionality. </a:t>
+            </a:r>
+          </a:p>
+          <a:p>
+            <a:r>
+              <a:rPr lang="en-US" dirty="0"/>
+              <a:t>The child doesn't change anything inherited from the parent, it simply adds new features. </a:t>
+            </a:r>
+          </a:p>
+          <a:p>
+            <a:r>
+              <a:rPr lang="en-US" dirty="0"/>
+              <a:t>Example, Java Properties inheriting from </a:t>
+            </a:r>
+            <a:r>
+              <a:rPr lang="en-US" dirty="0" err="1"/>
+              <a:t>Hashtable</a:t>
+            </a:r>
+            <a:r>
+              <a:rPr lang="en-US" dirty="0"/>
+              <a:t>. </a:t>
+            </a:r>
           </a:p>
           <a:p>
             <a:pPr lvl="1"/>
             <a:r>
               <a:rPr lang="en-US" dirty="0"/>
-              <a:t>Example, you have an existing List data type, and you want a Stack to inherit from List, but override the methods that allow access to elements other than top so as to produce errors.</a:t>
+              <a:t>A </a:t>
+            </a:r>
+            <a:r>
+              <a:rPr lang="en-US" dirty="0" err="1"/>
+              <a:t>Hashtable</a:t>
+            </a:r>
+            <a:r>
+              <a:rPr lang="en-US" dirty="0"/>
+              <a:t> is a perfectly fine data structure on its own. Properties represent information </a:t>
+            </a:r>
+            <a:r>
+              <a:rPr lang="en-US" dirty="0" err="1"/>
+              <a:t>concerni</a:t>
+            </a:r>
+            <a:r>
+              <a:rPr lang="en-US" dirty="0"/>
+              <a:t>	ng the current execution environment. Examples of properties are the name of the user running a program, the version of the Java interpreter, the name of the operating system, and so on. </a:t>
             </a:r>
           </a:p>
           <a:p>
             <a:pPr lvl="1"/>
-            <a:endParaRPr lang="en-US" dirty="0"/>
-          </a:p>
-          <a:p>
-            <a:pPr lvl="1"/>
-            <a:r>
-              <a:rPr lang="en-US" dirty="0"/>
-              <a:t>This once again breaks the principle of substitutability.</a:t>
+            <a:r>
+              <a:rPr lang="en-US" dirty="0"/>
+              <a:t>The properties class adds new methods that will load and store the property list, but uses the inherited </a:t>
+            </a:r>
+            <a:r>
+              <a:rPr lang="en-US" dirty="0" err="1"/>
+              <a:t>hashtable</a:t>
+            </a:r>
+            <a:r>
+              <a:rPr lang="en-US" dirty="0"/>
+              <a:t> routines for the actual data representation. </a:t>
             </a:r>
           </a:p>
         </p:txBody>
@@ -13989,7 +14281,7 @@
     </p:spTree>
     <p:extLst>
       <p:ext uri="{BB962C8B-B14F-4D97-AF65-F5344CB8AC3E}">
-        <p14:creationId xmlns:p14="http://schemas.microsoft.com/office/powerpoint/2010/main" xmlns="" val="2361005017"/>
+        <p14:creationId xmlns="" xmlns:p14="http://schemas.microsoft.com/office/powerpoint/2010/main" val="4202837589"/>
       </p:ext>
     </p:extLst>
   </p:cSld>
@@ -14062,283 +14354,34 @@
         </p:spPr>
         <p:txBody>
           <a:bodyPr>
-            <a:normAutofit fontScale="47500" lnSpcReduction="20000"/>
+            <a:normAutofit/>
           </a:bodyPr>
           <a:lstStyle/>
           <a:p>
-            <a:pPr marL="0" indent="0">
-              <a:buNone/>
-            </a:pPr>
-            <a:r>
-              <a:rPr lang="en-US" dirty="0"/>
-              <a:t>class Set extends Vector {</a:t>
-            </a:r>
-          </a:p>
-          <a:p>
-            <a:pPr marL="0" indent="0">
-              <a:buNone/>
-            </a:pPr>
+            <a:r>
+              <a:rPr lang="en-US" dirty="0"/>
+              <a:t>The child class limits some of the behavior of the parent class. </a:t>
+            </a:r>
+          </a:p>
+          <a:p>
             <a:endParaRPr lang="en-US" dirty="0"/>
           </a:p>
           <a:p>
-            <a:pPr marL="0" indent="0">
-              <a:buNone/>
-            </a:pPr>
-            <a:r>
-              <a:rPr lang="en-US" dirty="0"/>
-              <a:t>	// methods </a:t>
-            </a:r>
-            <a:r>
-              <a:rPr lang="en-US" dirty="0" err="1"/>
-              <a:t>addElement</a:t>
-            </a:r>
-            <a:r>
-              <a:rPr lang="en-US" dirty="0"/>
-              <a:t>, </a:t>
-            </a:r>
-            <a:r>
-              <a:rPr lang="en-US" dirty="0" err="1"/>
-              <a:t>removeElement</a:t>
-            </a:r>
-            <a:r>
-              <a:rPr lang="en-US" dirty="0"/>
-              <a:t>, contains</a:t>
-            </a:r>
-          </a:p>
-          <a:p>
-            <a:pPr marL="0" indent="0">
-              <a:buNone/>
-            </a:pPr>
-            <a:r>
-              <a:rPr lang="en-US" dirty="0"/>
-              <a:t>	// </a:t>
-            </a:r>
-            <a:r>
-              <a:rPr lang="en-US" dirty="0" err="1"/>
-              <a:t>isEmpty</a:t>
-            </a:r>
-            <a:r>
-              <a:rPr lang="en-US" dirty="0"/>
-              <a:t> and size</a:t>
-            </a:r>
-          </a:p>
-          <a:p>
-            <a:pPr marL="0" indent="0">
-              <a:buNone/>
-            </a:pPr>
-            <a:r>
-              <a:rPr lang="en-US" dirty="0"/>
-              <a:t>	// are all inherited from vector</a:t>
-            </a:r>
-          </a:p>
-          <a:p>
-            <a:pPr marL="0" indent="0">
-              <a:buNone/>
-            </a:pPr>
+            <a:pPr lvl="1"/>
+            <a:r>
+              <a:rPr lang="en-US" dirty="0"/>
+              <a:t>Example, you have an existing List data type, and you want a Stack to inherit from List, but override the methods that allow access to elements other than top so as to produce errors.</a:t>
+            </a:r>
+          </a:p>
+          <a:p>
+            <a:pPr lvl="1"/>
             <a:endParaRPr lang="en-US" dirty="0"/>
           </a:p>
           <a:p>
-            <a:pPr marL="0" indent="0">
-              <a:buNone/>
-            </a:pPr>
-            <a:r>
-              <a:rPr lang="en-US" dirty="0"/>
-              <a:t>  public int </a:t>
-            </a:r>
-            <a:r>
-              <a:rPr lang="en-US" dirty="0" err="1"/>
-              <a:t>indexOf</a:t>
-            </a:r>
-            <a:r>
-              <a:rPr lang="en-US" dirty="0"/>
-              <a:t> (Object obj)</a:t>
-            </a:r>
-          </a:p>
-          <a:p>
-            <a:pPr marL="0" indent="0">
-              <a:buNone/>
-            </a:pPr>
-            <a:r>
-              <a:rPr lang="en-US" dirty="0"/>
-              <a:t>   {</a:t>
-            </a:r>
-          </a:p>
-          <a:p>
-            <a:pPr marL="0" indent="0">
-              <a:buNone/>
-            </a:pPr>
-            <a:r>
-              <a:rPr lang="en-US" dirty="0"/>
-              <a:t>     throw new </a:t>
-            </a:r>
-            <a:r>
-              <a:rPr lang="en-US" dirty="0" err="1"/>
-              <a:t>IllegalOperation</a:t>
-            </a:r>
-            <a:r>
-              <a:rPr lang="en-US" dirty="0"/>
-              <a:t>("</a:t>
-            </a:r>
-            <a:r>
-              <a:rPr lang="en-US" dirty="0" err="1"/>
-              <a:t>indexOf</a:t>
-            </a:r>
-            <a:r>
-              <a:rPr lang="en-US" dirty="0"/>
-              <a:t>"); </a:t>
-            </a:r>
-          </a:p>
-          <a:p>
-            <a:pPr marL="0" indent="0">
-              <a:buNone/>
-            </a:pPr>
-            <a:r>
-              <a:rPr lang="en-US" dirty="0"/>
-              <a:t>   }</a:t>
-            </a:r>
-          </a:p>
-          <a:p>
-            <a:pPr marL="0" indent="0">
-              <a:buNone/>
-            </a:pPr>
-            <a:endParaRPr lang="en-US" dirty="0"/>
-          </a:p>
-          <a:p>
-            <a:pPr marL="0" indent="0">
-              <a:buNone/>
-            </a:pPr>
-            <a:r>
-              <a:rPr lang="en-US" dirty="0"/>
-              <a:t>   public int </a:t>
-            </a:r>
-            <a:r>
-              <a:rPr lang="en-US" dirty="0" err="1"/>
-              <a:t>elementAt</a:t>
-            </a:r>
-            <a:r>
-              <a:rPr lang="en-US" dirty="0"/>
-              <a:t> (int index)</a:t>
-            </a:r>
-          </a:p>
-          <a:p>
-            <a:pPr marL="0" indent="0">
-              <a:buNone/>
-            </a:pPr>
-            <a:r>
-              <a:rPr lang="en-US" dirty="0"/>
-              <a:t>   {</a:t>
-            </a:r>
-          </a:p>
-          <a:p>
-            <a:pPr marL="0" indent="0">
-              <a:buNone/>
-            </a:pPr>
-            <a:r>
-              <a:rPr lang="en-US" dirty="0"/>
-              <a:t>     throw new </a:t>
-            </a:r>
-            <a:r>
-              <a:rPr lang="en-US" dirty="0" err="1"/>
-              <a:t>IllegalOperation</a:t>
-            </a:r>
-            <a:r>
-              <a:rPr lang="en-US" dirty="0"/>
-              <a:t>("</a:t>
-            </a:r>
-            <a:r>
-              <a:rPr lang="en-US" dirty="0" err="1"/>
-              <a:t>indexOf</a:t>
-            </a:r>
-            <a:r>
-              <a:rPr lang="en-US" dirty="0"/>
-              <a:t>");</a:t>
-            </a:r>
-          </a:p>
-          <a:p>
-            <a:pPr marL="0" indent="0">
-              <a:buNone/>
-            </a:pPr>
-            <a:r>
-              <a:rPr lang="en-US" dirty="0"/>
-              <a:t>   }</a:t>
-            </a:r>
-          </a:p>
-          <a:p>
-            <a:pPr marL="0" indent="0">
-              <a:buNone/>
-            </a:pPr>
-            <a:r>
-              <a:rPr lang="en-US" dirty="0"/>
-              <a:t>}</a:t>
-            </a:r>
-          </a:p>
-          <a:p>
-            <a:pPr marL="0" indent="0">
-              <a:buNone/>
-            </a:pPr>
-            <a:r>
-              <a:rPr lang="en-US" dirty="0"/>
-              <a:t>//Where </a:t>
-            </a:r>
-            <a:r>
-              <a:rPr lang="en-US" dirty="0" err="1"/>
-              <a:t>IllegalOperation</a:t>
-            </a:r>
-            <a:r>
-              <a:rPr lang="en-US" dirty="0"/>
-              <a:t> is a subclass of Exception:</a:t>
-            </a:r>
-          </a:p>
-          <a:p>
-            <a:pPr marL="0" indent="0">
-              <a:buNone/>
-            </a:pPr>
-            <a:r>
-              <a:rPr lang="en-US" dirty="0"/>
-              <a:t>class </a:t>
-            </a:r>
-            <a:r>
-              <a:rPr lang="en-US" dirty="0" err="1"/>
-              <a:t>IllegalOperation</a:t>
-            </a:r>
-            <a:r>
-              <a:rPr lang="en-US" dirty="0"/>
-              <a:t> extends Exception </a:t>
-            </a:r>
-          </a:p>
-          <a:p>
-            <a:pPr marL="0" indent="0">
-              <a:buNone/>
-            </a:pPr>
-            <a:r>
-              <a:rPr lang="en-US" dirty="0"/>
-              <a:t>{</a:t>
-            </a:r>
-          </a:p>
-          <a:p>
-            <a:pPr marL="0" indent="0">
-              <a:buNone/>
-            </a:pPr>
-            <a:r>
-              <a:rPr lang="en-US" dirty="0"/>
-              <a:t>  </a:t>
-            </a:r>
-            <a:r>
-              <a:rPr lang="en-US" dirty="0" err="1"/>
-              <a:t>IllegalOperation</a:t>
-            </a:r>
-            <a:r>
-              <a:rPr lang="en-US" dirty="0"/>
-              <a:t> (String str) { super(str)}; </a:t>
-            </a:r>
-          </a:p>
-          <a:p>
-            <a:pPr marL="0" indent="0">
-              <a:buNone/>
-            </a:pPr>
-            <a:r>
-              <a:rPr lang="en-US" dirty="0"/>
-              <a:t>}</a:t>
+            <a:pPr lvl="1"/>
+            <a:r>
+              <a:rPr lang="en-US" dirty="0"/>
+              <a:t>This once again breaks the principle of substitutability.</a:t>
             </a:r>
           </a:p>
         </p:txBody>
@@ -14395,7 +14438,7 @@
     </p:spTree>
     <p:extLst>
       <p:ext uri="{BB962C8B-B14F-4D97-AF65-F5344CB8AC3E}">
-        <p14:creationId xmlns:p14="http://schemas.microsoft.com/office/powerpoint/2010/main" xmlns="" val="314734182"/>
+        <p14:creationId xmlns="" xmlns:p14="http://schemas.microsoft.com/office/powerpoint/2010/main" val="2361005017"/>
       </p:ext>
     </p:extLst>
   </p:cSld>
@@ -14444,7 +14487,7 @@
           <a:p>
             <a:r>
               <a:rPr lang="en-US" dirty="0"/>
-              <a:t>Variance</a:t>
+              <a:t>Limitation</a:t>
             </a:r>
             <a:endParaRPr lang="en-CA" dirty="0"/>
           </a:p>
@@ -14468,64 +14511,284 @@
         </p:spPr>
         <p:txBody>
           <a:bodyPr>
-            <a:normAutofit/>
+            <a:normAutofit fontScale="47500" lnSpcReduction="20000"/>
           </a:bodyPr>
           <a:lstStyle/>
           <a:p>
-            <a:r>
-              <a:rPr lang="en-US" dirty="0"/>
-              <a:t>Two or more classes that seem to be related, but its not clear who should be the parent and who should be the child. </a:t>
-            </a:r>
-          </a:p>
-          <a:p>
+            <a:pPr marL="0" indent="0">
+              <a:buNone/>
+            </a:pPr>
+            <a:r>
+              <a:rPr lang="en-US" dirty="0"/>
+              <a:t>class Set extends Vector {</a:t>
+            </a:r>
+          </a:p>
+          <a:p>
+            <a:pPr marL="0" indent="0">
+              <a:buNone/>
+            </a:pPr>
             <a:endParaRPr lang="en-US" dirty="0"/>
           </a:p>
           <a:p>
-            <a:pPr lvl="1"/>
-            <a:r>
-              <a:rPr lang="en-US" dirty="0"/>
-              <a:t>Example: Mouse and </a:t>
+            <a:pPr marL="0" indent="0">
+              <a:buNone/>
+            </a:pPr>
+            <a:r>
+              <a:rPr lang="en-US" dirty="0"/>
+              <a:t>	// methods </a:t>
             </a:r>
             <a:r>
               <a:rPr lang="en-US" dirty="0" err="1"/>
-              <a:t>TouchPad</a:t>
-            </a:r>
-            <a:r>
-              <a:rPr lang="en-US" dirty="0"/>
-              <a:t> and </a:t>
+              <a:t>addElement</a:t>
+            </a:r>
+            <a:r>
+              <a:rPr lang="en-US" dirty="0"/>
+              <a:t>, </a:t>
             </a:r>
             <a:r>
               <a:rPr lang="en-US" dirty="0" err="1"/>
-              <a:t>JoyStick</a:t>
-            </a:r>
-            <a:r>
-              <a:rPr lang="en-US" dirty="0"/>
-              <a:t> </a:t>
-            </a:r>
-          </a:p>
-          <a:p>
-            <a:pPr lvl="1"/>
+              <a:t>removeElement</a:t>
+            </a:r>
+            <a:r>
+              <a:rPr lang="en-US" dirty="0"/>
+              <a:t>, contains</a:t>
+            </a:r>
+          </a:p>
+          <a:p>
+            <a:pPr marL="0" indent="0">
+              <a:buNone/>
+            </a:pPr>
+            <a:r>
+              <a:rPr lang="en-US" dirty="0"/>
+              <a:t>	// </a:t>
+            </a:r>
+            <a:r>
+              <a:rPr lang="en-US" dirty="0" err="1"/>
+              <a:t>isEmpty</a:t>
+            </a:r>
+            <a:r>
+              <a:rPr lang="en-US" dirty="0"/>
+              <a:t> and size</a:t>
+            </a:r>
+          </a:p>
+          <a:p>
+            <a:pPr marL="0" indent="0">
+              <a:buNone/>
+            </a:pPr>
+            <a:r>
+              <a:rPr lang="en-US" dirty="0"/>
+              <a:t>	// are all inherited from vector</a:t>
+            </a:r>
+          </a:p>
+          <a:p>
+            <a:pPr marL="0" indent="0">
+              <a:buNone/>
+            </a:pPr>
             <a:endParaRPr lang="en-US" dirty="0"/>
           </a:p>
           <a:p>
-            <a:pPr lvl="1"/>
-            <a:r>
-              <a:rPr lang="en-US" dirty="0"/>
-              <a:t>Better solution, abstract out common parts to new parent class, and use subclassing for specialization.</a:t>
-            </a:r>
-          </a:p>
-          <a:p>
-            <a:pPr lvl="1"/>
+            <a:pPr marL="0" indent="0">
+              <a:buNone/>
+            </a:pPr>
+            <a:r>
+              <a:rPr lang="en-US" dirty="0"/>
+              <a:t>  public int </a:t>
+            </a:r>
+            <a:r>
+              <a:rPr lang="en-US" dirty="0" err="1"/>
+              <a:t>indexOf</a:t>
+            </a:r>
+            <a:r>
+              <a:rPr lang="en-US" dirty="0"/>
+              <a:t> (Object obj)</a:t>
+            </a:r>
+          </a:p>
+          <a:p>
+            <a:pPr marL="0" indent="0">
+              <a:buNone/>
+            </a:pPr>
+            <a:r>
+              <a:rPr lang="en-US" dirty="0"/>
+              <a:t>   {</a:t>
+            </a:r>
+          </a:p>
+          <a:p>
+            <a:pPr marL="0" indent="0">
+              <a:buNone/>
+            </a:pPr>
+            <a:r>
+              <a:rPr lang="en-US" dirty="0"/>
+              <a:t>     throw new </a:t>
+            </a:r>
+            <a:r>
+              <a:rPr lang="en-US" dirty="0" err="1"/>
+              <a:t>IllegalOperation</a:t>
+            </a:r>
+            <a:r>
+              <a:rPr lang="en-US" dirty="0"/>
+              <a:t>("</a:t>
+            </a:r>
+            <a:r>
+              <a:rPr lang="en-US" dirty="0" err="1"/>
+              <a:t>indexOf</a:t>
+            </a:r>
+            <a:r>
+              <a:rPr lang="en-US" dirty="0"/>
+              <a:t>"); </a:t>
+            </a:r>
+          </a:p>
+          <a:p>
+            <a:pPr marL="0" indent="0">
+              <a:buNone/>
+            </a:pPr>
+            <a:r>
+              <a:rPr lang="en-US" dirty="0"/>
+              <a:t>   }</a:t>
+            </a:r>
+          </a:p>
+          <a:p>
+            <a:pPr marL="0" indent="0">
+              <a:buNone/>
+            </a:pPr>
             <a:endParaRPr lang="en-US" dirty="0"/>
           </a:p>
           <a:p>
-            <a:r>
-              <a:rPr lang="en-US" altLang="en-US" sz="2800" b="1" dirty="0"/>
-              <a:t>The child class and parent class are variants of each other, and the class-subclass relationship is arbitrary. </a:t>
-            </a:r>
-          </a:p>
-          <a:p>
-            <a:endParaRPr lang="en-US" dirty="0"/>
+            <a:pPr marL="0" indent="0">
+              <a:buNone/>
+            </a:pPr>
+            <a:r>
+              <a:rPr lang="en-US" dirty="0"/>
+              <a:t>   public int </a:t>
+            </a:r>
+            <a:r>
+              <a:rPr lang="en-US" dirty="0" err="1"/>
+              <a:t>elementAt</a:t>
+            </a:r>
+            <a:r>
+              <a:rPr lang="en-US" dirty="0"/>
+              <a:t> (int index)</a:t>
+            </a:r>
+          </a:p>
+          <a:p>
+            <a:pPr marL="0" indent="0">
+              <a:buNone/>
+            </a:pPr>
+            <a:r>
+              <a:rPr lang="en-US" dirty="0"/>
+              <a:t>   {</a:t>
+            </a:r>
+          </a:p>
+          <a:p>
+            <a:pPr marL="0" indent="0">
+              <a:buNone/>
+            </a:pPr>
+            <a:r>
+              <a:rPr lang="en-US" dirty="0"/>
+              <a:t>     throw new </a:t>
+            </a:r>
+            <a:r>
+              <a:rPr lang="en-US" dirty="0" err="1"/>
+              <a:t>IllegalOperation</a:t>
+            </a:r>
+            <a:r>
+              <a:rPr lang="en-US" dirty="0"/>
+              <a:t>("</a:t>
+            </a:r>
+            <a:r>
+              <a:rPr lang="en-US" dirty="0" err="1"/>
+              <a:t>indexOf</a:t>
+            </a:r>
+            <a:r>
+              <a:rPr lang="en-US" dirty="0"/>
+              <a:t>");</a:t>
+            </a:r>
+          </a:p>
+          <a:p>
+            <a:pPr marL="0" indent="0">
+              <a:buNone/>
+            </a:pPr>
+            <a:r>
+              <a:rPr lang="en-US" dirty="0"/>
+              <a:t>   }</a:t>
+            </a:r>
+          </a:p>
+          <a:p>
+            <a:pPr marL="0" indent="0">
+              <a:buNone/>
+            </a:pPr>
+            <a:r>
+              <a:rPr lang="en-US" dirty="0"/>
+              <a:t>}</a:t>
+            </a:r>
+          </a:p>
+          <a:p>
+            <a:pPr marL="0" indent="0">
+              <a:buNone/>
+            </a:pPr>
+            <a:r>
+              <a:rPr lang="en-US" dirty="0"/>
+              <a:t>//Where </a:t>
+            </a:r>
+            <a:r>
+              <a:rPr lang="en-US" dirty="0" err="1"/>
+              <a:t>IllegalOperation</a:t>
+            </a:r>
+            <a:r>
+              <a:rPr lang="en-US" dirty="0"/>
+              <a:t> is a subclass of Exception:</a:t>
+            </a:r>
+          </a:p>
+          <a:p>
+            <a:pPr marL="0" indent="0">
+              <a:buNone/>
+            </a:pPr>
+            <a:r>
+              <a:rPr lang="en-US" dirty="0"/>
+              <a:t>class </a:t>
+            </a:r>
+            <a:r>
+              <a:rPr lang="en-US" dirty="0" err="1"/>
+              <a:t>IllegalOperation</a:t>
+            </a:r>
+            <a:r>
+              <a:rPr lang="en-US" dirty="0"/>
+              <a:t> extends Exception </a:t>
+            </a:r>
+          </a:p>
+          <a:p>
+            <a:pPr marL="0" indent="0">
+              <a:buNone/>
+            </a:pPr>
+            <a:r>
+              <a:rPr lang="en-US" dirty="0"/>
+              <a:t>{</a:t>
+            </a:r>
+          </a:p>
+          <a:p>
+            <a:pPr marL="0" indent="0">
+              <a:buNone/>
+            </a:pPr>
+            <a:r>
+              <a:rPr lang="en-US" dirty="0"/>
+              <a:t>  </a:t>
+            </a:r>
+            <a:r>
+              <a:rPr lang="en-US" dirty="0" err="1"/>
+              <a:t>IllegalOperation</a:t>
+            </a:r>
+            <a:r>
+              <a:rPr lang="en-US" dirty="0"/>
+              <a:t> (String str) { super(str)}; </a:t>
+            </a:r>
+          </a:p>
+          <a:p>
+            <a:pPr marL="0" indent="0">
+              <a:buNone/>
+            </a:pPr>
+            <a:r>
+              <a:rPr lang="en-US" dirty="0"/>
+              <a:t>}</a:t>
+            </a:r>
           </a:p>
         </p:txBody>
       </p:sp>
@@ -14581,7 +14844,7 @@
     </p:spTree>
     <p:extLst>
       <p:ext uri="{BB962C8B-B14F-4D97-AF65-F5344CB8AC3E}">
-        <p14:creationId xmlns:p14="http://schemas.microsoft.com/office/powerpoint/2010/main" xmlns="" val="3430305953"/>
+        <p14:creationId xmlns="" xmlns:p14="http://schemas.microsoft.com/office/powerpoint/2010/main" val="314734182"/>
       </p:ext>
     </p:extLst>
   </p:cSld>
@@ -14630,7 +14893,7 @@
           <a:p>
             <a:r>
               <a:rPr lang="en-US" dirty="0"/>
-              <a:t>Summary of Forms of Inheritance</a:t>
+              <a:t>Variance</a:t>
             </a:r>
             <a:endParaRPr lang="en-CA" dirty="0"/>
           </a:p>
@@ -14660,81 +14923,58 @@
           <a:p>
             <a:r>
               <a:rPr lang="en-US" dirty="0"/>
-              <a:t>     </a:t>
-            </a:r>
-            <a:r>
-              <a:rPr lang="en-US" b="1" dirty="0"/>
-              <a:t>Subtype. </a:t>
-            </a:r>
-            <a:r>
-              <a:rPr lang="en-US" dirty="0"/>
-              <a:t>The child class is a special case of the parent class but has the same </a:t>
+              <a:t>Two or more classes that seem to be related, but its not clear who should be the parent and who should be the child. </a:t>
+            </a:r>
+          </a:p>
+          <a:p>
+            <a:endParaRPr lang="en-US" dirty="0"/>
+          </a:p>
+          <a:p>
+            <a:pPr lvl="1"/>
+            <a:r>
+              <a:rPr lang="en-US" dirty="0"/>
+              <a:t>Example: Mouse and </a:t>
             </a:r>
             <a:r>
               <a:rPr lang="en-US" dirty="0" err="1"/>
-              <a:t>behaviour</a:t>
-            </a:r>
-            <a:r>
-              <a:rPr lang="en-US" dirty="0"/>
-              <a:t> as the parent..</a:t>
-            </a:r>
-          </a:p>
-          <a:p>
+              <a:t>TouchPad</a:t>
+            </a:r>
+            <a:r>
+              <a:rPr lang="en-US" dirty="0"/>
+              <a:t> and </a:t>
+            </a:r>
+            <a:r>
+              <a:rPr lang="en-US" dirty="0" err="1"/>
+              <a:t>JoyStick</a:t>
+            </a:r>
+            <a:r>
+              <a:rPr lang="en-US" dirty="0"/>
+              <a:t> </a:t>
+            </a:r>
+          </a:p>
+          <a:p>
+            <a:pPr lvl="1"/>
             <a:endParaRPr lang="en-US" dirty="0"/>
           </a:p>
           <a:p>
-            <a:r>
-              <a:rPr lang="en-US" dirty="0"/>
-              <a:t>     </a:t>
-            </a:r>
-            <a:r>
-              <a:rPr lang="en-US" b="1" dirty="0"/>
-              <a:t>Specification. </a:t>
-            </a:r>
-            <a:r>
-              <a:rPr lang="en-US" dirty="0"/>
-              <a:t>The parent class defines behavior that is implemented in the child class but not in the parent class. </a:t>
-            </a:r>
-          </a:p>
-          <a:p>
-            <a:pPr marL="0" indent="0">
-              <a:buNone/>
-            </a:pPr>
+            <a:pPr lvl="1"/>
+            <a:r>
+              <a:rPr lang="en-US" dirty="0"/>
+              <a:t>Better solution, abstract out common parts to new parent class, and use subclassing for specialization.</a:t>
+            </a:r>
+          </a:p>
+          <a:p>
+            <a:pPr lvl="1"/>
             <a:endParaRPr lang="en-US" dirty="0"/>
           </a:p>
           <a:p>
             <a:r>
-              <a:rPr lang="en-US" dirty="0"/>
-              <a:t>     </a:t>
-            </a:r>
-            <a:r>
-              <a:rPr lang="en-US" b="1" dirty="0"/>
-              <a:t>Construction. </a:t>
-            </a:r>
-            <a:r>
-              <a:rPr lang="en-US" dirty="0"/>
-              <a:t>The child class makes use of the behavior provided by the parent class, but is not a subtype of the parent class.</a:t>
-            </a:r>
-          </a:p>
-          <a:p>
-            <a:pPr marL="0" indent="0">
-              <a:buNone/>
-            </a:pPr>
+              <a:rPr lang="en-US" altLang="en-US" sz="2800" b="1" dirty="0"/>
+              <a:t>The child class and parent class are variants of each other, and the class-subclass relationship is arbitrary. </a:t>
+            </a:r>
+          </a:p>
+          <a:p>
             <a:endParaRPr lang="en-US" dirty="0"/>
-          </a:p>
-          <a:p>
-            <a:r>
-              <a:rPr lang="en-US" dirty="0"/>
-              <a:t>     </a:t>
-            </a:r>
-            <a:r>
-              <a:rPr lang="en-US" b="1" dirty="0"/>
-              <a:t>Specialization. </a:t>
-            </a:r>
-            <a:r>
-              <a:rPr lang="en-US" dirty="0"/>
-              <a:t>The child class modifies or overrides some of the methods of the parent class. </a:t>
-            </a:r>
           </a:p>
         </p:txBody>
       </p:sp>
@@ -14790,7 +15030,7 @@
     </p:spTree>
     <p:extLst>
       <p:ext uri="{BB962C8B-B14F-4D97-AF65-F5344CB8AC3E}">
-        <p14:creationId xmlns:p14="http://schemas.microsoft.com/office/powerpoint/2010/main" xmlns="" val="3300086517"/>
+        <p14:creationId xmlns="" xmlns:p14="http://schemas.microsoft.com/office/powerpoint/2010/main" val="3430305953"/>
       </p:ext>
     </p:extLst>
   </p:cSld>
@@ -14873,11 +15113,19 @@
             </a:r>
             <a:r>
               <a:rPr lang="en-US" b="1" dirty="0"/>
-              <a:t>Extension. </a:t>
-            </a:r>
-            <a:r>
-              <a:rPr lang="en-US" dirty="0"/>
-              <a:t>The child class adds new functionality to the parent class, but does not change any inherited behavior. </a:t>
+              <a:t>Subtype. </a:t>
+            </a:r>
+            <a:r>
+              <a:rPr lang="en-US" dirty="0"/>
+              <a:t>The child class is a special case of the parent class but has the same </a:t>
+            </a:r>
+            <a:r>
+              <a:rPr lang="en-US" dirty="0" err="1"/>
+              <a:t>behaviour</a:t>
+            </a:r>
+            <a:r>
+              <a:rPr lang="en-US" dirty="0"/>
+              <a:t> as the parent..</a:t>
             </a:r>
           </a:p>
           <a:p>
@@ -14890,14 +15138,17 @@
             </a:r>
             <a:r>
               <a:rPr lang="en-US" b="1" dirty="0"/>
-              <a:t>Limitation. </a:t>
-            </a:r>
-            <a:r>
-              <a:rPr lang="en-US" dirty="0"/>
-              <a:t>The child class restricts the use of some of the behavior inherited from the parent class. </a:t>
-            </a:r>
-          </a:p>
-          <a:p>
+              <a:t>Specification. </a:t>
+            </a:r>
+            <a:r>
+              <a:rPr lang="en-US" dirty="0"/>
+              <a:t>The parent class defines behavior that is implemented in the child class but not in the parent class. </a:t>
+            </a:r>
+          </a:p>
+          <a:p>
+            <a:pPr marL="0" indent="0">
+              <a:buNone/>
+            </a:pPr>
             <a:endParaRPr lang="en-US" dirty="0"/>
           </a:p>
           <a:p>
@@ -14907,14 +15158,17 @@
             </a:r>
             <a:r>
               <a:rPr lang="en-US" b="1" dirty="0"/>
-              <a:t>Variance. </a:t>
-            </a:r>
-            <a:r>
-              <a:rPr lang="en-US" dirty="0"/>
-              <a:t>The child class and parent class are variants of each other, and the class-subclass relationship is arbitrary. </a:t>
-            </a:r>
-          </a:p>
-          <a:p>
+              <a:t>Construction. </a:t>
+            </a:r>
+            <a:r>
+              <a:rPr lang="en-US" dirty="0"/>
+              <a:t>The child class makes use of the behavior provided by the parent class, but is not a subtype of the parent class.</a:t>
+            </a:r>
+          </a:p>
+          <a:p>
+            <a:pPr marL="0" indent="0">
+              <a:buNone/>
+            </a:pPr>
             <a:endParaRPr lang="en-US" dirty="0"/>
           </a:p>
           <a:p>
@@ -14924,11 +15178,11 @@
             </a:r>
             <a:r>
               <a:rPr lang="en-US" b="1" dirty="0"/>
-              <a:t>Combination. </a:t>
-            </a:r>
-            <a:r>
-              <a:rPr lang="en-US" dirty="0"/>
-              <a:t>The child class inherits features from more than one parent class. This is multiple inheritance and will be discussed later.</a:t>
+              <a:t>Specialization. </a:t>
+            </a:r>
+            <a:r>
+              <a:rPr lang="en-US" dirty="0"/>
+              <a:t>The child class modifies or overrides some of the methods of the parent class. </a:t>
             </a:r>
           </a:p>
         </p:txBody>
@@ -14985,7 +15239,202 @@
     </p:spTree>
     <p:extLst>
       <p:ext uri="{BB962C8B-B14F-4D97-AF65-F5344CB8AC3E}">
-        <p14:creationId xmlns:p14="http://schemas.microsoft.com/office/powerpoint/2010/main" xmlns="" val="920751980"/>
+        <p14:creationId xmlns="" xmlns:p14="http://schemas.microsoft.com/office/powerpoint/2010/main" val="3300086517"/>
+      </p:ext>
+    </p:extLst>
+  </p:cSld>
+  <p:clrMapOvr>
+    <a:masterClrMapping/>
+  </p:clrMapOvr>
+</p:sld>
+</file>
+
+<file path=ppt/slides/slide38.xml><?xml version="1.0" encoding="utf-8"?>
+<p:sld xmlns:a="http://schemas.openxmlformats.org/drawingml/2006/main" xmlns:r="http://schemas.openxmlformats.org/officeDocument/2006/relationships" xmlns:p="http://schemas.openxmlformats.org/presentationml/2006/main">
+  <p:cSld>
+    <p:spTree>
+      <p:nvGrpSpPr>
+        <p:cNvPr id="1" name=""/>
+        <p:cNvGrpSpPr/>
+        <p:nvPr/>
+      </p:nvGrpSpPr>
+      <p:grpSpPr>
+        <a:xfrm>
+          <a:off x="0" y="0"/>
+          <a:ext cx="0" cy="0"/>
+          <a:chOff x="0" y="0"/>
+          <a:chExt cx="0" cy="0"/>
+        </a:xfrm>
+      </p:grpSpPr>
+      <p:sp>
+        <p:nvSpPr>
+          <p:cNvPr id="2" name="Title 1"/>
+          <p:cNvSpPr>
+            <a:spLocks noGrp="1"/>
+          </p:cNvSpPr>
+          <p:nvPr>
+            <p:ph type="title"/>
+          </p:nvPr>
+        </p:nvSpPr>
+        <p:spPr>
+          <a:xfrm>
+            <a:off x="-1" y="-157162"/>
+            <a:ext cx="10795819" cy="1325563"/>
+          </a:xfrm>
+        </p:spPr>
+        <p:txBody>
+          <a:bodyPr/>
+          <a:lstStyle/>
+          <a:p>
+            <a:r>
+              <a:rPr lang="en-US" dirty="0"/>
+              <a:t>Summary of Forms of Inheritance</a:t>
+            </a:r>
+            <a:endParaRPr lang="en-CA" dirty="0"/>
+          </a:p>
+        </p:txBody>
+      </p:sp>
+      <p:sp>
+        <p:nvSpPr>
+          <p:cNvPr id="3" name="Content Placeholder 2"/>
+          <p:cNvSpPr>
+            <a:spLocks noGrp="1"/>
+          </p:cNvSpPr>
+          <p:nvPr>
+            <p:ph idx="1"/>
+          </p:nvPr>
+        </p:nvSpPr>
+        <p:spPr>
+          <a:xfrm>
+            <a:off x="640874" y="1168401"/>
+            <a:ext cx="10515600" cy="5566696"/>
+          </a:xfrm>
+        </p:spPr>
+        <p:txBody>
+          <a:bodyPr>
+            <a:normAutofit/>
+          </a:bodyPr>
+          <a:lstStyle/>
+          <a:p>
+            <a:r>
+              <a:rPr lang="en-US" dirty="0"/>
+              <a:t>     </a:t>
+            </a:r>
+            <a:r>
+              <a:rPr lang="en-US" b="1" dirty="0"/>
+              <a:t>Extension. </a:t>
+            </a:r>
+            <a:r>
+              <a:rPr lang="en-US" dirty="0"/>
+              <a:t>The child class adds new functionality to the parent class, but does not change any inherited behavior. </a:t>
+            </a:r>
+          </a:p>
+          <a:p>
+            <a:endParaRPr lang="en-US" dirty="0"/>
+          </a:p>
+          <a:p>
+            <a:r>
+              <a:rPr lang="en-US" dirty="0"/>
+              <a:t>     </a:t>
+            </a:r>
+            <a:r>
+              <a:rPr lang="en-US" b="1" dirty="0"/>
+              <a:t>Limitation. </a:t>
+            </a:r>
+            <a:r>
+              <a:rPr lang="en-US" dirty="0"/>
+              <a:t>The child class restricts the use of some of the behavior inherited from the parent class. </a:t>
+            </a:r>
+          </a:p>
+          <a:p>
+            <a:endParaRPr lang="en-US" dirty="0"/>
+          </a:p>
+          <a:p>
+            <a:r>
+              <a:rPr lang="en-US" dirty="0"/>
+              <a:t>     </a:t>
+            </a:r>
+            <a:r>
+              <a:rPr lang="en-US" b="1" dirty="0"/>
+              <a:t>Variance. </a:t>
+            </a:r>
+            <a:r>
+              <a:rPr lang="en-US" dirty="0"/>
+              <a:t>The child class and parent class are variants of each other, and the class-subclass relationship is arbitrary. </a:t>
+            </a:r>
+          </a:p>
+          <a:p>
+            <a:endParaRPr lang="en-US" dirty="0"/>
+          </a:p>
+          <a:p>
+            <a:r>
+              <a:rPr lang="en-US" dirty="0"/>
+              <a:t>     </a:t>
+            </a:r>
+            <a:r>
+              <a:rPr lang="en-US" b="1" dirty="0"/>
+              <a:t>Combination. </a:t>
+            </a:r>
+            <a:r>
+              <a:rPr lang="en-US" dirty="0"/>
+              <a:t>The child class inherits features from more than one parent class. This is multiple inheritance and will be discussed later.</a:t>
+            </a:r>
+          </a:p>
+        </p:txBody>
+      </p:sp>
+      <p:sp>
+        <p:nvSpPr>
+          <p:cNvPr id="10" name="Footer Placeholder 9"/>
+          <p:cNvSpPr>
+            <a:spLocks noGrp="1"/>
+          </p:cNvSpPr>
+          <p:nvPr>
+            <p:ph type="ftr" sz="quarter" idx="3"/>
+          </p:nvPr>
+        </p:nvSpPr>
+        <p:spPr/>
+        <p:txBody>
+          <a:bodyPr/>
+          <a:lstStyle/>
+          <a:p>
+            <a:r>
+              <a:rPr lang="en-CA" dirty="0"/>
+              <a:t>CS321: Advanced Programming Techniques</a:t>
+            </a:r>
+          </a:p>
+        </p:txBody>
+      </p:sp>
+      <p:sp>
+        <p:nvSpPr>
+          <p:cNvPr id="12" name="Slide Number Placeholder 11"/>
+          <p:cNvSpPr>
+            <a:spLocks noGrp="1"/>
+          </p:cNvSpPr>
+          <p:nvPr>
+            <p:ph type="sldNum" sz="quarter" idx="4"/>
+          </p:nvPr>
+        </p:nvSpPr>
+        <p:spPr/>
+        <p:txBody>
+          <a:bodyPr/>
+          <a:lstStyle/>
+          <a:p>
+            <a:fld id="{5174927E-2439-42C0-9720-7BBCA09BF46F}" type="slidenum">
+              <a:rPr lang="en-CA" smtClean="0"/>
+              <a:pPr/>
+              <a:t>38</a:t>
+            </a:fld>
+            <a:r>
+              <a:rPr lang="en-CA" dirty="0"/>
+              <a:t> </a:t>
+            </a:r>
+          </a:p>
+        </p:txBody>
+      </p:sp>
+    </p:spTree>
+    <p:extLst>
+      <p:ext uri="{BB962C8B-B14F-4D97-AF65-F5344CB8AC3E}">
+        <p14:creationId xmlns="" xmlns:p14="http://schemas.microsoft.com/office/powerpoint/2010/main" val="920751980"/>
       </p:ext>
     </p:extLst>
   </p:cSld>
@@ -15163,7 +15612,7 @@
           <p:cNvPr id="7" name="AutoShape 5">
             <a:extLst>
               <a:ext uri="{FF2B5EF4-FFF2-40B4-BE49-F238E27FC236}">
-                <a16:creationId xmlns:a16="http://schemas.microsoft.com/office/drawing/2014/main" xmlns="" id="{462D63BB-D44E-4578-A69A-8569D36FB65A}"/>
+                <a16:creationId xmlns="" xmlns:a16="http://schemas.microsoft.com/office/drawing/2014/main" id="{462D63BB-D44E-4578-A69A-8569D36FB65A}"/>
               </a:ext>
             </a:extLst>
           </p:cNvPr>
@@ -15400,7 +15849,7 @@
           <p:cNvPr id="8" name="Line 6">
             <a:extLst>
               <a:ext uri="{FF2B5EF4-FFF2-40B4-BE49-F238E27FC236}">
-                <a16:creationId xmlns:a16="http://schemas.microsoft.com/office/drawing/2014/main" xmlns="" id="{FE552F06-B6B9-43A6-91A8-F67A09CBDD48}"/>
+                <a16:creationId xmlns="" xmlns:a16="http://schemas.microsoft.com/office/drawing/2014/main" id="{FE552F06-B6B9-43A6-91A8-F67A09CBDD48}"/>
               </a:ext>
             </a:extLst>
           </p:cNvPr>
@@ -15428,7 +15877,7 @@
           </a:ln>
           <a:extLst>
             <a:ext uri="{909E8E84-426E-40DD-AFC4-6F175D3DCCD1}">
-              <a14:hiddenFill xmlns:a14="http://schemas.microsoft.com/office/drawing/2010/main" xmlns="">
+              <a14:hiddenFill xmlns="" xmlns:a14="http://schemas.microsoft.com/office/drawing/2010/main">
                 <a:noFill/>
               </a14:hiddenFill>
             </a:ext>
@@ -15447,7 +15896,7 @@
           <p:cNvPr id="9" name="AutoShape 7">
             <a:extLst>
               <a:ext uri="{FF2B5EF4-FFF2-40B4-BE49-F238E27FC236}">
-                <a16:creationId xmlns:a16="http://schemas.microsoft.com/office/drawing/2014/main" xmlns="" id="{D93EC6EF-9446-42DB-9FAD-0D31770A5611}"/>
+                <a16:creationId xmlns="" xmlns:a16="http://schemas.microsoft.com/office/drawing/2014/main" id="{D93EC6EF-9446-42DB-9FAD-0D31770A5611}"/>
               </a:ext>
             </a:extLst>
           </p:cNvPr>
@@ -15687,7 +16136,7 @@
           <p:cNvPr id="11" name="Text Box 8">
             <a:extLst>
               <a:ext uri="{FF2B5EF4-FFF2-40B4-BE49-F238E27FC236}">
-                <a16:creationId xmlns:a16="http://schemas.microsoft.com/office/drawing/2014/main" xmlns="" id="{C6FBC956-5F42-48E0-AAFE-58E1C11E35ED}"/>
+                <a16:creationId xmlns="" xmlns:a16="http://schemas.microsoft.com/office/drawing/2014/main" id="{C6FBC956-5F42-48E0-AAFE-58E1C11E35ED}"/>
               </a:ext>
             </a:extLst>
           </p:cNvPr>
@@ -15710,14 +16159,14 @@
           </a:ln>
           <a:extLst>
             <a:ext uri="{909E8E84-426E-40DD-AFC4-6F175D3DCCD1}">
-              <a14:hiddenFill xmlns:a14="http://schemas.microsoft.com/office/drawing/2010/main" xmlns="">
+              <a14:hiddenFill xmlns="" xmlns:a14="http://schemas.microsoft.com/office/drawing/2010/main">
                 <a:solidFill>
                   <a:srgbClr val="FFFFFF"/>
                 </a:solidFill>
               </a14:hiddenFill>
             </a:ext>
             <a:ext uri="{91240B29-F687-4F45-9708-019B960494DF}">
-              <a14:hiddenLine xmlns:a14="http://schemas.microsoft.com/office/drawing/2010/main" xmlns="" w="9525">
+              <a14:hiddenLine xmlns="" xmlns:a14="http://schemas.microsoft.com/office/drawing/2010/main" w="9525">
                 <a:solidFill>
                   <a:srgbClr val="000000"/>
                 </a:solidFill>
@@ -15880,7 +16329,7 @@
           <p:cNvPr id="13" name="Text Box 9">
             <a:extLst>
               <a:ext uri="{FF2B5EF4-FFF2-40B4-BE49-F238E27FC236}">
-                <a16:creationId xmlns:a16="http://schemas.microsoft.com/office/drawing/2014/main" xmlns="" id="{45EB3E87-C528-46E8-9EAF-044E13AE1A79}"/>
+                <a16:creationId xmlns="" xmlns:a16="http://schemas.microsoft.com/office/drawing/2014/main" id="{45EB3E87-C528-46E8-9EAF-044E13AE1A79}"/>
               </a:ext>
             </a:extLst>
           </p:cNvPr>
@@ -15903,14 +16352,14 @@
           </a:ln>
           <a:extLst>
             <a:ext uri="{909E8E84-426E-40DD-AFC4-6F175D3DCCD1}">
-              <a14:hiddenFill xmlns:a14="http://schemas.microsoft.com/office/drawing/2010/main" xmlns="">
+              <a14:hiddenFill xmlns="" xmlns:a14="http://schemas.microsoft.com/office/drawing/2010/main">
                 <a:solidFill>
                   <a:srgbClr val="FFFFFF"/>
                 </a:solidFill>
               </a14:hiddenFill>
             </a:ext>
             <a:ext uri="{91240B29-F687-4F45-9708-019B960494DF}">
-              <a14:hiddenLine xmlns:a14="http://schemas.microsoft.com/office/drawing/2010/main" xmlns="" w="9525">
+              <a14:hiddenLine xmlns="" xmlns:a14="http://schemas.microsoft.com/office/drawing/2010/main" w="9525">
                 <a:solidFill>
                   <a:srgbClr val="000000"/>
                 </a:solidFill>
@@ -16071,7 +16520,7 @@
     </p:spTree>
     <p:extLst>
       <p:ext uri="{BB962C8B-B14F-4D97-AF65-F5344CB8AC3E}">
-        <p14:creationId xmlns:p14="http://schemas.microsoft.com/office/powerpoint/2010/main" xmlns="" val="3590587903"/>
+        <p14:creationId xmlns="" xmlns:p14="http://schemas.microsoft.com/office/powerpoint/2010/main" val="3590587903"/>
       </p:ext>
     </p:extLst>
   </p:cSld>
@@ -16221,7 +16670,7 @@
           <p:cNvPr id="7" name="AutoShape 4">
             <a:extLst>
               <a:ext uri="{FF2B5EF4-FFF2-40B4-BE49-F238E27FC236}">
-                <a16:creationId xmlns:a16="http://schemas.microsoft.com/office/drawing/2014/main" xmlns="" id="{3536F5CA-99DF-4F32-BA74-B63F844EE6D4}"/>
+                <a16:creationId xmlns="" xmlns:a16="http://schemas.microsoft.com/office/drawing/2014/main" id="{3536F5CA-99DF-4F32-BA74-B63F844EE6D4}"/>
               </a:ext>
             </a:extLst>
           </p:cNvPr>
@@ -16458,7 +16907,7 @@
           <p:cNvPr id="8" name="Line 5">
             <a:extLst>
               <a:ext uri="{FF2B5EF4-FFF2-40B4-BE49-F238E27FC236}">
-                <a16:creationId xmlns:a16="http://schemas.microsoft.com/office/drawing/2014/main" xmlns="" id="{6B675B69-0B29-48DE-A71E-FA58DD3D46E7}"/>
+                <a16:creationId xmlns="" xmlns:a16="http://schemas.microsoft.com/office/drawing/2014/main" id="{6B675B69-0B29-48DE-A71E-FA58DD3D46E7}"/>
               </a:ext>
             </a:extLst>
           </p:cNvPr>
@@ -16486,7 +16935,7 @@
           </a:ln>
           <a:extLst>
             <a:ext uri="{909E8E84-426E-40DD-AFC4-6F175D3DCCD1}">
-              <a14:hiddenFill xmlns:a14="http://schemas.microsoft.com/office/drawing/2010/main" xmlns="">
+              <a14:hiddenFill xmlns="" xmlns:a14="http://schemas.microsoft.com/office/drawing/2010/main">
                 <a:noFill/>
               </a14:hiddenFill>
             </a:ext>
@@ -16505,7 +16954,7 @@
           <p:cNvPr id="9" name="AutoShape 6">
             <a:extLst>
               <a:ext uri="{FF2B5EF4-FFF2-40B4-BE49-F238E27FC236}">
-                <a16:creationId xmlns:a16="http://schemas.microsoft.com/office/drawing/2014/main" xmlns="" id="{80D8F817-4902-470B-BACE-B92C78B448E6}"/>
+                <a16:creationId xmlns="" xmlns:a16="http://schemas.microsoft.com/office/drawing/2014/main" id="{80D8F817-4902-470B-BACE-B92C78B448E6}"/>
               </a:ext>
             </a:extLst>
           </p:cNvPr>
@@ -16745,7 +17194,7 @@
           <p:cNvPr id="11" name="Oval 7">
             <a:extLst>
               <a:ext uri="{FF2B5EF4-FFF2-40B4-BE49-F238E27FC236}">
-                <a16:creationId xmlns:a16="http://schemas.microsoft.com/office/drawing/2014/main" xmlns="" id="{719E2EC9-3164-4E95-AD4E-436D3A4F9B48}"/>
+                <a16:creationId xmlns="" xmlns:a16="http://schemas.microsoft.com/office/drawing/2014/main" id="{719E2EC9-3164-4E95-AD4E-436D3A4F9B48}"/>
               </a:ext>
             </a:extLst>
           </p:cNvPr>
@@ -16976,7 +17425,7 @@
           <p:cNvPr id="13" name="Oval 8">
             <a:extLst>
               <a:ext uri="{FF2B5EF4-FFF2-40B4-BE49-F238E27FC236}">
-                <a16:creationId xmlns:a16="http://schemas.microsoft.com/office/drawing/2014/main" xmlns="" id="{648872B4-33B5-4777-AA4C-1F5A6FD53701}"/>
+                <a16:creationId xmlns="" xmlns:a16="http://schemas.microsoft.com/office/drawing/2014/main" id="{648872B4-33B5-4777-AA4C-1F5A6FD53701}"/>
               </a:ext>
             </a:extLst>
           </p:cNvPr>
@@ -17267,7 +17716,7 @@
           <p:cNvPr id="14" name="Text Box 9">
             <a:extLst>
               <a:ext uri="{FF2B5EF4-FFF2-40B4-BE49-F238E27FC236}">
-                <a16:creationId xmlns:a16="http://schemas.microsoft.com/office/drawing/2014/main" xmlns="" id="{18FD1E5A-04AD-4533-A5DB-4C7C375F7944}"/>
+                <a16:creationId xmlns="" xmlns:a16="http://schemas.microsoft.com/office/drawing/2014/main" id="{18FD1E5A-04AD-4533-A5DB-4C7C375F7944}"/>
               </a:ext>
             </a:extLst>
           </p:cNvPr>
@@ -17290,14 +17739,14 @@
           </a:ln>
           <a:extLst>
             <a:ext uri="{909E8E84-426E-40DD-AFC4-6F175D3DCCD1}">
-              <a14:hiddenFill xmlns:a14="http://schemas.microsoft.com/office/drawing/2010/main" xmlns="">
+              <a14:hiddenFill xmlns="" xmlns:a14="http://schemas.microsoft.com/office/drawing/2010/main">
                 <a:solidFill>
                   <a:srgbClr val="FFFFFF"/>
                 </a:solidFill>
               </a14:hiddenFill>
             </a:ext>
             <a:ext uri="{91240B29-F687-4F45-9708-019B960494DF}">
-              <a14:hiddenLine xmlns:a14="http://schemas.microsoft.com/office/drawing/2010/main" xmlns="" w="9525">
+              <a14:hiddenLine xmlns="" xmlns:a14="http://schemas.microsoft.com/office/drawing/2010/main" w="9525">
                 <a:solidFill>
                   <a:srgbClr val="000000"/>
                 </a:solidFill>
@@ -17458,7 +17907,7 @@
     </p:spTree>
     <p:extLst>
       <p:ext uri="{BB962C8B-B14F-4D97-AF65-F5344CB8AC3E}">
-        <p14:creationId xmlns:p14="http://schemas.microsoft.com/office/powerpoint/2010/main" xmlns="" val="2721899742"/>
+        <p14:creationId xmlns="" xmlns:p14="http://schemas.microsoft.com/office/powerpoint/2010/main" val="2721899742"/>
       </p:ext>
     </p:extLst>
   </p:cSld>
@@ -17600,7 +18049,7 @@
           <p:cNvPr id="7" name="AutoShape 4">
             <a:extLst>
               <a:ext uri="{FF2B5EF4-FFF2-40B4-BE49-F238E27FC236}">
-                <a16:creationId xmlns:a16="http://schemas.microsoft.com/office/drawing/2014/main" xmlns="" id="{31F95FDC-EBA9-49D6-90A7-52AA9E49DF53}"/>
+                <a16:creationId xmlns="" xmlns:a16="http://schemas.microsoft.com/office/drawing/2014/main" id="{31F95FDC-EBA9-49D6-90A7-52AA9E49DF53}"/>
               </a:ext>
             </a:extLst>
           </p:cNvPr>
@@ -17837,7 +18286,7 @@
           <p:cNvPr id="8" name="Line 5">
             <a:extLst>
               <a:ext uri="{FF2B5EF4-FFF2-40B4-BE49-F238E27FC236}">
-                <a16:creationId xmlns:a16="http://schemas.microsoft.com/office/drawing/2014/main" xmlns="" id="{AAEA41CD-AF5F-4545-B232-E6157DF4225F}"/>
+                <a16:creationId xmlns="" xmlns:a16="http://schemas.microsoft.com/office/drawing/2014/main" id="{AAEA41CD-AF5F-4545-B232-E6157DF4225F}"/>
               </a:ext>
             </a:extLst>
           </p:cNvPr>
@@ -17865,7 +18314,7 @@
           </a:ln>
           <a:extLst>
             <a:ext uri="{909E8E84-426E-40DD-AFC4-6F175D3DCCD1}">
-              <a14:hiddenFill xmlns:a14="http://schemas.microsoft.com/office/drawing/2010/main" xmlns="">
+              <a14:hiddenFill xmlns="" xmlns:a14="http://schemas.microsoft.com/office/drawing/2010/main">
                 <a:noFill/>
               </a14:hiddenFill>
             </a:ext>
@@ -17884,7 +18333,7 @@
           <p:cNvPr id="9" name="AutoShape 6">
             <a:extLst>
               <a:ext uri="{FF2B5EF4-FFF2-40B4-BE49-F238E27FC236}">
-                <a16:creationId xmlns:a16="http://schemas.microsoft.com/office/drawing/2014/main" xmlns="" id="{1974E535-7EAF-4943-BF20-9A1EA78554DD}"/>
+                <a16:creationId xmlns="" xmlns:a16="http://schemas.microsoft.com/office/drawing/2014/main" id="{1974E535-7EAF-4943-BF20-9A1EA78554DD}"/>
               </a:ext>
             </a:extLst>
           </p:cNvPr>
@@ -18124,7 +18573,7 @@
           <p:cNvPr id="11" name="AutoShape 7">
             <a:extLst>
               <a:ext uri="{FF2B5EF4-FFF2-40B4-BE49-F238E27FC236}">
-                <a16:creationId xmlns:a16="http://schemas.microsoft.com/office/drawing/2014/main" xmlns="" id="{967BBC33-44D5-4511-8CC5-26DF3040B552}"/>
+                <a16:creationId xmlns="" xmlns:a16="http://schemas.microsoft.com/office/drawing/2014/main" id="{967BBC33-44D5-4511-8CC5-26DF3040B552}"/>
               </a:ext>
             </a:extLst>
           </p:cNvPr>
@@ -18265,7 +18714,7 @@
           <p:cNvPr id="13" name="Text Box 8">
             <a:extLst>
               <a:ext uri="{FF2B5EF4-FFF2-40B4-BE49-F238E27FC236}">
-                <a16:creationId xmlns:a16="http://schemas.microsoft.com/office/drawing/2014/main" xmlns="" id="{F2C5DFEB-57E2-4DE2-9070-8A4379E125DF}"/>
+                <a16:creationId xmlns="" xmlns:a16="http://schemas.microsoft.com/office/drawing/2014/main" id="{F2C5DFEB-57E2-4DE2-9070-8A4379E125DF}"/>
               </a:ext>
             </a:extLst>
           </p:cNvPr>
@@ -18288,14 +18737,14 @@
           </a:ln>
           <a:extLst>
             <a:ext uri="{909E8E84-426E-40DD-AFC4-6F175D3DCCD1}">
-              <a14:hiddenFill xmlns:a14="http://schemas.microsoft.com/office/drawing/2010/main" xmlns="">
+              <a14:hiddenFill xmlns="" xmlns:a14="http://schemas.microsoft.com/office/drawing/2010/main">
                 <a:solidFill>
                   <a:srgbClr val="FFFFFF"/>
                 </a:solidFill>
               </a14:hiddenFill>
             </a:ext>
             <a:ext uri="{91240B29-F687-4F45-9708-019B960494DF}">
-              <a14:hiddenLine xmlns:a14="http://schemas.microsoft.com/office/drawing/2010/main" xmlns="" w="9525">
+              <a14:hiddenLine xmlns="" xmlns:a14="http://schemas.microsoft.com/office/drawing/2010/main" w="9525">
                 <a:solidFill>
                   <a:srgbClr val="000000"/>
                 </a:solidFill>
@@ -18564,7 +19013,7 @@
           <p:cNvPr id="14" name="AutoShape 9">
             <a:extLst>
               <a:ext uri="{FF2B5EF4-FFF2-40B4-BE49-F238E27FC236}">
-                <a16:creationId xmlns:a16="http://schemas.microsoft.com/office/drawing/2014/main" xmlns="" id="{F5CF2C22-E7B1-42CE-896E-E3E6FB67E91C}"/>
+                <a16:creationId xmlns="" xmlns:a16="http://schemas.microsoft.com/office/drawing/2014/main" id="{F5CF2C22-E7B1-42CE-896E-E3E6FB67E91C}"/>
               </a:ext>
             </a:extLst>
           </p:cNvPr>
@@ -18705,7 +19154,7 @@
           <p:cNvPr id="15" name="Text Box 10">
             <a:extLst>
               <a:ext uri="{FF2B5EF4-FFF2-40B4-BE49-F238E27FC236}">
-                <a16:creationId xmlns:a16="http://schemas.microsoft.com/office/drawing/2014/main" xmlns="" id="{E5D2B502-A2F4-4775-BE3D-62A4EEA3FC13}"/>
+                <a16:creationId xmlns="" xmlns:a16="http://schemas.microsoft.com/office/drawing/2014/main" id="{E5D2B502-A2F4-4775-BE3D-62A4EEA3FC13}"/>
               </a:ext>
             </a:extLst>
           </p:cNvPr>
@@ -18728,14 +19177,14 @@
           </a:ln>
           <a:extLst>
             <a:ext uri="{909E8E84-426E-40DD-AFC4-6F175D3DCCD1}">
-              <a14:hiddenFill xmlns:a14="http://schemas.microsoft.com/office/drawing/2010/main" xmlns="">
+              <a14:hiddenFill xmlns="" xmlns:a14="http://schemas.microsoft.com/office/drawing/2010/main">
                 <a:solidFill>
                   <a:srgbClr val="FFFFFF"/>
                 </a:solidFill>
               </a14:hiddenFill>
             </a:ext>
             <a:ext uri="{91240B29-F687-4F45-9708-019B960494DF}">
-              <a14:hiddenLine xmlns:a14="http://schemas.microsoft.com/office/drawing/2010/main" xmlns="" w="9525">
+              <a14:hiddenLine xmlns="" xmlns:a14="http://schemas.microsoft.com/office/drawing/2010/main" w="9525">
                 <a:solidFill>
                   <a:srgbClr val="000000"/>
                 </a:solidFill>
@@ -19047,7 +19496,7 @@
           <p:cNvPr id="16" name="Group 11">
             <a:extLst>
               <a:ext uri="{FF2B5EF4-FFF2-40B4-BE49-F238E27FC236}">
-                <a16:creationId xmlns:a16="http://schemas.microsoft.com/office/drawing/2014/main" xmlns="" id="{0F4636B6-36F8-4B7E-9AC9-9A11AA344868}"/>
+                <a16:creationId xmlns="" xmlns:a16="http://schemas.microsoft.com/office/drawing/2014/main" id="{0F4636B6-36F8-4B7E-9AC9-9A11AA344868}"/>
               </a:ext>
             </a:extLst>
           </p:cNvPr>
@@ -19069,7 +19518,7 @@
             <p:cNvPr id="17" name="AutoShape 12">
               <a:extLst>
                 <a:ext uri="{FF2B5EF4-FFF2-40B4-BE49-F238E27FC236}">
-                  <a16:creationId xmlns:a16="http://schemas.microsoft.com/office/drawing/2014/main" xmlns="" id="{EF3B9B05-2B29-45F1-94C5-68A2EF7B9E83}"/>
+                  <a16:creationId xmlns="" xmlns:a16="http://schemas.microsoft.com/office/drawing/2014/main" id="{EF3B9B05-2B29-45F1-94C5-68A2EF7B9E83}"/>
                 </a:ext>
               </a:extLst>
             </p:cNvPr>
@@ -19210,7 +19659,7 @@
             <p:cNvPr id="18" name="Text Box 13">
               <a:extLst>
                 <a:ext uri="{FF2B5EF4-FFF2-40B4-BE49-F238E27FC236}">
-                  <a16:creationId xmlns:a16="http://schemas.microsoft.com/office/drawing/2014/main" xmlns="" id="{8B58F0E3-EDC8-4485-9846-411F055DC503}"/>
+                  <a16:creationId xmlns="" xmlns:a16="http://schemas.microsoft.com/office/drawing/2014/main" id="{8B58F0E3-EDC8-4485-9846-411F055DC503}"/>
                 </a:ext>
               </a:extLst>
             </p:cNvPr>
@@ -19233,14 +19682,14 @@
             </a:ln>
             <a:extLst>
               <a:ext uri="{909E8E84-426E-40DD-AFC4-6F175D3DCCD1}">
-                <a14:hiddenFill xmlns:a14="http://schemas.microsoft.com/office/drawing/2010/main" xmlns="">
+                <a14:hiddenFill xmlns="" xmlns:a14="http://schemas.microsoft.com/office/drawing/2010/main">
                   <a:solidFill>
                     <a:srgbClr val="FFFFFF"/>
                   </a:solidFill>
                 </a14:hiddenFill>
               </a:ext>
               <a:ext uri="{91240B29-F687-4F45-9708-019B960494DF}">
-                <a14:hiddenLine xmlns:a14="http://schemas.microsoft.com/office/drawing/2010/main" xmlns="" w="9525">
+                <a14:hiddenLine xmlns="" xmlns:a14="http://schemas.microsoft.com/office/drawing/2010/main" w="9525">
                   <a:solidFill>
                     <a:srgbClr val="000000"/>
                   </a:solidFill>
@@ -19441,7 +19890,7 @@
     </p:spTree>
     <p:extLst>
       <p:ext uri="{BB962C8B-B14F-4D97-AF65-F5344CB8AC3E}">
-        <p14:creationId xmlns:p14="http://schemas.microsoft.com/office/powerpoint/2010/main" xmlns="" val="51204498"/>
+        <p14:creationId xmlns="" xmlns:p14="http://schemas.microsoft.com/office/powerpoint/2010/main" val="51204498"/>
       </p:ext>
     </p:extLst>
   </p:cSld>
@@ -19627,7 +20076,7 @@
           <p:cNvPr id="7" name="AutoShape 4">
             <a:extLst>
               <a:ext uri="{FF2B5EF4-FFF2-40B4-BE49-F238E27FC236}">
-                <a16:creationId xmlns:a16="http://schemas.microsoft.com/office/drawing/2014/main" xmlns="" id="{7EFBE907-40F2-47D1-9BD7-B3CEDC2F52A8}"/>
+                <a16:creationId xmlns="" xmlns:a16="http://schemas.microsoft.com/office/drawing/2014/main" id="{7EFBE907-40F2-47D1-9BD7-B3CEDC2F52A8}"/>
               </a:ext>
             </a:extLst>
           </p:cNvPr>
@@ -19810,7 +20259,7 @@
           <p:cNvPr id="8" name="AutoShape 6">
             <a:extLst>
               <a:ext uri="{FF2B5EF4-FFF2-40B4-BE49-F238E27FC236}">
-                <a16:creationId xmlns:a16="http://schemas.microsoft.com/office/drawing/2014/main" xmlns="" id="{023607E6-2F20-401D-9A90-052951B256FE}"/>
+                <a16:creationId xmlns="" xmlns:a16="http://schemas.microsoft.com/office/drawing/2014/main" id="{023607E6-2F20-401D-9A90-052951B256FE}"/>
               </a:ext>
             </a:extLst>
           </p:cNvPr>
@@ -19993,7 +20442,7 @@
           <p:cNvPr id="9" name="AutoShape 7">
             <a:extLst>
               <a:ext uri="{FF2B5EF4-FFF2-40B4-BE49-F238E27FC236}">
-                <a16:creationId xmlns:a16="http://schemas.microsoft.com/office/drawing/2014/main" xmlns="" id="{517483B1-C59D-4049-9C8B-95F08D421C63}"/>
+                <a16:creationId xmlns="" xmlns:a16="http://schemas.microsoft.com/office/drawing/2014/main" id="{517483B1-C59D-4049-9C8B-95F08D421C63}"/>
               </a:ext>
             </a:extLst>
           </p:cNvPr>
@@ -20176,7 +20625,7 @@
           <p:cNvPr id="11" name="AutoShape 8">
             <a:extLst>
               <a:ext uri="{FF2B5EF4-FFF2-40B4-BE49-F238E27FC236}">
-                <a16:creationId xmlns:a16="http://schemas.microsoft.com/office/drawing/2014/main" xmlns="" id="{CD44DFC6-ABD5-4644-A162-76CFAE2BBC34}"/>
+                <a16:creationId xmlns="" xmlns:a16="http://schemas.microsoft.com/office/drawing/2014/main" id="{CD44DFC6-ABD5-4644-A162-76CFAE2BBC34}"/>
               </a:ext>
             </a:extLst>
           </p:cNvPr>
@@ -20359,7 +20808,7 @@
           <p:cNvPr id="13" name="AutoShape 9">
             <a:extLst>
               <a:ext uri="{FF2B5EF4-FFF2-40B4-BE49-F238E27FC236}">
-                <a16:creationId xmlns:a16="http://schemas.microsoft.com/office/drawing/2014/main" xmlns="" id="{9B930C7F-8388-4078-9FEB-6FA93D213CE1}"/>
+                <a16:creationId xmlns="" xmlns:a16="http://schemas.microsoft.com/office/drawing/2014/main" id="{9B930C7F-8388-4078-9FEB-6FA93D213CE1}"/>
               </a:ext>
             </a:extLst>
           </p:cNvPr>
@@ -20542,7 +20991,7 @@
           <p:cNvPr id="14" name="AutoShape 10">
             <a:extLst>
               <a:ext uri="{FF2B5EF4-FFF2-40B4-BE49-F238E27FC236}">
-                <a16:creationId xmlns:a16="http://schemas.microsoft.com/office/drawing/2014/main" xmlns="" id="{85E106EE-9442-439F-88C3-2EC5A4C5731A}"/>
+                <a16:creationId xmlns="" xmlns:a16="http://schemas.microsoft.com/office/drawing/2014/main" id="{85E106EE-9442-439F-88C3-2EC5A4C5731A}"/>
               </a:ext>
             </a:extLst>
           </p:cNvPr>
@@ -20725,7 +21174,7 @@
           <p:cNvPr id="15" name="AutoShape 11">
             <a:extLst>
               <a:ext uri="{FF2B5EF4-FFF2-40B4-BE49-F238E27FC236}">
-                <a16:creationId xmlns:a16="http://schemas.microsoft.com/office/drawing/2014/main" xmlns="" id="{2950A4D3-7AF0-4AD2-A618-95FC624C4D85}"/>
+                <a16:creationId xmlns="" xmlns:a16="http://schemas.microsoft.com/office/drawing/2014/main" id="{2950A4D3-7AF0-4AD2-A618-95FC624C4D85}"/>
               </a:ext>
             </a:extLst>
           </p:cNvPr>
@@ -20908,7 +21357,7 @@
           <p:cNvPr id="16" name="AutoShape 12">
             <a:extLst>
               <a:ext uri="{FF2B5EF4-FFF2-40B4-BE49-F238E27FC236}">
-                <a16:creationId xmlns:a16="http://schemas.microsoft.com/office/drawing/2014/main" xmlns="" id="{A5773D9B-3BF7-4221-9A7F-68EA68F604FE}"/>
+                <a16:creationId xmlns="" xmlns:a16="http://schemas.microsoft.com/office/drawing/2014/main" id="{A5773D9B-3BF7-4221-9A7F-68EA68F604FE}"/>
               </a:ext>
             </a:extLst>
           </p:cNvPr>
@@ -21091,7 +21540,7 @@
           <p:cNvPr id="17" name="Line 13">
             <a:extLst>
               <a:ext uri="{FF2B5EF4-FFF2-40B4-BE49-F238E27FC236}">
-                <a16:creationId xmlns:a16="http://schemas.microsoft.com/office/drawing/2014/main" xmlns="" id="{56C2489B-6392-41B4-8E7C-2CC1C9024E94}"/>
+                <a16:creationId xmlns="" xmlns:a16="http://schemas.microsoft.com/office/drawing/2014/main" id="{56C2489B-6392-41B4-8E7C-2CC1C9024E94}"/>
               </a:ext>
             </a:extLst>
           </p:cNvPr>
@@ -21119,7 +21568,7 @@
           </a:ln>
           <a:extLst>
             <a:ext uri="{909E8E84-426E-40DD-AFC4-6F175D3DCCD1}">
-              <a14:hiddenFill xmlns:a14="http://schemas.microsoft.com/office/drawing/2010/main" xmlns="">
+              <a14:hiddenFill xmlns="" xmlns:a14="http://schemas.microsoft.com/office/drawing/2010/main">
                 <a:noFill/>
               </a14:hiddenFill>
             </a:ext>
@@ -21138,7 +21587,7 @@
           <p:cNvPr id="18" name="Line 14">
             <a:extLst>
               <a:ext uri="{FF2B5EF4-FFF2-40B4-BE49-F238E27FC236}">
-                <a16:creationId xmlns:a16="http://schemas.microsoft.com/office/drawing/2014/main" xmlns="" id="{6E275B3E-799D-4EC9-8B3A-BB17C5C00A25}"/>
+                <a16:creationId xmlns="" xmlns:a16="http://schemas.microsoft.com/office/drawing/2014/main" id="{6E275B3E-799D-4EC9-8B3A-BB17C5C00A25}"/>
               </a:ext>
             </a:extLst>
           </p:cNvPr>
@@ -21166,7 +21615,7 @@
           </a:ln>
           <a:extLst>
             <a:ext uri="{909E8E84-426E-40DD-AFC4-6F175D3DCCD1}">
-              <a14:hiddenFill xmlns:a14="http://schemas.microsoft.com/office/drawing/2010/main" xmlns="">
+              <a14:hiddenFill xmlns="" xmlns:a14="http://schemas.microsoft.com/office/drawing/2010/main">
                 <a:noFill/>
               </a14:hiddenFill>
             </a:ext>
@@ -21185,7 +21634,7 @@
           <p:cNvPr id="19" name="Line 15">
             <a:extLst>
               <a:ext uri="{FF2B5EF4-FFF2-40B4-BE49-F238E27FC236}">
-                <a16:creationId xmlns:a16="http://schemas.microsoft.com/office/drawing/2014/main" xmlns="" id="{E85F42F2-1B21-4CEB-83FF-BFDA78856670}"/>
+                <a16:creationId xmlns="" xmlns:a16="http://schemas.microsoft.com/office/drawing/2014/main" id="{E85F42F2-1B21-4CEB-83FF-BFDA78856670}"/>
               </a:ext>
             </a:extLst>
           </p:cNvPr>
@@ -21213,7 +21662,7 @@
           </a:ln>
           <a:extLst>
             <a:ext uri="{909E8E84-426E-40DD-AFC4-6F175D3DCCD1}">
-              <a14:hiddenFill xmlns:a14="http://schemas.microsoft.com/office/drawing/2010/main" xmlns="">
+              <a14:hiddenFill xmlns="" xmlns:a14="http://schemas.microsoft.com/office/drawing/2010/main">
                 <a:noFill/>
               </a14:hiddenFill>
             </a:ext>
@@ -21232,7 +21681,7 @@
           <p:cNvPr id="20" name="Line 16">
             <a:extLst>
               <a:ext uri="{FF2B5EF4-FFF2-40B4-BE49-F238E27FC236}">
-                <a16:creationId xmlns:a16="http://schemas.microsoft.com/office/drawing/2014/main" xmlns="" id="{78B1EFBE-535F-433F-BFDE-6B3FFD36D5D1}"/>
+                <a16:creationId xmlns="" xmlns:a16="http://schemas.microsoft.com/office/drawing/2014/main" id="{78B1EFBE-535F-433F-BFDE-6B3FFD36D5D1}"/>
               </a:ext>
             </a:extLst>
           </p:cNvPr>
@@ -21260,7 +21709,7 @@
           </a:ln>
           <a:extLst>
             <a:ext uri="{909E8E84-426E-40DD-AFC4-6F175D3DCCD1}">
-              <a14:hiddenFill xmlns:a14="http://schemas.microsoft.com/office/drawing/2010/main" xmlns="">
+              <a14:hiddenFill xmlns="" xmlns:a14="http://schemas.microsoft.com/office/drawing/2010/main">
                 <a:noFill/>
               </a14:hiddenFill>
             </a:ext>
@@ -21279,7 +21728,7 @@
           <p:cNvPr id="21" name="Line 17">
             <a:extLst>
               <a:ext uri="{FF2B5EF4-FFF2-40B4-BE49-F238E27FC236}">
-                <a16:creationId xmlns:a16="http://schemas.microsoft.com/office/drawing/2014/main" xmlns="" id="{078AC76F-5273-4A7F-9B67-BFB9CA47CFE7}"/>
+                <a16:creationId xmlns="" xmlns:a16="http://schemas.microsoft.com/office/drawing/2014/main" id="{078AC76F-5273-4A7F-9B67-BFB9CA47CFE7}"/>
               </a:ext>
             </a:extLst>
           </p:cNvPr>
@@ -21307,7 +21756,7 @@
           </a:ln>
           <a:extLst>
             <a:ext uri="{909E8E84-426E-40DD-AFC4-6F175D3DCCD1}">
-              <a14:hiddenFill xmlns:a14="http://schemas.microsoft.com/office/drawing/2010/main" xmlns="">
+              <a14:hiddenFill xmlns="" xmlns:a14="http://schemas.microsoft.com/office/drawing/2010/main">
                 <a:noFill/>
               </a14:hiddenFill>
             </a:ext>
@@ -21326,7 +21775,7 @@
           <p:cNvPr id="22" name="Line 18">
             <a:extLst>
               <a:ext uri="{FF2B5EF4-FFF2-40B4-BE49-F238E27FC236}">
-                <a16:creationId xmlns:a16="http://schemas.microsoft.com/office/drawing/2014/main" xmlns="" id="{425D6275-453D-42F5-A253-9EB21360F1B7}"/>
+                <a16:creationId xmlns="" xmlns:a16="http://schemas.microsoft.com/office/drawing/2014/main" id="{425D6275-453D-42F5-A253-9EB21360F1B7}"/>
               </a:ext>
             </a:extLst>
           </p:cNvPr>
@@ -21354,7 +21803,7 @@
           </a:ln>
           <a:extLst>
             <a:ext uri="{909E8E84-426E-40DD-AFC4-6F175D3DCCD1}">
-              <a14:hiddenFill xmlns:a14="http://schemas.microsoft.com/office/drawing/2010/main" xmlns="">
+              <a14:hiddenFill xmlns="" xmlns:a14="http://schemas.microsoft.com/office/drawing/2010/main">
                 <a:noFill/>
               </a14:hiddenFill>
             </a:ext>
@@ -21373,7 +21822,7 @@
           <p:cNvPr id="23" name="Line 19">
             <a:extLst>
               <a:ext uri="{FF2B5EF4-FFF2-40B4-BE49-F238E27FC236}">
-                <a16:creationId xmlns:a16="http://schemas.microsoft.com/office/drawing/2014/main" xmlns="" id="{ADB93AE2-5570-4CB0-9A99-DDEF17A92BEB}"/>
+                <a16:creationId xmlns="" xmlns:a16="http://schemas.microsoft.com/office/drawing/2014/main" id="{ADB93AE2-5570-4CB0-9A99-DDEF17A92BEB}"/>
               </a:ext>
             </a:extLst>
           </p:cNvPr>
@@ -21401,7 +21850,7 @@
           </a:ln>
           <a:extLst>
             <a:ext uri="{909E8E84-426E-40DD-AFC4-6F175D3DCCD1}">
-              <a14:hiddenFill xmlns:a14="http://schemas.microsoft.com/office/drawing/2010/main" xmlns="">
+              <a14:hiddenFill xmlns="" xmlns:a14="http://schemas.microsoft.com/office/drawing/2010/main">
                 <a:noFill/>
               </a14:hiddenFill>
             </a:ext>
@@ -21418,7 +21867,7 @@
     </p:spTree>
     <p:extLst>
       <p:ext uri="{BB962C8B-B14F-4D97-AF65-F5344CB8AC3E}">
-        <p14:creationId xmlns:p14="http://schemas.microsoft.com/office/powerpoint/2010/main" xmlns="" val="2028171723"/>
+        <p14:creationId xmlns="" xmlns:p14="http://schemas.microsoft.com/office/powerpoint/2010/main" val="2028171723"/>
       </p:ext>
     </p:extLst>
   </p:cSld>
@@ -21590,7 +22039,7 @@
     </p:spTree>
     <p:extLst>
       <p:ext uri="{BB962C8B-B14F-4D97-AF65-F5344CB8AC3E}">
-        <p14:creationId xmlns:p14="http://schemas.microsoft.com/office/powerpoint/2010/main" xmlns="" val="497112890"/>
+        <p14:creationId xmlns="" xmlns:p14="http://schemas.microsoft.com/office/powerpoint/2010/main" val="497112890"/>
       </p:ext>
     </p:extLst>
   </p:cSld>
@@ -21754,7 +22203,7 @@
     </p:spTree>
     <p:extLst>
       <p:ext uri="{BB962C8B-B14F-4D97-AF65-F5344CB8AC3E}">
-        <p14:creationId xmlns:p14="http://schemas.microsoft.com/office/powerpoint/2010/main" xmlns="" val="831832902"/>
+        <p14:creationId xmlns="" xmlns:p14="http://schemas.microsoft.com/office/powerpoint/2010/main" val="831832902"/>
       </p:ext>
     </p:extLst>
   </p:cSld>
@@ -22053,7 +22502,7 @@
   <a:extraClrSchemeLst/>
   <a:extLst>
     <a:ext uri="{05A4C25C-085E-4340-85A3-A5531E510DB2}">
-      <thm15:themeFamily xmlns:thm15="http://schemas.microsoft.com/office/thememl/2012/main" xmlns="" name="eye_tracker_presentation" id="{00ED1D97-A04B-46A0-BB71-88655A6B057F}" vid="{F36189FA-3966-4852-951E-5734674D1C7B}"/>
+      <thm15:themeFamily xmlns="" xmlns:thm15="http://schemas.microsoft.com/office/thememl/2012/main" name="eye_tracker_presentation" id="{00ED1D97-A04B-46A0-BB71-88655A6B057F}" vid="{F36189FA-3966-4852-951E-5734674D1C7B}"/>
     </a:ext>
   </a:extLst>
 </a:theme>
@@ -22348,7 +22797,7 @@
   <a:extraClrSchemeLst/>
   <a:extLst>
     <a:ext uri="{05A4C25C-085E-4340-85A3-A5531E510DB2}">
-      <thm15:themeFamily xmlns:thm15="http://schemas.microsoft.com/office/thememl/2012/main" xmlns="" name="Office Theme" id="{62F939B6-93AF-4DB8-9C6B-D6C7DFDC589F}" vid="{4A3C46E8-61CC-4603-A589-7422A47A8E4A}"/>
+      <thm15:themeFamily xmlns="" xmlns:thm15="http://schemas.microsoft.com/office/thememl/2012/main" name="Office Theme" id="{62F939B6-93AF-4DB8-9C6B-D6C7DFDC589F}" vid="{4A3C46E8-61CC-4603-A589-7422A47A8E4A}"/>
     </a:ext>
   </a:extLst>
 </a:theme>
